--- a/Q_Learning/grid.pptx
+++ b/Q_Learning/grid.pptx
@@ -6,6 +6,7 @@
   </p:sldMasterIdLst>
   <p:sldIdLst>
     <p:sldId id="256" r:id="rId2"/>
+    <p:sldId id="257" r:id="rId3"/>
   </p:sldIdLst>
   <p:sldSz cx="12192000" cy="6858000"/>
   <p:notesSz cx="6858000" cy="9144000"/>
@@ -9032,6 +9033,2210 @@
 </p:sld>
 </file>
 
+<file path=ppt/slides/slide2.xml><?xml version="1.0" encoding="utf-8"?>
+<p:sld xmlns:a="http://schemas.openxmlformats.org/drawingml/2006/main" xmlns:r="http://schemas.openxmlformats.org/officeDocument/2006/relationships" xmlns:p="http://schemas.openxmlformats.org/presentationml/2006/main">
+  <p:cSld>
+    <p:spTree>
+      <p:nvGrpSpPr>
+        <p:cNvPr id="1" name=""/>
+        <p:cNvGrpSpPr/>
+        <p:nvPr/>
+      </p:nvGrpSpPr>
+      <p:grpSpPr>
+        <a:xfrm>
+          <a:off x="0" y="0"/>
+          <a:ext cx="0" cy="0"/>
+          <a:chOff x="0" y="0"/>
+          <a:chExt cx="0" cy="0"/>
+        </a:xfrm>
+      </p:grpSpPr>
+      <p:graphicFrame>
+        <p:nvGraphicFramePr>
+          <p:cNvPr id="4" name="표 3">
+            <a:extLst>
+              <a:ext uri="{FF2B5EF4-FFF2-40B4-BE49-F238E27FC236}">
+                <a16:creationId xmlns:a16="http://schemas.microsoft.com/office/drawing/2014/main" id="{64643A74-B6A0-EE10-87F3-DB6BEFC32207}"/>
+              </a:ext>
+            </a:extLst>
+          </p:cNvPr>
+          <p:cNvGraphicFramePr>
+            <a:graphicFrameLocks noGrp="1"/>
+          </p:cNvGraphicFramePr>
+          <p:nvPr>
+            <p:extLst>
+              <p:ext uri="{D42A27DB-BD31-4B8C-83A1-F6EECF244321}">
+                <p14:modId xmlns:p14="http://schemas.microsoft.com/office/powerpoint/2010/main" val="3913593913"/>
+              </p:ext>
+            </p:extLst>
+          </p:nvPr>
+        </p:nvGraphicFramePr>
+        <p:xfrm>
+          <a:off x="3250797" y="583377"/>
+          <a:ext cx="5690406" cy="5691246"/>
+        </p:xfrm>
+        <a:graphic>
+          <a:graphicData uri="http://schemas.openxmlformats.org/drawingml/2006/table">
+            <a:tbl>
+              <a:tblPr firstRow="1" bandRow="1">
+                <a:tableStyleId>{5C22544A-7EE6-4342-B048-85BDC9FD1C3A}</a:tableStyleId>
+              </a:tblPr>
+              <a:tblGrid>
+                <a:gridCol w="948401">
+                  <a:extLst>
+                    <a:ext uri="{9D8B030D-6E8A-4147-A177-3AD203B41FA5}">
+                      <a16:colId xmlns:a16="http://schemas.microsoft.com/office/drawing/2014/main" val="1591162524"/>
+                    </a:ext>
+                  </a:extLst>
+                </a:gridCol>
+                <a:gridCol w="948401">
+                  <a:extLst>
+                    <a:ext uri="{9D8B030D-6E8A-4147-A177-3AD203B41FA5}">
+                      <a16:colId xmlns:a16="http://schemas.microsoft.com/office/drawing/2014/main" val="567849060"/>
+                    </a:ext>
+                  </a:extLst>
+                </a:gridCol>
+                <a:gridCol w="948401">
+                  <a:extLst>
+                    <a:ext uri="{9D8B030D-6E8A-4147-A177-3AD203B41FA5}">
+                      <a16:colId xmlns:a16="http://schemas.microsoft.com/office/drawing/2014/main" val="2210151082"/>
+                    </a:ext>
+                  </a:extLst>
+                </a:gridCol>
+                <a:gridCol w="948401">
+                  <a:extLst>
+                    <a:ext uri="{9D8B030D-6E8A-4147-A177-3AD203B41FA5}">
+                      <a16:colId xmlns:a16="http://schemas.microsoft.com/office/drawing/2014/main" val="180277260"/>
+                    </a:ext>
+                  </a:extLst>
+                </a:gridCol>
+                <a:gridCol w="948401">
+                  <a:extLst>
+                    <a:ext uri="{9D8B030D-6E8A-4147-A177-3AD203B41FA5}">
+                      <a16:colId xmlns:a16="http://schemas.microsoft.com/office/drawing/2014/main" val="2006693310"/>
+                    </a:ext>
+                  </a:extLst>
+                </a:gridCol>
+                <a:gridCol w="948401">
+                  <a:extLst>
+                    <a:ext uri="{9D8B030D-6E8A-4147-A177-3AD203B41FA5}">
+                      <a16:colId xmlns:a16="http://schemas.microsoft.com/office/drawing/2014/main" val="1038984389"/>
+                    </a:ext>
+                  </a:extLst>
+                </a:gridCol>
+              </a:tblGrid>
+              <a:tr h="948541">
+                <a:tc>
+                  <a:txBody>
+                    <a:bodyPr/>
+                    <a:lstStyle/>
+                    <a:p>
+                      <a:pPr algn="ctr" latinLnBrk="1"/>
+                      <a:endParaRPr lang="ko-KR" altLang="en-US" sz="2200" dirty="0">
+                        <a:solidFill>
+                          <a:schemeClr val="tx1"/>
+                        </a:solidFill>
+                      </a:endParaRPr>
+                    </a:p>
+                  </a:txBody>
+                  <a:tcPr marL="114325" marR="114325" marT="57163" marB="57163" anchor="ctr">
+                    <a:lnL w="12700" cap="flat" cmpd="sng" algn="ctr">
+                      <a:solidFill>
+                        <a:schemeClr val="tx1"/>
+                      </a:solidFill>
+                      <a:prstDash val="solid"/>
+                      <a:round/>
+                      <a:headEnd type="none" w="med" len="med"/>
+                      <a:tailEnd type="none" w="med" len="med"/>
+                    </a:lnL>
+                    <a:lnR w="12700" cap="flat" cmpd="sng" algn="ctr">
+                      <a:solidFill>
+                        <a:schemeClr val="tx1"/>
+                      </a:solidFill>
+                      <a:prstDash val="solid"/>
+                      <a:round/>
+                      <a:headEnd type="none" w="med" len="med"/>
+                      <a:tailEnd type="none" w="med" len="med"/>
+                    </a:lnR>
+                    <a:lnT w="12700" cap="flat" cmpd="sng" algn="ctr">
+                      <a:solidFill>
+                        <a:schemeClr val="tx1"/>
+                      </a:solidFill>
+                      <a:prstDash val="solid"/>
+                      <a:round/>
+                      <a:headEnd type="none" w="med" len="med"/>
+                      <a:tailEnd type="none" w="med" len="med"/>
+                    </a:lnT>
+                    <a:lnB w="12700" cap="flat" cmpd="sng" algn="ctr">
+                      <a:solidFill>
+                        <a:schemeClr val="tx1"/>
+                      </a:solidFill>
+                      <a:prstDash val="solid"/>
+                      <a:round/>
+                      <a:headEnd type="none" w="med" len="med"/>
+                      <a:tailEnd type="none" w="med" len="med"/>
+                    </a:lnB>
+                    <a:noFill/>
+                  </a:tcPr>
+                </a:tc>
+                <a:tc>
+                  <a:txBody>
+                    <a:bodyPr/>
+                    <a:lstStyle/>
+                    <a:p>
+                      <a:pPr algn="ctr" latinLnBrk="1"/>
+                      <a:r>
+                        <a:rPr lang="en-US" altLang="ko-KR" sz="2200" dirty="0">
+                          <a:solidFill>
+                            <a:schemeClr val="tx1"/>
+                          </a:solidFill>
+                        </a:rPr>
+                        <a:t>0</a:t>
+                      </a:r>
+                      <a:endParaRPr lang="ko-KR" altLang="en-US" sz="2200" dirty="0">
+                        <a:solidFill>
+                          <a:schemeClr val="tx1"/>
+                        </a:solidFill>
+                      </a:endParaRPr>
+                    </a:p>
+                  </a:txBody>
+                  <a:tcPr marL="114325" marR="114325" marT="57163" marB="57163" anchor="ctr">
+                    <a:lnL w="12700" cap="flat" cmpd="sng" algn="ctr">
+                      <a:solidFill>
+                        <a:schemeClr val="tx1"/>
+                      </a:solidFill>
+                      <a:prstDash val="solid"/>
+                      <a:round/>
+                      <a:headEnd type="none" w="med" len="med"/>
+                      <a:tailEnd type="none" w="med" len="med"/>
+                    </a:lnL>
+                    <a:lnR w="12700" cap="flat" cmpd="sng" algn="ctr">
+                      <a:solidFill>
+                        <a:schemeClr val="tx1"/>
+                      </a:solidFill>
+                      <a:prstDash val="solid"/>
+                      <a:round/>
+                      <a:headEnd type="none" w="med" len="med"/>
+                      <a:tailEnd type="none" w="med" len="med"/>
+                    </a:lnR>
+                    <a:lnT w="12700" cap="flat" cmpd="sng" algn="ctr">
+                      <a:solidFill>
+                        <a:schemeClr val="tx1"/>
+                      </a:solidFill>
+                      <a:prstDash val="solid"/>
+                      <a:round/>
+                      <a:headEnd type="none" w="med" len="med"/>
+                      <a:tailEnd type="none" w="med" len="med"/>
+                    </a:lnT>
+                    <a:lnB w="12700" cap="flat" cmpd="sng" algn="ctr">
+                      <a:solidFill>
+                        <a:schemeClr val="tx1"/>
+                      </a:solidFill>
+                      <a:prstDash val="solid"/>
+                      <a:round/>
+                      <a:headEnd type="none" w="med" len="med"/>
+                      <a:tailEnd type="none" w="med" len="med"/>
+                    </a:lnB>
+                    <a:noFill/>
+                  </a:tcPr>
+                </a:tc>
+                <a:tc>
+                  <a:txBody>
+                    <a:bodyPr/>
+                    <a:lstStyle/>
+                    <a:p>
+                      <a:pPr algn="ctr" latinLnBrk="1"/>
+                      <a:r>
+                        <a:rPr lang="en-US" altLang="ko-KR" sz="2200" dirty="0">
+                          <a:solidFill>
+                            <a:schemeClr val="tx1"/>
+                          </a:solidFill>
+                        </a:rPr>
+                        <a:t>1</a:t>
+                      </a:r>
+                      <a:endParaRPr lang="ko-KR" altLang="en-US" sz="2200" dirty="0">
+                        <a:solidFill>
+                          <a:schemeClr val="tx1"/>
+                        </a:solidFill>
+                      </a:endParaRPr>
+                    </a:p>
+                  </a:txBody>
+                  <a:tcPr marL="114325" marR="114325" marT="57163" marB="57163" anchor="ctr">
+                    <a:lnL w="12700" cap="flat" cmpd="sng" algn="ctr">
+                      <a:solidFill>
+                        <a:schemeClr val="tx1"/>
+                      </a:solidFill>
+                      <a:prstDash val="solid"/>
+                      <a:round/>
+                      <a:headEnd type="none" w="med" len="med"/>
+                      <a:tailEnd type="none" w="med" len="med"/>
+                    </a:lnL>
+                    <a:lnR w="12700" cap="flat" cmpd="sng" algn="ctr">
+                      <a:solidFill>
+                        <a:schemeClr val="tx1"/>
+                      </a:solidFill>
+                      <a:prstDash val="solid"/>
+                      <a:round/>
+                      <a:headEnd type="none" w="med" len="med"/>
+                      <a:tailEnd type="none" w="med" len="med"/>
+                    </a:lnR>
+                    <a:lnT w="12700" cap="flat" cmpd="sng" algn="ctr">
+                      <a:solidFill>
+                        <a:schemeClr val="tx1"/>
+                      </a:solidFill>
+                      <a:prstDash val="solid"/>
+                      <a:round/>
+                      <a:headEnd type="none" w="med" len="med"/>
+                      <a:tailEnd type="none" w="med" len="med"/>
+                    </a:lnT>
+                    <a:lnB w="12700" cap="flat" cmpd="sng" algn="ctr">
+                      <a:solidFill>
+                        <a:schemeClr val="tx1"/>
+                      </a:solidFill>
+                      <a:prstDash val="solid"/>
+                      <a:round/>
+                      <a:headEnd type="none" w="med" len="med"/>
+                      <a:tailEnd type="none" w="med" len="med"/>
+                    </a:lnB>
+                    <a:noFill/>
+                  </a:tcPr>
+                </a:tc>
+                <a:tc>
+                  <a:txBody>
+                    <a:bodyPr/>
+                    <a:lstStyle/>
+                    <a:p>
+                      <a:pPr algn="ctr" latinLnBrk="1"/>
+                      <a:r>
+                        <a:rPr lang="en-US" altLang="ko-KR" sz="2200" dirty="0">
+                          <a:solidFill>
+                            <a:schemeClr val="tx1"/>
+                          </a:solidFill>
+                        </a:rPr>
+                        <a:t>2</a:t>
+                      </a:r>
+                      <a:endParaRPr lang="ko-KR" altLang="en-US" sz="2200" dirty="0">
+                        <a:solidFill>
+                          <a:schemeClr val="tx1"/>
+                        </a:solidFill>
+                      </a:endParaRPr>
+                    </a:p>
+                  </a:txBody>
+                  <a:tcPr marL="114325" marR="114325" marT="57163" marB="57163" anchor="ctr">
+                    <a:lnL w="12700" cap="flat" cmpd="sng" algn="ctr">
+                      <a:solidFill>
+                        <a:schemeClr val="tx1"/>
+                      </a:solidFill>
+                      <a:prstDash val="solid"/>
+                      <a:round/>
+                      <a:headEnd type="none" w="med" len="med"/>
+                      <a:tailEnd type="none" w="med" len="med"/>
+                    </a:lnL>
+                    <a:lnR w="12700" cap="flat" cmpd="sng" algn="ctr">
+                      <a:solidFill>
+                        <a:schemeClr val="tx1"/>
+                      </a:solidFill>
+                      <a:prstDash val="solid"/>
+                      <a:round/>
+                      <a:headEnd type="none" w="med" len="med"/>
+                      <a:tailEnd type="none" w="med" len="med"/>
+                    </a:lnR>
+                    <a:lnT w="12700" cap="flat" cmpd="sng" algn="ctr">
+                      <a:solidFill>
+                        <a:schemeClr val="tx1"/>
+                      </a:solidFill>
+                      <a:prstDash val="solid"/>
+                      <a:round/>
+                      <a:headEnd type="none" w="med" len="med"/>
+                      <a:tailEnd type="none" w="med" len="med"/>
+                    </a:lnT>
+                    <a:lnB w="12700" cap="flat" cmpd="sng" algn="ctr">
+                      <a:solidFill>
+                        <a:schemeClr val="tx1"/>
+                      </a:solidFill>
+                      <a:prstDash val="solid"/>
+                      <a:round/>
+                      <a:headEnd type="none" w="med" len="med"/>
+                      <a:tailEnd type="none" w="med" len="med"/>
+                    </a:lnB>
+                    <a:noFill/>
+                  </a:tcPr>
+                </a:tc>
+                <a:tc>
+                  <a:txBody>
+                    <a:bodyPr/>
+                    <a:lstStyle/>
+                    <a:p>
+                      <a:pPr algn="ctr" latinLnBrk="1"/>
+                      <a:r>
+                        <a:rPr lang="en-US" altLang="ko-KR" sz="2200" dirty="0">
+                          <a:solidFill>
+                            <a:schemeClr val="tx1"/>
+                          </a:solidFill>
+                        </a:rPr>
+                        <a:t>3</a:t>
+                      </a:r>
+                      <a:endParaRPr lang="ko-KR" altLang="en-US" sz="2200" dirty="0">
+                        <a:solidFill>
+                          <a:schemeClr val="tx1"/>
+                        </a:solidFill>
+                      </a:endParaRPr>
+                    </a:p>
+                  </a:txBody>
+                  <a:tcPr marL="114325" marR="114325" marT="57163" marB="57163" anchor="ctr">
+                    <a:lnL w="12700" cap="flat" cmpd="sng" algn="ctr">
+                      <a:solidFill>
+                        <a:schemeClr val="tx1"/>
+                      </a:solidFill>
+                      <a:prstDash val="solid"/>
+                      <a:round/>
+                      <a:headEnd type="none" w="med" len="med"/>
+                      <a:tailEnd type="none" w="med" len="med"/>
+                    </a:lnL>
+                    <a:lnR w="12700" cap="flat" cmpd="sng" algn="ctr">
+                      <a:solidFill>
+                        <a:schemeClr val="tx1"/>
+                      </a:solidFill>
+                      <a:prstDash val="solid"/>
+                      <a:round/>
+                      <a:headEnd type="none" w="med" len="med"/>
+                      <a:tailEnd type="none" w="med" len="med"/>
+                    </a:lnR>
+                    <a:lnT w="12700" cap="flat" cmpd="sng" algn="ctr">
+                      <a:solidFill>
+                        <a:schemeClr val="tx1"/>
+                      </a:solidFill>
+                      <a:prstDash val="solid"/>
+                      <a:round/>
+                      <a:headEnd type="none" w="med" len="med"/>
+                      <a:tailEnd type="none" w="med" len="med"/>
+                    </a:lnT>
+                    <a:lnB w="12700" cap="flat" cmpd="sng" algn="ctr">
+                      <a:solidFill>
+                        <a:schemeClr val="tx1"/>
+                      </a:solidFill>
+                      <a:prstDash val="solid"/>
+                      <a:round/>
+                      <a:headEnd type="none" w="med" len="med"/>
+                      <a:tailEnd type="none" w="med" len="med"/>
+                    </a:lnB>
+                    <a:noFill/>
+                  </a:tcPr>
+                </a:tc>
+                <a:tc>
+                  <a:txBody>
+                    <a:bodyPr/>
+                    <a:lstStyle/>
+                    <a:p>
+                      <a:pPr algn="ctr" latinLnBrk="1"/>
+                      <a:r>
+                        <a:rPr lang="en-US" altLang="ko-KR" sz="2200" dirty="0">
+                          <a:solidFill>
+                            <a:schemeClr val="tx1"/>
+                          </a:solidFill>
+                        </a:rPr>
+                        <a:t>4</a:t>
+                      </a:r>
+                      <a:endParaRPr lang="ko-KR" altLang="en-US" sz="2200" dirty="0">
+                        <a:solidFill>
+                          <a:schemeClr val="tx1"/>
+                        </a:solidFill>
+                      </a:endParaRPr>
+                    </a:p>
+                  </a:txBody>
+                  <a:tcPr marL="114325" marR="114325" marT="57163" marB="57163" anchor="ctr">
+                    <a:lnL w="12700" cap="flat" cmpd="sng" algn="ctr">
+                      <a:solidFill>
+                        <a:schemeClr val="tx1"/>
+                      </a:solidFill>
+                      <a:prstDash val="solid"/>
+                      <a:round/>
+                      <a:headEnd type="none" w="med" len="med"/>
+                      <a:tailEnd type="none" w="med" len="med"/>
+                    </a:lnL>
+                    <a:lnR w="12700" cap="flat" cmpd="sng" algn="ctr">
+                      <a:solidFill>
+                        <a:schemeClr val="tx1"/>
+                      </a:solidFill>
+                      <a:prstDash val="solid"/>
+                      <a:round/>
+                      <a:headEnd type="none" w="med" len="med"/>
+                      <a:tailEnd type="none" w="med" len="med"/>
+                    </a:lnR>
+                    <a:lnT w="12700" cap="flat" cmpd="sng" algn="ctr">
+                      <a:solidFill>
+                        <a:schemeClr val="tx1"/>
+                      </a:solidFill>
+                      <a:prstDash val="solid"/>
+                      <a:round/>
+                      <a:headEnd type="none" w="med" len="med"/>
+                      <a:tailEnd type="none" w="med" len="med"/>
+                    </a:lnT>
+                    <a:lnB w="12700" cap="flat" cmpd="sng" algn="ctr">
+                      <a:solidFill>
+                        <a:schemeClr val="tx1"/>
+                      </a:solidFill>
+                      <a:prstDash val="solid"/>
+                      <a:round/>
+                      <a:headEnd type="none" w="med" len="med"/>
+                      <a:tailEnd type="none" w="med" len="med"/>
+                    </a:lnB>
+                    <a:noFill/>
+                  </a:tcPr>
+                </a:tc>
+                <a:extLst>
+                  <a:ext uri="{0D108BD9-81ED-4DB2-BD59-A6C34878D82A}">
+                    <a16:rowId xmlns:a16="http://schemas.microsoft.com/office/drawing/2014/main" val="1597627721"/>
+                  </a:ext>
+                </a:extLst>
+              </a:tr>
+              <a:tr h="948541">
+                <a:tc>
+                  <a:txBody>
+                    <a:bodyPr/>
+                    <a:lstStyle/>
+                    <a:p>
+                      <a:pPr algn="ctr" latinLnBrk="1"/>
+                      <a:r>
+                        <a:rPr lang="en-US" altLang="ko-KR" sz="2200" dirty="0">
+                          <a:solidFill>
+                            <a:schemeClr val="tx1"/>
+                          </a:solidFill>
+                        </a:rPr>
+                        <a:t>0</a:t>
+                      </a:r>
+                      <a:endParaRPr lang="ko-KR" altLang="en-US" sz="2200" dirty="0">
+                        <a:solidFill>
+                          <a:schemeClr val="tx1"/>
+                        </a:solidFill>
+                      </a:endParaRPr>
+                    </a:p>
+                  </a:txBody>
+                  <a:tcPr marL="114325" marR="114325" marT="57163" marB="57163" anchor="ctr">
+                    <a:lnL w="12700" cap="flat" cmpd="sng" algn="ctr">
+                      <a:solidFill>
+                        <a:schemeClr val="tx1"/>
+                      </a:solidFill>
+                      <a:prstDash val="solid"/>
+                      <a:round/>
+                      <a:headEnd type="none" w="med" len="med"/>
+                      <a:tailEnd type="none" w="med" len="med"/>
+                    </a:lnL>
+                    <a:lnR w="12700" cap="flat" cmpd="sng" algn="ctr">
+                      <a:solidFill>
+                        <a:schemeClr val="tx1"/>
+                      </a:solidFill>
+                      <a:prstDash val="solid"/>
+                      <a:round/>
+                      <a:headEnd type="none" w="med" len="med"/>
+                      <a:tailEnd type="none" w="med" len="med"/>
+                    </a:lnR>
+                    <a:lnT w="12700" cap="flat" cmpd="sng" algn="ctr">
+                      <a:solidFill>
+                        <a:schemeClr val="tx1"/>
+                      </a:solidFill>
+                      <a:prstDash val="solid"/>
+                      <a:round/>
+                      <a:headEnd type="none" w="med" len="med"/>
+                      <a:tailEnd type="none" w="med" len="med"/>
+                    </a:lnT>
+                    <a:lnB w="12700" cap="flat" cmpd="sng" algn="ctr">
+                      <a:solidFill>
+                        <a:schemeClr val="tx1"/>
+                      </a:solidFill>
+                      <a:prstDash val="solid"/>
+                      <a:round/>
+                      <a:headEnd type="none" w="med" len="med"/>
+                      <a:tailEnd type="none" w="med" len="med"/>
+                    </a:lnB>
+                    <a:noFill/>
+                  </a:tcPr>
+                </a:tc>
+                <a:tc>
+                  <a:txBody>
+                    <a:bodyPr/>
+                    <a:lstStyle/>
+                    <a:p>
+                      <a:pPr algn="ctr" latinLnBrk="1"/>
+                      <a:r>
+                        <a:rPr lang="en-US" altLang="ko-KR" sz="2200" dirty="0">
+                          <a:solidFill>
+                            <a:schemeClr val="tx1"/>
+                          </a:solidFill>
+                        </a:rPr>
+                        <a:t>S</a:t>
+                      </a:r>
+                      <a:endParaRPr lang="ko-KR" altLang="en-US" sz="2200" dirty="0">
+                        <a:solidFill>
+                          <a:schemeClr val="tx1"/>
+                        </a:solidFill>
+                      </a:endParaRPr>
+                    </a:p>
+                  </a:txBody>
+                  <a:tcPr marL="114325" marR="114325" marT="57163" marB="57163" anchor="ctr">
+                    <a:lnL w="12700" cap="flat" cmpd="sng" algn="ctr">
+                      <a:solidFill>
+                        <a:schemeClr val="tx1"/>
+                      </a:solidFill>
+                      <a:prstDash val="solid"/>
+                      <a:round/>
+                      <a:headEnd type="none" w="med" len="med"/>
+                      <a:tailEnd type="none" w="med" len="med"/>
+                    </a:lnL>
+                    <a:lnR w="12700" cap="flat" cmpd="sng" algn="ctr">
+                      <a:solidFill>
+                        <a:schemeClr val="tx1"/>
+                      </a:solidFill>
+                      <a:prstDash val="solid"/>
+                      <a:round/>
+                      <a:headEnd type="none" w="med" len="med"/>
+                      <a:tailEnd type="none" w="med" len="med"/>
+                    </a:lnR>
+                    <a:lnT w="12700" cap="flat" cmpd="sng" algn="ctr">
+                      <a:solidFill>
+                        <a:schemeClr val="tx1"/>
+                      </a:solidFill>
+                      <a:prstDash val="solid"/>
+                      <a:round/>
+                      <a:headEnd type="none" w="med" len="med"/>
+                      <a:tailEnd type="none" w="med" len="med"/>
+                    </a:lnT>
+                    <a:lnB w="12700" cap="flat" cmpd="sng" algn="ctr">
+                      <a:solidFill>
+                        <a:schemeClr val="tx1"/>
+                      </a:solidFill>
+                      <a:prstDash val="solid"/>
+                      <a:round/>
+                      <a:headEnd type="none" w="med" len="med"/>
+                      <a:tailEnd type="none" w="med" len="med"/>
+                    </a:lnB>
+                    <a:solidFill>
+                      <a:schemeClr val="accent1">
+                        <a:lumMod val="40000"/>
+                        <a:lumOff val="60000"/>
+                      </a:schemeClr>
+                    </a:solidFill>
+                  </a:tcPr>
+                </a:tc>
+                <a:tc>
+                  <a:txBody>
+                    <a:bodyPr/>
+                    <a:lstStyle/>
+                    <a:p>
+                      <a:pPr algn="ctr" latinLnBrk="1"/>
+                      <a:endParaRPr lang="ko-KR" altLang="en-US" sz="2200" dirty="0">
+                        <a:solidFill>
+                          <a:schemeClr val="tx1"/>
+                        </a:solidFill>
+                      </a:endParaRPr>
+                    </a:p>
+                  </a:txBody>
+                  <a:tcPr marL="114325" marR="114325" marT="57163" marB="57163" anchor="ctr">
+                    <a:lnL w="12700" cap="flat" cmpd="sng" algn="ctr">
+                      <a:solidFill>
+                        <a:schemeClr val="tx1"/>
+                      </a:solidFill>
+                      <a:prstDash val="solid"/>
+                      <a:round/>
+                      <a:headEnd type="none" w="med" len="med"/>
+                      <a:tailEnd type="none" w="med" len="med"/>
+                    </a:lnL>
+                    <a:lnR w="12700" cap="flat" cmpd="sng" algn="ctr">
+                      <a:solidFill>
+                        <a:schemeClr val="tx1"/>
+                      </a:solidFill>
+                      <a:prstDash val="solid"/>
+                      <a:round/>
+                      <a:headEnd type="none" w="med" len="med"/>
+                      <a:tailEnd type="none" w="med" len="med"/>
+                    </a:lnR>
+                    <a:lnT w="12700" cap="flat" cmpd="sng" algn="ctr">
+                      <a:solidFill>
+                        <a:schemeClr val="tx1"/>
+                      </a:solidFill>
+                      <a:prstDash val="solid"/>
+                      <a:round/>
+                      <a:headEnd type="none" w="med" len="med"/>
+                      <a:tailEnd type="none" w="med" len="med"/>
+                    </a:lnT>
+                    <a:lnB w="12700" cap="flat" cmpd="sng" algn="ctr">
+                      <a:solidFill>
+                        <a:schemeClr val="tx1"/>
+                      </a:solidFill>
+                      <a:prstDash val="solid"/>
+                      <a:round/>
+                      <a:headEnd type="none" w="med" len="med"/>
+                      <a:tailEnd type="none" w="med" len="med"/>
+                    </a:lnB>
+                    <a:noFill/>
+                  </a:tcPr>
+                </a:tc>
+                <a:tc>
+                  <a:txBody>
+                    <a:bodyPr/>
+                    <a:lstStyle/>
+                    <a:p>
+                      <a:pPr algn="ctr" latinLnBrk="1"/>
+                      <a:r>
+                        <a:rPr lang="en-US" altLang="ko-KR" sz="2200" dirty="0">
+                          <a:solidFill>
+                            <a:schemeClr val="tx1"/>
+                          </a:solidFill>
+                        </a:rPr>
+                        <a:t>x</a:t>
+                      </a:r>
+                      <a:endParaRPr lang="ko-KR" altLang="en-US" sz="2200" dirty="0">
+                        <a:solidFill>
+                          <a:schemeClr val="tx1"/>
+                        </a:solidFill>
+                      </a:endParaRPr>
+                    </a:p>
+                  </a:txBody>
+                  <a:tcPr marL="114325" marR="114325" marT="57163" marB="57163" anchor="ctr">
+                    <a:lnL w="12700" cap="flat" cmpd="sng" algn="ctr">
+                      <a:solidFill>
+                        <a:schemeClr val="tx1"/>
+                      </a:solidFill>
+                      <a:prstDash val="solid"/>
+                      <a:round/>
+                      <a:headEnd type="none" w="med" len="med"/>
+                      <a:tailEnd type="none" w="med" len="med"/>
+                    </a:lnL>
+                    <a:lnR w="12700" cap="flat" cmpd="sng" algn="ctr">
+                      <a:solidFill>
+                        <a:schemeClr val="tx1"/>
+                      </a:solidFill>
+                      <a:prstDash val="solid"/>
+                      <a:round/>
+                      <a:headEnd type="none" w="med" len="med"/>
+                      <a:tailEnd type="none" w="med" len="med"/>
+                    </a:lnR>
+                    <a:lnT w="12700" cap="flat" cmpd="sng" algn="ctr">
+                      <a:solidFill>
+                        <a:schemeClr val="tx1"/>
+                      </a:solidFill>
+                      <a:prstDash val="solid"/>
+                      <a:round/>
+                      <a:headEnd type="none" w="med" len="med"/>
+                      <a:tailEnd type="none" w="med" len="med"/>
+                    </a:lnT>
+                    <a:lnB w="12700" cap="flat" cmpd="sng" algn="ctr">
+                      <a:solidFill>
+                        <a:schemeClr val="tx1"/>
+                      </a:solidFill>
+                      <a:prstDash val="solid"/>
+                      <a:round/>
+                      <a:headEnd type="none" w="med" len="med"/>
+                      <a:tailEnd type="none" w="med" len="med"/>
+                    </a:lnB>
+                    <a:noFill/>
+                  </a:tcPr>
+                </a:tc>
+                <a:tc>
+                  <a:txBody>
+                    <a:bodyPr/>
+                    <a:lstStyle/>
+                    <a:p>
+                      <a:pPr algn="ctr" latinLnBrk="1"/>
+                      <a:endParaRPr lang="ko-KR" altLang="en-US" sz="2200" dirty="0">
+                        <a:solidFill>
+                          <a:schemeClr val="tx1"/>
+                        </a:solidFill>
+                      </a:endParaRPr>
+                    </a:p>
+                  </a:txBody>
+                  <a:tcPr marL="114325" marR="114325" marT="57163" marB="57163" anchor="ctr">
+                    <a:lnL w="12700" cap="flat" cmpd="sng" algn="ctr">
+                      <a:solidFill>
+                        <a:schemeClr val="tx1"/>
+                      </a:solidFill>
+                      <a:prstDash val="solid"/>
+                      <a:round/>
+                      <a:headEnd type="none" w="med" len="med"/>
+                      <a:tailEnd type="none" w="med" len="med"/>
+                    </a:lnL>
+                    <a:lnR w="12700" cap="flat" cmpd="sng" algn="ctr">
+                      <a:solidFill>
+                        <a:schemeClr val="tx1"/>
+                      </a:solidFill>
+                      <a:prstDash val="solid"/>
+                      <a:round/>
+                      <a:headEnd type="none" w="med" len="med"/>
+                      <a:tailEnd type="none" w="med" len="med"/>
+                    </a:lnR>
+                    <a:lnT w="12700" cap="flat" cmpd="sng" algn="ctr">
+                      <a:solidFill>
+                        <a:schemeClr val="tx1"/>
+                      </a:solidFill>
+                      <a:prstDash val="solid"/>
+                      <a:round/>
+                      <a:headEnd type="none" w="med" len="med"/>
+                      <a:tailEnd type="none" w="med" len="med"/>
+                    </a:lnT>
+                    <a:lnB w="12700" cap="flat" cmpd="sng" algn="ctr">
+                      <a:solidFill>
+                        <a:schemeClr val="tx1"/>
+                      </a:solidFill>
+                      <a:prstDash val="solid"/>
+                      <a:round/>
+                      <a:headEnd type="none" w="med" len="med"/>
+                      <a:tailEnd type="none" w="med" len="med"/>
+                    </a:lnB>
+                    <a:noFill/>
+                  </a:tcPr>
+                </a:tc>
+                <a:tc>
+                  <a:txBody>
+                    <a:bodyPr/>
+                    <a:lstStyle/>
+                    <a:p>
+                      <a:pPr algn="ctr" latinLnBrk="1"/>
+                      <a:endParaRPr lang="ko-KR" altLang="en-US" sz="2200" dirty="0">
+                        <a:solidFill>
+                          <a:schemeClr val="tx1"/>
+                        </a:solidFill>
+                      </a:endParaRPr>
+                    </a:p>
+                  </a:txBody>
+                  <a:tcPr marL="114325" marR="114325" marT="57163" marB="57163" anchor="ctr">
+                    <a:lnL w="12700" cap="flat" cmpd="sng" algn="ctr">
+                      <a:solidFill>
+                        <a:schemeClr val="tx1"/>
+                      </a:solidFill>
+                      <a:prstDash val="solid"/>
+                      <a:round/>
+                      <a:headEnd type="none" w="med" len="med"/>
+                      <a:tailEnd type="none" w="med" len="med"/>
+                    </a:lnL>
+                    <a:lnR w="12700" cap="flat" cmpd="sng" algn="ctr">
+                      <a:solidFill>
+                        <a:schemeClr val="tx1"/>
+                      </a:solidFill>
+                      <a:prstDash val="solid"/>
+                      <a:round/>
+                      <a:headEnd type="none" w="med" len="med"/>
+                      <a:tailEnd type="none" w="med" len="med"/>
+                    </a:lnR>
+                    <a:lnT w="12700" cap="flat" cmpd="sng" algn="ctr">
+                      <a:solidFill>
+                        <a:schemeClr val="tx1"/>
+                      </a:solidFill>
+                      <a:prstDash val="solid"/>
+                      <a:round/>
+                      <a:headEnd type="none" w="med" len="med"/>
+                      <a:tailEnd type="none" w="med" len="med"/>
+                    </a:lnT>
+                    <a:lnB w="12700" cap="flat" cmpd="sng" algn="ctr">
+                      <a:solidFill>
+                        <a:schemeClr val="tx1"/>
+                      </a:solidFill>
+                      <a:prstDash val="solid"/>
+                      <a:round/>
+                      <a:headEnd type="none" w="med" len="med"/>
+                      <a:tailEnd type="none" w="med" len="med"/>
+                    </a:lnB>
+                    <a:noFill/>
+                  </a:tcPr>
+                </a:tc>
+                <a:extLst>
+                  <a:ext uri="{0D108BD9-81ED-4DB2-BD59-A6C34878D82A}">
+                    <a16:rowId xmlns:a16="http://schemas.microsoft.com/office/drawing/2014/main" val="1495385260"/>
+                  </a:ext>
+                </a:extLst>
+              </a:tr>
+              <a:tr h="948541">
+                <a:tc>
+                  <a:txBody>
+                    <a:bodyPr/>
+                    <a:lstStyle/>
+                    <a:p>
+                      <a:pPr algn="ctr" latinLnBrk="1"/>
+                      <a:r>
+                        <a:rPr lang="en-US" altLang="ko-KR" sz="2200" dirty="0">
+                          <a:solidFill>
+                            <a:schemeClr val="tx1"/>
+                          </a:solidFill>
+                        </a:rPr>
+                        <a:t>1</a:t>
+                      </a:r>
+                      <a:endParaRPr lang="ko-KR" altLang="en-US" sz="2200" dirty="0">
+                        <a:solidFill>
+                          <a:schemeClr val="tx1"/>
+                        </a:solidFill>
+                      </a:endParaRPr>
+                    </a:p>
+                  </a:txBody>
+                  <a:tcPr marL="114325" marR="114325" marT="57163" marB="57163" anchor="ctr">
+                    <a:lnL w="12700" cap="flat" cmpd="sng" algn="ctr">
+                      <a:solidFill>
+                        <a:schemeClr val="tx1"/>
+                      </a:solidFill>
+                      <a:prstDash val="solid"/>
+                      <a:round/>
+                      <a:headEnd type="none" w="med" len="med"/>
+                      <a:tailEnd type="none" w="med" len="med"/>
+                    </a:lnL>
+                    <a:lnR w="12700" cap="flat" cmpd="sng" algn="ctr">
+                      <a:solidFill>
+                        <a:schemeClr val="tx1"/>
+                      </a:solidFill>
+                      <a:prstDash val="solid"/>
+                      <a:round/>
+                      <a:headEnd type="none" w="med" len="med"/>
+                      <a:tailEnd type="none" w="med" len="med"/>
+                    </a:lnR>
+                    <a:lnT w="12700" cap="flat" cmpd="sng" algn="ctr">
+                      <a:solidFill>
+                        <a:schemeClr val="tx1"/>
+                      </a:solidFill>
+                      <a:prstDash val="solid"/>
+                      <a:round/>
+                      <a:headEnd type="none" w="med" len="med"/>
+                      <a:tailEnd type="none" w="med" len="med"/>
+                    </a:lnT>
+                    <a:lnB w="12700" cap="flat" cmpd="sng" algn="ctr">
+                      <a:solidFill>
+                        <a:schemeClr val="tx1"/>
+                      </a:solidFill>
+                      <a:prstDash val="solid"/>
+                      <a:round/>
+                      <a:headEnd type="none" w="med" len="med"/>
+                      <a:tailEnd type="none" w="med" len="med"/>
+                    </a:lnB>
+                    <a:noFill/>
+                  </a:tcPr>
+                </a:tc>
+                <a:tc>
+                  <a:txBody>
+                    <a:bodyPr/>
+                    <a:lstStyle/>
+                    <a:p>
+                      <a:pPr algn="ctr" latinLnBrk="1"/>
+                      <a:r>
+                        <a:rPr lang="en-US" altLang="ko-KR" sz="2200" dirty="0">
+                          <a:solidFill>
+                            <a:schemeClr val="tx1"/>
+                          </a:solidFill>
+                        </a:rPr>
+                        <a:t>x</a:t>
+                      </a:r>
+                      <a:endParaRPr lang="ko-KR" altLang="en-US" sz="2200" dirty="0">
+                        <a:solidFill>
+                          <a:schemeClr val="tx1"/>
+                        </a:solidFill>
+                      </a:endParaRPr>
+                    </a:p>
+                  </a:txBody>
+                  <a:tcPr marL="114325" marR="114325" marT="57163" marB="57163" anchor="ctr">
+                    <a:lnL w="12700" cap="flat" cmpd="sng" algn="ctr">
+                      <a:solidFill>
+                        <a:schemeClr val="tx1"/>
+                      </a:solidFill>
+                      <a:prstDash val="solid"/>
+                      <a:round/>
+                      <a:headEnd type="none" w="med" len="med"/>
+                      <a:tailEnd type="none" w="med" len="med"/>
+                    </a:lnL>
+                    <a:lnR w="12700" cap="flat" cmpd="sng" algn="ctr">
+                      <a:solidFill>
+                        <a:schemeClr val="tx1"/>
+                      </a:solidFill>
+                      <a:prstDash val="solid"/>
+                      <a:round/>
+                      <a:headEnd type="none" w="med" len="med"/>
+                      <a:tailEnd type="none" w="med" len="med"/>
+                    </a:lnR>
+                    <a:lnT w="12700" cap="flat" cmpd="sng" algn="ctr">
+                      <a:solidFill>
+                        <a:schemeClr val="tx1"/>
+                      </a:solidFill>
+                      <a:prstDash val="solid"/>
+                      <a:round/>
+                      <a:headEnd type="none" w="med" len="med"/>
+                      <a:tailEnd type="none" w="med" len="med"/>
+                    </a:lnT>
+                    <a:lnB w="12700" cap="flat" cmpd="sng" algn="ctr">
+                      <a:solidFill>
+                        <a:schemeClr val="tx1"/>
+                      </a:solidFill>
+                      <a:prstDash val="solid"/>
+                      <a:round/>
+                      <a:headEnd type="none" w="med" len="med"/>
+                      <a:tailEnd type="none" w="med" len="med"/>
+                    </a:lnB>
+                    <a:noFill/>
+                  </a:tcPr>
+                </a:tc>
+                <a:tc>
+                  <a:txBody>
+                    <a:bodyPr/>
+                    <a:lstStyle/>
+                    <a:p>
+                      <a:pPr algn="ctr" latinLnBrk="1"/>
+                      <a:endParaRPr lang="ko-KR" altLang="en-US" sz="2200" dirty="0">
+                        <a:solidFill>
+                          <a:schemeClr val="tx1"/>
+                        </a:solidFill>
+                      </a:endParaRPr>
+                    </a:p>
+                  </a:txBody>
+                  <a:tcPr marL="114325" marR="114325" marT="57163" marB="57163" anchor="ctr">
+                    <a:lnL w="12700" cap="flat" cmpd="sng" algn="ctr">
+                      <a:solidFill>
+                        <a:schemeClr val="tx1"/>
+                      </a:solidFill>
+                      <a:prstDash val="solid"/>
+                      <a:round/>
+                      <a:headEnd type="none" w="med" len="med"/>
+                      <a:tailEnd type="none" w="med" len="med"/>
+                    </a:lnL>
+                    <a:lnR w="12700" cap="flat" cmpd="sng" algn="ctr">
+                      <a:solidFill>
+                        <a:schemeClr val="tx1"/>
+                      </a:solidFill>
+                      <a:prstDash val="solid"/>
+                      <a:round/>
+                      <a:headEnd type="none" w="med" len="med"/>
+                      <a:tailEnd type="none" w="med" len="med"/>
+                    </a:lnR>
+                    <a:lnT w="12700" cap="flat" cmpd="sng" algn="ctr">
+                      <a:solidFill>
+                        <a:schemeClr val="tx1"/>
+                      </a:solidFill>
+                      <a:prstDash val="solid"/>
+                      <a:round/>
+                      <a:headEnd type="none" w="med" len="med"/>
+                      <a:tailEnd type="none" w="med" len="med"/>
+                    </a:lnT>
+                    <a:lnB w="12700" cap="flat" cmpd="sng" algn="ctr">
+                      <a:solidFill>
+                        <a:schemeClr val="tx1"/>
+                      </a:solidFill>
+                      <a:prstDash val="solid"/>
+                      <a:round/>
+                      <a:headEnd type="none" w="med" len="med"/>
+                      <a:tailEnd type="none" w="med" len="med"/>
+                    </a:lnB>
+                    <a:noFill/>
+                  </a:tcPr>
+                </a:tc>
+                <a:tc>
+                  <a:txBody>
+                    <a:bodyPr/>
+                    <a:lstStyle/>
+                    <a:p>
+                      <a:pPr algn="ctr" latinLnBrk="1"/>
+                      <a:endParaRPr lang="ko-KR" altLang="en-US" sz="2200" dirty="0">
+                        <a:solidFill>
+                          <a:schemeClr val="tx1"/>
+                        </a:solidFill>
+                      </a:endParaRPr>
+                    </a:p>
+                  </a:txBody>
+                  <a:tcPr marL="114325" marR="114325" marT="57163" marB="57163" anchor="ctr">
+                    <a:lnL w="12700" cap="flat" cmpd="sng" algn="ctr">
+                      <a:solidFill>
+                        <a:schemeClr val="tx1"/>
+                      </a:solidFill>
+                      <a:prstDash val="solid"/>
+                      <a:round/>
+                      <a:headEnd type="none" w="med" len="med"/>
+                      <a:tailEnd type="none" w="med" len="med"/>
+                    </a:lnL>
+                    <a:lnR w="12700" cap="flat" cmpd="sng" algn="ctr">
+                      <a:solidFill>
+                        <a:schemeClr val="tx1"/>
+                      </a:solidFill>
+                      <a:prstDash val="solid"/>
+                      <a:round/>
+                      <a:headEnd type="none" w="med" len="med"/>
+                      <a:tailEnd type="none" w="med" len="med"/>
+                    </a:lnR>
+                    <a:lnT w="12700" cap="flat" cmpd="sng" algn="ctr">
+                      <a:solidFill>
+                        <a:schemeClr val="tx1"/>
+                      </a:solidFill>
+                      <a:prstDash val="solid"/>
+                      <a:round/>
+                      <a:headEnd type="none" w="med" len="med"/>
+                      <a:tailEnd type="none" w="med" len="med"/>
+                    </a:lnT>
+                    <a:lnB w="12700" cap="flat" cmpd="sng" algn="ctr">
+                      <a:solidFill>
+                        <a:schemeClr val="tx1"/>
+                      </a:solidFill>
+                      <a:prstDash val="solid"/>
+                      <a:round/>
+                      <a:headEnd type="none" w="med" len="med"/>
+                      <a:tailEnd type="none" w="med" len="med"/>
+                    </a:lnB>
+                    <a:noFill/>
+                  </a:tcPr>
+                </a:tc>
+                <a:tc>
+                  <a:txBody>
+                    <a:bodyPr/>
+                    <a:lstStyle/>
+                    <a:p>
+                      <a:pPr algn="ctr" latinLnBrk="1"/>
+                      <a:endParaRPr lang="ko-KR" altLang="en-US" sz="2200" dirty="0">
+                        <a:solidFill>
+                          <a:schemeClr val="tx1"/>
+                        </a:solidFill>
+                      </a:endParaRPr>
+                    </a:p>
+                  </a:txBody>
+                  <a:tcPr marL="114325" marR="114325" marT="57163" marB="57163" anchor="ctr">
+                    <a:lnL w="12700" cap="flat" cmpd="sng" algn="ctr">
+                      <a:solidFill>
+                        <a:schemeClr val="tx1"/>
+                      </a:solidFill>
+                      <a:prstDash val="solid"/>
+                      <a:round/>
+                      <a:headEnd type="none" w="med" len="med"/>
+                      <a:tailEnd type="none" w="med" len="med"/>
+                    </a:lnL>
+                    <a:lnR w="12700" cap="flat" cmpd="sng" algn="ctr">
+                      <a:solidFill>
+                        <a:schemeClr val="tx1"/>
+                      </a:solidFill>
+                      <a:prstDash val="solid"/>
+                      <a:round/>
+                      <a:headEnd type="none" w="med" len="med"/>
+                      <a:tailEnd type="none" w="med" len="med"/>
+                    </a:lnR>
+                    <a:lnT w="12700" cap="flat" cmpd="sng" algn="ctr">
+                      <a:solidFill>
+                        <a:schemeClr val="tx1"/>
+                      </a:solidFill>
+                      <a:prstDash val="solid"/>
+                      <a:round/>
+                      <a:headEnd type="none" w="med" len="med"/>
+                      <a:tailEnd type="none" w="med" len="med"/>
+                    </a:lnT>
+                    <a:lnB w="12700" cap="flat" cmpd="sng" algn="ctr">
+                      <a:solidFill>
+                        <a:schemeClr val="tx1"/>
+                      </a:solidFill>
+                      <a:prstDash val="solid"/>
+                      <a:round/>
+                      <a:headEnd type="none" w="med" len="med"/>
+                      <a:tailEnd type="none" w="med" len="med"/>
+                    </a:lnB>
+                    <a:noFill/>
+                  </a:tcPr>
+                </a:tc>
+                <a:tc>
+                  <a:txBody>
+                    <a:bodyPr/>
+                    <a:lstStyle/>
+                    <a:p>
+                      <a:pPr algn="ctr" latinLnBrk="1"/>
+                      <a:endParaRPr lang="ko-KR" altLang="en-US" sz="2200" dirty="0">
+                        <a:solidFill>
+                          <a:schemeClr val="tx1"/>
+                        </a:solidFill>
+                      </a:endParaRPr>
+                    </a:p>
+                  </a:txBody>
+                  <a:tcPr marL="114325" marR="114325" marT="57163" marB="57163" anchor="ctr">
+                    <a:lnL w="12700" cap="flat" cmpd="sng" algn="ctr">
+                      <a:solidFill>
+                        <a:schemeClr val="tx1"/>
+                      </a:solidFill>
+                      <a:prstDash val="solid"/>
+                      <a:round/>
+                      <a:headEnd type="none" w="med" len="med"/>
+                      <a:tailEnd type="none" w="med" len="med"/>
+                    </a:lnL>
+                    <a:lnR w="12700" cap="flat" cmpd="sng" algn="ctr">
+                      <a:solidFill>
+                        <a:schemeClr val="tx1"/>
+                      </a:solidFill>
+                      <a:prstDash val="solid"/>
+                      <a:round/>
+                      <a:headEnd type="none" w="med" len="med"/>
+                      <a:tailEnd type="none" w="med" len="med"/>
+                    </a:lnR>
+                    <a:lnT w="12700" cap="flat" cmpd="sng" algn="ctr">
+                      <a:solidFill>
+                        <a:schemeClr val="tx1"/>
+                      </a:solidFill>
+                      <a:prstDash val="solid"/>
+                      <a:round/>
+                      <a:headEnd type="none" w="med" len="med"/>
+                      <a:tailEnd type="none" w="med" len="med"/>
+                    </a:lnT>
+                    <a:lnB w="12700" cap="flat" cmpd="sng" algn="ctr">
+                      <a:solidFill>
+                        <a:schemeClr val="tx1"/>
+                      </a:solidFill>
+                      <a:prstDash val="solid"/>
+                      <a:round/>
+                      <a:headEnd type="none" w="med" len="med"/>
+                      <a:tailEnd type="none" w="med" len="med"/>
+                    </a:lnB>
+                    <a:noFill/>
+                  </a:tcPr>
+                </a:tc>
+                <a:extLst>
+                  <a:ext uri="{0D108BD9-81ED-4DB2-BD59-A6C34878D82A}">
+                    <a16:rowId xmlns:a16="http://schemas.microsoft.com/office/drawing/2014/main" val="3577350407"/>
+                  </a:ext>
+                </a:extLst>
+              </a:tr>
+              <a:tr h="948541">
+                <a:tc>
+                  <a:txBody>
+                    <a:bodyPr/>
+                    <a:lstStyle/>
+                    <a:p>
+                      <a:pPr algn="ctr" latinLnBrk="1"/>
+                      <a:r>
+                        <a:rPr lang="en-US" altLang="ko-KR" sz="2200" dirty="0">
+                          <a:solidFill>
+                            <a:schemeClr val="tx1"/>
+                          </a:solidFill>
+                        </a:rPr>
+                        <a:t>2</a:t>
+                      </a:r>
+                      <a:endParaRPr lang="ko-KR" altLang="en-US" sz="2200" dirty="0">
+                        <a:solidFill>
+                          <a:schemeClr val="tx1"/>
+                        </a:solidFill>
+                      </a:endParaRPr>
+                    </a:p>
+                  </a:txBody>
+                  <a:tcPr marL="114325" marR="114325" marT="57163" marB="57163" anchor="ctr">
+                    <a:lnL w="12700" cap="flat" cmpd="sng" algn="ctr">
+                      <a:solidFill>
+                        <a:schemeClr val="tx1"/>
+                      </a:solidFill>
+                      <a:prstDash val="solid"/>
+                      <a:round/>
+                      <a:headEnd type="none" w="med" len="med"/>
+                      <a:tailEnd type="none" w="med" len="med"/>
+                    </a:lnL>
+                    <a:lnR w="12700" cap="flat" cmpd="sng" algn="ctr">
+                      <a:solidFill>
+                        <a:schemeClr val="tx1"/>
+                      </a:solidFill>
+                      <a:prstDash val="solid"/>
+                      <a:round/>
+                      <a:headEnd type="none" w="med" len="med"/>
+                      <a:tailEnd type="none" w="med" len="med"/>
+                    </a:lnR>
+                    <a:lnT w="12700" cap="flat" cmpd="sng" algn="ctr">
+                      <a:solidFill>
+                        <a:schemeClr val="tx1"/>
+                      </a:solidFill>
+                      <a:prstDash val="solid"/>
+                      <a:round/>
+                      <a:headEnd type="none" w="med" len="med"/>
+                      <a:tailEnd type="none" w="med" len="med"/>
+                    </a:lnT>
+                    <a:lnB w="12700" cap="flat" cmpd="sng" algn="ctr">
+                      <a:solidFill>
+                        <a:schemeClr val="tx1"/>
+                      </a:solidFill>
+                      <a:prstDash val="solid"/>
+                      <a:round/>
+                      <a:headEnd type="none" w="med" len="med"/>
+                      <a:tailEnd type="none" w="med" len="med"/>
+                    </a:lnB>
+                    <a:noFill/>
+                  </a:tcPr>
+                </a:tc>
+                <a:tc>
+                  <a:txBody>
+                    <a:bodyPr/>
+                    <a:lstStyle/>
+                    <a:p>
+                      <a:pPr algn="ctr" latinLnBrk="1"/>
+                      <a:endParaRPr lang="ko-KR" altLang="en-US" sz="2200" dirty="0">
+                        <a:solidFill>
+                          <a:schemeClr val="tx1"/>
+                        </a:solidFill>
+                      </a:endParaRPr>
+                    </a:p>
+                  </a:txBody>
+                  <a:tcPr marL="114325" marR="114325" marT="57163" marB="57163" anchor="ctr">
+                    <a:lnL w="12700" cap="flat" cmpd="sng" algn="ctr">
+                      <a:solidFill>
+                        <a:schemeClr val="tx1"/>
+                      </a:solidFill>
+                      <a:prstDash val="solid"/>
+                      <a:round/>
+                      <a:headEnd type="none" w="med" len="med"/>
+                      <a:tailEnd type="none" w="med" len="med"/>
+                    </a:lnL>
+                    <a:lnR w="12700" cap="flat" cmpd="sng" algn="ctr">
+                      <a:solidFill>
+                        <a:schemeClr val="tx1"/>
+                      </a:solidFill>
+                      <a:prstDash val="solid"/>
+                      <a:round/>
+                      <a:headEnd type="none" w="med" len="med"/>
+                      <a:tailEnd type="none" w="med" len="med"/>
+                    </a:lnR>
+                    <a:lnT w="12700" cap="flat" cmpd="sng" algn="ctr">
+                      <a:solidFill>
+                        <a:schemeClr val="tx1"/>
+                      </a:solidFill>
+                      <a:prstDash val="solid"/>
+                      <a:round/>
+                      <a:headEnd type="none" w="med" len="med"/>
+                      <a:tailEnd type="none" w="med" len="med"/>
+                    </a:lnT>
+                    <a:lnB w="12700" cap="flat" cmpd="sng" algn="ctr">
+                      <a:solidFill>
+                        <a:schemeClr val="tx1"/>
+                      </a:solidFill>
+                      <a:prstDash val="solid"/>
+                      <a:round/>
+                      <a:headEnd type="none" w="med" len="med"/>
+                      <a:tailEnd type="none" w="med" len="med"/>
+                    </a:lnB>
+                    <a:noFill/>
+                  </a:tcPr>
+                </a:tc>
+                <a:tc>
+                  <a:txBody>
+                    <a:bodyPr/>
+                    <a:lstStyle/>
+                    <a:p>
+                      <a:pPr algn="ctr" latinLnBrk="1"/>
+                      <a:endParaRPr lang="ko-KR" altLang="en-US" sz="2200" dirty="0">
+                        <a:solidFill>
+                          <a:schemeClr val="tx1"/>
+                        </a:solidFill>
+                      </a:endParaRPr>
+                    </a:p>
+                  </a:txBody>
+                  <a:tcPr marL="114325" marR="114325" marT="57163" marB="57163" anchor="ctr">
+                    <a:lnL w="12700" cap="flat" cmpd="sng" algn="ctr">
+                      <a:solidFill>
+                        <a:schemeClr val="tx1"/>
+                      </a:solidFill>
+                      <a:prstDash val="solid"/>
+                      <a:round/>
+                      <a:headEnd type="none" w="med" len="med"/>
+                      <a:tailEnd type="none" w="med" len="med"/>
+                    </a:lnL>
+                    <a:lnR w="12700" cap="flat" cmpd="sng" algn="ctr">
+                      <a:solidFill>
+                        <a:schemeClr val="tx1"/>
+                      </a:solidFill>
+                      <a:prstDash val="solid"/>
+                      <a:round/>
+                      <a:headEnd type="none" w="med" len="med"/>
+                      <a:tailEnd type="none" w="med" len="med"/>
+                    </a:lnR>
+                    <a:lnT w="12700" cap="flat" cmpd="sng" algn="ctr">
+                      <a:solidFill>
+                        <a:schemeClr val="tx1"/>
+                      </a:solidFill>
+                      <a:prstDash val="solid"/>
+                      <a:round/>
+                      <a:headEnd type="none" w="med" len="med"/>
+                      <a:tailEnd type="none" w="med" len="med"/>
+                    </a:lnT>
+                    <a:lnB w="12700" cap="flat" cmpd="sng" algn="ctr">
+                      <a:solidFill>
+                        <a:schemeClr val="tx1"/>
+                      </a:solidFill>
+                      <a:prstDash val="solid"/>
+                      <a:round/>
+                      <a:headEnd type="none" w="med" len="med"/>
+                      <a:tailEnd type="none" w="med" len="med"/>
+                    </a:lnB>
+                    <a:noFill/>
+                  </a:tcPr>
+                </a:tc>
+                <a:tc>
+                  <a:txBody>
+                    <a:bodyPr/>
+                    <a:lstStyle/>
+                    <a:p>
+                      <a:pPr algn="ctr" latinLnBrk="1"/>
+                      <a:endParaRPr lang="ko-KR" altLang="en-US" sz="2200" dirty="0">
+                        <a:solidFill>
+                          <a:schemeClr val="tx1"/>
+                        </a:solidFill>
+                      </a:endParaRPr>
+                    </a:p>
+                  </a:txBody>
+                  <a:tcPr marL="114325" marR="114325" marT="57163" marB="57163" anchor="ctr">
+                    <a:lnL w="12700" cap="flat" cmpd="sng" algn="ctr">
+                      <a:solidFill>
+                        <a:schemeClr val="tx1"/>
+                      </a:solidFill>
+                      <a:prstDash val="solid"/>
+                      <a:round/>
+                      <a:headEnd type="none" w="med" len="med"/>
+                      <a:tailEnd type="none" w="med" len="med"/>
+                    </a:lnL>
+                    <a:lnR w="12700" cap="flat" cmpd="sng" algn="ctr">
+                      <a:solidFill>
+                        <a:schemeClr val="tx1"/>
+                      </a:solidFill>
+                      <a:prstDash val="solid"/>
+                      <a:round/>
+                      <a:headEnd type="none" w="med" len="med"/>
+                      <a:tailEnd type="none" w="med" len="med"/>
+                    </a:lnR>
+                    <a:lnT w="12700" cap="flat" cmpd="sng" algn="ctr">
+                      <a:solidFill>
+                        <a:schemeClr val="tx1"/>
+                      </a:solidFill>
+                      <a:prstDash val="solid"/>
+                      <a:round/>
+                      <a:headEnd type="none" w="med" len="med"/>
+                      <a:tailEnd type="none" w="med" len="med"/>
+                    </a:lnT>
+                    <a:lnB w="12700" cap="flat" cmpd="sng" algn="ctr">
+                      <a:solidFill>
+                        <a:schemeClr val="tx1"/>
+                      </a:solidFill>
+                      <a:prstDash val="solid"/>
+                      <a:round/>
+                      <a:headEnd type="none" w="med" len="med"/>
+                      <a:tailEnd type="none" w="med" len="med"/>
+                    </a:lnB>
+                    <a:noFill/>
+                  </a:tcPr>
+                </a:tc>
+                <a:tc>
+                  <a:txBody>
+                    <a:bodyPr/>
+                    <a:lstStyle/>
+                    <a:p>
+                      <a:pPr algn="ctr" latinLnBrk="1"/>
+                      <a:endParaRPr lang="ko-KR" altLang="en-US" sz="2200" dirty="0">
+                        <a:solidFill>
+                          <a:schemeClr val="tx1"/>
+                        </a:solidFill>
+                      </a:endParaRPr>
+                    </a:p>
+                  </a:txBody>
+                  <a:tcPr marL="114325" marR="114325" marT="57163" marB="57163" anchor="ctr">
+                    <a:lnL w="12700" cap="flat" cmpd="sng" algn="ctr">
+                      <a:solidFill>
+                        <a:schemeClr val="tx1"/>
+                      </a:solidFill>
+                      <a:prstDash val="solid"/>
+                      <a:round/>
+                      <a:headEnd type="none" w="med" len="med"/>
+                      <a:tailEnd type="none" w="med" len="med"/>
+                    </a:lnL>
+                    <a:lnR w="12700" cap="flat" cmpd="sng" algn="ctr">
+                      <a:solidFill>
+                        <a:schemeClr val="tx1"/>
+                      </a:solidFill>
+                      <a:prstDash val="solid"/>
+                      <a:round/>
+                      <a:headEnd type="none" w="med" len="med"/>
+                      <a:tailEnd type="none" w="med" len="med"/>
+                    </a:lnR>
+                    <a:lnT w="12700" cap="flat" cmpd="sng" algn="ctr">
+                      <a:solidFill>
+                        <a:schemeClr val="tx1"/>
+                      </a:solidFill>
+                      <a:prstDash val="solid"/>
+                      <a:round/>
+                      <a:headEnd type="none" w="med" len="med"/>
+                      <a:tailEnd type="none" w="med" len="med"/>
+                    </a:lnT>
+                    <a:lnB w="12700" cap="flat" cmpd="sng" algn="ctr">
+                      <a:solidFill>
+                        <a:schemeClr val="tx1"/>
+                      </a:solidFill>
+                      <a:prstDash val="solid"/>
+                      <a:round/>
+                      <a:headEnd type="none" w="med" len="med"/>
+                      <a:tailEnd type="none" w="med" len="med"/>
+                    </a:lnB>
+                    <a:noFill/>
+                  </a:tcPr>
+                </a:tc>
+                <a:tc>
+                  <a:txBody>
+                    <a:bodyPr/>
+                    <a:lstStyle/>
+                    <a:p>
+                      <a:pPr algn="ctr" latinLnBrk="1"/>
+                      <a:endParaRPr lang="ko-KR" altLang="en-US" sz="2200" dirty="0">
+                        <a:solidFill>
+                          <a:schemeClr val="tx1"/>
+                        </a:solidFill>
+                      </a:endParaRPr>
+                    </a:p>
+                  </a:txBody>
+                  <a:tcPr marL="114325" marR="114325" marT="57163" marB="57163" anchor="ctr">
+                    <a:lnL w="12700" cap="flat" cmpd="sng" algn="ctr">
+                      <a:solidFill>
+                        <a:schemeClr val="tx1"/>
+                      </a:solidFill>
+                      <a:prstDash val="solid"/>
+                      <a:round/>
+                      <a:headEnd type="none" w="med" len="med"/>
+                      <a:tailEnd type="none" w="med" len="med"/>
+                    </a:lnL>
+                    <a:lnR w="12700" cap="flat" cmpd="sng" algn="ctr">
+                      <a:solidFill>
+                        <a:schemeClr val="tx1"/>
+                      </a:solidFill>
+                      <a:prstDash val="solid"/>
+                      <a:round/>
+                      <a:headEnd type="none" w="med" len="med"/>
+                      <a:tailEnd type="none" w="med" len="med"/>
+                    </a:lnR>
+                    <a:lnT w="12700" cap="flat" cmpd="sng" algn="ctr">
+                      <a:solidFill>
+                        <a:schemeClr val="tx1"/>
+                      </a:solidFill>
+                      <a:prstDash val="solid"/>
+                      <a:round/>
+                      <a:headEnd type="none" w="med" len="med"/>
+                      <a:tailEnd type="none" w="med" len="med"/>
+                    </a:lnT>
+                    <a:lnB w="12700" cap="flat" cmpd="sng" algn="ctr">
+                      <a:solidFill>
+                        <a:schemeClr val="tx1"/>
+                      </a:solidFill>
+                      <a:prstDash val="solid"/>
+                      <a:round/>
+                      <a:headEnd type="none" w="med" len="med"/>
+                      <a:tailEnd type="none" w="med" len="med"/>
+                    </a:lnB>
+                    <a:noFill/>
+                  </a:tcPr>
+                </a:tc>
+                <a:extLst>
+                  <a:ext uri="{0D108BD9-81ED-4DB2-BD59-A6C34878D82A}">
+                    <a16:rowId xmlns:a16="http://schemas.microsoft.com/office/drawing/2014/main" val="752207682"/>
+                  </a:ext>
+                </a:extLst>
+              </a:tr>
+              <a:tr h="948541">
+                <a:tc>
+                  <a:txBody>
+                    <a:bodyPr/>
+                    <a:lstStyle/>
+                    <a:p>
+                      <a:pPr algn="ctr" latinLnBrk="1"/>
+                      <a:r>
+                        <a:rPr lang="en-US" altLang="ko-KR" sz="2200" dirty="0">
+                          <a:solidFill>
+                            <a:schemeClr val="tx1"/>
+                          </a:solidFill>
+                        </a:rPr>
+                        <a:t>3</a:t>
+                      </a:r>
+                      <a:endParaRPr lang="ko-KR" altLang="en-US" sz="2200" dirty="0">
+                        <a:solidFill>
+                          <a:schemeClr val="tx1"/>
+                        </a:solidFill>
+                      </a:endParaRPr>
+                    </a:p>
+                  </a:txBody>
+                  <a:tcPr marL="114325" marR="114325" marT="57163" marB="57163" anchor="ctr">
+                    <a:lnL w="12700" cap="flat" cmpd="sng" algn="ctr">
+                      <a:solidFill>
+                        <a:schemeClr val="tx1"/>
+                      </a:solidFill>
+                      <a:prstDash val="solid"/>
+                      <a:round/>
+                      <a:headEnd type="none" w="med" len="med"/>
+                      <a:tailEnd type="none" w="med" len="med"/>
+                    </a:lnL>
+                    <a:lnR w="12700" cap="flat" cmpd="sng" algn="ctr">
+                      <a:solidFill>
+                        <a:schemeClr val="tx1"/>
+                      </a:solidFill>
+                      <a:prstDash val="solid"/>
+                      <a:round/>
+                      <a:headEnd type="none" w="med" len="med"/>
+                      <a:tailEnd type="none" w="med" len="med"/>
+                    </a:lnR>
+                    <a:lnT w="12700" cap="flat" cmpd="sng" algn="ctr">
+                      <a:solidFill>
+                        <a:schemeClr val="tx1"/>
+                      </a:solidFill>
+                      <a:prstDash val="solid"/>
+                      <a:round/>
+                      <a:headEnd type="none" w="med" len="med"/>
+                      <a:tailEnd type="none" w="med" len="med"/>
+                    </a:lnT>
+                    <a:lnB w="12700" cap="flat" cmpd="sng" algn="ctr">
+                      <a:solidFill>
+                        <a:schemeClr val="tx1"/>
+                      </a:solidFill>
+                      <a:prstDash val="solid"/>
+                      <a:round/>
+                      <a:headEnd type="none" w="med" len="med"/>
+                      <a:tailEnd type="none" w="med" len="med"/>
+                    </a:lnB>
+                    <a:noFill/>
+                  </a:tcPr>
+                </a:tc>
+                <a:tc>
+                  <a:txBody>
+                    <a:bodyPr/>
+                    <a:lstStyle/>
+                    <a:p>
+                      <a:pPr algn="ctr" latinLnBrk="1"/>
+                      <a:endParaRPr lang="ko-KR" altLang="en-US" sz="2200" dirty="0">
+                        <a:solidFill>
+                          <a:schemeClr val="tx1"/>
+                        </a:solidFill>
+                      </a:endParaRPr>
+                    </a:p>
+                  </a:txBody>
+                  <a:tcPr marL="114325" marR="114325" marT="57163" marB="57163" anchor="ctr">
+                    <a:lnL w="12700" cap="flat" cmpd="sng" algn="ctr">
+                      <a:solidFill>
+                        <a:schemeClr val="tx1"/>
+                      </a:solidFill>
+                      <a:prstDash val="solid"/>
+                      <a:round/>
+                      <a:headEnd type="none" w="med" len="med"/>
+                      <a:tailEnd type="none" w="med" len="med"/>
+                    </a:lnL>
+                    <a:lnR w="12700" cap="flat" cmpd="sng" algn="ctr">
+                      <a:solidFill>
+                        <a:schemeClr val="tx1"/>
+                      </a:solidFill>
+                      <a:prstDash val="solid"/>
+                      <a:round/>
+                      <a:headEnd type="none" w="med" len="med"/>
+                      <a:tailEnd type="none" w="med" len="med"/>
+                    </a:lnR>
+                    <a:lnT w="12700" cap="flat" cmpd="sng" algn="ctr">
+                      <a:solidFill>
+                        <a:schemeClr val="tx1"/>
+                      </a:solidFill>
+                      <a:prstDash val="solid"/>
+                      <a:round/>
+                      <a:headEnd type="none" w="med" len="med"/>
+                      <a:tailEnd type="none" w="med" len="med"/>
+                    </a:lnT>
+                    <a:lnB w="12700" cap="flat" cmpd="sng" algn="ctr">
+                      <a:solidFill>
+                        <a:schemeClr val="tx1"/>
+                      </a:solidFill>
+                      <a:prstDash val="solid"/>
+                      <a:round/>
+                      <a:headEnd type="none" w="med" len="med"/>
+                      <a:tailEnd type="none" w="med" len="med"/>
+                    </a:lnB>
+                    <a:noFill/>
+                  </a:tcPr>
+                </a:tc>
+                <a:tc>
+                  <a:txBody>
+                    <a:bodyPr/>
+                    <a:lstStyle/>
+                    <a:p>
+                      <a:pPr algn="ctr" latinLnBrk="1"/>
+                      <a:endParaRPr lang="ko-KR" altLang="en-US" sz="2200" dirty="0">
+                        <a:solidFill>
+                          <a:schemeClr val="tx1"/>
+                        </a:solidFill>
+                      </a:endParaRPr>
+                    </a:p>
+                  </a:txBody>
+                  <a:tcPr marL="114325" marR="114325" marT="57163" marB="57163" anchor="ctr">
+                    <a:lnL w="12700" cap="flat" cmpd="sng" algn="ctr">
+                      <a:solidFill>
+                        <a:schemeClr val="tx1"/>
+                      </a:solidFill>
+                      <a:prstDash val="solid"/>
+                      <a:round/>
+                      <a:headEnd type="none" w="med" len="med"/>
+                      <a:tailEnd type="none" w="med" len="med"/>
+                    </a:lnL>
+                    <a:lnR w="12700" cap="flat" cmpd="sng" algn="ctr">
+                      <a:solidFill>
+                        <a:schemeClr val="tx1"/>
+                      </a:solidFill>
+                      <a:prstDash val="solid"/>
+                      <a:round/>
+                      <a:headEnd type="none" w="med" len="med"/>
+                      <a:tailEnd type="none" w="med" len="med"/>
+                    </a:lnR>
+                    <a:lnT w="12700" cap="flat" cmpd="sng" algn="ctr">
+                      <a:solidFill>
+                        <a:schemeClr val="tx1"/>
+                      </a:solidFill>
+                      <a:prstDash val="solid"/>
+                      <a:round/>
+                      <a:headEnd type="none" w="med" len="med"/>
+                      <a:tailEnd type="none" w="med" len="med"/>
+                    </a:lnT>
+                    <a:lnB w="12700" cap="flat" cmpd="sng" algn="ctr">
+                      <a:solidFill>
+                        <a:schemeClr val="tx1"/>
+                      </a:solidFill>
+                      <a:prstDash val="solid"/>
+                      <a:round/>
+                      <a:headEnd type="none" w="med" len="med"/>
+                      <a:tailEnd type="none" w="med" len="med"/>
+                    </a:lnB>
+                    <a:noFill/>
+                  </a:tcPr>
+                </a:tc>
+                <a:tc>
+                  <a:txBody>
+                    <a:bodyPr/>
+                    <a:lstStyle/>
+                    <a:p>
+                      <a:pPr algn="ctr" latinLnBrk="1"/>
+                      <a:endParaRPr lang="ko-KR" altLang="en-US" sz="2200" dirty="0">
+                        <a:solidFill>
+                          <a:schemeClr val="tx1"/>
+                        </a:solidFill>
+                      </a:endParaRPr>
+                    </a:p>
+                  </a:txBody>
+                  <a:tcPr marL="114325" marR="114325" marT="57163" marB="57163" anchor="ctr">
+                    <a:lnL w="12700" cap="flat" cmpd="sng" algn="ctr">
+                      <a:solidFill>
+                        <a:schemeClr val="tx1"/>
+                      </a:solidFill>
+                      <a:prstDash val="solid"/>
+                      <a:round/>
+                      <a:headEnd type="none" w="med" len="med"/>
+                      <a:tailEnd type="none" w="med" len="med"/>
+                    </a:lnL>
+                    <a:lnR w="12700" cap="flat" cmpd="sng" algn="ctr">
+                      <a:solidFill>
+                        <a:schemeClr val="tx1"/>
+                      </a:solidFill>
+                      <a:prstDash val="solid"/>
+                      <a:round/>
+                      <a:headEnd type="none" w="med" len="med"/>
+                      <a:tailEnd type="none" w="med" len="med"/>
+                    </a:lnR>
+                    <a:lnT w="12700" cap="flat" cmpd="sng" algn="ctr">
+                      <a:solidFill>
+                        <a:schemeClr val="tx1"/>
+                      </a:solidFill>
+                      <a:prstDash val="solid"/>
+                      <a:round/>
+                      <a:headEnd type="none" w="med" len="med"/>
+                      <a:tailEnd type="none" w="med" len="med"/>
+                    </a:lnT>
+                    <a:lnB w="12700" cap="flat" cmpd="sng" algn="ctr">
+                      <a:solidFill>
+                        <a:schemeClr val="tx1"/>
+                      </a:solidFill>
+                      <a:prstDash val="solid"/>
+                      <a:round/>
+                      <a:headEnd type="none" w="med" len="med"/>
+                      <a:tailEnd type="none" w="med" len="med"/>
+                    </a:lnB>
+                    <a:noFill/>
+                  </a:tcPr>
+                </a:tc>
+                <a:tc>
+                  <a:txBody>
+                    <a:bodyPr/>
+                    <a:lstStyle/>
+                    <a:p>
+                      <a:pPr algn="ctr" latinLnBrk="1"/>
+                      <a:r>
+                        <a:rPr lang="en-US" altLang="ko-KR" sz="2200" dirty="0">
+                          <a:solidFill>
+                            <a:schemeClr val="tx1"/>
+                          </a:solidFill>
+                        </a:rPr>
+                        <a:t>x</a:t>
+                      </a:r>
+                      <a:endParaRPr lang="ko-KR" altLang="en-US" sz="2200" dirty="0">
+                        <a:solidFill>
+                          <a:schemeClr val="tx1"/>
+                        </a:solidFill>
+                      </a:endParaRPr>
+                    </a:p>
+                  </a:txBody>
+                  <a:tcPr marL="114325" marR="114325" marT="57163" marB="57163" anchor="ctr">
+                    <a:lnL w="12700" cap="flat" cmpd="sng" algn="ctr">
+                      <a:solidFill>
+                        <a:schemeClr val="tx1"/>
+                      </a:solidFill>
+                      <a:prstDash val="solid"/>
+                      <a:round/>
+                      <a:headEnd type="none" w="med" len="med"/>
+                      <a:tailEnd type="none" w="med" len="med"/>
+                    </a:lnL>
+                    <a:lnR w="12700" cap="flat" cmpd="sng" algn="ctr">
+                      <a:solidFill>
+                        <a:schemeClr val="tx1"/>
+                      </a:solidFill>
+                      <a:prstDash val="solid"/>
+                      <a:round/>
+                      <a:headEnd type="none" w="med" len="med"/>
+                      <a:tailEnd type="none" w="med" len="med"/>
+                    </a:lnR>
+                    <a:lnT w="12700" cap="flat" cmpd="sng" algn="ctr">
+                      <a:solidFill>
+                        <a:schemeClr val="tx1"/>
+                      </a:solidFill>
+                      <a:prstDash val="solid"/>
+                      <a:round/>
+                      <a:headEnd type="none" w="med" len="med"/>
+                      <a:tailEnd type="none" w="med" len="med"/>
+                    </a:lnT>
+                    <a:lnB w="12700" cap="flat" cmpd="sng" algn="ctr">
+                      <a:solidFill>
+                        <a:schemeClr val="tx1"/>
+                      </a:solidFill>
+                      <a:prstDash val="solid"/>
+                      <a:round/>
+                      <a:headEnd type="none" w="med" len="med"/>
+                      <a:tailEnd type="none" w="med" len="med"/>
+                    </a:lnB>
+                    <a:noFill/>
+                  </a:tcPr>
+                </a:tc>
+                <a:tc>
+                  <a:txBody>
+                    <a:bodyPr/>
+                    <a:lstStyle/>
+                    <a:p>
+                      <a:pPr algn="ctr" latinLnBrk="1"/>
+                      <a:endParaRPr lang="ko-KR" altLang="en-US" sz="2200" dirty="0">
+                        <a:solidFill>
+                          <a:schemeClr val="tx1"/>
+                        </a:solidFill>
+                      </a:endParaRPr>
+                    </a:p>
+                  </a:txBody>
+                  <a:tcPr marL="114325" marR="114325" marT="57163" marB="57163" anchor="ctr">
+                    <a:lnL w="12700" cap="flat" cmpd="sng" algn="ctr">
+                      <a:solidFill>
+                        <a:schemeClr val="tx1"/>
+                      </a:solidFill>
+                      <a:prstDash val="solid"/>
+                      <a:round/>
+                      <a:headEnd type="none" w="med" len="med"/>
+                      <a:tailEnd type="none" w="med" len="med"/>
+                    </a:lnL>
+                    <a:lnR w="12700" cap="flat" cmpd="sng" algn="ctr">
+                      <a:solidFill>
+                        <a:schemeClr val="tx1"/>
+                      </a:solidFill>
+                      <a:prstDash val="solid"/>
+                      <a:round/>
+                      <a:headEnd type="none" w="med" len="med"/>
+                      <a:tailEnd type="none" w="med" len="med"/>
+                    </a:lnR>
+                    <a:lnT w="12700" cap="flat" cmpd="sng" algn="ctr">
+                      <a:solidFill>
+                        <a:schemeClr val="tx1"/>
+                      </a:solidFill>
+                      <a:prstDash val="solid"/>
+                      <a:round/>
+                      <a:headEnd type="none" w="med" len="med"/>
+                      <a:tailEnd type="none" w="med" len="med"/>
+                    </a:lnT>
+                    <a:lnB w="12700" cap="flat" cmpd="sng" algn="ctr">
+                      <a:solidFill>
+                        <a:schemeClr val="tx1"/>
+                      </a:solidFill>
+                      <a:prstDash val="solid"/>
+                      <a:round/>
+                      <a:headEnd type="none" w="med" len="med"/>
+                      <a:tailEnd type="none" w="med" len="med"/>
+                    </a:lnB>
+                    <a:noFill/>
+                  </a:tcPr>
+                </a:tc>
+                <a:extLst>
+                  <a:ext uri="{0D108BD9-81ED-4DB2-BD59-A6C34878D82A}">
+                    <a16:rowId xmlns:a16="http://schemas.microsoft.com/office/drawing/2014/main" val="1628615290"/>
+                  </a:ext>
+                </a:extLst>
+              </a:tr>
+              <a:tr h="948541">
+                <a:tc>
+                  <a:txBody>
+                    <a:bodyPr/>
+                    <a:lstStyle/>
+                    <a:p>
+                      <a:pPr algn="ctr" latinLnBrk="1"/>
+                      <a:r>
+                        <a:rPr lang="en-US" altLang="ko-KR" sz="2200" dirty="0">
+                          <a:solidFill>
+                            <a:schemeClr val="tx1"/>
+                          </a:solidFill>
+                        </a:rPr>
+                        <a:t>4</a:t>
+                      </a:r>
+                      <a:endParaRPr lang="ko-KR" altLang="en-US" sz="2200" dirty="0">
+                        <a:solidFill>
+                          <a:schemeClr val="tx1"/>
+                        </a:solidFill>
+                      </a:endParaRPr>
+                    </a:p>
+                  </a:txBody>
+                  <a:tcPr marL="114325" marR="114325" marT="57163" marB="57163" anchor="ctr">
+                    <a:lnL w="12700" cap="flat" cmpd="sng" algn="ctr">
+                      <a:solidFill>
+                        <a:schemeClr val="tx1"/>
+                      </a:solidFill>
+                      <a:prstDash val="solid"/>
+                      <a:round/>
+                      <a:headEnd type="none" w="med" len="med"/>
+                      <a:tailEnd type="none" w="med" len="med"/>
+                    </a:lnL>
+                    <a:lnR w="12700" cap="flat" cmpd="sng" algn="ctr">
+                      <a:solidFill>
+                        <a:schemeClr val="tx1"/>
+                      </a:solidFill>
+                      <a:prstDash val="solid"/>
+                      <a:round/>
+                      <a:headEnd type="none" w="med" len="med"/>
+                      <a:tailEnd type="none" w="med" len="med"/>
+                    </a:lnR>
+                    <a:lnT w="12700" cap="flat" cmpd="sng" algn="ctr">
+                      <a:solidFill>
+                        <a:schemeClr val="tx1"/>
+                      </a:solidFill>
+                      <a:prstDash val="solid"/>
+                      <a:round/>
+                      <a:headEnd type="none" w="med" len="med"/>
+                      <a:tailEnd type="none" w="med" len="med"/>
+                    </a:lnT>
+                    <a:lnB w="12700" cap="flat" cmpd="sng" algn="ctr">
+                      <a:solidFill>
+                        <a:schemeClr val="tx1"/>
+                      </a:solidFill>
+                      <a:prstDash val="solid"/>
+                      <a:round/>
+                      <a:headEnd type="none" w="med" len="med"/>
+                      <a:tailEnd type="none" w="med" len="med"/>
+                    </a:lnB>
+                    <a:noFill/>
+                  </a:tcPr>
+                </a:tc>
+                <a:tc>
+                  <a:txBody>
+                    <a:bodyPr/>
+                    <a:lstStyle/>
+                    <a:p>
+                      <a:pPr algn="ctr" latinLnBrk="1"/>
+                      <a:endParaRPr lang="ko-KR" altLang="en-US" sz="2200" dirty="0">
+                        <a:solidFill>
+                          <a:schemeClr val="tx1"/>
+                        </a:solidFill>
+                      </a:endParaRPr>
+                    </a:p>
+                  </a:txBody>
+                  <a:tcPr marL="114325" marR="114325" marT="57163" marB="57163" anchor="ctr">
+                    <a:lnL w="12700" cap="flat" cmpd="sng" algn="ctr">
+                      <a:solidFill>
+                        <a:schemeClr val="tx1"/>
+                      </a:solidFill>
+                      <a:prstDash val="solid"/>
+                      <a:round/>
+                      <a:headEnd type="none" w="med" len="med"/>
+                      <a:tailEnd type="none" w="med" len="med"/>
+                    </a:lnL>
+                    <a:lnR w="12700" cap="flat" cmpd="sng" algn="ctr">
+                      <a:solidFill>
+                        <a:schemeClr val="tx1"/>
+                      </a:solidFill>
+                      <a:prstDash val="solid"/>
+                      <a:round/>
+                      <a:headEnd type="none" w="med" len="med"/>
+                      <a:tailEnd type="none" w="med" len="med"/>
+                    </a:lnR>
+                    <a:lnT w="12700" cap="flat" cmpd="sng" algn="ctr">
+                      <a:solidFill>
+                        <a:schemeClr val="tx1"/>
+                      </a:solidFill>
+                      <a:prstDash val="solid"/>
+                      <a:round/>
+                      <a:headEnd type="none" w="med" len="med"/>
+                      <a:tailEnd type="none" w="med" len="med"/>
+                    </a:lnT>
+                    <a:lnB w="12700" cap="flat" cmpd="sng" algn="ctr">
+                      <a:solidFill>
+                        <a:schemeClr val="tx1"/>
+                      </a:solidFill>
+                      <a:prstDash val="solid"/>
+                      <a:round/>
+                      <a:headEnd type="none" w="med" len="med"/>
+                      <a:tailEnd type="none" w="med" len="med"/>
+                    </a:lnB>
+                    <a:noFill/>
+                  </a:tcPr>
+                </a:tc>
+                <a:tc>
+                  <a:txBody>
+                    <a:bodyPr/>
+                    <a:lstStyle/>
+                    <a:p>
+                      <a:pPr algn="ctr" latinLnBrk="1"/>
+                      <a:r>
+                        <a:rPr lang="en-US" altLang="ko-KR" sz="2200" dirty="0">
+                          <a:solidFill>
+                            <a:schemeClr val="tx1"/>
+                          </a:solidFill>
+                        </a:rPr>
+                        <a:t>x</a:t>
+                      </a:r>
+                      <a:endParaRPr lang="ko-KR" altLang="en-US" sz="2200" dirty="0">
+                        <a:solidFill>
+                          <a:schemeClr val="tx1"/>
+                        </a:solidFill>
+                      </a:endParaRPr>
+                    </a:p>
+                  </a:txBody>
+                  <a:tcPr marL="114325" marR="114325" marT="57163" marB="57163" anchor="ctr">
+                    <a:lnL w="12700" cap="flat" cmpd="sng" algn="ctr">
+                      <a:solidFill>
+                        <a:schemeClr val="tx1"/>
+                      </a:solidFill>
+                      <a:prstDash val="solid"/>
+                      <a:round/>
+                      <a:headEnd type="none" w="med" len="med"/>
+                      <a:tailEnd type="none" w="med" len="med"/>
+                    </a:lnL>
+                    <a:lnR w="12700" cap="flat" cmpd="sng" algn="ctr">
+                      <a:solidFill>
+                        <a:schemeClr val="tx1"/>
+                      </a:solidFill>
+                      <a:prstDash val="solid"/>
+                      <a:round/>
+                      <a:headEnd type="none" w="med" len="med"/>
+                      <a:tailEnd type="none" w="med" len="med"/>
+                    </a:lnR>
+                    <a:lnT w="12700" cap="flat" cmpd="sng" algn="ctr">
+                      <a:solidFill>
+                        <a:schemeClr val="tx1"/>
+                      </a:solidFill>
+                      <a:prstDash val="solid"/>
+                      <a:round/>
+                      <a:headEnd type="none" w="med" len="med"/>
+                      <a:tailEnd type="none" w="med" len="med"/>
+                    </a:lnT>
+                    <a:lnB w="12700" cap="flat" cmpd="sng" algn="ctr">
+                      <a:solidFill>
+                        <a:schemeClr val="tx1"/>
+                      </a:solidFill>
+                      <a:prstDash val="solid"/>
+                      <a:round/>
+                      <a:headEnd type="none" w="med" len="med"/>
+                      <a:tailEnd type="none" w="med" len="med"/>
+                    </a:lnB>
+                    <a:noFill/>
+                  </a:tcPr>
+                </a:tc>
+                <a:tc>
+                  <a:txBody>
+                    <a:bodyPr/>
+                    <a:lstStyle/>
+                    <a:p>
+                      <a:pPr algn="ctr" latinLnBrk="1"/>
+                      <a:r>
+                        <a:rPr lang="en-US" altLang="ko-KR" sz="2200" dirty="0">
+                          <a:solidFill>
+                            <a:schemeClr val="tx1"/>
+                          </a:solidFill>
+                        </a:rPr>
+                        <a:t>x</a:t>
+                      </a:r>
+                      <a:endParaRPr lang="ko-KR" altLang="en-US" sz="2200" dirty="0">
+                        <a:solidFill>
+                          <a:schemeClr val="tx1"/>
+                        </a:solidFill>
+                      </a:endParaRPr>
+                    </a:p>
+                  </a:txBody>
+                  <a:tcPr marL="114325" marR="114325" marT="57163" marB="57163" anchor="ctr">
+                    <a:lnL w="12700" cap="flat" cmpd="sng" algn="ctr">
+                      <a:solidFill>
+                        <a:schemeClr val="tx1"/>
+                      </a:solidFill>
+                      <a:prstDash val="solid"/>
+                      <a:round/>
+                      <a:headEnd type="none" w="med" len="med"/>
+                      <a:tailEnd type="none" w="med" len="med"/>
+                    </a:lnL>
+                    <a:lnR w="12700" cap="flat" cmpd="sng" algn="ctr">
+                      <a:solidFill>
+                        <a:schemeClr val="tx1"/>
+                      </a:solidFill>
+                      <a:prstDash val="solid"/>
+                      <a:round/>
+                      <a:headEnd type="none" w="med" len="med"/>
+                      <a:tailEnd type="none" w="med" len="med"/>
+                    </a:lnR>
+                    <a:lnT w="12700" cap="flat" cmpd="sng" algn="ctr">
+                      <a:solidFill>
+                        <a:schemeClr val="tx1"/>
+                      </a:solidFill>
+                      <a:prstDash val="solid"/>
+                      <a:round/>
+                      <a:headEnd type="none" w="med" len="med"/>
+                      <a:tailEnd type="none" w="med" len="med"/>
+                    </a:lnT>
+                    <a:lnB w="12700" cap="flat" cmpd="sng" algn="ctr">
+                      <a:solidFill>
+                        <a:schemeClr val="tx1"/>
+                      </a:solidFill>
+                      <a:prstDash val="solid"/>
+                      <a:round/>
+                      <a:headEnd type="none" w="med" len="med"/>
+                      <a:tailEnd type="none" w="med" len="med"/>
+                    </a:lnB>
+                    <a:noFill/>
+                  </a:tcPr>
+                </a:tc>
+                <a:tc>
+                  <a:txBody>
+                    <a:bodyPr/>
+                    <a:lstStyle/>
+                    <a:p>
+                      <a:pPr algn="ctr" latinLnBrk="1"/>
+                      <a:endParaRPr lang="ko-KR" altLang="en-US" sz="2200" dirty="0">
+                        <a:solidFill>
+                          <a:schemeClr val="tx1"/>
+                        </a:solidFill>
+                      </a:endParaRPr>
+                    </a:p>
+                  </a:txBody>
+                  <a:tcPr marL="114325" marR="114325" marT="57163" marB="57163" anchor="ctr">
+                    <a:lnL w="12700" cap="flat" cmpd="sng" algn="ctr">
+                      <a:solidFill>
+                        <a:schemeClr val="tx1"/>
+                      </a:solidFill>
+                      <a:prstDash val="solid"/>
+                      <a:round/>
+                      <a:headEnd type="none" w="med" len="med"/>
+                      <a:tailEnd type="none" w="med" len="med"/>
+                    </a:lnL>
+                    <a:lnR w="12700" cap="flat" cmpd="sng" algn="ctr">
+                      <a:solidFill>
+                        <a:schemeClr val="tx1"/>
+                      </a:solidFill>
+                      <a:prstDash val="solid"/>
+                      <a:round/>
+                      <a:headEnd type="none" w="med" len="med"/>
+                      <a:tailEnd type="none" w="med" len="med"/>
+                    </a:lnR>
+                    <a:lnT w="12700" cap="flat" cmpd="sng" algn="ctr">
+                      <a:solidFill>
+                        <a:schemeClr val="tx1"/>
+                      </a:solidFill>
+                      <a:prstDash val="solid"/>
+                      <a:round/>
+                      <a:headEnd type="none" w="med" len="med"/>
+                      <a:tailEnd type="none" w="med" len="med"/>
+                    </a:lnT>
+                    <a:lnB w="12700" cap="flat" cmpd="sng" algn="ctr">
+                      <a:solidFill>
+                        <a:schemeClr val="tx1"/>
+                      </a:solidFill>
+                      <a:prstDash val="solid"/>
+                      <a:round/>
+                      <a:headEnd type="none" w="med" len="med"/>
+                      <a:tailEnd type="none" w="med" len="med"/>
+                    </a:lnB>
+                    <a:noFill/>
+                  </a:tcPr>
+                </a:tc>
+                <a:tc>
+                  <a:txBody>
+                    <a:bodyPr/>
+                    <a:lstStyle/>
+                    <a:p>
+                      <a:pPr algn="ctr" latinLnBrk="1"/>
+                      <a:r>
+                        <a:rPr lang="en-US" altLang="ko-KR" sz="2200" dirty="0">
+                          <a:solidFill>
+                            <a:schemeClr val="tx1"/>
+                          </a:solidFill>
+                        </a:rPr>
+                        <a:t>G</a:t>
+                      </a:r>
+                      <a:endParaRPr lang="ko-KR" altLang="en-US" sz="2200" dirty="0">
+                        <a:solidFill>
+                          <a:schemeClr val="tx1"/>
+                        </a:solidFill>
+                      </a:endParaRPr>
+                    </a:p>
+                  </a:txBody>
+                  <a:tcPr marL="114325" marR="114325" marT="57163" marB="57163" anchor="ctr">
+                    <a:lnL w="12700" cap="flat" cmpd="sng" algn="ctr">
+                      <a:solidFill>
+                        <a:schemeClr val="tx1"/>
+                      </a:solidFill>
+                      <a:prstDash val="solid"/>
+                      <a:round/>
+                      <a:headEnd type="none" w="med" len="med"/>
+                      <a:tailEnd type="none" w="med" len="med"/>
+                    </a:lnL>
+                    <a:lnR w="12700" cap="flat" cmpd="sng" algn="ctr">
+                      <a:solidFill>
+                        <a:schemeClr val="tx1"/>
+                      </a:solidFill>
+                      <a:prstDash val="solid"/>
+                      <a:round/>
+                      <a:headEnd type="none" w="med" len="med"/>
+                      <a:tailEnd type="none" w="med" len="med"/>
+                    </a:lnR>
+                    <a:lnT w="12700" cap="flat" cmpd="sng" algn="ctr">
+                      <a:solidFill>
+                        <a:schemeClr val="tx1"/>
+                      </a:solidFill>
+                      <a:prstDash val="solid"/>
+                      <a:round/>
+                      <a:headEnd type="none" w="med" len="med"/>
+                      <a:tailEnd type="none" w="med" len="med"/>
+                    </a:lnT>
+                    <a:lnB w="12700" cap="flat" cmpd="sng" algn="ctr">
+                      <a:solidFill>
+                        <a:schemeClr val="tx1"/>
+                      </a:solidFill>
+                      <a:prstDash val="solid"/>
+                      <a:round/>
+                      <a:headEnd type="none" w="med" len="med"/>
+                      <a:tailEnd type="none" w="med" len="med"/>
+                    </a:lnB>
+                    <a:solidFill>
+                      <a:schemeClr val="accent1">
+                        <a:lumMod val="40000"/>
+                        <a:lumOff val="60000"/>
+                      </a:schemeClr>
+                    </a:solidFill>
+                  </a:tcPr>
+                </a:tc>
+                <a:extLst>
+                  <a:ext uri="{0D108BD9-81ED-4DB2-BD59-A6C34878D82A}">
+                    <a16:rowId xmlns:a16="http://schemas.microsoft.com/office/drawing/2014/main" val="2271074752"/>
+                  </a:ext>
+                </a:extLst>
+              </a:tr>
+            </a:tbl>
+          </a:graphicData>
+        </a:graphic>
+      </p:graphicFrame>
+    </p:spTree>
+    <p:extLst>
+      <p:ext uri="{BB962C8B-B14F-4D97-AF65-F5344CB8AC3E}">
+        <p14:creationId xmlns:p14="http://schemas.microsoft.com/office/powerpoint/2010/main" val="4033286714"/>
+      </p:ext>
+    </p:extLst>
+  </p:cSld>
+  <p:clrMapOvr>
+    <a:masterClrMapping/>
+  </p:clrMapOvr>
+</p:sld>
+</file>
+
 <file path=ppt/theme/theme1.xml><?xml version="1.0" encoding="utf-8"?>
 <a:theme xmlns:a="http://schemas.openxmlformats.org/drawingml/2006/main" name="Office 테마">
   <a:themeElements>

--- a/Q_Learning/grid.pptx
+++ b/Q_Learning/grid.pptx
@@ -260,7 +260,7 @@
           <a:p>
             <a:fld id="{A518BF45-D36E-4247-B463-72EE3D40DC64}" type="datetimeFigureOut">
               <a:rPr lang="ko-KR" altLang="en-US" smtClean="0"/>
-              <a:t>2024-05-22</a:t>
+              <a:t>2024-05-23</a:t>
             </a:fld>
             <a:endParaRPr lang="ko-KR" altLang="en-US"/>
           </a:p>
@@ -458,7 +458,7 @@
           <a:p>
             <a:fld id="{A518BF45-D36E-4247-B463-72EE3D40DC64}" type="datetimeFigureOut">
               <a:rPr lang="ko-KR" altLang="en-US" smtClean="0"/>
-              <a:t>2024-05-22</a:t>
+              <a:t>2024-05-23</a:t>
             </a:fld>
             <a:endParaRPr lang="ko-KR" altLang="en-US"/>
           </a:p>
@@ -666,7 +666,7 @@
           <a:p>
             <a:fld id="{A518BF45-D36E-4247-B463-72EE3D40DC64}" type="datetimeFigureOut">
               <a:rPr lang="ko-KR" altLang="en-US" smtClean="0"/>
-              <a:t>2024-05-22</a:t>
+              <a:t>2024-05-23</a:t>
             </a:fld>
             <a:endParaRPr lang="ko-KR" altLang="en-US"/>
           </a:p>
@@ -864,7 +864,7 @@
           <a:p>
             <a:fld id="{A518BF45-D36E-4247-B463-72EE3D40DC64}" type="datetimeFigureOut">
               <a:rPr lang="ko-KR" altLang="en-US" smtClean="0"/>
-              <a:t>2024-05-22</a:t>
+              <a:t>2024-05-23</a:t>
             </a:fld>
             <a:endParaRPr lang="ko-KR" altLang="en-US"/>
           </a:p>
@@ -1139,7 +1139,7 @@
           <a:p>
             <a:fld id="{A518BF45-D36E-4247-B463-72EE3D40DC64}" type="datetimeFigureOut">
               <a:rPr lang="ko-KR" altLang="en-US" smtClean="0"/>
-              <a:t>2024-05-22</a:t>
+              <a:t>2024-05-23</a:t>
             </a:fld>
             <a:endParaRPr lang="ko-KR" altLang="en-US"/>
           </a:p>
@@ -1404,7 +1404,7 @@
           <a:p>
             <a:fld id="{A518BF45-D36E-4247-B463-72EE3D40DC64}" type="datetimeFigureOut">
               <a:rPr lang="ko-KR" altLang="en-US" smtClean="0"/>
-              <a:t>2024-05-22</a:t>
+              <a:t>2024-05-23</a:t>
             </a:fld>
             <a:endParaRPr lang="ko-KR" altLang="en-US"/>
           </a:p>
@@ -1816,7 +1816,7 @@
           <a:p>
             <a:fld id="{A518BF45-D36E-4247-B463-72EE3D40DC64}" type="datetimeFigureOut">
               <a:rPr lang="ko-KR" altLang="en-US" smtClean="0"/>
-              <a:t>2024-05-22</a:t>
+              <a:t>2024-05-23</a:t>
             </a:fld>
             <a:endParaRPr lang="ko-KR" altLang="en-US"/>
           </a:p>
@@ -1957,7 +1957,7 @@
           <a:p>
             <a:fld id="{A518BF45-D36E-4247-B463-72EE3D40DC64}" type="datetimeFigureOut">
               <a:rPr lang="ko-KR" altLang="en-US" smtClean="0"/>
-              <a:t>2024-05-22</a:t>
+              <a:t>2024-05-23</a:t>
             </a:fld>
             <a:endParaRPr lang="ko-KR" altLang="en-US"/>
           </a:p>
@@ -2070,7 +2070,7 @@
           <a:p>
             <a:fld id="{A518BF45-D36E-4247-B463-72EE3D40DC64}" type="datetimeFigureOut">
               <a:rPr lang="ko-KR" altLang="en-US" smtClean="0"/>
-              <a:t>2024-05-22</a:t>
+              <a:t>2024-05-23</a:t>
             </a:fld>
             <a:endParaRPr lang="ko-KR" altLang="en-US"/>
           </a:p>
@@ -2381,7 +2381,7 @@
           <a:p>
             <a:fld id="{A518BF45-D36E-4247-B463-72EE3D40DC64}" type="datetimeFigureOut">
               <a:rPr lang="ko-KR" altLang="en-US" smtClean="0"/>
-              <a:t>2024-05-22</a:t>
+              <a:t>2024-05-23</a:t>
             </a:fld>
             <a:endParaRPr lang="ko-KR" altLang="en-US"/>
           </a:p>
@@ -2669,7 +2669,7 @@
           <a:p>
             <a:fld id="{A518BF45-D36E-4247-B463-72EE3D40DC64}" type="datetimeFigureOut">
               <a:rPr lang="ko-KR" altLang="en-US" smtClean="0"/>
-              <a:t>2024-05-22</a:t>
+              <a:t>2024-05-23</a:t>
             </a:fld>
             <a:endParaRPr lang="ko-KR" altLang="en-US"/>
           </a:p>
@@ -2910,7 +2910,7 @@
           <a:p>
             <a:fld id="{A518BF45-D36E-4247-B463-72EE3D40DC64}" type="datetimeFigureOut">
               <a:rPr lang="ko-KR" altLang="en-US" smtClean="0"/>
-              <a:t>2024-05-22</a:t>
+              <a:t>2024-05-23</a:t>
             </a:fld>
             <a:endParaRPr lang="ko-KR" altLang="en-US"/>
           </a:p>
@@ -3342,14 +3342,14 @@
           <p:nvPr>
             <p:extLst>
               <p:ext uri="{D42A27DB-BD31-4B8C-83A1-F6EECF244321}">
-                <p14:modId xmlns:p14="http://schemas.microsoft.com/office/powerpoint/2010/main" val="3550094825"/>
+                <p14:modId xmlns:p14="http://schemas.microsoft.com/office/powerpoint/2010/main" val="2616763535"/>
               </p:ext>
             </p:extLst>
           </p:nvPr>
         </p:nvGraphicFramePr>
         <p:xfrm>
-          <a:off x="2050472" y="165487"/>
-          <a:ext cx="6414876" cy="6360723"/>
+          <a:off x="3030753" y="633743"/>
+          <a:ext cx="5759996" cy="5759996"/>
         </p:xfrm>
         <a:graphic>
           <a:graphicData uri="http://schemas.openxmlformats.org/drawingml/2006/table">
@@ -3358,85 +3358,99 @@
                 <a:tableStyleId>{5C22544A-7EE6-4342-B048-85BDC9FD1C3A}</a:tableStyleId>
               </a:tblPr>
               <a:tblGrid>
-                <a:gridCol w="712764">
+                <a:gridCol w="523636">
                   <a:extLst>
                     <a:ext uri="{9D8B030D-6E8A-4147-A177-3AD203B41FA5}">
                       <a16:colId xmlns:a16="http://schemas.microsoft.com/office/drawing/2014/main" val="2914586667"/>
                     </a:ext>
                   </a:extLst>
                 </a:gridCol>
-                <a:gridCol w="712764">
+                <a:gridCol w="523636">
                   <a:extLst>
                     <a:ext uri="{9D8B030D-6E8A-4147-A177-3AD203B41FA5}">
                       <a16:colId xmlns:a16="http://schemas.microsoft.com/office/drawing/2014/main" val="1210227706"/>
                     </a:ext>
                   </a:extLst>
                 </a:gridCol>
-                <a:gridCol w="712764">
+                <a:gridCol w="523636">
                   <a:extLst>
                     <a:ext uri="{9D8B030D-6E8A-4147-A177-3AD203B41FA5}">
                       <a16:colId xmlns:a16="http://schemas.microsoft.com/office/drawing/2014/main" val="150852240"/>
                     </a:ext>
                   </a:extLst>
                 </a:gridCol>
-                <a:gridCol w="712764">
+                <a:gridCol w="523636">
                   <a:extLst>
                     <a:ext uri="{9D8B030D-6E8A-4147-A177-3AD203B41FA5}">
                       <a16:colId xmlns:a16="http://schemas.microsoft.com/office/drawing/2014/main" val="1526648234"/>
                     </a:ext>
                   </a:extLst>
                 </a:gridCol>
-                <a:gridCol w="712764">
+                <a:gridCol w="523636">
                   <a:extLst>
                     <a:ext uri="{9D8B030D-6E8A-4147-A177-3AD203B41FA5}">
                       <a16:colId xmlns:a16="http://schemas.microsoft.com/office/drawing/2014/main" val="2385220460"/>
                     </a:ext>
                   </a:extLst>
                 </a:gridCol>
-                <a:gridCol w="712764">
+                <a:gridCol w="523636">
                   <a:extLst>
                     <a:ext uri="{9D8B030D-6E8A-4147-A177-3AD203B41FA5}">
                       <a16:colId xmlns:a16="http://schemas.microsoft.com/office/drawing/2014/main" val="4258641908"/>
                     </a:ext>
                   </a:extLst>
                 </a:gridCol>
-                <a:gridCol w="712764">
+                <a:gridCol w="523636">
                   <a:extLst>
                     <a:ext uri="{9D8B030D-6E8A-4147-A177-3AD203B41FA5}">
                       <a16:colId xmlns:a16="http://schemas.microsoft.com/office/drawing/2014/main" val="2293618040"/>
                     </a:ext>
                   </a:extLst>
                 </a:gridCol>
-                <a:gridCol w="712764">
+                <a:gridCol w="523636">
                   <a:extLst>
                     <a:ext uri="{9D8B030D-6E8A-4147-A177-3AD203B41FA5}">
                       <a16:colId xmlns:a16="http://schemas.microsoft.com/office/drawing/2014/main" val="1685274593"/>
                     </a:ext>
                   </a:extLst>
                 </a:gridCol>
-                <a:gridCol w="712764">
+                <a:gridCol w="523636">
                   <a:extLst>
                     <a:ext uri="{9D8B030D-6E8A-4147-A177-3AD203B41FA5}">
                       <a16:colId xmlns:a16="http://schemas.microsoft.com/office/drawing/2014/main" val="2849058461"/>
                     </a:ext>
                   </a:extLst>
                 </a:gridCol>
+                <a:gridCol w="523636">
+                  <a:extLst>
+                    <a:ext uri="{9D8B030D-6E8A-4147-A177-3AD203B41FA5}">
+                      <a16:colId xmlns:a16="http://schemas.microsoft.com/office/drawing/2014/main" val="3983004409"/>
+                    </a:ext>
+                  </a:extLst>
+                </a:gridCol>
+                <a:gridCol w="523636">
+                  <a:extLst>
+                    <a:ext uri="{9D8B030D-6E8A-4147-A177-3AD203B41FA5}">
+                      <a16:colId xmlns:a16="http://schemas.microsoft.com/office/drawing/2014/main" val="1593715637"/>
+                    </a:ext>
+                  </a:extLst>
+                </a:gridCol>
               </a:tblGrid>
-              <a:tr h="706747">
-                <a:tc>
-                  <a:txBody>
-                    <a:bodyPr/>
-                    <a:lstStyle/>
-                    <a:p>
-                      <a:pPr algn="ctr" latinLnBrk="1"/>
-                      <a:endParaRPr lang="ko-KR" altLang="en-US" dirty="0">
-                        <a:solidFill>
-                          <a:schemeClr val="tx1"/>
-                        </a:solidFill>
-                      </a:endParaRPr>
-                    </a:p>
-                  </a:txBody>
-                  <a:tcPr anchor="ctr">
+              <a:tr h="523636">
+                <a:tc>
+                  <a:txBody>
+                    <a:bodyPr/>
+                    <a:lstStyle/>
+                    <a:p>
+                      <a:pPr algn="ctr" latinLnBrk="1"/>
+                      <a:endParaRPr lang="ko-KR" altLang="en-US" sz="1300" dirty="0">
+                        <a:solidFill>
+                          <a:schemeClr val="tx1"/>
+                        </a:solidFill>
+                      </a:endParaRPr>
+                    </a:p>
+                  </a:txBody>
+                  <a:tcPr marL="67659" marR="67659" marT="33829" marB="33829" anchor="ctr">
                     <a:lnL w="12700" cap="flat" cmpd="sng" algn="ctr">
                       <a:solidFill>
                         <a:schemeClr val="tx1"/>
@@ -3483,21 +3497,21 @@
                     <a:p>
                       <a:pPr algn="ctr" latinLnBrk="1"/>
                       <a:r>
-                        <a:rPr lang="en-US" altLang="ko-KR" dirty="0">
+                        <a:rPr lang="en-US" altLang="ko-KR" sz="1300" dirty="0">
                           <a:solidFill>
                             <a:schemeClr val="tx1"/>
                           </a:solidFill>
                         </a:rPr>
                         <a:t>0</a:t>
                       </a:r>
-                      <a:endParaRPr lang="ko-KR" altLang="en-US" dirty="0">
-                        <a:solidFill>
-                          <a:schemeClr val="tx1"/>
-                        </a:solidFill>
-                      </a:endParaRPr>
-                    </a:p>
-                  </a:txBody>
-                  <a:tcPr anchor="ctr">
+                      <a:endParaRPr lang="ko-KR" altLang="en-US" sz="1300" dirty="0">
+                        <a:solidFill>
+                          <a:schemeClr val="tx1"/>
+                        </a:solidFill>
+                      </a:endParaRPr>
+                    </a:p>
+                  </a:txBody>
+                  <a:tcPr marL="67659" marR="67659" marT="33829" marB="33829" anchor="ctr">
                     <a:lnL w="12700" cap="flat" cmpd="sng" algn="ctr">
                       <a:solidFill>
                         <a:schemeClr val="tx1"/>
@@ -3544,21 +3558,21 @@
                     <a:p>
                       <a:pPr algn="ctr" latinLnBrk="1"/>
                       <a:r>
-                        <a:rPr lang="en-US" altLang="ko-KR" dirty="0">
+                        <a:rPr lang="en-US" altLang="ko-KR" sz="1300" dirty="0">
                           <a:solidFill>
                             <a:schemeClr val="tx1"/>
                           </a:solidFill>
                         </a:rPr>
                         <a:t>1</a:t>
                       </a:r>
-                      <a:endParaRPr lang="ko-KR" altLang="en-US" dirty="0">
-                        <a:solidFill>
-                          <a:schemeClr val="tx1"/>
-                        </a:solidFill>
-                      </a:endParaRPr>
-                    </a:p>
-                  </a:txBody>
-                  <a:tcPr anchor="ctr">
+                      <a:endParaRPr lang="ko-KR" altLang="en-US" sz="1300" dirty="0">
+                        <a:solidFill>
+                          <a:schemeClr val="tx1"/>
+                        </a:solidFill>
+                      </a:endParaRPr>
+                    </a:p>
+                  </a:txBody>
+                  <a:tcPr marL="67659" marR="67659" marT="33829" marB="33829" anchor="ctr">
                     <a:lnL w="12700" cap="flat" cmpd="sng" algn="ctr">
                       <a:solidFill>
                         <a:schemeClr val="tx1"/>
@@ -3605,21 +3619,21 @@
                     <a:p>
                       <a:pPr algn="ctr" latinLnBrk="1"/>
                       <a:r>
-                        <a:rPr lang="en-US" altLang="ko-KR" dirty="0">
+                        <a:rPr lang="en-US" altLang="ko-KR" sz="1300" dirty="0">
                           <a:solidFill>
                             <a:schemeClr val="tx1"/>
                           </a:solidFill>
                         </a:rPr>
                         <a:t>2</a:t>
                       </a:r>
-                      <a:endParaRPr lang="ko-KR" altLang="en-US" dirty="0">
-                        <a:solidFill>
-                          <a:schemeClr val="tx1"/>
-                        </a:solidFill>
-                      </a:endParaRPr>
-                    </a:p>
-                  </a:txBody>
-                  <a:tcPr anchor="ctr">
+                      <a:endParaRPr lang="ko-KR" altLang="en-US" sz="1300" dirty="0">
+                        <a:solidFill>
+                          <a:schemeClr val="tx1"/>
+                        </a:solidFill>
+                      </a:endParaRPr>
+                    </a:p>
+                  </a:txBody>
+                  <a:tcPr marL="67659" marR="67659" marT="33829" marB="33829" anchor="ctr">
                     <a:lnL w="12700" cap="flat" cmpd="sng" algn="ctr">
                       <a:solidFill>
                         <a:schemeClr val="tx1"/>
@@ -3666,21 +3680,21 @@
                     <a:p>
                       <a:pPr algn="ctr" latinLnBrk="1"/>
                       <a:r>
-                        <a:rPr lang="en-US" altLang="ko-KR" dirty="0">
+                        <a:rPr lang="en-US" altLang="ko-KR" sz="1300" dirty="0">
                           <a:solidFill>
                             <a:schemeClr val="tx1"/>
                           </a:solidFill>
                         </a:rPr>
                         <a:t>3</a:t>
                       </a:r>
-                      <a:endParaRPr lang="ko-KR" altLang="en-US" dirty="0">
-                        <a:solidFill>
-                          <a:schemeClr val="tx1"/>
-                        </a:solidFill>
-                      </a:endParaRPr>
-                    </a:p>
-                  </a:txBody>
-                  <a:tcPr anchor="ctr">
+                      <a:endParaRPr lang="ko-KR" altLang="en-US" sz="1300" dirty="0">
+                        <a:solidFill>
+                          <a:schemeClr val="tx1"/>
+                        </a:solidFill>
+                      </a:endParaRPr>
+                    </a:p>
+                  </a:txBody>
+                  <a:tcPr marL="67659" marR="67659" marT="33829" marB="33829" anchor="ctr">
                     <a:lnL w="12700" cap="flat" cmpd="sng" algn="ctr">
                       <a:solidFill>
                         <a:schemeClr val="tx1"/>
@@ -3727,21 +3741,21 @@
                     <a:p>
                       <a:pPr algn="ctr" latinLnBrk="1"/>
                       <a:r>
-                        <a:rPr lang="en-US" altLang="ko-KR" dirty="0">
+                        <a:rPr lang="en-US" altLang="ko-KR" sz="1300" dirty="0">
                           <a:solidFill>
                             <a:schemeClr val="tx1"/>
                           </a:solidFill>
                         </a:rPr>
                         <a:t>4</a:t>
                       </a:r>
-                      <a:endParaRPr lang="ko-KR" altLang="en-US" dirty="0">
-                        <a:solidFill>
-                          <a:schemeClr val="tx1"/>
-                        </a:solidFill>
-                      </a:endParaRPr>
-                    </a:p>
-                  </a:txBody>
-                  <a:tcPr anchor="ctr">
+                      <a:endParaRPr lang="ko-KR" altLang="en-US" sz="1300" dirty="0">
+                        <a:solidFill>
+                          <a:schemeClr val="tx1"/>
+                        </a:solidFill>
+                      </a:endParaRPr>
+                    </a:p>
+                  </a:txBody>
+                  <a:tcPr marL="67659" marR="67659" marT="33829" marB="33829" anchor="ctr">
                     <a:lnL w="12700" cap="flat" cmpd="sng" algn="ctr">
                       <a:solidFill>
                         <a:schemeClr val="tx1"/>
@@ -3788,21 +3802,21 @@
                     <a:p>
                       <a:pPr algn="ctr" latinLnBrk="1"/>
                       <a:r>
-                        <a:rPr lang="en-US" altLang="ko-KR" dirty="0">
+                        <a:rPr lang="en-US" altLang="ko-KR" sz="1300" dirty="0">
                           <a:solidFill>
                             <a:schemeClr val="tx1"/>
                           </a:solidFill>
                         </a:rPr>
                         <a:t>5</a:t>
                       </a:r>
-                      <a:endParaRPr lang="ko-KR" altLang="en-US" dirty="0">
-                        <a:solidFill>
-                          <a:schemeClr val="tx1"/>
-                        </a:solidFill>
-                      </a:endParaRPr>
-                    </a:p>
-                  </a:txBody>
-                  <a:tcPr anchor="ctr">
+                      <a:endParaRPr lang="ko-KR" altLang="en-US" sz="1300" dirty="0">
+                        <a:solidFill>
+                          <a:schemeClr val="tx1"/>
+                        </a:solidFill>
+                      </a:endParaRPr>
+                    </a:p>
+                  </a:txBody>
+                  <a:tcPr marL="67659" marR="67659" marT="33829" marB="33829" anchor="ctr">
                     <a:lnL w="12700" cap="flat" cmpd="sng" algn="ctr">
                       <a:solidFill>
                         <a:schemeClr val="tx1"/>
@@ -3849,21 +3863,21 @@
                     <a:p>
                       <a:pPr algn="ctr" latinLnBrk="1"/>
                       <a:r>
-                        <a:rPr lang="en-US" altLang="ko-KR" dirty="0">
+                        <a:rPr lang="en-US" altLang="ko-KR" sz="1300" dirty="0">
                           <a:solidFill>
                             <a:schemeClr val="tx1"/>
                           </a:solidFill>
                         </a:rPr>
                         <a:t>6</a:t>
                       </a:r>
-                      <a:endParaRPr lang="ko-KR" altLang="en-US" dirty="0">
-                        <a:solidFill>
-                          <a:schemeClr val="tx1"/>
-                        </a:solidFill>
-                      </a:endParaRPr>
-                    </a:p>
-                  </a:txBody>
-                  <a:tcPr anchor="ctr">
+                      <a:endParaRPr lang="ko-KR" altLang="en-US" sz="1300" dirty="0">
+                        <a:solidFill>
+                          <a:schemeClr val="tx1"/>
+                        </a:solidFill>
+                      </a:endParaRPr>
+                    </a:p>
+                  </a:txBody>
+                  <a:tcPr marL="67659" marR="67659" marT="33829" marB="33829" anchor="ctr">
                     <a:lnL w="12700" cap="flat" cmpd="sng" algn="ctr">
                       <a:solidFill>
                         <a:schemeClr val="tx1"/>
@@ -3910,21 +3924,143 @@
                     <a:p>
                       <a:pPr algn="ctr" latinLnBrk="1"/>
                       <a:r>
-                        <a:rPr lang="en-US" altLang="ko-KR" dirty="0">
+                        <a:rPr lang="en-US" altLang="ko-KR" sz="1300" dirty="0">
                           <a:solidFill>
                             <a:schemeClr val="tx1"/>
                           </a:solidFill>
                         </a:rPr>
                         <a:t>7</a:t>
                       </a:r>
-                      <a:endParaRPr lang="ko-KR" altLang="en-US" dirty="0">
-                        <a:solidFill>
-                          <a:schemeClr val="tx1"/>
-                        </a:solidFill>
-                      </a:endParaRPr>
-                    </a:p>
-                  </a:txBody>
-                  <a:tcPr anchor="ctr">
+                      <a:endParaRPr lang="ko-KR" altLang="en-US" sz="1300" dirty="0">
+                        <a:solidFill>
+                          <a:schemeClr val="tx1"/>
+                        </a:solidFill>
+                      </a:endParaRPr>
+                    </a:p>
+                  </a:txBody>
+                  <a:tcPr marL="67659" marR="67659" marT="33829" marB="33829" anchor="ctr">
+                    <a:lnL w="12700" cap="flat" cmpd="sng" algn="ctr">
+                      <a:solidFill>
+                        <a:schemeClr val="tx1"/>
+                      </a:solidFill>
+                      <a:prstDash val="solid"/>
+                      <a:round/>
+                      <a:headEnd type="none" w="med" len="med"/>
+                      <a:tailEnd type="none" w="med" len="med"/>
+                    </a:lnL>
+                    <a:lnR w="12700" cap="flat" cmpd="sng" algn="ctr">
+                      <a:solidFill>
+                        <a:schemeClr val="tx1"/>
+                      </a:solidFill>
+                      <a:prstDash val="solid"/>
+                      <a:round/>
+                      <a:headEnd type="none" w="med" len="med"/>
+                      <a:tailEnd type="none" w="med" len="med"/>
+                    </a:lnR>
+                    <a:lnT w="12700" cap="flat" cmpd="sng" algn="ctr">
+                      <a:solidFill>
+                        <a:schemeClr val="tx1"/>
+                      </a:solidFill>
+                      <a:prstDash val="solid"/>
+                      <a:round/>
+                      <a:headEnd type="none" w="med" len="med"/>
+                      <a:tailEnd type="none" w="med" len="med"/>
+                    </a:lnT>
+                    <a:lnB w="12700" cap="flat" cmpd="sng" algn="ctr">
+                      <a:solidFill>
+                        <a:schemeClr val="tx1"/>
+                      </a:solidFill>
+                      <a:prstDash val="solid"/>
+                      <a:round/>
+                      <a:headEnd type="none" w="med" len="med"/>
+                      <a:tailEnd type="none" w="med" len="med"/>
+                    </a:lnB>
+                    <a:noFill/>
+                  </a:tcPr>
+                </a:tc>
+                <a:tc>
+                  <a:txBody>
+                    <a:bodyPr/>
+                    <a:lstStyle/>
+                    <a:p>
+                      <a:pPr algn="ctr" latinLnBrk="1"/>
+                      <a:r>
+                        <a:rPr lang="en-US" altLang="ko-KR" sz="1300" dirty="0">
+                          <a:solidFill>
+                            <a:schemeClr val="tx1"/>
+                          </a:solidFill>
+                        </a:rPr>
+                        <a:t>8</a:t>
+                      </a:r>
+                      <a:endParaRPr lang="ko-KR" altLang="en-US" sz="1300" dirty="0">
+                        <a:solidFill>
+                          <a:schemeClr val="tx1"/>
+                        </a:solidFill>
+                      </a:endParaRPr>
+                    </a:p>
+                  </a:txBody>
+                  <a:tcPr marL="67659" marR="67659" marT="33829" marB="33829" anchor="ctr">
+                    <a:lnL w="12700" cap="flat" cmpd="sng" algn="ctr">
+                      <a:solidFill>
+                        <a:schemeClr val="tx1"/>
+                      </a:solidFill>
+                      <a:prstDash val="solid"/>
+                      <a:round/>
+                      <a:headEnd type="none" w="med" len="med"/>
+                      <a:tailEnd type="none" w="med" len="med"/>
+                    </a:lnL>
+                    <a:lnR w="12700" cap="flat" cmpd="sng" algn="ctr">
+                      <a:solidFill>
+                        <a:schemeClr val="tx1"/>
+                      </a:solidFill>
+                      <a:prstDash val="solid"/>
+                      <a:round/>
+                      <a:headEnd type="none" w="med" len="med"/>
+                      <a:tailEnd type="none" w="med" len="med"/>
+                    </a:lnR>
+                    <a:lnT w="12700" cap="flat" cmpd="sng" algn="ctr">
+                      <a:solidFill>
+                        <a:schemeClr val="tx1"/>
+                      </a:solidFill>
+                      <a:prstDash val="solid"/>
+                      <a:round/>
+                      <a:headEnd type="none" w="med" len="med"/>
+                      <a:tailEnd type="none" w="med" len="med"/>
+                    </a:lnT>
+                    <a:lnB w="12700" cap="flat" cmpd="sng" algn="ctr">
+                      <a:solidFill>
+                        <a:schemeClr val="tx1"/>
+                      </a:solidFill>
+                      <a:prstDash val="solid"/>
+                      <a:round/>
+                      <a:headEnd type="none" w="med" len="med"/>
+                      <a:tailEnd type="none" w="med" len="med"/>
+                    </a:lnB>
+                    <a:noFill/>
+                  </a:tcPr>
+                </a:tc>
+                <a:tc>
+                  <a:txBody>
+                    <a:bodyPr/>
+                    <a:lstStyle/>
+                    <a:p>
+                      <a:pPr algn="ctr" latinLnBrk="1"/>
+                      <a:r>
+                        <a:rPr lang="en-US" altLang="ko-KR" sz="1300" dirty="0">
+                          <a:solidFill>
+                            <a:schemeClr val="tx1"/>
+                          </a:solidFill>
+                        </a:rPr>
+                        <a:t>9</a:t>
+                      </a:r>
+                      <a:endParaRPr lang="ko-KR" altLang="en-US" sz="1300" dirty="0">
+                        <a:solidFill>
+                          <a:schemeClr val="tx1"/>
+                        </a:solidFill>
+                      </a:endParaRPr>
+                    </a:p>
+                  </a:txBody>
+                  <a:tcPr marL="67659" marR="67659" marT="33829" marB="33829" anchor="ctr">
                     <a:lnL w="12700" cap="flat" cmpd="sng" algn="ctr">
                       <a:solidFill>
                         <a:schemeClr val="tx1"/>
@@ -3970,7 +4106,7 @@
                   </a:ext>
                 </a:extLst>
               </a:tr>
-              <a:tr h="706747">
+              <a:tr h="523636">
                 <a:tc>
                   <a:txBody>
                     <a:bodyPr/>
@@ -3978,7 +4114,7 @@
                     <a:p>
                       <a:pPr algn="ctr" latinLnBrk="1"/>
                       <a:r>
-                        <a:rPr lang="en-US" altLang="ko-KR" dirty="0">
+                        <a:rPr lang="en-US" altLang="ko-KR" sz="1300" dirty="0">
                           <a:solidFill>
                             <a:schemeClr val="tx1"/>
                           </a:solidFill>
@@ -3987,7 +4123,7 @@
                       </a:r>
                     </a:p>
                   </a:txBody>
-                  <a:tcPr anchor="ctr">
+                  <a:tcPr marL="67659" marR="67659" marT="33829" marB="33829" anchor="ctr">
                     <a:lnL w="12700" cap="flat" cmpd="sng" algn="ctr">
                       <a:solidFill>
                         <a:schemeClr val="tx1"/>
@@ -4034,7 +4170,7 @@
                     <a:p>
                       <a:pPr algn="ctr" latinLnBrk="1"/>
                       <a:r>
-                        <a:rPr kumimoji="0" lang="en-US" altLang="ko-KR" sz="1800" b="0" i="0" u="none" strike="noStrike" kern="1200" cap="none" spc="0" normalizeH="0" baseline="0" noProof="0" dirty="0">
+                        <a:rPr kumimoji="0" lang="en-US" altLang="ko-KR" sz="1300" b="0" i="0" u="none" strike="noStrike" kern="1200" cap="none" spc="0" normalizeH="0" baseline="0" noProof="0" dirty="0">
                           <a:ln>
                             <a:noFill/>
                           </a:ln>
@@ -4050,14 +4186,14 @@
                         </a:rPr>
                         <a:t>S</a:t>
                       </a:r>
-                      <a:endParaRPr lang="ko-KR" altLang="en-US" dirty="0">
-                        <a:solidFill>
-                          <a:schemeClr val="tx1"/>
-                        </a:solidFill>
-                      </a:endParaRPr>
-                    </a:p>
-                  </a:txBody>
-                  <a:tcPr anchor="ctr">
+                      <a:endParaRPr lang="ko-KR" altLang="en-US" sz="1300" dirty="0">
+                        <a:solidFill>
+                          <a:schemeClr val="tx1"/>
+                        </a:solidFill>
+                      </a:endParaRPr>
+                    </a:p>
+                  </a:txBody>
+                  <a:tcPr marL="67659" marR="67659" marT="33829" marB="33829" anchor="ctr">
                     <a:lnL w="12700" cap="flat" cmpd="sng" algn="ctr">
                       <a:solidFill>
                         <a:schemeClr val="tx1"/>
@@ -4106,7 +4242,7 @@
                     <a:p>
                       <a:pPr algn="ctr" latinLnBrk="1"/>
                       <a:r>
-                        <a:rPr kumimoji="0" lang="en-US" altLang="ko-KR" sz="1800" b="0" i="0" u="none" strike="noStrike" kern="1200" cap="none" spc="0" normalizeH="0" baseline="0" noProof="0">
+                        <a:rPr kumimoji="0" lang="en-US" altLang="ko-KR" sz="1300" b="0" i="0" u="none" strike="noStrike" kern="1200" cap="none" spc="0" normalizeH="0" baseline="0" noProof="0">
                           <a:ln>
                             <a:noFill/>
                           </a:ln>
@@ -4122,14 +4258,14 @@
                         </a:rPr>
                         <a:t>O</a:t>
                       </a:r>
-                      <a:endParaRPr lang="ko-KR" altLang="en-US" dirty="0">
-                        <a:solidFill>
-                          <a:schemeClr val="tx1"/>
-                        </a:solidFill>
-                      </a:endParaRPr>
-                    </a:p>
-                  </a:txBody>
-                  <a:tcPr anchor="ctr">
+                      <a:endParaRPr lang="ko-KR" altLang="en-US" sz="1300" dirty="0">
+                        <a:solidFill>
+                          <a:schemeClr val="tx1"/>
+                        </a:solidFill>
+                      </a:endParaRPr>
+                    </a:p>
+                  </a:txBody>
+                  <a:tcPr marL="67659" marR="67659" marT="33829" marB="33829" anchor="ctr">
                     <a:lnL w="12700" cap="flat" cmpd="sng" algn="ctr">
                       <a:solidFill>
                         <a:schemeClr val="tx1"/>
@@ -4176,7 +4312,7 @@
                     <a:p>
                       <a:pPr algn="ctr" latinLnBrk="1"/>
                       <a:r>
-                        <a:rPr kumimoji="0" lang="en-US" altLang="ko-KR" sz="1800" b="0" i="0" u="none" strike="noStrike" kern="1200" cap="none" spc="0" normalizeH="0" baseline="0" noProof="0">
+                        <a:rPr kumimoji="0" lang="en-US" altLang="ko-KR" sz="1300" b="0" i="0" u="none" strike="noStrike" kern="1200" cap="none" spc="0" normalizeH="0" baseline="0" noProof="0">
                           <a:ln>
                             <a:noFill/>
                           </a:ln>
@@ -4192,14 +4328,14 @@
                         </a:rPr>
                         <a:t>O</a:t>
                       </a:r>
-                      <a:endParaRPr lang="ko-KR" altLang="en-US" dirty="0">
-                        <a:solidFill>
-                          <a:schemeClr val="tx1"/>
-                        </a:solidFill>
-                      </a:endParaRPr>
-                    </a:p>
-                  </a:txBody>
-                  <a:tcPr anchor="ctr">
+                      <a:endParaRPr lang="ko-KR" altLang="en-US" sz="1300" dirty="0">
+                        <a:solidFill>
+                          <a:schemeClr val="tx1"/>
+                        </a:solidFill>
+                      </a:endParaRPr>
+                    </a:p>
+                  </a:txBody>
+                  <a:tcPr marL="67659" marR="67659" marT="33829" marB="33829" anchor="ctr">
                     <a:lnL w="12700" cap="flat" cmpd="sng" algn="ctr">
                       <a:solidFill>
                         <a:schemeClr val="tx1"/>
@@ -4246,7 +4382,7 @@
                     <a:p>
                       <a:pPr algn="ctr" latinLnBrk="1"/>
                       <a:r>
-                        <a:rPr kumimoji="0" lang="en-US" altLang="ko-KR" sz="1800" b="0" i="0" u="none" strike="noStrike" kern="1200" cap="none" spc="0" normalizeH="0" baseline="0" noProof="0" dirty="0">
+                        <a:rPr kumimoji="0" lang="en-US" altLang="ko-KR" sz="1300" b="0" i="0" u="none" strike="noStrike" kern="1200" cap="none" spc="0" normalizeH="0" baseline="0" noProof="0" dirty="0">
                           <a:ln>
                             <a:noFill/>
                           </a:ln>
@@ -4262,14 +4398,14 @@
                         </a:rPr>
                         <a:t>X</a:t>
                       </a:r>
-                      <a:endParaRPr lang="ko-KR" altLang="en-US" dirty="0">
-                        <a:solidFill>
-                          <a:schemeClr val="tx1"/>
-                        </a:solidFill>
-                      </a:endParaRPr>
-                    </a:p>
-                  </a:txBody>
-                  <a:tcPr anchor="ctr">
+                      <a:endParaRPr lang="ko-KR" altLang="en-US" sz="1300" dirty="0">
+                        <a:solidFill>
+                          <a:schemeClr val="tx1"/>
+                        </a:solidFill>
+                      </a:endParaRPr>
+                    </a:p>
+                  </a:txBody>
+                  <a:tcPr marL="67659" marR="67659" marT="33829" marB="33829" anchor="ctr">
                     <a:lnL w="12700" cap="flat" cmpd="sng" algn="ctr">
                       <a:solidFill>
                         <a:schemeClr val="tx1"/>
@@ -4318,7 +4454,7 @@
                     <a:p>
                       <a:pPr algn="ctr" latinLnBrk="1"/>
                       <a:r>
-                        <a:rPr kumimoji="0" lang="en-US" altLang="ko-KR" sz="1800" b="0" i="0" u="none" strike="noStrike" kern="1200" cap="none" spc="0" normalizeH="0" baseline="0" noProof="0">
+                        <a:rPr kumimoji="0" lang="en-US" altLang="ko-KR" sz="1300" b="0" i="0" u="none" strike="noStrike" kern="1200" cap="none" spc="0" normalizeH="0" baseline="0" noProof="0">
                           <a:ln>
                             <a:noFill/>
                           </a:ln>
@@ -4334,14 +4470,14 @@
                         </a:rPr>
                         <a:t>O</a:t>
                       </a:r>
-                      <a:endParaRPr lang="ko-KR" altLang="en-US">
-                        <a:solidFill>
-                          <a:schemeClr val="tx1"/>
-                        </a:solidFill>
-                      </a:endParaRPr>
-                    </a:p>
-                  </a:txBody>
-                  <a:tcPr anchor="ctr">
+                      <a:endParaRPr lang="ko-KR" altLang="en-US" sz="1300">
+                        <a:solidFill>
+                          <a:schemeClr val="tx1"/>
+                        </a:solidFill>
+                      </a:endParaRPr>
+                    </a:p>
+                  </a:txBody>
+                  <a:tcPr marL="67659" marR="67659" marT="33829" marB="33829" anchor="ctr">
                     <a:lnL w="12700" cap="flat" cmpd="sng" algn="ctr">
                       <a:solidFill>
                         <a:schemeClr val="tx1"/>
@@ -4388,7 +4524,7 @@
                     <a:p>
                       <a:pPr algn="ctr" latinLnBrk="1"/>
                       <a:r>
-                        <a:rPr kumimoji="0" lang="en-US" altLang="ko-KR" sz="1800" b="0" i="0" u="none" strike="noStrike" kern="1200" cap="none" spc="0" normalizeH="0" baseline="0" noProof="0">
+                        <a:rPr kumimoji="0" lang="en-US" altLang="ko-KR" sz="1300" b="0" i="0" u="none" strike="noStrike" kern="1200" cap="none" spc="0" normalizeH="0" baseline="0" noProof="0">
                           <a:ln>
                             <a:noFill/>
                           </a:ln>
@@ -4404,14 +4540,14 @@
                         </a:rPr>
                         <a:t>O</a:t>
                       </a:r>
-                      <a:endParaRPr lang="ko-KR" altLang="en-US">
-                        <a:solidFill>
-                          <a:schemeClr val="tx1"/>
-                        </a:solidFill>
-                      </a:endParaRPr>
-                    </a:p>
-                  </a:txBody>
-                  <a:tcPr anchor="ctr">
+                      <a:endParaRPr lang="ko-KR" altLang="en-US" sz="1300">
+                        <a:solidFill>
+                          <a:schemeClr val="tx1"/>
+                        </a:solidFill>
+                      </a:endParaRPr>
+                    </a:p>
+                  </a:txBody>
+                  <a:tcPr marL="67659" marR="67659" marT="33829" marB="33829" anchor="ctr">
                     <a:lnL w="12700" cap="flat" cmpd="sng" algn="ctr">
                       <a:solidFill>
                         <a:schemeClr val="tx1"/>
@@ -4458,7 +4594,7 @@
                     <a:p>
                       <a:pPr algn="ctr" latinLnBrk="1"/>
                       <a:r>
-                        <a:rPr kumimoji="0" lang="en-US" altLang="ko-KR" sz="1800" b="0" i="0" u="none" strike="noStrike" kern="1200" cap="none" spc="0" normalizeH="0" baseline="0" noProof="0" dirty="0">
+                        <a:rPr kumimoji="0" lang="en-US" altLang="ko-KR" sz="1300" b="0" i="0" u="none" strike="noStrike" kern="1200" cap="none" spc="0" normalizeH="0" baseline="0" noProof="0" dirty="0">
                           <a:ln>
                             <a:noFill/>
                           </a:ln>
@@ -4474,14 +4610,14 @@
                         </a:rPr>
                         <a:t>O</a:t>
                       </a:r>
-                      <a:endParaRPr lang="ko-KR" altLang="en-US" dirty="0">
-                        <a:solidFill>
-                          <a:schemeClr val="tx1"/>
-                        </a:solidFill>
-                      </a:endParaRPr>
-                    </a:p>
-                  </a:txBody>
-                  <a:tcPr anchor="ctr">
+                      <a:endParaRPr lang="ko-KR" altLang="en-US" sz="1300" dirty="0">
+                        <a:solidFill>
+                          <a:schemeClr val="tx1"/>
+                        </a:solidFill>
+                      </a:endParaRPr>
+                    </a:p>
+                  </a:txBody>
+                  <a:tcPr marL="67659" marR="67659" marT="33829" marB="33829" anchor="ctr">
                     <a:lnL w="12700" cap="flat" cmpd="sng" algn="ctr">
                       <a:solidFill>
                         <a:schemeClr val="tx1"/>
@@ -4528,7 +4664,7 @@
                     <a:p>
                       <a:pPr algn="ctr" latinLnBrk="1"/>
                       <a:r>
-                        <a:rPr kumimoji="0" lang="en-US" altLang="ko-KR" sz="1800" b="0" i="0" u="none" strike="noStrike" kern="1200" cap="none" spc="0" normalizeH="0" baseline="0" noProof="0">
+                        <a:rPr kumimoji="0" lang="en-US" altLang="ko-KR" sz="1300" b="0" i="0" u="none" strike="noStrike" kern="1200" cap="none" spc="0" normalizeH="0" baseline="0" noProof="0" dirty="0">
                           <a:ln>
                             <a:noFill/>
                           </a:ln>
@@ -4544,14 +4680,14 @@
                         </a:rPr>
                         <a:t>O</a:t>
                       </a:r>
-                      <a:endParaRPr lang="ko-KR" altLang="en-US" dirty="0">
-                        <a:solidFill>
-                          <a:schemeClr val="tx1"/>
-                        </a:solidFill>
-                      </a:endParaRPr>
-                    </a:p>
-                  </a:txBody>
-                  <a:tcPr anchor="ctr">
+                      <a:endParaRPr lang="ko-KR" altLang="en-US" sz="1300" dirty="0">
+                        <a:solidFill>
+                          <a:schemeClr val="tx1"/>
+                        </a:solidFill>
+                      </a:endParaRPr>
+                    </a:p>
+                  </a:txBody>
+                  <a:tcPr marL="67659" marR="67659" marT="33829" marB="33829" anchor="ctr">
                     <a:lnL w="12700" cap="flat" cmpd="sng" algn="ctr">
                       <a:solidFill>
                         <a:schemeClr val="tx1"/>
@@ -4591,13 +4727,6 @@
                     <a:noFill/>
                   </a:tcPr>
                 </a:tc>
-                <a:extLst>
-                  <a:ext uri="{0D108BD9-81ED-4DB2-BD59-A6C34878D82A}">
-                    <a16:rowId xmlns:a16="http://schemas.microsoft.com/office/drawing/2014/main" val="1743043900"/>
-                  </a:ext>
-                </a:extLst>
-              </a:tr>
-              <a:tr h="706747">
                 <a:tc>
                   <a:txBody>
                     <a:bodyPr/>
@@ -4605,63 +4734,7 @@
                     <a:p>
                       <a:pPr algn="ctr" latinLnBrk="1"/>
                       <a:r>
-                        <a:rPr lang="en-US" altLang="ko-KR" dirty="0">
-                          <a:solidFill>
-                            <a:schemeClr val="tx1"/>
-                          </a:solidFill>
-                        </a:rPr>
-                        <a:t>1</a:t>
-                      </a:r>
-                    </a:p>
-                  </a:txBody>
-                  <a:tcPr anchor="ctr">
-                    <a:lnL w="12700" cap="flat" cmpd="sng" algn="ctr">
-                      <a:solidFill>
-                        <a:schemeClr val="tx1"/>
-                      </a:solidFill>
-                      <a:prstDash val="solid"/>
-                      <a:round/>
-                      <a:headEnd type="none" w="med" len="med"/>
-                      <a:tailEnd type="none" w="med" len="med"/>
-                    </a:lnL>
-                    <a:lnR w="12700" cap="flat" cmpd="sng" algn="ctr">
-                      <a:solidFill>
-                        <a:schemeClr val="tx1"/>
-                      </a:solidFill>
-                      <a:prstDash val="solid"/>
-                      <a:round/>
-                      <a:headEnd type="none" w="med" len="med"/>
-                      <a:tailEnd type="none" w="med" len="med"/>
-                    </a:lnR>
-                    <a:lnT w="12700" cap="flat" cmpd="sng" algn="ctr">
-                      <a:solidFill>
-                        <a:schemeClr val="tx1"/>
-                      </a:solidFill>
-                      <a:prstDash val="solid"/>
-                      <a:round/>
-                      <a:headEnd type="none" w="med" len="med"/>
-                      <a:tailEnd type="none" w="med" len="med"/>
-                    </a:lnT>
-                    <a:lnB w="12700" cap="flat" cmpd="sng" algn="ctr">
-                      <a:solidFill>
-                        <a:schemeClr val="tx1"/>
-                      </a:solidFill>
-                      <a:prstDash val="solid"/>
-                      <a:round/>
-                      <a:headEnd type="none" w="med" len="med"/>
-                      <a:tailEnd type="none" w="med" len="med"/>
-                    </a:lnB>
-                    <a:noFill/>
-                  </a:tcPr>
-                </a:tc>
-                <a:tc>
-                  <a:txBody>
-                    <a:bodyPr/>
-                    <a:lstStyle/>
-                    <a:p>
-                      <a:pPr algn="ctr" latinLnBrk="1"/>
-                      <a:r>
-                        <a:rPr kumimoji="0" lang="en-US" altLang="ko-KR" sz="1800" b="0" i="0" u="none" strike="noStrike" kern="1200" cap="none" spc="0" normalizeH="0" baseline="0" noProof="0">
+                        <a:rPr kumimoji="0" lang="en-US" altLang="ko-KR" sz="1300" b="0" i="0" u="none" strike="noStrike" kern="1200" cap="none" spc="0" normalizeH="0" baseline="0" noProof="0">
                           <a:ln>
                             <a:noFill/>
                           </a:ln>
@@ -4677,14 +4750,14 @@
                         </a:rPr>
                         <a:t>O</a:t>
                       </a:r>
-                      <a:endParaRPr lang="ko-KR" altLang="en-US">
-                        <a:solidFill>
-                          <a:schemeClr val="tx1"/>
-                        </a:solidFill>
-                      </a:endParaRPr>
-                    </a:p>
-                  </a:txBody>
-                  <a:tcPr anchor="ctr">
+                      <a:endParaRPr lang="ko-KR" altLang="en-US" sz="1300" dirty="0">
+                        <a:solidFill>
+                          <a:schemeClr val="tx1"/>
+                        </a:solidFill>
+                      </a:endParaRPr>
+                    </a:p>
+                  </a:txBody>
+                  <a:tcPr marL="67659" marR="67659" marT="33829" marB="33829" anchor="ctr">
                     <a:lnL w="12700" cap="flat" cmpd="sng" algn="ctr">
                       <a:solidFill>
                         <a:schemeClr val="tx1"/>
@@ -4731,7 +4804,210 @@
                     <a:p>
                       <a:pPr algn="ctr" latinLnBrk="1"/>
                       <a:r>
-                        <a:rPr kumimoji="0" lang="en-US" altLang="ko-KR" sz="1800" b="0" i="0" u="none" strike="noStrike" kern="1200" cap="none" spc="0" normalizeH="0" baseline="0" noProof="0" dirty="0">
+                        <a:rPr kumimoji="0" lang="en-US" altLang="ko-KR" sz="1300" b="0" i="0" u="none" strike="noStrike" kern="1200" cap="none" spc="0" normalizeH="0" baseline="0" noProof="0">
+                          <a:ln>
+                            <a:noFill/>
+                          </a:ln>
+                          <a:solidFill>
+                            <a:prstClr val="black"/>
+                          </a:solidFill>
+                          <a:effectLst/>
+                          <a:uLnTx/>
+                          <a:uFillTx/>
+                          <a:latin typeface="맑은 고딕" panose="020F0502020204030204"/>
+                          <a:ea typeface="맑은 고딕" panose="020B0503020000020004" pitchFamily="50" charset="-127"/>
+                          <a:cs typeface="+mn-cs"/>
+                        </a:rPr>
+                        <a:t>O</a:t>
+                      </a:r>
+                      <a:endParaRPr lang="ko-KR" altLang="en-US" sz="1300" dirty="0">
+                        <a:solidFill>
+                          <a:schemeClr val="tx1"/>
+                        </a:solidFill>
+                      </a:endParaRPr>
+                    </a:p>
+                  </a:txBody>
+                  <a:tcPr marL="67659" marR="67659" marT="33829" marB="33829" anchor="ctr">
+                    <a:lnL w="12700" cap="flat" cmpd="sng" algn="ctr">
+                      <a:solidFill>
+                        <a:schemeClr val="tx1"/>
+                      </a:solidFill>
+                      <a:prstDash val="solid"/>
+                      <a:round/>
+                      <a:headEnd type="none" w="med" len="med"/>
+                      <a:tailEnd type="none" w="med" len="med"/>
+                    </a:lnL>
+                    <a:lnR w="12700" cap="flat" cmpd="sng" algn="ctr">
+                      <a:solidFill>
+                        <a:schemeClr val="tx1"/>
+                      </a:solidFill>
+                      <a:prstDash val="solid"/>
+                      <a:round/>
+                      <a:headEnd type="none" w="med" len="med"/>
+                      <a:tailEnd type="none" w="med" len="med"/>
+                    </a:lnR>
+                    <a:lnT w="12700" cap="flat" cmpd="sng" algn="ctr">
+                      <a:solidFill>
+                        <a:schemeClr val="tx1"/>
+                      </a:solidFill>
+                      <a:prstDash val="solid"/>
+                      <a:round/>
+                      <a:headEnd type="none" w="med" len="med"/>
+                      <a:tailEnd type="none" w="med" len="med"/>
+                    </a:lnT>
+                    <a:lnB w="12700" cap="flat" cmpd="sng" algn="ctr">
+                      <a:solidFill>
+                        <a:schemeClr val="tx1"/>
+                      </a:solidFill>
+                      <a:prstDash val="solid"/>
+                      <a:round/>
+                      <a:headEnd type="none" w="med" len="med"/>
+                      <a:tailEnd type="none" w="med" len="med"/>
+                    </a:lnB>
+                    <a:noFill/>
+                  </a:tcPr>
+                </a:tc>
+                <a:extLst>
+                  <a:ext uri="{0D108BD9-81ED-4DB2-BD59-A6C34878D82A}">
+                    <a16:rowId xmlns:a16="http://schemas.microsoft.com/office/drawing/2014/main" val="1743043900"/>
+                  </a:ext>
+                </a:extLst>
+              </a:tr>
+              <a:tr h="523636">
+                <a:tc>
+                  <a:txBody>
+                    <a:bodyPr/>
+                    <a:lstStyle/>
+                    <a:p>
+                      <a:pPr algn="ctr" latinLnBrk="1"/>
+                      <a:r>
+                        <a:rPr lang="en-US" altLang="ko-KR" sz="1300" dirty="0">
+                          <a:solidFill>
+                            <a:schemeClr val="tx1"/>
+                          </a:solidFill>
+                        </a:rPr>
+                        <a:t>1</a:t>
+                      </a:r>
+                    </a:p>
+                  </a:txBody>
+                  <a:tcPr marL="67659" marR="67659" marT="33829" marB="33829" anchor="ctr">
+                    <a:lnL w="12700" cap="flat" cmpd="sng" algn="ctr">
+                      <a:solidFill>
+                        <a:schemeClr val="tx1"/>
+                      </a:solidFill>
+                      <a:prstDash val="solid"/>
+                      <a:round/>
+                      <a:headEnd type="none" w="med" len="med"/>
+                      <a:tailEnd type="none" w="med" len="med"/>
+                    </a:lnL>
+                    <a:lnR w="12700" cap="flat" cmpd="sng" algn="ctr">
+                      <a:solidFill>
+                        <a:schemeClr val="tx1"/>
+                      </a:solidFill>
+                      <a:prstDash val="solid"/>
+                      <a:round/>
+                      <a:headEnd type="none" w="med" len="med"/>
+                      <a:tailEnd type="none" w="med" len="med"/>
+                    </a:lnR>
+                    <a:lnT w="12700" cap="flat" cmpd="sng" algn="ctr">
+                      <a:solidFill>
+                        <a:schemeClr val="tx1"/>
+                      </a:solidFill>
+                      <a:prstDash val="solid"/>
+                      <a:round/>
+                      <a:headEnd type="none" w="med" len="med"/>
+                      <a:tailEnd type="none" w="med" len="med"/>
+                    </a:lnT>
+                    <a:lnB w="12700" cap="flat" cmpd="sng" algn="ctr">
+                      <a:solidFill>
+                        <a:schemeClr val="tx1"/>
+                      </a:solidFill>
+                      <a:prstDash val="solid"/>
+                      <a:round/>
+                      <a:headEnd type="none" w="med" len="med"/>
+                      <a:tailEnd type="none" w="med" len="med"/>
+                    </a:lnB>
+                    <a:noFill/>
+                  </a:tcPr>
+                </a:tc>
+                <a:tc>
+                  <a:txBody>
+                    <a:bodyPr/>
+                    <a:lstStyle/>
+                    <a:p>
+                      <a:pPr algn="ctr" latinLnBrk="1"/>
+                      <a:r>
+                        <a:rPr kumimoji="0" lang="en-US" altLang="ko-KR" sz="1300" b="0" i="0" u="none" strike="noStrike" kern="1200" cap="none" spc="0" normalizeH="0" baseline="0" noProof="0">
+                          <a:ln>
+                            <a:noFill/>
+                          </a:ln>
+                          <a:solidFill>
+                            <a:prstClr val="black"/>
+                          </a:solidFill>
+                          <a:effectLst/>
+                          <a:uLnTx/>
+                          <a:uFillTx/>
+                          <a:latin typeface="맑은 고딕" panose="020F0502020204030204"/>
+                          <a:ea typeface="맑은 고딕" panose="020B0503020000020004" pitchFamily="50" charset="-127"/>
+                          <a:cs typeface="+mn-cs"/>
+                        </a:rPr>
+                        <a:t>O</a:t>
+                      </a:r>
+                      <a:endParaRPr lang="ko-KR" altLang="en-US" sz="1300">
+                        <a:solidFill>
+                          <a:schemeClr val="tx1"/>
+                        </a:solidFill>
+                      </a:endParaRPr>
+                    </a:p>
+                  </a:txBody>
+                  <a:tcPr marL="67659" marR="67659" marT="33829" marB="33829" anchor="ctr">
+                    <a:lnL w="12700" cap="flat" cmpd="sng" algn="ctr">
+                      <a:solidFill>
+                        <a:schemeClr val="tx1"/>
+                      </a:solidFill>
+                      <a:prstDash val="solid"/>
+                      <a:round/>
+                      <a:headEnd type="none" w="med" len="med"/>
+                      <a:tailEnd type="none" w="med" len="med"/>
+                    </a:lnL>
+                    <a:lnR w="12700" cap="flat" cmpd="sng" algn="ctr">
+                      <a:solidFill>
+                        <a:schemeClr val="tx1"/>
+                      </a:solidFill>
+                      <a:prstDash val="solid"/>
+                      <a:round/>
+                      <a:headEnd type="none" w="med" len="med"/>
+                      <a:tailEnd type="none" w="med" len="med"/>
+                    </a:lnR>
+                    <a:lnT w="12700" cap="flat" cmpd="sng" algn="ctr">
+                      <a:solidFill>
+                        <a:schemeClr val="tx1"/>
+                      </a:solidFill>
+                      <a:prstDash val="solid"/>
+                      <a:round/>
+                      <a:headEnd type="none" w="med" len="med"/>
+                      <a:tailEnd type="none" w="med" len="med"/>
+                    </a:lnT>
+                    <a:lnB w="12700" cap="flat" cmpd="sng" algn="ctr">
+                      <a:solidFill>
+                        <a:schemeClr val="tx1"/>
+                      </a:solidFill>
+                      <a:prstDash val="solid"/>
+                      <a:round/>
+                      <a:headEnd type="none" w="med" len="med"/>
+                      <a:tailEnd type="none" w="med" len="med"/>
+                    </a:lnB>
+                    <a:noFill/>
+                  </a:tcPr>
+                </a:tc>
+                <a:tc>
+                  <a:txBody>
+                    <a:bodyPr/>
+                    <a:lstStyle/>
+                    <a:p>
+                      <a:pPr algn="ctr" latinLnBrk="1"/>
+                      <a:r>
+                        <a:rPr kumimoji="0" lang="en-US" altLang="ko-KR" sz="1300" b="0" i="0" u="none" strike="noStrike" kern="1200" cap="none" spc="0" normalizeH="0" baseline="0" noProof="0" dirty="0">
                           <a:ln>
                             <a:noFill/>
                           </a:ln>
@@ -4747,14 +5023,14 @@
                         </a:rPr>
                         <a:t>X</a:t>
                       </a:r>
-                      <a:endParaRPr lang="ko-KR" altLang="en-US" dirty="0">
-                        <a:solidFill>
-                          <a:schemeClr val="tx1"/>
-                        </a:solidFill>
-                      </a:endParaRPr>
-                    </a:p>
-                  </a:txBody>
-                  <a:tcPr anchor="ctr">
+                      <a:endParaRPr lang="ko-KR" altLang="en-US" sz="1300" dirty="0">
+                        <a:solidFill>
+                          <a:schemeClr val="tx1"/>
+                        </a:solidFill>
+                      </a:endParaRPr>
+                    </a:p>
+                  </a:txBody>
+                  <a:tcPr marL="67659" marR="67659" marT="33829" marB="33829" anchor="ctr">
                     <a:lnL w="12700" cap="flat" cmpd="sng" algn="ctr">
                       <a:solidFill>
                         <a:schemeClr val="tx1"/>
@@ -4803,7 +5079,7 @@
                     <a:p>
                       <a:pPr algn="ctr" latinLnBrk="1"/>
                       <a:r>
-                        <a:rPr kumimoji="0" lang="en-US" altLang="ko-KR" sz="1800" b="0" i="0" u="none" strike="noStrike" kern="1200" cap="none" spc="0" normalizeH="0" baseline="0" noProof="0">
+                        <a:rPr kumimoji="0" lang="en-US" altLang="ko-KR" sz="1300" b="0" i="0" u="none" strike="noStrike" kern="1200" cap="none" spc="0" normalizeH="0" baseline="0" noProof="0">
                           <a:ln>
                             <a:noFill/>
                           </a:ln>
@@ -4819,14 +5095,14 @@
                         </a:rPr>
                         <a:t>O</a:t>
                       </a:r>
-                      <a:endParaRPr lang="ko-KR" altLang="en-US" dirty="0">
-                        <a:solidFill>
-                          <a:schemeClr val="tx1"/>
-                        </a:solidFill>
-                      </a:endParaRPr>
-                    </a:p>
-                  </a:txBody>
-                  <a:tcPr anchor="ctr">
+                      <a:endParaRPr lang="ko-KR" altLang="en-US" sz="1300" dirty="0">
+                        <a:solidFill>
+                          <a:schemeClr val="tx1"/>
+                        </a:solidFill>
+                      </a:endParaRPr>
+                    </a:p>
+                  </a:txBody>
+                  <a:tcPr marL="67659" marR="67659" marT="33829" marB="33829" anchor="ctr">
                     <a:lnL w="12700" cap="flat" cmpd="sng" algn="ctr">
                       <a:solidFill>
                         <a:schemeClr val="tx1"/>
@@ -4873,7 +5149,7 @@
                     <a:p>
                       <a:pPr algn="ctr" latinLnBrk="1"/>
                       <a:r>
-                        <a:rPr kumimoji="0" lang="en-US" altLang="ko-KR" sz="1800" b="0" i="0" u="none" strike="noStrike" kern="1200" cap="none" spc="0" normalizeH="0" baseline="0" noProof="0">
+                        <a:rPr kumimoji="0" lang="en-US" altLang="ko-KR" sz="1300" b="0" i="0" u="none" strike="noStrike" kern="1200" cap="none" spc="0" normalizeH="0" baseline="0" noProof="0">
                           <a:ln>
                             <a:noFill/>
                           </a:ln>
@@ -4889,14 +5165,14 @@
                         </a:rPr>
                         <a:t>O</a:t>
                       </a:r>
-                      <a:endParaRPr lang="ko-KR" altLang="en-US" dirty="0">
-                        <a:solidFill>
-                          <a:schemeClr val="tx1"/>
-                        </a:solidFill>
-                      </a:endParaRPr>
-                    </a:p>
-                  </a:txBody>
-                  <a:tcPr anchor="ctr">
+                      <a:endParaRPr lang="ko-KR" altLang="en-US" sz="1300" dirty="0">
+                        <a:solidFill>
+                          <a:schemeClr val="tx1"/>
+                        </a:solidFill>
+                      </a:endParaRPr>
+                    </a:p>
+                  </a:txBody>
+                  <a:tcPr marL="67659" marR="67659" marT="33829" marB="33829" anchor="ctr">
                     <a:lnL w="12700" cap="flat" cmpd="sng" algn="ctr">
                       <a:solidFill>
                         <a:schemeClr val="tx1"/>
@@ -4943,7 +5219,7 @@
                     <a:p>
                       <a:pPr algn="ctr" latinLnBrk="1"/>
                       <a:r>
-                        <a:rPr kumimoji="0" lang="en-US" altLang="ko-KR" sz="1800" b="0" i="0" u="none" strike="noStrike" kern="1200" cap="none" spc="0" normalizeH="0" baseline="0" noProof="0">
+                        <a:rPr kumimoji="0" lang="en-US" altLang="ko-KR" sz="1300" b="0" i="0" u="none" strike="noStrike" kern="1200" cap="none" spc="0" normalizeH="0" baseline="0" noProof="0">
                           <a:ln>
                             <a:noFill/>
                           </a:ln>
@@ -4959,14 +5235,14 @@
                         </a:rPr>
                         <a:t>O</a:t>
                       </a:r>
-                      <a:endParaRPr lang="ko-KR" altLang="en-US">
-                        <a:solidFill>
-                          <a:schemeClr val="tx1"/>
-                        </a:solidFill>
-                      </a:endParaRPr>
-                    </a:p>
-                  </a:txBody>
-                  <a:tcPr anchor="ctr">
+                      <a:endParaRPr lang="ko-KR" altLang="en-US" sz="1300">
+                        <a:solidFill>
+                          <a:schemeClr val="tx1"/>
+                        </a:solidFill>
+                      </a:endParaRPr>
+                    </a:p>
+                  </a:txBody>
+                  <a:tcPr marL="67659" marR="67659" marT="33829" marB="33829" anchor="ctr">
                     <a:lnL w="12700" cap="flat" cmpd="sng" algn="ctr">
                       <a:solidFill>
                         <a:schemeClr val="tx1"/>
@@ -5013,7 +5289,7 @@
                     <a:p>
                       <a:pPr algn="ctr" latinLnBrk="1"/>
                       <a:r>
-                        <a:rPr kumimoji="0" lang="en-US" altLang="ko-KR" sz="1800" b="0" i="0" u="none" strike="noStrike" kern="1200" cap="none" spc="0" normalizeH="0" baseline="0" noProof="0" dirty="0">
+                        <a:rPr kumimoji="0" lang="en-US" altLang="ko-KR" sz="1300" b="0" i="0" u="none" strike="noStrike" kern="1200" cap="none" spc="0" normalizeH="0" baseline="0" noProof="0" dirty="0">
                           <a:ln>
                             <a:noFill/>
                           </a:ln>
@@ -5029,14 +5305,14 @@
                         </a:rPr>
                         <a:t>X</a:t>
                       </a:r>
-                      <a:endParaRPr lang="ko-KR" altLang="en-US" dirty="0">
-                        <a:solidFill>
-                          <a:schemeClr val="tx1"/>
-                        </a:solidFill>
-                      </a:endParaRPr>
-                    </a:p>
-                  </a:txBody>
-                  <a:tcPr anchor="ctr">
+                      <a:endParaRPr lang="ko-KR" altLang="en-US" sz="1300" dirty="0">
+                        <a:solidFill>
+                          <a:schemeClr val="tx1"/>
+                        </a:solidFill>
+                      </a:endParaRPr>
+                    </a:p>
+                  </a:txBody>
+                  <a:tcPr marL="67659" marR="67659" marT="33829" marB="33829" anchor="ctr">
                     <a:lnL w="12700" cap="flat" cmpd="sng" algn="ctr">
                       <a:solidFill>
                         <a:schemeClr val="tx1"/>
@@ -5085,7 +5361,7 @@
                     <a:p>
                       <a:pPr algn="ctr" latinLnBrk="1"/>
                       <a:r>
-                        <a:rPr kumimoji="0" lang="en-US" altLang="ko-KR" sz="1800" b="0" i="0" u="none" strike="noStrike" kern="1200" cap="none" spc="0" normalizeH="0" baseline="0" noProof="0">
+                        <a:rPr kumimoji="0" lang="en-US" altLang="ko-KR" sz="1300" b="0" i="0" u="none" strike="noStrike" kern="1200" cap="none" spc="0" normalizeH="0" baseline="0" noProof="0">
                           <a:ln>
                             <a:noFill/>
                           </a:ln>
@@ -5101,14 +5377,14 @@
                         </a:rPr>
                         <a:t>O</a:t>
                       </a:r>
-                      <a:endParaRPr lang="ko-KR" altLang="en-US">
-                        <a:solidFill>
-                          <a:schemeClr val="tx1"/>
-                        </a:solidFill>
-                      </a:endParaRPr>
-                    </a:p>
-                  </a:txBody>
-                  <a:tcPr anchor="ctr">
+                      <a:endParaRPr lang="ko-KR" altLang="en-US" sz="1300">
+                        <a:solidFill>
+                          <a:schemeClr val="tx1"/>
+                        </a:solidFill>
+                      </a:endParaRPr>
+                    </a:p>
+                  </a:txBody>
+                  <a:tcPr marL="67659" marR="67659" marT="33829" marB="33829" anchor="ctr">
                     <a:lnL w="12700" cap="flat" cmpd="sng" algn="ctr">
                       <a:solidFill>
                         <a:schemeClr val="tx1"/>
@@ -5155,7 +5431,7 @@
                     <a:p>
                       <a:pPr algn="ctr" latinLnBrk="1"/>
                       <a:r>
-                        <a:rPr kumimoji="0" lang="en-US" altLang="ko-KR" sz="1800" b="0" i="0" u="none" strike="noStrike" kern="1200" cap="none" spc="0" normalizeH="0" baseline="0" noProof="0">
+                        <a:rPr kumimoji="0" lang="en-US" altLang="ko-KR" sz="1300" b="0" i="0" u="none" strike="noStrike" kern="1200" cap="none" spc="0" normalizeH="0" baseline="0" noProof="0">
                           <a:ln>
                             <a:noFill/>
                           </a:ln>
@@ -5171,14 +5447,14 @@
                         </a:rPr>
                         <a:t>O</a:t>
                       </a:r>
-                      <a:endParaRPr lang="ko-KR" altLang="en-US">
-                        <a:solidFill>
-                          <a:schemeClr val="tx1"/>
-                        </a:solidFill>
-                      </a:endParaRPr>
-                    </a:p>
-                  </a:txBody>
-                  <a:tcPr anchor="ctr">
+                      <a:endParaRPr lang="ko-KR" altLang="en-US" sz="1300">
+                        <a:solidFill>
+                          <a:schemeClr val="tx1"/>
+                        </a:solidFill>
+                      </a:endParaRPr>
+                    </a:p>
+                  </a:txBody>
+                  <a:tcPr marL="67659" marR="67659" marT="33829" marB="33829" anchor="ctr">
                     <a:lnL w="12700" cap="flat" cmpd="sng" algn="ctr">
                       <a:solidFill>
                         <a:schemeClr val="tx1"/>
@@ -5218,13 +5494,6 @@
                     <a:noFill/>
                   </a:tcPr>
                 </a:tc>
-                <a:extLst>
-                  <a:ext uri="{0D108BD9-81ED-4DB2-BD59-A6C34878D82A}">
-                    <a16:rowId xmlns:a16="http://schemas.microsoft.com/office/drawing/2014/main" val="907628249"/>
-                  </a:ext>
-                </a:extLst>
-              </a:tr>
-              <a:tr h="706747">
                 <a:tc>
                   <a:txBody>
                     <a:bodyPr/>
@@ -5232,68 +5501,7 @@
                     <a:p>
                       <a:pPr algn="ctr" latinLnBrk="1"/>
                       <a:r>
-                        <a:rPr lang="en-US" altLang="ko-KR" dirty="0">
-                          <a:solidFill>
-                            <a:schemeClr val="tx1"/>
-                          </a:solidFill>
-                        </a:rPr>
-                        <a:t>2</a:t>
-                      </a:r>
-                      <a:endParaRPr lang="ko-KR" altLang="en-US" dirty="0">
-                        <a:solidFill>
-                          <a:schemeClr val="tx1"/>
-                        </a:solidFill>
-                      </a:endParaRPr>
-                    </a:p>
-                  </a:txBody>
-                  <a:tcPr anchor="ctr">
-                    <a:lnL w="12700" cap="flat" cmpd="sng" algn="ctr">
-                      <a:solidFill>
-                        <a:schemeClr val="tx1"/>
-                      </a:solidFill>
-                      <a:prstDash val="solid"/>
-                      <a:round/>
-                      <a:headEnd type="none" w="med" len="med"/>
-                      <a:tailEnd type="none" w="med" len="med"/>
-                    </a:lnL>
-                    <a:lnR w="12700" cap="flat" cmpd="sng" algn="ctr">
-                      <a:solidFill>
-                        <a:schemeClr val="tx1"/>
-                      </a:solidFill>
-                      <a:prstDash val="solid"/>
-                      <a:round/>
-                      <a:headEnd type="none" w="med" len="med"/>
-                      <a:tailEnd type="none" w="med" len="med"/>
-                    </a:lnR>
-                    <a:lnT w="12700" cap="flat" cmpd="sng" algn="ctr">
-                      <a:solidFill>
-                        <a:schemeClr val="tx1"/>
-                      </a:solidFill>
-                      <a:prstDash val="solid"/>
-                      <a:round/>
-                      <a:headEnd type="none" w="med" len="med"/>
-                      <a:tailEnd type="none" w="med" len="med"/>
-                    </a:lnT>
-                    <a:lnB w="12700" cap="flat" cmpd="sng" algn="ctr">
-                      <a:solidFill>
-                        <a:schemeClr val="tx1"/>
-                      </a:solidFill>
-                      <a:prstDash val="solid"/>
-                      <a:round/>
-                      <a:headEnd type="none" w="med" len="med"/>
-                      <a:tailEnd type="none" w="med" len="med"/>
-                    </a:lnB>
-                    <a:noFill/>
-                  </a:tcPr>
-                </a:tc>
-                <a:tc>
-                  <a:txBody>
-                    <a:bodyPr/>
-                    <a:lstStyle/>
-                    <a:p>
-                      <a:pPr algn="ctr" latinLnBrk="1"/>
-                      <a:r>
-                        <a:rPr kumimoji="0" lang="en-US" altLang="ko-KR" sz="1800" b="0" i="0" u="none" strike="noStrike" kern="1200" cap="none" spc="0" normalizeH="0" baseline="0" noProof="0">
+                        <a:rPr kumimoji="0" lang="en-US" altLang="ko-KR" sz="1300" b="0" i="0" u="none" strike="noStrike" kern="1200" cap="none" spc="0" normalizeH="0" baseline="0" noProof="0" dirty="0">
                           <a:ln>
                             <a:noFill/>
                           </a:ln>
@@ -5309,14 +5517,86 @@
                         </a:rPr>
                         <a:t>O</a:t>
                       </a:r>
-                      <a:endParaRPr lang="ko-KR" altLang="en-US">
-                        <a:solidFill>
-                          <a:schemeClr val="tx1"/>
-                        </a:solidFill>
-                      </a:endParaRPr>
-                    </a:p>
-                  </a:txBody>
-                  <a:tcPr anchor="ctr">
+                      <a:endParaRPr lang="ko-KR" altLang="en-US" sz="1300" dirty="0">
+                        <a:solidFill>
+                          <a:schemeClr val="tx1"/>
+                        </a:solidFill>
+                      </a:endParaRPr>
+                    </a:p>
+                  </a:txBody>
+                  <a:tcPr marL="67659" marR="67659" marT="33829" marB="33829" anchor="ctr">
+                    <a:lnL w="12700" cap="flat" cmpd="sng" algn="ctr">
+                      <a:solidFill>
+                        <a:schemeClr val="tx1"/>
+                      </a:solidFill>
+                      <a:prstDash val="solid"/>
+                      <a:round/>
+                      <a:headEnd type="none" w="med" len="med"/>
+                      <a:tailEnd type="none" w="med" len="med"/>
+                    </a:lnL>
+                    <a:lnR w="12700" cap="flat" cmpd="sng" algn="ctr">
+                      <a:solidFill>
+                        <a:schemeClr val="tx1"/>
+                      </a:solidFill>
+                      <a:prstDash val="solid"/>
+                      <a:round/>
+                      <a:headEnd type="none" w="med" len="med"/>
+                      <a:tailEnd type="none" w="med" len="med"/>
+                    </a:lnR>
+                    <a:lnT w="12700" cap="flat" cmpd="sng" algn="ctr">
+                      <a:solidFill>
+                        <a:schemeClr val="tx1"/>
+                      </a:solidFill>
+                      <a:prstDash val="solid"/>
+                      <a:round/>
+                      <a:headEnd type="none" w="med" len="med"/>
+                      <a:tailEnd type="none" w="med" len="med"/>
+                    </a:lnT>
+                    <a:lnB w="12700" cap="flat" cmpd="sng" algn="ctr">
+                      <a:solidFill>
+                        <a:schemeClr val="tx1"/>
+                      </a:solidFill>
+                      <a:prstDash val="solid"/>
+                      <a:round/>
+                      <a:headEnd type="none" w="med" len="med"/>
+                      <a:tailEnd type="none" w="med" len="med"/>
+                    </a:lnB>
+                    <a:solidFill>
+                      <a:srgbClr val="FFFF00"/>
+                    </a:solidFill>
+                  </a:tcPr>
+                </a:tc>
+                <a:tc>
+                  <a:txBody>
+                    <a:bodyPr/>
+                    <a:lstStyle/>
+                    <a:p>
+                      <a:pPr algn="ctr" latinLnBrk="1"/>
+                      <a:r>
+                        <a:rPr kumimoji="0" lang="en-US" altLang="ko-KR" sz="1300" b="0" i="0" u="none" strike="noStrike" kern="1200" cap="none" spc="0" normalizeH="0" baseline="0" noProof="0">
+                          <a:ln>
+                            <a:noFill/>
+                          </a:ln>
+                          <a:solidFill>
+                            <a:prstClr val="black"/>
+                          </a:solidFill>
+                          <a:effectLst/>
+                          <a:uLnTx/>
+                          <a:uFillTx/>
+                          <a:latin typeface="맑은 고딕" panose="020F0502020204030204"/>
+                          <a:ea typeface="맑은 고딕" panose="020B0503020000020004" pitchFamily="50" charset="-127"/>
+                          <a:cs typeface="+mn-cs"/>
+                        </a:rPr>
+                        <a:t>O</a:t>
+                      </a:r>
+                      <a:endParaRPr lang="ko-KR" altLang="en-US" sz="1300" dirty="0">
+                        <a:solidFill>
+                          <a:schemeClr val="tx1"/>
+                        </a:solidFill>
+                      </a:endParaRPr>
+                    </a:p>
+                  </a:txBody>
+                  <a:tcPr marL="67659" marR="67659" marT="33829" marB="33829" anchor="ctr">
                     <a:lnL w="12700" cap="flat" cmpd="sng" algn="ctr">
                       <a:solidFill>
                         <a:schemeClr val="tx1"/>
@@ -5356,6 +5636,13 @@
                     <a:noFill/>
                   </a:tcPr>
                 </a:tc>
+                <a:extLst>
+                  <a:ext uri="{0D108BD9-81ED-4DB2-BD59-A6C34878D82A}">
+                    <a16:rowId xmlns:a16="http://schemas.microsoft.com/office/drawing/2014/main" val="907628249"/>
+                  </a:ext>
+                </a:extLst>
+              </a:tr>
+              <a:tr h="523636">
                 <a:tc>
                   <a:txBody>
                     <a:bodyPr/>
@@ -5363,7 +5650,138 @@
                     <a:p>
                       <a:pPr algn="ctr" latinLnBrk="1"/>
                       <a:r>
-                        <a:rPr kumimoji="0" lang="en-US" altLang="ko-KR" sz="1800" b="0" i="0" u="none" strike="noStrike" kern="1200" cap="none" spc="0" normalizeH="0" baseline="0" noProof="0" dirty="0">
+                        <a:rPr lang="en-US" altLang="ko-KR" sz="1300" dirty="0">
+                          <a:solidFill>
+                            <a:schemeClr val="tx1"/>
+                          </a:solidFill>
+                        </a:rPr>
+                        <a:t>2</a:t>
+                      </a:r>
+                      <a:endParaRPr lang="ko-KR" altLang="en-US" sz="1300" dirty="0">
+                        <a:solidFill>
+                          <a:schemeClr val="tx1"/>
+                        </a:solidFill>
+                      </a:endParaRPr>
+                    </a:p>
+                  </a:txBody>
+                  <a:tcPr marL="67659" marR="67659" marT="33829" marB="33829" anchor="ctr">
+                    <a:lnL w="12700" cap="flat" cmpd="sng" algn="ctr">
+                      <a:solidFill>
+                        <a:schemeClr val="tx1"/>
+                      </a:solidFill>
+                      <a:prstDash val="solid"/>
+                      <a:round/>
+                      <a:headEnd type="none" w="med" len="med"/>
+                      <a:tailEnd type="none" w="med" len="med"/>
+                    </a:lnL>
+                    <a:lnR w="12700" cap="flat" cmpd="sng" algn="ctr">
+                      <a:solidFill>
+                        <a:schemeClr val="tx1"/>
+                      </a:solidFill>
+                      <a:prstDash val="solid"/>
+                      <a:round/>
+                      <a:headEnd type="none" w="med" len="med"/>
+                      <a:tailEnd type="none" w="med" len="med"/>
+                    </a:lnR>
+                    <a:lnT w="12700" cap="flat" cmpd="sng" algn="ctr">
+                      <a:solidFill>
+                        <a:schemeClr val="tx1"/>
+                      </a:solidFill>
+                      <a:prstDash val="solid"/>
+                      <a:round/>
+                      <a:headEnd type="none" w="med" len="med"/>
+                      <a:tailEnd type="none" w="med" len="med"/>
+                    </a:lnT>
+                    <a:lnB w="12700" cap="flat" cmpd="sng" algn="ctr">
+                      <a:solidFill>
+                        <a:schemeClr val="tx1"/>
+                      </a:solidFill>
+                      <a:prstDash val="solid"/>
+                      <a:round/>
+                      <a:headEnd type="none" w="med" len="med"/>
+                      <a:tailEnd type="none" w="med" len="med"/>
+                    </a:lnB>
+                    <a:noFill/>
+                  </a:tcPr>
+                </a:tc>
+                <a:tc>
+                  <a:txBody>
+                    <a:bodyPr/>
+                    <a:lstStyle/>
+                    <a:p>
+                      <a:pPr algn="ctr" latinLnBrk="1"/>
+                      <a:r>
+                        <a:rPr kumimoji="0" lang="en-US" altLang="ko-KR" sz="1300" b="0" i="0" u="none" strike="noStrike" kern="1200" cap="none" spc="0" normalizeH="0" baseline="0" noProof="0">
+                          <a:ln>
+                            <a:noFill/>
+                          </a:ln>
+                          <a:solidFill>
+                            <a:prstClr val="black"/>
+                          </a:solidFill>
+                          <a:effectLst/>
+                          <a:uLnTx/>
+                          <a:uFillTx/>
+                          <a:latin typeface="맑은 고딕" panose="020F0502020204030204"/>
+                          <a:ea typeface="맑은 고딕" panose="020B0503020000020004" pitchFamily="50" charset="-127"/>
+                          <a:cs typeface="+mn-cs"/>
+                        </a:rPr>
+                        <a:t>O</a:t>
+                      </a:r>
+                      <a:endParaRPr lang="ko-KR" altLang="en-US" sz="1300">
+                        <a:solidFill>
+                          <a:schemeClr val="tx1"/>
+                        </a:solidFill>
+                      </a:endParaRPr>
+                    </a:p>
+                  </a:txBody>
+                  <a:tcPr marL="67659" marR="67659" marT="33829" marB="33829" anchor="ctr">
+                    <a:lnL w="12700" cap="flat" cmpd="sng" algn="ctr">
+                      <a:solidFill>
+                        <a:schemeClr val="tx1"/>
+                      </a:solidFill>
+                      <a:prstDash val="solid"/>
+                      <a:round/>
+                      <a:headEnd type="none" w="med" len="med"/>
+                      <a:tailEnd type="none" w="med" len="med"/>
+                    </a:lnL>
+                    <a:lnR w="12700" cap="flat" cmpd="sng" algn="ctr">
+                      <a:solidFill>
+                        <a:schemeClr val="tx1"/>
+                      </a:solidFill>
+                      <a:prstDash val="solid"/>
+                      <a:round/>
+                      <a:headEnd type="none" w="med" len="med"/>
+                      <a:tailEnd type="none" w="med" len="med"/>
+                    </a:lnR>
+                    <a:lnT w="12700" cap="flat" cmpd="sng" algn="ctr">
+                      <a:solidFill>
+                        <a:schemeClr val="tx1"/>
+                      </a:solidFill>
+                      <a:prstDash val="solid"/>
+                      <a:round/>
+                      <a:headEnd type="none" w="med" len="med"/>
+                      <a:tailEnd type="none" w="med" len="med"/>
+                    </a:lnT>
+                    <a:lnB w="12700" cap="flat" cmpd="sng" algn="ctr">
+                      <a:solidFill>
+                        <a:schemeClr val="tx1"/>
+                      </a:solidFill>
+                      <a:prstDash val="solid"/>
+                      <a:round/>
+                      <a:headEnd type="none" w="med" len="med"/>
+                      <a:tailEnd type="none" w="med" len="med"/>
+                    </a:lnB>
+                    <a:noFill/>
+                  </a:tcPr>
+                </a:tc>
+                <a:tc>
+                  <a:txBody>
+                    <a:bodyPr/>
+                    <a:lstStyle/>
+                    <a:p>
+                      <a:pPr algn="ctr" latinLnBrk="1"/>
+                      <a:r>
+                        <a:rPr kumimoji="0" lang="en-US" altLang="ko-KR" sz="1300" b="0" i="0" u="none" strike="noStrike" kern="1200" cap="none" spc="0" normalizeH="0" baseline="0" noProof="0" dirty="0">
                           <a:ln>
                             <a:noFill/>
                           </a:ln>
@@ -5379,14 +5797,14 @@
                         </a:rPr>
                         <a:t>X</a:t>
                       </a:r>
-                      <a:endParaRPr lang="ko-KR" altLang="en-US" dirty="0">
-                        <a:solidFill>
-                          <a:schemeClr val="tx1"/>
-                        </a:solidFill>
-                      </a:endParaRPr>
-                    </a:p>
-                  </a:txBody>
-                  <a:tcPr anchor="ctr">
+                      <a:endParaRPr lang="ko-KR" altLang="en-US" sz="1300" dirty="0">
+                        <a:solidFill>
+                          <a:schemeClr val="tx1"/>
+                        </a:solidFill>
+                      </a:endParaRPr>
+                    </a:p>
+                  </a:txBody>
+                  <a:tcPr marL="67659" marR="67659" marT="33829" marB="33829" anchor="ctr">
                     <a:lnL w="12700" cap="flat" cmpd="sng" algn="ctr">
                       <a:solidFill>
                         <a:schemeClr val="tx1"/>
@@ -5435,7 +5853,7 @@
                     <a:p>
                       <a:pPr algn="ctr" latinLnBrk="1"/>
                       <a:r>
-                        <a:rPr kumimoji="0" lang="en-US" altLang="ko-KR" sz="1800" b="0" i="0" u="none" strike="noStrike" kern="1200" cap="none" spc="0" normalizeH="0" baseline="0" noProof="0">
+                        <a:rPr kumimoji="0" lang="en-US" altLang="ko-KR" sz="1300" b="0" i="0" u="none" strike="noStrike" kern="1200" cap="none" spc="0" normalizeH="0" baseline="0" noProof="0">
                           <a:ln>
                             <a:noFill/>
                           </a:ln>
@@ -5451,14 +5869,14 @@
                         </a:rPr>
                         <a:t>O</a:t>
                       </a:r>
-                      <a:endParaRPr lang="ko-KR" altLang="en-US" dirty="0">
-                        <a:solidFill>
-                          <a:schemeClr val="tx1"/>
-                        </a:solidFill>
-                      </a:endParaRPr>
-                    </a:p>
-                  </a:txBody>
-                  <a:tcPr anchor="ctr">
+                      <a:endParaRPr lang="ko-KR" altLang="en-US" sz="1300" dirty="0">
+                        <a:solidFill>
+                          <a:schemeClr val="tx1"/>
+                        </a:solidFill>
+                      </a:endParaRPr>
+                    </a:p>
+                  </a:txBody>
+                  <a:tcPr marL="67659" marR="67659" marT="33829" marB="33829" anchor="ctr">
                     <a:lnL w="12700" cap="flat" cmpd="sng" algn="ctr">
                       <a:solidFill>
                         <a:schemeClr val="tx1"/>
@@ -5505,7 +5923,7 @@
                     <a:p>
                       <a:pPr algn="ctr" latinLnBrk="1"/>
                       <a:r>
-                        <a:rPr kumimoji="0" lang="en-US" altLang="ko-KR" sz="1800" b="0" i="0" u="none" strike="noStrike" kern="1200" cap="none" spc="0" normalizeH="0" baseline="0" noProof="0" dirty="0">
+                        <a:rPr kumimoji="0" lang="en-US" altLang="ko-KR" sz="1300" b="0" i="0" u="none" strike="noStrike" kern="1200" cap="none" spc="0" normalizeH="0" baseline="0" noProof="0" dirty="0">
                           <a:ln>
                             <a:noFill/>
                           </a:ln>
@@ -5521,14 +5939,14 @@
                         </a:rPr>
                         <a:t>X</a:t>
                       </a:r>
-                      <a:endParaRPr lang="ko-KR" altLang="en-US" dirty="0">
-                        <a:solidFill>
-                          <a:schemeClr val="tx1"/>
-                        </a:solidFill>
-                      </a:endParaRPr>
-                    </a:p>
-                  </a:txBody>
-                  <a:tcPr anchor="ctr">
+                      <a:endParaRPr lang="ko-KR" altLang="en-US" sz="1300" dirty="0">
+                        <a:solidFill>
+                          <a:schemeClr val="tx1"/>
+                        </a:solidFill>
+                      </a:endParaRPr>
+                    </a:p>
+                  </a:txBody>
+                  <a:tcPr marL="67659" marR="67659" marT="33829" marB="33829" anchor="ctr">
                     <a:lnL w="12700" cap="flat" cmpd="sng" algn="ctr">
                       <a:solidFill>
                         <a:schemeClr val="tx1"/>
@@ -5577,7 +5995,7 @@
                     <a:p>
                       <a:pPr algn="ctr" latinLnBrk="1"/>
                       <a:r>
-                        <a:rPr kumimoji="0" lang="en-US" altLang="ko-KR" sz="1800" b="0" i="0" u="none" strike="noStrike" kern="1200" cap="none" spc="0" normalizeH="0" baseline="0" noProof="0">
+                        <a:rPr kumimoji="0" lang="en-US" altLang="ko-KR" sz="1300" b="0" i="0" u="none" strike="noStrike" kern="1200" cap="none" spc="0" normalizeH="0" baseline="0" noProof="0">
                           <a:ln>
                             <a:noFill/>
                           </a:ln>
@@ -5593,14 +6011,14 @@
                         </a:rPr>
                         <a:t>O</a:t>
                       </a:r>
-                      <a:endParaRPr lang="ko-KR" altLang="en-US" dirty="0">
-                        <a:solidFill>
-                          <a:schemeClr val="tx1"/>
-                        </a:solidFill>
-                      </a:endParaRPr>
-                    </a:p>
-                  </a:txBody>
-                  <a:tcPr anchor="ctr">
+                      <a:endParaRPr lang="ko-KR" altLang="en-US" sz="1300" dirty="0">
+                        <a:solidFill>
+                          <a:schemeClr val="tx1"/>
+                        </a:solidFill>
+                      </a:endParaRPr>
+                    </a:p>
+                  </a:txBody>
+                  <a:tcPr marL="67659" marR="67659" marT="33829" marB="33829" anchor="ctr">
                     <a:lnL w="12700" cap="flat" cmpd="sng" algn="ctr">
                       <a:solidFill>
                         <a:schemeClr val="tx1"/>
@@ -5647,7 +6065,7 @@
                     <a:p>
                       <a:pPr algn="ctr" latinLnBrk="1"/>
                       <a:r>
-                        <a:rPr kumimoji="0" lang="en-US" altLang="ko-KR" sz="1800" b="0" i="0" u="none" strike="noStrike" kern="1200" cap="none" spc="0" normalizeH="0" baseline="0" noProof="0" dirty="0">
+                        <a:rPr kumimoji="0" lang="en-US" altLang="ko-KR" sz="1300" b="0" i="0" u="none" strike="noStrike" kern="1200" cap="none" spc="0" normalizeH="0" baseline="0" noProof="0" dirty="0">
                           <a:ln>
                             <a:noFill/>
                           </a:ln>
@@ -5663,14 +6081,14 @@
                         </a:rPr>
                         <a:t>X</a:t>
                       </a:r>
-                      <a:endParaRPr lang="ko-KR" altLang="en-US" dirty="0">
-                        <a:solidFill>
-                          <a:schemeClr val="tx1"/>
-                        </a:solidFill>
-                      </a:endParaRPr>
-                    </a:p>
-                  </a:txBody>
-                  <a:tcPr anchor="ctr">
+                      <a:endParaRPr lang="ko-KR" altLang="en-US" sz="1300" dirty="0">
+                        <a:solidFill>
+                          <a:schemeClr val="tx1"/>
+                        </a:solidFill>
+                      </a:endParaRPr>
+                    </a:p>
+                  </a:txBody>
+                  <a:tcPr marL="67659" marR="67659" marT="33829" marB="33829" anchor="ctr">
                     <a:lnL w="12700" cap="flat" cmpd="sng" algn="ctr">
                       <a:solidFill>
                         <a:schemeClr val="tx1"/>
@@ -5719,7 +6137,7 @@
                     <a:p>
                       <a:pPr algn="ctr" latinLnBrk="1"/>
                       <a:r>
-                        <a:rPr kumimoji="0" lang="en-US" altLang="ko-KR" sz="1800" b="0" i="0" u="none" strike="noStrike" kern="1200" cap="none" spc="0" normalizeH="0" baseline="0" noProof="0">
+                        <a:rPr kumimoji="0" lang="en-US" altLang="ko-KR" sz="1300" b="0" i="0" u="none" strike="noStrike" kern="1200" cap="none" spc="0" normalizeH="0" baseline="0" noProof="0">
                           <a:ln>
                             <a:noFill/>
                           </a:ln>
@@ -5735,14 +6153,14 @@
                         </a:rPr>
                         <a:t>O</a:t>
                       </a:r>
-                      <a:endParaRPr lang="ko-KR" altLang="en-US">
-                        <a:solidFill>
-                          <a:schemeClr val="tx1"/>
-                        </a:solidFill>
-                      </a:endParaRPr>
-                    </a:p>
-                  </a:txBody>
-                  <a:tcPr anchor="ctr">
+                      <a:endParaRPr lang="ko-KR" altLang="en-US" sz="1300">
+                        <a:solidFill>
+                          <a:schemeClr val="tx1"/>
+                        </a:solidFill>
+                      </a:endParaRPr>
+                    </a:p>
+                  </a:txBody>
+                  <a:tcPr marL="67659" marR="67659" marT="33829" marB="33829" anchor="ctr">
                     <a:lnL w="12700" cap="flat" cmpd="sng" algn="ctr">
                       <a:solidFill>
                         <a:schemeClr val="tx1"/>
@@ -5789,7 +6207,7 @@
                     <a:p>
                       <a:pPr algn="ctr" latinLnBrk="1"/>
                       <a:r>
-                        <a:rPr kumimoji="0" lang="en-US" altLang="ko-KR" sz="1800" b="0" i="0" u="none" strike="noStrike" kern="1200" cap="none" spc="0" normalizeH="0" baseline="0" noProof="0">
+                        <a:rPr kumimoji="0" lang="en-US" altLang="ko-KR" sz="1300" b="0" i="0" u="none" strike="noStrike" kern="1200" cap="none" spc="0" normalizeH="0" baseline="0" noProof="0">
                           <a:ln>
                             <a:noFill/>
                           </a:ln>
@@ -5805,14 +6223,154 @@
                         </a:rPr>
                         <a:t>O</a:t>
                       </a:r>
-                      <a:endParaRPr lang="ko-KR" altLang="en-US">
-                        <a:solidFill>
-                          <a:schemeClr val="tx1"/>
-                        </a:solidFill>
-                      </a:endParaRPr>
-                    </a:p>
-                  </a:txBody>
-                  <a:tcPr anchor="ctr">
+                      <a:endParaRPr lang="ko-KR" altLang="en-US" sz="1300">
+                        <a:solidFill>
+                          <a:schemeClr val="tx1"/>
+                        </a:solidFill>
+                      </a:endParaRPr>
+                    </a:p>
+                  </a:txBody>
+                  <a:tcPr marL="67659" marR="67659" marT="33829" marB="33829" anchor="ctr">
+                    <a:lnL w="12700" cap="flat" cmpd="sng" algn="ctr">
+                      <a:solidFill>
+                        <a:schemeClr val="tx1"/>
+                      </a:solidFill>
+                      <a:prstDash val="solid"/>
+                      <a:round/>
+                      <a:headEnd type="none" w="med" len="med"/>
+                      <a:tailEnd type="none" w="med" len="med"/>
+                    </a:lnL>
+                    <a:lnR w="12700" cap="flat" cmpd="sng" algn="ctr">
+                      <a:solidFill>
+                        <a:schemeClr val="tx1"/>
+                      </a:solidFill>
+                      <a:prstDash val="solid"/>
+                      <a:round/>
+                      <a:headEnd type="none" w="med" len="med"/>
+                      <a:tailEnd type="none" w="med" len="med"/>
+                    </a:lnR>
+                    <a:lnT w="12700" cap="flat" cmpd="sng" algn="ctr">
+                      <a:solidFill>
+                        <a:schemeClr val="tx1"/>
+                      </a:solidFill>
+                      <a:prstDash val="solid"/>
+                      <a:round/>
+                      <a:headEnd type="none" w="med" len="med"/>
+                      <a:tailEnd type="none" w="med" len="med"/>
+                    </a:lnT>
+                    <a:lnB w="12700" cap="flat" cmpd="sng" algn="ctr">
+                      <a:solidFill>
+                        <a:schemeClr val="tx1"/>
+                      </a:solidFill>
+                      <a:prstDash val="solid"/>
+                      <a:round/>
+                      <a:headEnd type="none" w="med" len="med"/>
+                      <a:tailEnd type="none" w="med" len="med"/>
+                    </a:lnB>
+                    <a:noFill/>
+                  </a:tcPr>
+                </a:tc>
+                <a:tc>
+                  <a:txBody>
+                    <a:bodyPr/>
+                    <a:lstStyle/>
+                    <a:p>
+                      <a:pPr algn="ctr" latinLnBrk="1"/>
+                      <a:r>
+                        <a:rPr kumimoji="0" lang="en-US" altLang="ko-KR" sz="1300" b="0" i="0" u="none" strike="noStrike" kern="1200" cap="none" spc="0" normalizeH="0" baseline="0" noProof="0">
+                          <a:ln>
+                            <a:noFill/>
+                          </a:ln>
+                          <a:solidFill>
+                            <a:prstClr val="black"/>
+                          </a:solidFill>
+                          <a:effectLst/>
+                          <a:uLnTx/>
+                          <a:uFillTx/>
+                          <a:latin typeface="맑은 고딕" panose="020F0502020204030204"/>
+                          <a:ea typeface="맑은 고딕" panose="020B0503020000020004" pitchFamily="50" charset="-127"/>
+                          <a:cs typeface="+mn-cs"/>
+                        </a:rPr>
+                        <a:t>O</a:t>
+                      </a:r>
+                      <a:endParaRPr lang="ko-KR" altLang="en-US" sz="1300">
+                        <a:solidFill>
+                          <a:schemeClr val="tx1"/>
+                        </a:solidFill>
+                      </a:endParaRPr>
+                    </a:p>
+                  </a:txBody>
+                  <a:tcPr marL="67659" marR="67659" marT="33829" marB="33829" anchor="ctr">
+                    <a:lnL w="12700" cap="flat" cmpd="sng" algn="ctr">
+                      <a:solidFill>
+                        <a:schemeClr val="tx1"/>
+                      </a:solidFill>
+                      <a:prstDash val="solid"/>
+                      <a:round/>
+                      <a:headEnd type="none" w="med" len="med"/>
+                      <a:tailEnd type="none" w="med" len="med"/>
+                    </a:lnL>
+                    <a:lnR w="12700" cap="flat" cmpd="sng" algn="ctr">
+                      <a:solidFill>
+                        <a:schemeClr val="tx1"/>
+                      </a:solidFill>
+                      <a:prstDash val="solid"/>
+                      <a:round/>
+                      <a:headEnd type="none" w="med" len="med"/>
+                      <a:tailEnd type="none" w="med" len="med"/>
+                    </a:lnR>
+                    <a:lnT w="12700" cap="flat" cmpd="sng" algn="ctr">
+                      <a:solidFill>
+                        <a:schemeClr val="tx1"/>
+                      </a:solidFill>
+                      <a:prstDash val="solid"/>
+                      <a:round/>
+                      <a:headEnd type="none" w="med" len="med"/>
+                      <a:tailEnd type="none" w="med" len="med"/>
+                    </a:lnT>
+                    <a:lnB w="12700" cap="flat" cmpd="sng" algn="ctr">
+                      <a:solidFill>
+                        <a:schemeClr val="tx1"/>
+                      </a:solidFill>
+                      <a:prstDash val="solid"/>
+                      <a:round/>
+                      <a:headEnd type="none" w="med" len="med"/>
+                      <a:tailEnd type="none" w="med" len="med"/>
+                    </a:lnB>
+                    <a:noFill/>
+                  </a:tcPr>
+                </a:tc>
+                <a:tc>
+                  <a:txBody>
+                    <a:bodyPr/>
+                    <a:lstStyle/>
+                    <a:p>
+                      <a:pPr algn="ctr" latinLnBrk="1"/>
+                      <a:r>
+                        <a:rPr kumimoji="0" lang="en-US" altLang="ko-KR" sz="1300" b="0" i="0" u="none" strike="noStrike" kern="1200" cap="none" spc="0" normalizeH="0" baseline="0" noProof="0">
+                          <a:ln>
+                            <a:noFill/>
+                          </a:ln>
+                          <a:solidFill>
+                            <a:prstClr val="black"/>
+                          </a:solidFill>
+                          <a:effectLst/>
+                          <a:uLnTx/>
+                          <a:uFillTx/>
+                          <a:latin typeface="맑은 고딕" panose="020F0502020204030204"/>
+                          <a:ea typeface="맑은 고딕" panose="020B0503020000020004" pitchFamily="50" charset="-127"/>
+                          <a:cs typeface="+mn-cs"/>
+                        </a:rPr>
+                        <a:t>O</a:t>
+                      </a:r>
+                      <a:endParaRPr lang="ko-KR" altLang="en-US" sz="1300" dirty="0">
+                        <a:solidFill>
+                          <a:schemeClr val="tx1"/>
+                        </a:solidFill>
+                      </a:endParaRPr>
+                    </a:p>
+                  </a:txBody>
+                  <a:tcPr marL="67659" marR="67659" marT="33829" marB="33829" anchor="ctr">
                     <a:lnL w="12700" cap="flat" cmpd="sng" algn="ctr">
                       <a:solidFill>
                         <a:schemeClr val="tx1"/>
@@ -5858,7 +6416,7 @@
                   </a:ext>
                 </a:extLst>
               </a:tr>
-              <a:tr h="706747">
+              <a:tr h="523636">
                 <a:tc>
                   <a:txBody>
                     <a:bodyPr/>
@@ -5866,21 +6424,21 @@
                     <a:p>
                       <a:pPr algn="ctr" latinLnBrk="1"/>
                       <a:r>
-                        <a:rPr lang="en-US" altLang="ko-KR" dirty="0">
+                        <a:rPr lang="en-US" altLang="ko-KR" sz="1300" dirty="0">
                           <a:solidFill>
                             <a:schemeClr val="tx1"/>
                           </a:solidFill>
                         </a:rPr>
                         <a:t>3</a:t>
                       </a:r>
-                      <a:endParaRPr lang="ko-KR" altLang="en-US" dirty="0">
-                        <a:solidFill>
-                          <a:schemeClr val="tx1"/>
-                        </a:solidFill>
-                      </a:endParaRPr>
-                    </a:p>
-                  </a:txBody>
-                  <a:tcPr anchor="ctr">
+                      <a:endParaRPr lang="ko-KR" altLang="en-US" sz="1300" dirty="0">
+                        <a:solidFill>
+                          <a:schemeClr val="tx1"/>
+                        </a:solidFill>
+                      </a:endParaRPr>
+                    </a:p>
+                  </a:txBody>
+                  <a:tcPr marL="67659" marR="67659" marT="33829" marB="33829" anchor="ctr">
                     <a:lnL w="12700" cap="flat" cmpd="sng" algn="ctr">
                       <a:solidFill>
                         <a:schemeClr val="tx1"/>
@@ -5927,7 +6485,7 @@
                     <a:p>
                       <a:pPr algn="ctr" latinLnBrk="1"/>
                       <a:r>
-                        <a:rPr kumimoji="0" lang="en-US" altLang="ko-KR" sz="1800" b="0" i="0" u="none" strike="noStrike" kern="1200" cap="none" spc="0" normalizeH="0" baseline="0" noProof="0" dirty="0">
+                        <a:rPr kumimoji="0" lang="en-US" altLang="ko-KR" sz="1300" b="0" i="0" u="none" strike="noStrike" kern="1200" cap="none" spc="0" normalizeH="0" baseline="0" noProof="0" dirty="0">
                           <a:ln>
                             <a:noFill/>
                           </a:ln>
@@ -5943,14 +6501,14 @@
                         </a:rPr>
                         <a:t>X</a:t>
                       </a:r>
-                      <a:endParaRPr lang="ko-KR" altLang="en-US" dirty="0">
-                        <a:solidFill>
-                          <a:schemeClr val="tx1"/>
-                        </a:solidFill>
-                      </a:endParaRPr>
-                    </a:p>
-                  </a:txBody>
-                  <a:tcPr anchor="ctr">
+                      <a:endParaRPr lang="ko-KR" altLang="en-US" sz="1300" dirty="0">
+                        <a:solidFill>
+                          <a:schemeClr val="tx1"/>
+                        </a:solidFill>
+                      </a:endParaRPr>
+                    </a:p>
+                  </a:txBody>
+                  <a:tcPr marL="67659" marR="67659" marT="33829" marB="33829" anchor="ctr">
                     <a:lnL w="12700" cap="flat" cmpd="sng" algn="ctr">
                       <a:solidFill>
                         <a:schemeClr val="tx1"/>
@@ -5999,7 +6557,7 @@
                     <a:p>
                       <a:pPr algn="ctr" latinLnBrk="1"/>
                       <a:r>
-                        <a:rPr kumimoji="0" lang="en-US" altLang="ko-KR" sz="1800" b="0" i="0" u="none" strike="noStrike" kern="1200" cap="none" spc="0" normalizeH="0" baseline="0" noProof="0" dirty="0">
+                        <a:rPr kumimoji="0" lang="en-US" altLang="ko-KR" sz="1300" b="0" i="0" u="none" strike="noStrike" kern="1200" cap="none" spc="0" normalizeH="0" baseline="0" noProof="0" dirty="0">
                           <a:ln>
                             <a:noFill/>
                           </a:ln>
@@ -6015,14 +6573,14 @@
                         </a:rPr>
                         <a:t>O</a:t>
                       </a:r>
-                      <a:endParaRPr lang="ko-KR" altLang="en-US" dirty="0">
-                        <a:solidFill>
-                          <a:schemeClr val="tx1"/>
-                        </a:solidFill>
-                      </a:endParaRPr>
-                    </a:p>
-                  </a:txBody>
-                  <a:tcPr anchor="ctr">
+                      <a:endParaRPr lang="ko-KR" altLang="en-US" sz="1300" dirty="0">
+                        <a:solidFill>
+                          <a:schemeClr val="tx1"/>
+                        </a:solidFill>
+                      </a:endParaRPr>
+                    </a:p>
+                  </a:txBody>
+                  <a:tcPr marL="67659" marR="67659" marT="33829" marB="33829" anchor="ctr">
                     <a:lnL w="12700" cap="flat" cmpd="sng" algn="ctr">
                       <a:solidFill>
                         <a:schemeClr val="tx1"/>
@@ -6069,7 +6627,7 @@
                     <a:p>
                       <a:pPr algn="ctr" latinLnBrk="1"/>
                       <a:r>
-                        <a:rPr kumimoji="0" lang="en-US" altLang="ko-KR" sz="1800" b="0" i="0" u="none" strike="noStrike" kern="1200" cap="none" spc="0" normalizeH="0" baseline="0" noProof="0">
+                        <a:rPr kumimoji="0" lang="en-US" altLang="ko-KR" sz="1300" b="0" i="0" u="none" strike="noStrike" kern="1200" cap="none" spc="0" normalizeH="0" baseline="0" noProof="0">
                           <a:ln>
                             <a:noFill/>
                           </a:ln>
@@ -6085,14 +6643,14 @@
                         </a:rPr>
                         <a:t>O</a:t>
                       </a:r>
-                      <a:endParaRPr lang="ko-KR" altLang="en-US">
-                        <a:solidFill>
-                          <a:schemeClr val="tx1"/>
-                        </a:solidFill>
-                      </a:endParaRPr>
-                    </a:p>
-                  </a:txBody>
-                  <a:tcPr anchor="ctr">
+                      <a:endParaRPr lang="ko-KR" altLang="en-US" sz="1300">
+                        <a:solidFill>
+                          <a:schemeClr val="tx1"/>
+                        </a:solidFill>
+                      </a:endParaRPr>
+                    </a:p>
+                  </a:txBody>
+                  <a:tcPr marL="67659" marR="67659" marT="33829" marB="33829" anchor="ctr">
                     <a:lnL w="12700" cap="flat" cmpd="sng" algn="ctr">
                       <a:solidFill>
                         <a:schemeClr val="tx1"/>
@@ -6139,7 +6697,7 @@
                     <a:p>
                       <a:pPr algn="ctr" latinLnBrk="1"/>
                       <a:r>
-                        <a:rPr kumimoji="0" lang="en-US" altLang="ko-KR" sz="1800" b="0" i="0" u="none" strike="noStrike" kern="1200" cap="none" spc="0" normalizeH="0" baseline="0" noProof="0">
+                        <a:rPr kumimoji="0" lang="en-US" altLang="ko-KR" sz="1300" b="0" i="0" u="none" strike="noStrike" kern="1200" cap="none" spc="0" normalizeH="0" baseline="0" noProof="0">
                           <a:ln>
                             <a:noFill/>
                           </a:ln>
@@ -6155,14 +6713,14 @@
                         </a:rPr>
                         <a:t>O</a:t>
                       </a:r>
-                      <a:endParaRPr lang="ko-KR" altLang="en-US">
-                        <a:solidFill>
-                          <a:schemeClr val="tx1"/>
-                        </a:solidFill>
-                      </a:endParaRPr>
-                    </a:p>
-                  </a:txBody>
-                  <a:tcPr anchor="ctr">
+                      <a:endParaRPr lang="ko-KR" altLang="en-US" sz="1300">
+                        <a:solidFill>
+                          <a:schemeClr val="tx1"/>
+                        </a:solidFill>
+                      </a:endParaRPr>
+                    </a:p>
+                  </a:txBody>
+                  <a:tcPr marL="67659" marR="67659" marT="33829" marB="33829" anchor="ctr">
                     <a:lnL w="12700" cap="flat" cmpd="sng" algn="ctr">
                       <a:solidFill>
                         <a:schemeClr val="tx1"/>
@@ -6209,7 +6767,7 @@
                     <a:p>
                       <a:pPr algn="ctr" latinLnBrk="1"/>
                       <a:r>
-                        <a:rPr kumimoji="0" lang="en-US" altLang="ko-KR" sz="1800" b="0" i="0" u="none" strike="noStrike" kern="1200" cap="none" spc="0" normalizeH="0" baseline="0" noProof="0">
+                        <a:rPr kumimoji="0" lang="en-US" altLang="ko-KR" sz="1300" b="0" i="0" u="none" strike="noStrike" kern="1200" cap="none" spc="0" normalizeH="0" baseline="0" noProof="0">
                           <a:ln>
                             <a:noFill/>
                           </a:ln>
@@ -6225,14 +6783,14 @@
                         </a:rPr>
                         <a:t>O</a:t>
                       </a:r>
-                      <a:endParaRPr lang="ko-KR" altLang="en-US" dirty="0">
-                        <a:solidFill>
-                          <a:schemeClr val="tx1"/>
-                        </a:solidFill>
-                      </a:endParaRPr>
-                    </a:p>
-                  </a:txBody>
-                  <a:tcPr anchor="ctr">
+                      <a:endParaRPr lang="ko-KR" altLang="en-US" sz="1300" dirty="0">
+                        <a:solidFill>
+                          <a:schemeClr val="tx1"/>
+                        </a:solidFill>
+                      </a:endParaRPr>
+                    </a:p>
+                  </a:txBody>
+                  <a:tcPr marL="67659" marR="67659" marT="33829" marB="33829" anchor="ctr">
                     <a:lnL w="12700" cap="flat" cmpd="sng" algn="ctr">
                       <a:solidFill>
                         <a:schemeClr val="tx1"/>
@@ -6279,7 +6837,7 @@
                     <a:p>
                       <a:pPr algn="ctr" latinLnBrk="1"/>
                       <a:r>
-                        <a:rPr kumimoji="0" lang="en-US" altLang="ko-KR" sz="1800" b="0" i="0" u="none" strike="noStrike" kern="1200" cap="none" spc="0" normalizeH="0" baseline="0" noProof="0">
+                        <a:rPr kumimoji="0" lang="en-US" altLang="ko-KR" sz="1300" b="0" i="0" u="none" strike="noStrike" kern="1200" cap="none" spc="0" normalizeH="0" baseline="0" noProof="0">
                           <a:ln>
                             <a:noFill/>
                           </a:ln>
@@ -6295,14 +6853,14 @@
                         </a:rPr>
                         <a:t>O</a:t>
                       </a:r>
-                      <a:endParaRPr lang="ko-KR" altLang="en-US">
-                        <a:solidFill>
-                          <a:schemeClr val="tx1"/>
-                        </a:solidFill>
-                      </a:endParaRPr>
-                    </a:p>
-                  </a:txBody>
-                  <a:tcPr anchor="ctr">
+                      <a:endParaRPr lang="ko-KR" altLang="en-US" sz="1300">
+                        <a:solidFill>
+                          <a:schemeClr val="tx1"/>
+                        </a:solidFill>
+                      </a:endParaRPr>
+                    </a:p>
+                  </a:txBody>
+                  <a:tcPr marL="67659" marR="67659" marT="33829" marB="33829" anchor="ctr">
                     <a:lnL w="12700" cap="flat" cmpd="sng" algn="ctr">
                       <a:solidFill>
                         <a:schemeClr val="tx1"/>
@@ -6349,7 +6907,7 @@
                     <a:p>
                       <a:pPr algn="ctr" latinLnBrk="1"/>
                       <a:r>
-                        <a:rPr kumimoji="0" lang="en-US" altLang="ko-KR" sz="1800" b="0" i="0" u="none" strike="noStrike" kern="1200" cap="none" spc="0" normalizeH="0" baseline="0" noProof="0">
+                        <a:rPr kumimoji="0" lang="en-US" altLang="ko-KR" sz="1300" b="0" i="0" u="none" strike="noStrike" kern="1200" cap="none" spc="0" normalizeH="0" baseline="0" noProof="0">
                           <a:ln>
                             <a:noFill/>
                           </a:ln>
@@ -6365,14 +6923,14 @@
                         </a:rPr>
                         <a:t>O</a:t>
                       </a:r>
-                      <a:endParaRPr lang="ko-KR" altLang="en-US" dirty="0">
-                        <a:solidFill>
-                          <a:schemeClr val="tx1"/>
-                        </a:solidFill>
-                      </a:endParaRPr>
-                    </a:p>
-                  </a:txBody>
-                  <a:tcPr anchor="ctr">
+                      <a:endParaRPr lang="ko-KR" altLang="en-US" sz="1300" dirty="0">
+                        <a:solidFill>
+                          <a:schemeClr val="tx1"/>
+                        </a:solidFill>
+                      </a:endParaRPr>
+                    </a:p>
+                  </a:txBody>
+                  <a:tcPr marL="67659" marR="67659" marT="33829" marB="33829" anchor="ctr">
                     <a:lnL w="12700" cap="flat" cmpd="sng" algn="ctr">
                       <a:solidFill>
                         <a:schemeClr val="tx1"/>
@@ -6419,7 +6977,7 @@
                     <a:p>
                       <a:pPr algn="ctr" latinLnBrk="1"/>
                       <a:r>
-                        <a:rPr kumimoji="0" lang="en-US" altLang="ko-KR" sz="1800" b="0" i="0" u="none" strike="noStrike" kern="1200" cap="none" spc="0" normalizeH="0" baseline="0" noProof="0" dirty="0">
+                        <a:rPr kumimoji="0" lang="en-US" altLang="ko-KR" sz="1300" b="0" i="0" u="none" strike="noStrike" kern="1200" cap="none" spc="0" normalizeH="0" baseline="0" noProof="0" dirty="0">
                           <a:ln>
                             <a:noFill/>
                           </a:ln>
@@ -6435,14 +6993,14 @@
                         </a:rPr>
                         <a:t>X</a:t>
                       </a:r>
-                      <a:endParaRPr lang="ko-KR" altLang="en-US" dirty="0">
-                        <a:solidFill>
-                          <a:schemeClr val="tx1"/>
-                        </a:solidFill>
-                      </a:endParaRPr>
-                    </a:p>
-                  </a:txBody>
-                  <a:tcPr anchor="ctr">
+                      <a:endParaRPr lang="ko-KR" altLang="en-US" sz="1300" dirty="0">
+                        <a:solidFill>
+                          <a:schemeClr val="tx1"/>
+                        </a:solidFill>
+                      </a:endParaRPr>
+                    </a:p>
+                  </a:txBody>
+                  <a:tcPr marL="67659" marR="67659" marT="33829" marB="33829" anchor="ctr">
                     <a:lnL w="12700" cap="flat" cmpd="sng" algn="ctr">
                       <a:solidFill>
                         <a:schemeClr val="tx1"/>
@@ -6484,13 +7042,6 @@
                     </a:solidFill>
                   </a:tcPr>
                 </a:tc>
-                <a:extLst>
-                  <a:ext uri="{0D108BD9-81ED-4DB2-BD59-A6C34878D82A}">
-                    <a16:rowId xmlns:a16="http://schemas.microsoft.com/office/drawing/2014/main" val="2959839561"/>
-                  </a:ext>
-                </a:extLst>
-              </a:tr>
-              <a:tr h="706747">
                 <a:tc>
                   <a:txBody>
                     <a:bodyPr/>
@@ -6498,68 +7049,7 @@
                     <a:p>
                       <a:pPr algn="ctr" latinLnBrk="1"/>
                       <a:r>
-                        <a:rPr lang="en-US" altLang="ko-KR" dirty="0">
-                          <a:solidFill>
-                            <a:schemeClr val="tx1"/>
-                          </a:solidFill>
-                        </a:rPr>
-                        <a:t>4</a:t>
-                      </a:r>
-                      <a:endParaRPr lang="ko-KR" altLang="en-US" dirty="0">
-                        <a:solidFill>
-                          <a:schemeClr val="tx1"/>
-                        </a:solidFill>
-                      </a:endParaRPr>
-                    </a:p>
-                  </a:txBody>
-                  <a:tcPr anchor="ctr">
-                    <a:lnL w="12700" cap="flat" cmpd="sng" algn="ctr">
-                      <a:solidFill>
-                        <a:schemeClr val="tx1"/>
-                      </a:solidFill>
-                      <a:prstDash val="solid"/>
-                      <a:round/>
-                      <a:headEnd type="none" w="med" len="med"/>
-                      <a:tailEnd type="none" w="med" len="med"/>
-                    </a:lnL>
-                    <a:lnR w="12700" cap="flat" cmpd="sng" algn="ctr">
-                      <a:solidFill>
-                        <a:schemeClr val="tx1"/>
-                      </a:solidFill>
-                      <a:prstDash val="solid"/>
-                      <a:round/>
-                      <a:headEnd type="none" w="med" len="med"/>
-                      <a:tailEnd type="none" w="med" len="med"/>
-                    </a:lnR>
-                    <a:lnT w="12700" cap="flat" cmpd="sng" algn="ctr">
-                      <a:solidFill>
-                        <a:schemeClr val="tx1"/>
-                      </a:solidFill>
-                      <a:prstDash val="solid"/>
-                      <a:round/>
-                      <a:headEnd type="none" w="med" len="med"/>
-                      <a:tailEnd type="none" w="med" len="med"/>
-                    </a:lnT>
-                    <a:lnB w="12700" cap="flat" cmpd="sng" algn="ctr">
-                      <a:solidFill>
-                        <a:schemeClr val="tx1"/>
-                      </a:solidFill>
-                      <a:prstDash val="solid"/>
-                      <a:round/>
-                      <a:headEnd type="none" w="med" len="med"/>
-                      <a:tailEnd type="none" w="med" len="med"/>
-                    </a:lnB>
-                    <a:noFill/>
-                  </a:tcPr>
-                </a:tc>
-                <a:tc>
-                  <a:txBody>
-                    <a:bodyPr/>
-                    <a:lstStyle/>
-                    <a:p>
-                      <a:pPr algn="ctr" latinLnBrk="1"/>
-                      <a:r>
-                        <a:rPr kumimoji="0" lang="en-US" altLang="ko-KR" sz="1800" b="0" i="0" u="none" strike="noStrike" kern="1200" cap="none" spc="0" normalizeH="0" baseline="0" noProof="0">
+                        <a:rPr kumimoji="0" lang="en-US" altLang="ko-KR" sz="1300" b="0" i="0" u="none" strike="noStrike" kern="1200" cap="none" spc="0" normalizeH="0" baseline="0" noProof="0">
                           <a:ln>
                             <a:noFill/>
                           </a:ln>
@@ -6575,14 +7065,14 @@
                         </a:rPr>
                         <a:t>O</a:t>
                       </a:r>
-                      <a:endParaRPr lang="ko-KR" altLang="en-US">
-                        <a:solidFill>
-                          <a:schemeClr val="tx1"/>
-                        </a:solidFill>
-                      </a:endParaRPr>
-                    </a:p>
-                  </a:txBody>
-                  <a:tcPr anchor="ctr">
+                      <a:endParaRPr lang="ko-KR" altLang="en-US" sz="1300" dirty="0">
+                        <a:solidFill>
+                          <a:schemeClr val="tx1"/>
+                        </a:solidFill>
+                      </a:endParaRPr>
+                    </a:p>
+                  </a:txBody>
+                  <a:tcPr marL="67659" marR="67659" marT="33829" marB="33829" anchor="ctr">
                     <a:lnL w="12700" cap="flat" cmpd="sng" algn="ctr">
                       <a:solidFill>
                         <a:schemeClr val="tx1"/>
@@ -6629,7 +7119,7 @@
                     <a:p>
                       <a:pPr algn="ctr" latinLnBrk="1"/>
                       <a:r>
-                        <a:rPr kumimoji="0" lang="en-US" altLang="ko-KR" sz="1800" b="0" i="0" u="none" strike="noStrike" kern="1200" cap="none" spc="0" normalizeH="0" baseline="0" noProof="0">
+                        <a:rPr kumimoji="0" lang="en-US" altLang="ko-KR" sz="1300" b="0" i="0" u="none" strike="noStrike" kern="1200" cap="none" spc="0" normalizeH="0" baseline="0" noProof="0">
                           <a:ln>
                             <a:noFill/>
                           </a:ln>
@@ -6645,14 +7135,14 @@
                         </a:rPr>
                         <a:t>O</a:t>
                       </a:r>
-                      <a:endParaRPr lang="ko-KR" altLang="en-US">
-                        <a:solidFill>
-                          <a:schemeClr val="tx1"/>
-                        </a:solidFill>
-                      </a:endParaRPr>
-                    </a:p>
-                  </a:txBody>
-                  <a:tcPr anchor="ctr">
+                      <a:endParaRPr lang="ko-KR" altLang="en-US" sz="1300" dirty="0">
+                        <a:solidFill>
+                          <a:schemeClr val="tx1"/>
+                        </a:solidFill>
+                      </a:endParaRPr>
+                    </a:p>
+                  </a:txBody>
+                  <a:tcPr marL="67659" marR="67659" marT="33829" marB="33829" anchor="ctr">
                     <a:lnL w="12700" cap="flat" cmpd="sng" algn="ctr">
                       <a:solidFill>
                         <a:schemeClr val="tx1"/>
@@ -6692,6 +7182,13 @@
                     <a:noFill/>
                   </a:tcPr>
                 </a:tc>
+                <a:extLst>
+                  <a:ext uri="{0D108BD9-81ED-4DB2-BD59-A6C34878D82A}">
+                    <a16:rowId xmlns:a16="http://schemas.microsoft.com/office/drawing/2014/main" val="2959839561"/>
+                  </a:ext>
+                </a:extLst>
+              </a:tr>
+              <a:tr h="523636">
                 <a:tc>
                   <a:txBody>
                     <a:bodyPr/>
@@ -6699,7 +7196,68 @@
                     <a:p>
                       <a:pPr algn="ctr" latinLnBrk="1"/>
                       <a:r>
-                        <a:rPr kumimoji="0" lang="en-US" altLang="ko-KR" sz="1800" b="0" i="0" u="none" strike="noStrike" kern="1200" cap="none" spc="0" normalizeH="0" baseline="0" noProof="0" dirty="0">
+                        <a:rPr lang="en-US" altLang="ko-KR" sz="1300" dirty="0">
+                          <a:solidFill>
+                            <a:schemeClr val="tx1"/>
+                          </a:solidFill>
+                        </a:rPr>
+                        <a:t>4</a:t>
+                      </a:r>
+                      <a:endParaRPr lang="ko-KR" altLang="en-US" sz="1300" dirty="0">
+                        <a:solidFill>
+                          <a:schemeClr val="tx1"/>
+                        </a:solidFill>
+                      </a:endParaRPr>
+                    </a:p>
+                  </a:txBody>
+                  <a:tcPr marL="67659" marR="67659" marT="33829" marB="33829" anchor="ctr">
+                    <a:lnL w="12700" cap="flat" cmpd="sng" algn="ctr">
+                      <a:solidFill>
+                        <a:schemeClr val="tx1"/>
+                      </a:solidFill>
+                      <a:prstDash val="solid"/>
+                      <a:round/>
+                      <a:headEnd type="none" w="med" len="med"/>
+                      <a:tailEnd type="none" w="med" len="med"/>
+                    </a:lnL>
+                    <a:lnR w="12700" cap="flat" cmpd="sng" algn="ctr">
+                      <a:solidFill>
+                        <a:schemeClr val="tx1"/>
+                      </a:solidFill>
+                      <a:prstDash val="solid"/>
+                      <a:round/>
+                      <a:headEnd type="none" w="med" len="med"/>
+                      <a:tailEnd type="none" w="med" len="med"/>
+                    </a:lnR>
+                    <a:lnT w="12700" cap="flat" cmpd="sng" algn="ctr">
+                      <a:solidFill>
+                        <a:schemeClr val="tx1"/>
+                      </a:solidFill>
+                      <a:prstDash val="solid"/>
+                      <a:round/>
+                      <a:headEnd type="none" w="med" len="med"/>
+                      <a:tailEnd type="none" w="med" len="med"/>
+                    </a:lnT>
+                    <a:lnB w="12700" cap="flat" cmpd="sng" algn="ctr">
+                      <a:solidFill>
+                        <a:schemeClr val="tx1"/>
+                      </a:solidFill>
+                      <a:prstDash val="solid"/>
+                      <a:round/>
+                      <a:headEnd type="none" w="med" len="med"/>
+                      <a:tailEnd type="none" w="med" len="med"/>
+                    </a:lnB>
+                    <a:noFill/>
+                  </a:tcPr>
+                </a:tc>
+                <a:tc>
+                  <a:txBody>
+                    <a:bodyPr/>
+                    <a:lstStyle/>
+                    <a:p>
+                      <a:pPr algn="ctr" latinLnBrk="1"/>
+                      <a:r>
+                        <a:rPr kumimoji="0" lang="en-US" altLang="ko-KR" sz="1300" b="0" i="0" u="none" strike="noStrike" kern="1200" cap="none" spc="0" normalizeH="0" baseline="0" noProof="0">
                           <a:ln>
                             <a:noFill/>
                           </a:ln>
@@ -6715,14 +7273,14 @@
                         </a:rPr>
                         <a:t>O</a:t>
                       </a:r>
-                      <a:endParaRPr lang="ko-KR" altLang="en-US" dirty="0">
-                        <a:solidFill>
-                          <a:schemeClr val="tx1"/>
-                        </a:solidFill>
-                      </a:endParaRPr>
-                    </a:p>
-                  </a:txBody>
-                  <a:tcPr anchor="ctr">
+                      <a:endParaRPr lang="ko-KR" altLang="en-US" sz="1300">
+                        <a:solidFill>
+                          <a:schemeClr val="tx1"/>
+                        </a:solidFill>
+                      </a:endParaRPr>
+                    </a:p>
+                  </a:txBody>
+                  <a:tcPr marL="67659" marR="67659" marT="33829" marB="33829" anchor="ctr">
                     <a:lnL w="12700" cap="flat" cmpd="sng" algn="ctr">
                       <a:solidFill>
                         <a:schemeClr val="tx1"/>
@@ -6769,7 +7327,7 @@
                     <a:p>
                       <a:pPr algn="ctr" latinLnBrk="1"/>
                       <a:r>
-                        <a:rPr kumimoji="0" lang="en-US" altLang="ko-KR" sz="1800" b="0" i="0" u="none" strike="noStrike" kern="1200" cap="none" spc="0" normalizeH="0" baseline="0" noProof="0">
+                        <a:rPr kumimoji="0" lang="en-US" altLang="ko-KR" sz="1300" b="0" i="0" u="none" strike="noStrike" kern="1200" cap="none" spc="0" normalizeH="0" baseline="0" noProof="0">
                           <a:ln>
                             <a:noFill/>
                           </a:ln>
@@ -6785,14 +7343,14 @@
                         </a:rPr>
                         <a:t>O</a:t>
                       </a:r>
-                      <a:endParaRPr lang="ko-KR" altLang="en-US">
-                        <a:solidFill>
-                          <a:schemeClr val="tx1"/>
-                        </a:solidFill>
-                      </a:endParaRPr>
-                    </a:p>
-                  </a:txBody>
-                  <a:tcPr anchor="ctr">
+                      <a:endParaRPr lang="ko-KR" altLang="en-US" sz="1300">
+                        <a:solidFill>
+                          <a:schemeClr val="tx1"/>
+                        </a:solidFill>
+                      </a:endParaRPr>
+                    </a:p>
+                  </a:txBody>
+                  <a:tcPr marL="67659" marR="67659" marT="33829" marB="33829" anchor="ctr">
                     <a:lnL w="12700" cap="flat" cmpd="sng" algn="ctr">
                       <a:solidFill>
                         <a:schemeClr val="tx1"/>
@@ -6839,7 +7397,147 @@
                     <a:p>
                       <a:pPr algn="ctr" latinLnBrk="1"/>
                       <a:r>
-                        <a:rPr kumimoji="0" lang="en-US" altLang="ko-KR" sz="1800" b="0" i="0" u="none" strike="noStrike" kern="1200" cap="none" spc="0" normalizeH="0" baseline="0" noProof="0" dirty="0">
+                        <a:rPr kumimoji="0" lang="en-US" altLang="ko-KR" sz="1300" b="0" i="0" u="none" strike="noStrike" kern="1200" cap="none" spc="0" normalizeH="0" baseline="0" noProof="0" dirty="0">
+                          <a:ln>
+                            <a:noFill/>
+                          </a:ln>
+                          <a:solidFill>
+                            <a:prstClr val="black"/>
+                          </a:solidFill>
+                          <a:effectLst/>
+                          <a:uLnTx/>
+                          <a:uFillTx/>
+                          <a:latin typeface="맑은 고딕" panose="020F0502020204030204"/>
+                          <a:ea typeface="맑은 고딕" panose="020B0503020000020004" pitchFamily="50" charset="-127"/>
+                          <a:cs typeface="+mn-cs"/>
+                        </a:rPr>
+                        <a:t>O</a:t>
+                      </a:r>
+                      <a:endParaRPr lang="ko-KR" altLang="en-US" sz="1300" dirty="0">
+                        <a:solidFill>
+                          <a:schemeClr val="tx1"/>
+                        </a:solidFill>
+                      </a:endParaRPr>
+                    </a:p>
+                  </a:txBody>
+                  <a:tcPr marL="67659" marR="67659" marT="33829" marB="33829" anchor="ctr">
+                    <a:lnL w="12700" cap="flat" cmpd="sng" algn="ctr">
+                      <a:solidFill>
+                        <a:schemeClr val="tx1"/>
+                      </a:solidFill>
+                      <a:prstDash val="solid"/>
+                      <a:round/>
+                      <a:headEnd type="none" w="med" len="med"/>
+                      <a:tailEnd type="none" w="med" len="med"/>
+                    </a:lnL>
+                    <a:lnR w="12700" cap="flat" cmpd="sng" algn="ctr">
+                      <a:solidFill>
+                        <a:schemeClr val="tx1"/>
+                      </a:solidFill>
+                      <a:prstDash val="solid"/>
+                      <a:round/>
+                      <a:headEnd type="none" w="med" len="med"/>
+                      <a:tailEnd type="none" w="med" len="med"/>
+                    </a:lnR>
+                    <a:lnT w="12700" cap="flat" cmpd="sng" algn="ctr">
+                      <a:solidFill>
+                        <a:schemeClr val="tx1"/>
+                      </a:solidFill>
+                      <a:prstDash val="solid"/>
+                      <a:round/>
+                      <a:headEnd type="none" w="med" len="med"/>
+                      <a:tailEnd type="none" w="med" len="med"/>
+                    </a:lnT>
+                    <a:lnB w="12700" cap="flat" cmpd="sng" algn="ctr">
+                      <a:solidFill>
+                        <a:schemeClr val="tx1"/>
+                      </a:solidFill>
+                      <a:prstDash val="solid"/>
+                      <a:round/>
+                      <a:headEnd type="none" w="med" len="med"/>
+                      <a:tailEnd type="none" w="med" len="med"/>
+                    </a:lnB>
+                    <a:noFill/>
+                  </a:tcPr>
+                </a:tc>
+                <a:tc>
+                  <a:txBody>
+                    <a:bodyPr/>
+                    <a:lstStyle/>
+                    <a:p>
+                      <a:pPr algn="ctr" latinLnBrk="1"/>
+                      <a:r>
+                        <a:rPr kumimoji="0" lang="en-US" altLang="ko-KR" sz="1300" b="0" i="0" u="none" strike="noStrike" kern="1200" cap="none" spc="0" normalizeH="0" baseline="0" noProof="0">
+                          <a:ln>
+                            <a:noFill/>
+                          </a:ln>
+                          <a:solidFill>
+                            <a:prstClr val="black"/>
+                          </a:solidFill>
+                          <a:effectLst/>
+                          <a:uLnTx/>
+                          <a:uFillTx/>
+                          <a:latin typeface="맑은 고딕" panose="020F0502020204030204"/>
+                          <a:ea typeface="맑은 고딕" panose="020B0503020000020004" pitchFamily="50" charset="-127"/>
+                          <a:cs typeface="+mn-cs"/>
+                        </a:rPr>
+                        <a:t>O</a:t>
+                      </a:r>
+                      <a:endParaRPr lang="ko-KR" altLang="en-US" sz="1300">
+                        <a:solidFill>
+                          <a:schemeClr val="tx1"/>
+                        </a:solidFill>
+                      </a:endParaRPr>
+                    </a:p>
+                  </a:txBody>
+                  <a:tcPr marL="67659" marR="67659" marT="33829" marB="33829" anchor="ctr">
+                    <a:lnL w="12700" cap="flat" cmpd="sng" algn="ctr">
+                      <a:solidFill>
+                        <a:schemeClr val="tx1"/>
+                      </a:solidFill>
+                      <a:prstDash val="solid"/>
+                      <a:round/>
+                      <a:headEnd type="none" w="med" len="med"/>
+                      <a:tailEnd type="none" w="med" len="med"/>
+                    </a:lnL>
+                    <a:lnR w="12700" cap="flat" cmpd="sng" algn="ctr">
+                      <a:solidFill>
+                        <a:schemeClr val="tx1"/>
+                      </a:solidFill>
+                      <a:prstDash val="solid"/>
+                      <a:round/>
+                      <a:headEnd type="none" w="med" len="med"/>
+                      <a:tailEnd type="none" w="med" len="med"/>
+                    </a:lnR>
+                    <a:lnT w="12700" cap="flat" cmpd="sng" algn="ctr">
+                      <a:solidFill>
+                        <a:schemeClr val="tx1"/>
+                      </a:solidFill>
+                      <a:prstDash val="solid"/>
+                      <a:round/>
+                      <a:headEnd type="none" w="med" len="med"/>
+                      <a:tailEnd type="none" w="med" len="med"/>
+                    </a:lnT>
+                    <a:lnB w="12700" cap="flat" cmpd="sng" algn="ctr">
+                      <a:solidFill>
+                        <a:schemeClr val="tx1"/>
+                      </a:solidFill>
+                      <a:prstDash val="solid"/>
+                      <a:round/>
+                      <a:headEnd type="none" w="med" len="med"/>
+                      <a:tailEnd type="none" w="med" len="med"/>
+                    </a:lnB>
+                    <a:noFill/>
+                  </a:tcPr>
+                </a:tc>
+                <a:tc>
+                  <a:txBody>
+                    <a:bodyPr/>
+                    <a:lstStyle/>
+                    <a:p>
+                      <a:pPr algn="ctr" latinLnBrk="1"/>
+                      <a:r>
+                        <a:rPr kumimoji="0" lang="en-US" altLang="ko-KR" sz="1300" b="0" i="0" u="none" strike="noStrike" kern="1200" cap="none" spc="0" normalizeH="0" baseline="0" noProof="0" dirty="0">
                           <a:ln>
                             <a:noFill/>
                           </a:ln>
@@ -6855,14 +7553,14 @@
                         </a:rPr>
                         <a:t>X</a:t>
                       </a:r>
-                      <a:endParaRPr lang="ko-KR" altLang="en-US" dirty="0">
-                        <a:solidFill>
-                          <a:schemeClr val="tx1"/>
-                        </a:solidFill>
-                      </a:endParaRPr>
-                    </a:p>
-                  </a:txBody>
-                  <a:tcPr anchor="ctr">
+                      <a:endParaRPr lang="ko-KR" altLang="en-US" sz="1300" dirty="0">
+                        <a:solidFill>
+                          <a:schemeClr val="tx1"/>
+                        </a:solidFill>
+                      </a:endParaRPr>
+                    </a:p>
+                  </a:txBody>
+                  <a:tcPr marL="67659" marR="67659" marT="33829" marB="33829" anchor="ctr">
                     <a:lnL w="12700" cap="flat" cmpd="sng" algn="ctr">
                       <a:solidFill>
                         <a:schemeClr val="tx1"/>
@@ -6911,7 +7609,7 @@
                     <a:p>
                       <a:pPr algn="ctr" latinLnBrk="1"/>
                       <a:r>
-                        <a:rPr kumimoji="0" lang="en-US" altLang="ko-KR" sz="1800" b="0" i="0" u="none" strike="noStrike" kern="1200" cap="none" spc="0" normalizeH="0" baseline="0" noProof="0">
+                        <a:rPr kumimoji="0" lang="en-US" altLang="ko-KR" sz="1300" b="0" i="0" u="none" strike="noStrike" kern="1200" cap="none" spc="0" normalizeH="0" baseline="0" noProof="0">
                           <a:ln>
                             <a:noFill/>
                           </a:ln>
@@ -6927,14 +7625,14 @@
                         </a:rPr>
                         <a:t>O</a:t>
                       </a:r>
-                      <a:endParaRPr lang="ko-KR" altLang="en-US" dirty="0">
-                        <a:solidFill>
-                          <a:schemeClr val="tx1"/>
-                        </a:solidFill>
-                      </a:endParaRPr>
-                    </a:p>
-                  </a:txBody>
-                  <a:tcPr anchor="ctr">
+                      <a:endParaRPr lang="ko-KR" altLang="en-US" sz="1300" dirty="0">
+                        <a:solidFill>
+                          <a:schemeClr val="tx1"/>
+                        </a:solidFill>
+                      </a:endParaRPr>
+                    </a:p>
+                  </a:txBody>
+                  <a:tcPr marL="67659" marR="67659" marT="33829" marB="33829" anchor="ctr">
                     <a:lnL w="12700" cap="flat" cmpd="sng" algn="ctr">
                       <a:solidFill>
                         <a:schemeClr val="tx1"/>
@@ -6981,7 +7679,7 @@
                     <a:p>
                       <a:pPr algn="ctr" latinLnBrk="1"/>
                       <a:r>
-                        <a:rPr kumimoji="0" lang="en-US" altLang="ko-KR" sz="1800" b="0" i="0" u="none" strike="noStrike" kern="1200" cap="none" spc="0" normalizeH="0" baseline="0" noProof="0">
+                        <a:rPr kumimoji="0" lang="en-US" altLang="ko-KR" sz="1300" b="0" i="0" u="none" strike="noStrike" kern="1200" cap="none" spc="0" normalizeH="0" baseline="0" noProof="0">
                           <a:ln>
                             <a:noFill/>
                           </a:ln>
@@ -6997,14 +7695,14 @@
                         </a:rPr>
                         <a:t>O</a:t>
                       </a:r>
-                      <a:endParaRPr lang="ko-KR" altLang="en-US">
-                        <a:solidFill>
-                          <a:schemeClr val="tx1"/>
-                        </a:solidFill>
-                      </a:endParaRPr>
-                    </a:p>
-                  </a:txBody>
-                  <a:tcPr anchor="ctr">
+                      <a:endParaRPr lang="ko-KR" altLang="en-US" sz="1300">
+                        <a:solidFill>
+                          <a:schemeClr val="tx1"/>
+                        </a:solidFill>
+                      </a:endParaRPr>
+                    </a:p>
+                  </a:txBody>
+                  <a:tcPr marL="67659" marR="67659" marT="33829" marB="33829" anchor="ctr">
                     <a:lnL w="12700" cap="flat" cmpd="sng" algn="ctr">
                       <a:solidFill>
                         <a:schemeClr val="tx1"/>
@@ -7051,7 +7749,7 @@
                     <a:p>
                       <a:pPr algn="ctr" latinLnBrk="1"/>
                       <a:r>
-                        <a:rPr kumimoji="0" lang="en-US" altLang="ko-KR" sz="1800" b="0" i="0" u="none" strike="noStrike" kern="1200" cap="none" spc="0" normalizeH="0" baseline="0" noProof="0">
+                        <a:rPr kumimoji="0" lang="en-US" altLang="ko-KR" sz="1300" b="0" i="0" u="none" strike="noStrike" kern="1200" cap="none" spc="0" normalizeH="0" baseline="0" noProof="0" dirty="0">
                           <a:ln>
                             <a:noFill/>
                           </a:ln>
@@ -7067,60 +7765,55 @@
                         </a:rPr>
                         <a:t>O</a:t>
                       </a:r>
-                      <a:endParaRPr lang="ko-KR" altLang="en-US" dirty="0">
-                        <a:solidFill>
-                          <a:schemeClr val="tx1"/>
-                        </a:solidFill>
-                      </a:endParaRPr>
-                    </a:p>
-                  </a:txBody>
-                  <a:tcPr anchor="ctr">
-                    <a:lnL w="12700" cap="flat" cmpd="sng" algn="ctr">
-                      <a:solidFill>
-                        <a:schemeClr val="tx1"/>
-                      </a:solidFill>
-                      <a:prstDash val="solid"/>
-                      <a:round/>
-                      <a:headEnd type="none" w="med" len="med"/>
-                      <a:tailEnd type="none" w="med" len="med"/>
-                    </a:lnL>
-                    <a:lnR w="12700" cap="flat" cmpd="sng" algn="ctr">
-                      <a:solidFill>
-                        <a:schemeClr val="tx1"/>
-                      </a:solidFill>
-                      <a:prstDash val="solid"/>
-                      <a:round/>
-                      <a:headEnd type="none" w="med" len="med"/>
-                      <a:tailEnd type="none" w="med" len="med"/>
-                    </a:lnR>
-                    <a:lnT w="12700" cap="flat" cmpd="sng" algn="ctr">
-                      <a:solidFill>
-                        <a:schemeClr val="tx1"/>
-                      </a:solidFill>
-                      <a:prstDash val="solid"/>
-                      <a:round/>
-                      <a:headEnd type="none" w="med" len="med"/>
-                      <a:tailEnd type="none" w="med" len="med"/>
-                    </a:lnT>
-                    <a:lnB w="12700" cap="flat" cmpd="sng" algn="ctr">
-                      <a:solidFill>
-                        <a:schemeClr val="tx1"/>
-                      </a:solidFill>
-                      <a:prstDash val="solid"/>
-                      <a:round/>
-                      <a:headEnd type="none" w="med" len="med"/>
-                      <a:tailEnd type="none" w="med" len="med"/>
-                    </a:lnB>
-                    <a:noFill/>
-                  </a:tcPr>
-                </a:tc>
-                <a:extLst>
-                  <a:ext uri="{0D108BD9-81ED-4DB2-BD59-A6C34878D82A}">
-                    <a16:rowId xmlns:a16="http://schemas.microsoft.com/office/drawing/2014/main" val="3135841559"/>
-                  </a:ext>
-                </a:extLst>
-              </a:tr>
-              <a:tr h="706747">
+                      <a:endParaRPr lang="ko-KR" altLang="en-US" sz="1300" dirty="0">
+                        <a:solidFill>
+                          <a:schemeClr val="tx1"/>
+                        </a:solidFill>
+                      </a:endParaRPr>
+                    </a:p>
+                  </a:txBody>
+                  <a:tcPr marL="67659" marR="67659" marT="33829" marB="33829" anchor="ctr">
+                    <a:lnL w="12700" cap="flat" cmpd="sng" algn="ctr">
+                      <a:solidFill>
+                        <a:schemeClr val="tx1"/>
+                      </a:solidFill>
+                      <a:prstDash val="solid"/>
+                      <a:round/>
+                      <a:headEnd type="none" w="med" len="med"/>
+                      <a:tailEnd type="none" w="med" len="med"/>
+                    </a:lnL>
+                    <a:lnR w="12700" cap="flat" cmpd="sng" algn="ctr">
+                      <a:solidFill>
+                        <a:schemeClr val="tx1"/>
+                      </a:solidFill>
+                      <a:prstDash val="solid"/>
+                      <a:round/>
+                      <a:headEnd type="none" w="med" len="med"/>
+                      <a:tailEnd type="none" w="med" len="med"/>
+                    </a:lnR>
+                    <a:lnT w="12700" cap="flat" cmpd="sng" algn="ctr">
+                      <a:solidFill>
+                        <a:schemeClr val="tx1"/>
+                      </a:solidFill>
+                      <a:prstDash val="solid"/>
+                      <a:round/>
+                      <a:headEnd type="none" w="med" len="med"/>
+                      <a:tailEnd type="none" w="med" len="med"/>
+                    </a:lnT>
+                    <a:lnB w="12700" cap="flat" cmpd="sng" algn="ctr">
+                      <a:solidFill>
+                        <a:schemeClr val="tx1"/>
+                      </a:solidFill>
+                      <a:prstDash val="solid"/>
+                      <a:round/>
+                      <a:headEnd type="none" w="med" len="med"/>
+                      <a:tailEnd type="none" w="med" len="med"/>
+                    </a:lnB>
+                    <a:solidFill>
+                      <a:srgbClr val="FFFF00"/>
+                    </a:solidFill>
+                  </a:tcPr>
+                </a:tc>
                 <a:tc>
                   <a:txBody>
                     <a:bodyPr/>
@@ -7128,68 +7821,7 @@
                     <a:p>
                       <a:pPr algn="ctr" latinLnBrk="1"/>
                       <a:r>
-                        <a:rPr lang="en-US" altLang="ko-KR" dirty="0">
-                          <a:solidFill>
-                            <a:schemeClr val="tx1"/>
-                          </a:solidFill>
-                        </a:rPr>
-                        <a:t>5</a:t>
-                      </a:r>
-                      <a:endParaRPr lang="ko-KR" altLang="en-US" dirty="0">
-                        <a:solidFill>
-                          <a:schemeClr val="tx1"/>
-                        </a:solidFill>
-                      </a:endParaRPr>
-                    </a:p>
-                  </a:txBody>
-                  <a:tcPr anchor="ctr">
-                    <a:lnL w="12700" cap="flat" cmpd="sng" algn="ctr">
-                      <a:solidFill>
-                        <a:schemeClr val="tx1"/>
-                      </a:solidFill>
-                      <a:prstDash val="solid"/>
-                      <a:round/>
-                      <a:headEnd type="none" w="med" len="med"/>
-                      <a:tailEnd type="none" w="med" len="med"/>
-                    </a:lnL>
-                    <a:lnR w="12700" cap="flat" cmpd="sng" algn="ctr">
-                      <a:solidFill>
-                        <a:schemeClr val="tx1"/>
-                      </a:solidFill>
-                      <a:prstDash val="solid"/>
-                      <a:round/>
-                      <a:headEnd type="none" w="med" len="med"/>
-                      <a:tailEnd type="none" w="med" len="med"/>
-                    </a:lnR>
-                    <a:lnT w="12700" cap="flat" cmpd="sng" algn="ctr">
-                      <a:solidFill>
-                        <a:schemeClr val="tx1"/>
-                      </a:solidFill>
-                      <a:prstDash val="solid"/>
-                      <a:round/>
-                      <a:headEnd type="none" w="med" len="med"/>
-                      <a:tailEnd type="none" w="med" len="med"/>
-                    </a:lnT>
-                    <a:lnB w="12700" cap="flat" cmpd="sng" algn="ctr">
-                      <a:solidFill>
-                        <a:schemeClr val="tx1"/>
-                      </a:solidFill>
-                      <a:prstDash val="solid"/>
-                      <a:round/>
-                      <a:headEnd type="none" w="med" len="med"/>
-                      <a:tailEnd type="none" w="med" len="med"/>
-                    </a:lnB>
-                    <a:noFill/>
-                  </a:tcPr>
-                </a:tc>
-                <a:tc>
-                  <a:txBody>
-                    <a:bodyPr/>
-                    <a:lstStyle/>
-                    <a:p>
-                      <a:pPr algn="ctr" latinLnBrk="1"/>
-                      <a:r>
-                        <a:rPr kumimoji="0" lang="en-US" altLang="ko-KR" sz="1800" b="0" i="0" u="none" strike="noStrike" kern="1200" cap="none" spc="0" normalizeH="0" baseline="0" noProof="0">
+                        <a:rPr kumimoji="0" lang="en-US" altLang="ko-KR" sz="1300" b="0" i="0" u="none" strike="noStrike" kern="1200" cap="none" spc="0" normalizeH="0" baseline="0" noProof="0">
                           <a:ln>
                             <a:noFill/>
                           </a:ln>
@@ -7205,14 +7837,14 @@
                         </a:rPr>
                         <a:t>O</a:t>
                       </a:r>
-                      <a:endParaRPr lang="ko-KR" altLang="en-US">
-                        <a:solidFill>
-                          <a:schemeClr val="tx1"/>
-                        </a:solidFill>
-                      </a:endParaRPr>
-                    </a:p>
-                  </a:txBody>
-                  <a:tcPr anchor="ctr">
+                      <a:endParaRPr lang="ko-KR" altLang="en-US" sz="1300" dirty="0">
+                        <a:solidFill>
+                          <a:schemeClr val="tx1"/>
+                        </a:solidFill>
+                      </a:endParaRPr>
+                    </a:p>
+                  </a:txBody>
+                  <a:tcPr marL="67659" marR="67659" marT="33829" marB="33829" anchor="ctr">
                     <a:lnL w="12700" cap="flat" cmpd="sng" algn="ctr">
                       <a:solidFill>
                         <a:schemeClr val="tx1"/>
@@ -7259,7 +7891,217 @@
                     <a:p>
                       <a:pPr algn="ctr" latinLnBrk="1"/>
                       <a:r>
-                        <a:rPr kumimoji="0" lang="en-US" altLang="ko-KR" sz="1800" b="0" i="0" u="none" strike="noStrike" kern="1200" cap="none" spc="0" normalizeH="0" baseline="0" noProof="0" dirty="0">
+                        <a:rPr kumimoji="0" lang="en-US" altLang="ko-KR" sz="1300" b="0" i="0" u="none" strike="noStrike" kern="1200" cap="none" spc="0" normalizeH="0" baseline="0" noProof="0" dirty="0">
+                          <a:ln>
+                            <a:noFill/>
+                          </a:ln>
+                          <a:solidFill>
+                            <a:prstClr val="black"/>
+                          </a:solidFill>
+                          <a:effectLst/>
+                          <a:uLnTx/>
+                          <a:uFillTx/>
+                          <a:latin typeface="맑은 고딕" panose="020F0502020204030204"/>
+                          <a:ea typeface="맑은 고딕" panose="020B0503020000020004" pitchFamily="50" charset="-127"/>
+                          <a:cs typeface="+mn-cs"/>
+                        </a:rPr>
+                        <a:t>O</a:t>
+                      </a:r>
+                      <a:endParaRPr lang="ko-KR" altLang="en-US" sz="1300" dirty="0">
+                        <a:solidFill>
+                          <a:schemeClr val="tx1"/>
+                        </a:solidFill>
+                      </a:endParaRPr>
+                    </a:p>
+                  </a:txBody>
+                  <a:tcPr marL="67659" marR="67659" marT="33829" marB="33829" anchor="ctr">
+                    <a:lnL w="12700" cap="flat" cmpd="sng" algn="ctr">
+                      <a:solidFill>
+                        <a:schemeClr val="tx1"/>
+                      </a:solidFill>
+                      <a:prstDash val="solid"/>
+                      <a:round/>
+                      <a:headEnd type="none" w="med" len="med"/>
+                      <a:tailEnd type="none" w="med" len="med"/>
+                    </a:lnL>
+                    <a:lnR w="12700" cap="flat" cmpd="sng" algn="ctr">
+                      <a:solidFill>
+                        <a:schemeClr val="tx1"/>
+                      </a:solidFill>
+                      <a:prstDash val="solid"/>
+                      <a:round/>
+                      <a:headEnd type="none" w="med" len="med"/>
+                      <a:tailEnd type="none" w="med" len="med"/>
+                    </a:lnR>
+                    <a:lnT w="12700" cap="flat" cmpd="sng" algn="ctr">
+                      <a:solidFill>
+                        <a:schemeClr val="tx1"/>
+                      </a:solidFill>
+                      <a:prstDash val="solid"/>
+                      <a:round/>
+                      <a:headEnd type="none" w="med" len="med"/>
+                      <a:tailEnd type="none" w="med" len="med"/>
+                    </a:lnT>
+                    <a:lnB w="12700" cap="flat" cmpd="sng" algn="ctr">
+                      <a:solidFill>
+                        <a:schemeClr val="tx1"/>
+                      </a:solidFill>
+                      <a:prstDash val="solid"/>
+                      <a:round/>
+                      <a:headEnd type="none" w="med" len="med"/>
+                      <a:tailEnd type="none" w="med" len="med"/>
+                    </a:lnB>
+                    <a:solidFill>
+                      <a:srgbClr val="FFFF00"/>
+                    </a:solidFill>
+                  </a:tcPr>
+                </a:tc>
+                <a:extLst>
+                  <a:ext uri="{0D108BD9-81ED-4DB2-BD59-A6C34878D82A}">
+                    <a16:rowId xmlns:a16="http://schemas.microsoft.com/office/drawing/2014/main" val="3135841559"/>
+                  </a:ext>
+                </a:extLst>
+              </a:tr>
+              <a:tr h="523636">
+                <a:tc>
+                  <a:txBody>
+                    <a:bodyPr/>
+                    <a:lstStyle/>
+                    <a:p>
+                      <a:pPr algn="ctr" latinLnBrk="1"/>
+                      <a:r>
+                        <a:rPr lang="en-US" altLang="ko-KR" sz="1300" dirty="0">
+                          <a:solidFill>
+                            <a:schemeClr val="tx1"/>
+                          </a:solidFill>
+                        </a:rPr>
+                        <a:t>5</a:t>
+                      </a:r>
+                      <a:endParaRPr lang="ko-KR" altLang="en-US" sz="1300" dirty="0">
+                        <a:solidFill>
+                          <a:schemeClr val="tx1"/>
+                        </a:solidFill>
+                      </a:endParaRPr>
+                    </a:p>
+                  </a:txBody>
+                  <a:tcPr marL="67659" marR="67659" marT="33829" marB="33829" anchor="ctr">
+                    <a:lnL w="12700" cap="flat" cmpd="sng" algn="ctr">
+                      <a:solidFill>
+                        <a:schemeClr val="tx1"/>
+                      </a:solidFill>
+                      <a:prstDash val="solid"/>
+                      <a:round/>
+                      <a:headEnd type="none" w="med" len="med"/>
+                      <a:tailEnd type="none" w="med" len="med"/>
+                    </a:lnL>
+                    <a:lnR w="12700" cap="flat" cmpd="sng" algn="ctr">
+                      <a:solidFill>
+                        <a:schemeClr val="tx1"/>
+                      </a:solidFill>
+                      <a:prstDash val="solid"/>
+                      <a:round/>
+                      <a:headEnd type="none" w="med" len="med"/>
+                      <a:tailEnd type="none" w="med" len="med"/>
+                    </a:lnR>
+                    <a:lnT w="12700" cap="flat" cmpd="sng" algn="ctr">
+                      <a:solidFill>
+                        <a:schemeClr val="tx1"/>
+                      </a:solidFill>
+                      <a:prstDash val="solid"/>
+                      <a:round/>
+                      <a:headEnd type="none" w="med" len="med"/>
+                      <a:tailEnd type="none" w="med" len="med"/>
+                    </a:lnT>
+                    <a:lnB w="12700" cap="flat" cmpd="sng" algn="ctr">
+                      <a:solidFill>
+                        <a:schemeClr val="tx1"/>
+                      </a:solidFill>
+                      <a:prstDash val="solid"/>
+                      <a:round/>
+                      <a:headEnd type="none" w="med" len="med"/>
+                      <a:tailEnd type="none" w="med" len="med"/>
+                    </a:lnB>
+                    <a:noFill/>
+                  </a:tcPr>
+                </a:tc>
+                <a:tc>
+                  <a:txBody>
+                    <a:bodyPr/>
+                    <a:lstStyle/>
+                    <a:p>
+                      <a:pPr algn="ctr" latinLnBrk="1"/>
+                      <a:r>
+                        <a:rPr kumimoji="0" lang="en-US" altLang="ko-KR" sz="1300" b="0" i="0" u="none" strike="noStrike" kern="1200" cap="none" spc="0" normalizeH="0" baseline="0" noProof="0">
+                          <a:ln>
+                            <a:noFill/>
+                          </a:ln>
+                          <a:solidFill>
+                            <a:prstClr val="black"/>
+                          </a:solidFill>
+                          <a:effectLst/>
+                          <a:uLnTx/>
+                          <a:uFillTx/>
+                          <a:latin typeface="맑은 고딕" panose="020F0502020204030204"/>
+                          <a:ea typeface="맑은 고딕" panose="020B0503020000020004" pitchFamily="50" charset="-127"/>
+                          <a:cs typeface="+mn-cs"/>
+                        </a:rPr>
+                        <a:t>O</a:t>
+                      </a:r>
+                      <a:endParaRPr lang="ko-KR" altLang="en-US" sz="1300">
+                        <a:solidFill>
+                          <a:schemeClr val="tx1"/>
+                        </a:solidFill>
+                      </a:endParaRPr>
+                    </a:p>
+                  </a:txBody>
+                  <a:tcPr marL="67659" marR="67659" marT="33829" marB="33829" anchor="ctr">
+                    <a:lnL w="12700" cap="flat" cmpd="sng" algn="ctr">
+                      <a:solidFill>
+                        <a:schemeClr val="tx1"/>
+                      </a:solidFill>
+                      <a:prstDash val="solid"/>
+                      <a:round/>
+                      <a:headEnd type="none" w="med" len="med"/>
+                      <a:tailEnd type="none" w="med" len="med"/>
+                    </a:lnL>
+                    <a:lnR w="12700" cap="flat" cmpd="sng" algn="ctr">
+                      <a:solidFill>
+                        <a:schemeClr val="tx1"/>
+                      </a:solidFill>
+                      <a:prstDash val="solid"/>
+                      <a:round/>
+                      <a:headEnd type="none" w="med" len="med"/>
+                      <a:tailEnd type="none" w="med" len="med"/>
+                    </a:lnR>
+                    <a:lnT w="12700" cap="flat" cmpd="sng" algn="ctr">
+                      <a:solidFill>
+                        <a:schemeClr val="tx1"/>
+                      </a:solidFill>
+                      <a:prstDash val="solid"/>
+                      <a:round/>
+                      <a:headEnd type="none" w="med" len="med"/>
+                      <a:tailEnd type="none" w="med" len="med"/>
+                    </a:lnT>
+                    <a:lnB w="12700" cap="flat" cmpd="sng" algn="ctr">
+                      <a:solidFill>
+                        <a:schemeClr val="tx1"/>
+                      </a:solidFill>
+                      <a:prstDash val="solid"/>
+                      <a:round/>
+                      <a:headEnd type="none" w="med" len="med"/>
+                      <a:tailEnd type="none" w="med" len="med"/>
+                    </a:lnB>
+                    <a:noFill/>
+                  </a:tcPr>
+                </a:tc>
+                <a:tc>
+                  <a:txBody>
+                    <a:bodyPr/>
+                    <a:lstStyle/>
+                    <a:p>
+                      <a:pPr algn="ctr" latinLnBrk="1"/>
+                      <a:r>
+                        <a:rPr kumimoji="0" lang="en-US" altLang="ko-KR" sz="1300" b="0" i="0" u="none" strike="noStrike" kern="1200" cap="none" spc="0" normalizeH="0" baseline="0" noProof="0" dirty="0">
                           <a:ln>
                             <a:noFill/>
                           </a:ln>
@@ -7275,14 +8117,14 @@
                         </a:rPr>
                         <a:t>X</a:t>
                       </a:r>
-                      <a:endParaRPr lang="ko-KR" altLang="en-US" dirty="0">
-                        <a:solidFill>
-                          <a:schemeClr val="tx1"/>
-                        </a:solidFill>
-                      </a:endParaRPr>
-                    </a:p>
-                  </a:txBody>
-                  <a:tcPr anchor="ctr">
+                      <a:endParaRPr lang="ko-KR" altLang="en-US" sz="1300" dirty="0">
+                        <a:solidFill>
+                          <a:schemeClr val="tx1"/>
+                        </a:solidFill>
+                      </a:endParaRPr>
+                    </a:p>
+                  </a:txBody>
+                  <a:tcPr marL="67659" marR="67659" marT="33829" marB="33829" anchor="ctr">
                     <a:lnL w="12700" cap="flat" cmpd="sng" algn="ctr">
                       <a:solidFill>
                         <a:schemeClr val="tx1"/>
@@ -7331,7 +8173,7 @@
                     <a:p>
                       <a:pPr algn="ctr" latinLnBrk="1"/>
                       <a:r>
-                        <a:rPr kumimoji="0" lang="en-US" altLang="ko-KR" sz="1800" b="0" i="0" u="none" strike="noStrike" kern="1200" cap="none" spc="0" normalizeH="0" baseline="0" noProof="0">
+                        <a:rPr kumimoji="0" lang="en-US" altLang="ko-KR" sz="1300" b="0" i="0" u="none" strike="noStrike" kern="1200" cap="none" spc="0" normalizeH="0" baseline="0" noProof="0">
                           <a:ln>
                             <a:noFill/>
                           </a:ln>
@@ -7347,14 +8189,14 @@
                         </a:rPr>
                         <a:t>O</a:t>
                       </a:r>
-                      <a:endParaRPr lang="ko-KR" altLang="en-US">
-                        <a:solidFill>
-                          <a:schemeClr val="tx1"/>
-                        </a:solidFill>
-                      </a:endParaRPr>
-                    </a:p>
-                  </a:txBody>
-                  <a:tcPr anchor="ctr">
+                      <a:endParaRPr lang="ko-KR" altLang="en-US" sz="1300">
+                        <a:solidFill>
+                          <a:schemeClr val="tx1"/>
+                        </a:solidFill>
+                      </a:endParaRPr>
+                    </a:p>
+                  </a:txBody>
+                  <a:tcPr marL="67659" marR="67659" marT="33829" marB="33829" anchor="ctr">
                     <a:lnL w="12700" cap="flat" cmpd="sng" algn="ctr">
                       <a:solidFill>
                         <a:schemeClr val="tx1"/>
@@ -7401,7 +8243,7 @@
                     <a:p>
                       <a:pPr algn="ctr" latinLnBrk="1"/>
                       <a:r>
-                        <a:rPr kumimoji="0" lang="en-US" altLang="ko-KR" sz="1800" b="0" i="0" u="none" strike="noStrike" kern="1200" cap="none" spc="0" normalizeH="0" baseline="0" noProof="0" dirty="0">
+                        <a:rPr kumimoji="0" lang="en-US" altLang="ko-KR" sz="1300" b="0" i="0" u="none" strike="noStrike" kern="1200" cap="none" spc="0" normalizeH="0" baseline="0" noProof="0" dirty="0">
                           <a:ln>
                             <a:noFill/>
                           </a:ln>
@@ -7417,14 +8259,14 @@
                         </a:rPr>
                         <a:t>X</a:t>
                       </a:r>
-                      <a:endParaRPr lang="ko-KR" altLang="en-US" dirty="0">
-                        <a:solidFill>
-                          <a:schemeClr val="tx1"/>
-                        </a:solidFill>
-                      </a:endParaRPr>
-                    </a:p>
-                  </a:txBody>
-                  <a:tcPr anchor="ctr">
+                      <a:endParaRPr lang="ko-KR" altLang="en-US" sz="1300" dirty="0">
+                        <a:solidFill>
+                          <a:schemeClr val="tx1"/>
+                        </a:solidFill>
+                      </a:endParaRPr>
+                    </a:p>
+                  </a:txBody>
+                  <a:tcPr marL="67659" marR="67659" marT="33829" marB="33829" anchor="ctr">
                     <a:lnL w="12700" cap="flat" cmpd="sng" algn="ctr">
                       <a:solidFill>
                         <a:schemeClr val="tx1"/>
@@ -7473,7 +8315,7 @@
                     <a:p>
                       <a:pPr algn="ctr" latinLnBrk="1"/>
                       <a:r>
-                        <a:rPr kumimoji="0" lang="en-US" altLang="ko-KR" sz="1800" b="0" i="0" u="none" strike="noStrike" kern="1200" cap="none" spc="0" normalizeH="0" baseline="0" noProof="0" dirty="0">
+                        <a:rPr kumimoji="0" lang="en-US" altLang="ko-KR" sz="1300" b="0" i="0" u="none" strike="noStrike" kern="1200" cap="none" spc="0" normalizeH="0" baseline="0" noProof="0" dirty="0">
                           <a:ln>
                             <a:noFill/>
                           </a:ln>
@@ -7489,14 +8331,14 @@
                         </a:rPr>
                         <a:t>O</a:t>
                       </a:r>
-                      <a:endParaRPr lang="ko-KR" altLang="en-US" dirty="0">
-                        <a:solidFill>
-                          <a:schemeClr val="tx1"/>
-                        </a:solidFill>
-                      </a:endParaRPr>
-                    </a:p>
-                  </a:txBody>
-                  <a:tcPr anchor="ctr">
+                      <a:endParaRPr lang="ko-KR" altLang="en-US" sz="1300" dirty="0">
+                        <a:solidFill>
+                          <a:schemeClr val="tx1"/>
+                        </a:solidFill>
+                      </a:endParaRPr>
+                    </a:p>
+                  </a:txBody>
+                  <a:tcPr marL="67659" marR="67659" marT="33829" marB="33829" anchor="ctr">
                     <a:lnL w="12700" cap="flat" cmpd="sng" algn="ctr">
                       <a:solidFill>
                         <a:schemeClr val="tx1"/>
@@ -7543,7 +8385,7 @@
                     <a:p>
                       <a:pPr algn="ctr" latinLnBrk="1"/>
                       <a:r>
-                        <a:rPr kumimoji="0" lang="en-US" altLang="ko-KR" sz="1800" b="0" i="0" u="none" strike="noStrike" kern="1200" cap="none" spc="0" normalizeH="0" baseline="0" noProof="0">
+                        <a:rPr kumimoji="0" lang="en-US" altLang="ko-KR" sz="1300" b="0" i="0" u="none" strike="noStrike" kern="1200" cap="none" spc="0" normalizeH="0" baseline="0" noProof="0">
                           <a:ln>
                             <a:noFill/>
                           </a:ln>
@@ -7559,14 +8401,14 @@
                         </a:rPr>
                         <a:t>O</a:t>
                       </a:r>
-                      <a:endParaRPr lang="ko-KR" altLang="en-US" dirty="0">
-                        <a:solidFill>
-                          <a:schemeClr val="tx1"/>
-                        </a:solidFill>
-                      </a:endParaRPr>
-                    </a:p>
-                  </a:txBody>
-                  <a:tcPr anchor="ctr">
+                      <a:endParaRPr lang="ko-KR" altLang="en-US" sz="1300" dirty="0">
+                        <a:solidFill>
+                          <a:schemeClr val="tx1"/>
+                        </a:solidFill>
+                      </a:endParaRPr>
+                    </a:p>
+                  </a:txBody>
+                  <a:tcPr marL="67659" marR="67659" marT="33829" marB="33829" anchor="ctr">
                     <a:lnL w="12700" cap="flat" cmpd="sng" algn="ctr">
                       <a:solidFill>
                         <a:schemeClr val="tx1"/>
@@ -7613,7 +8455,7 @@
                     <a:p>
                       <a:pPr algn="ctr" latinLnBrk="1"/>
                       <a:r>
-                        <a:rPr kumimoji="0" lang="en-US" altLang="ko-KR" sz="1800" b="0" i="0" u="none" strike="noStrike" kern="1200" cap="none" spc="0" normalizeH="0" baseline="0" noProof="0">
+                        <a:rPr kumimoji="0" lang="en-US" altLang="ko-KR" sz="1300" b="0" i="0" u="none" strike="noStrike" kern="1200" cap="none" spc="0" normalizeH="0" baseline="0" noProof="0">
                           <a:ln>
                             <a:noFill/>
                           </a:ln>
@@ -7629,14 +8471,14 @@
                         </a:rPr>
                         <a:t>O</a:t>
                       </a:r>
-                      <a:endParaRPr lang="ko-KR" altLang="en-US" dirty="0">
-                        <a:solidFill>
-                          <a:schemeClr val="tx1"/>
-                        </a:solidFill>
-                      </a:endParaRPr>
-                    </a:p>
-                  </a:txBody>
-                  <a:tcPr anchor="ctr">
+                      <a:endParaRPr lang="ko-KR" altLang="en-US" sz="1300" dirty="0">
+                        <a:solidFill>
+                          <a:schemeClr val="tx1"/>
+                        </a:solidFill>
+                      </a:endParaRPr>
+                    </a:p>
+                  </a:txBody>
+                  <a:tcPr marL="67659" marR="67659" marT="33829" marB="33829" anchor="ctr">
                     <a:lnL w="12700" cap="flat" cmpd="sng" algn="ctr">
                       <a:solidFill>
                         <a:schemeClr val="tx1"/>
@@ -7683,7 +8525,7 @@
                     <a:p>
                       <a:pPr algn="ctr" latinLnBrk="1"/>
                       <a:r>
-                        <a:rPr kumimoji="0" lang="en-US" altLang="ko-KR" sz="1800" b="0" i="0" u="none" strike="noStrike" kern="1200" cap="none" spc="0" normalizeH="0" baseline="0" noProof="0">
+                        <a:rPr kumimoji="0" lang="en-US" altLang="ko-KR" sz="1300" b="0" i="0" u="none" strike="noStrike" kern="1200" cap="none" spc="0" normalizeH="0" baseline="0" noProof="0">
                           <a:ln>
                             <a:noFill/>
                           </a:ln>
@@ -7699,14 +8541,14 @@
                         </a:rPr>
                         <a:t>O</a:t>
                       </a:r>
-                      <a:endParaRPr lang="ko-KR" altLang="en-US">
-                        <a:solidFill>
-                          <a:schemeClr val="tx1"/>
-                        </a:solidFill>
-                      </a:endParaRPr>
-                    </a:p>
-                  </a:txBody>
-                  <a:tcPr anchor="ctr">
+                      <a:endParaRPr lang="ko-KR" altLang="en-US" sz="1300">
+                        <a:solidFill>
+                          <a:schemeClr val="tx1"/>
+                        </a:solidFill>
+                      </a:endParaRPr>
+                    </a:p>
+                  </a:txBody>
+                  <a:tcPr marL="67659" marR="67659" marT="33829" marB="33829" anchor="ctr">
                     <a:lnL w="12700" cap="flat" cmpd="sng" algn="ctr">
                       <a:solidFill>
                         <a:schemeClr val="tx1"/>
@@ -7746,13 +8588,6 @@
                     <a:noFill/>
                   </a:tcPr>
                 </a:tc>
-                <a:extLst>
-                  <a:ext uri="{0D108BD9-81ED-4DB2-BD59-A6C34878D82A}">
-                    <a16:rowId xmlns:a16="http://schemas.microsoft.com/office/drawing/2014/main" val="4191867081"/>
-                  </a:ext>
-                </a:extLst>
-              </a:tr>
-              <a:tr h="706747">
                 <a:tc>
                   <a:txBody>
                     <a:bodyPr/>
@@ -7760,68 +8595,7 @@
                     <a:p>
                       <a:pPr algn="ctr" latinLnBrk="1"/>
                       <a:r>
-                        <a:rPr lang="en-US" altLang="ko-KR" dirty="0">
-                          <a:solidFill>
-                            <a:schemeClr val="tx1"/>
-                          </a:solidFill>
-                        </a:rPr>
-                        <a:t>6</a:t>
-                      </a:r>
-                      <a:endParaRPr lang="ko-KR" altLang="en-US" dirty="0">
-                        <a:solidFill>
-                          <a:schemeClr val="tx1"/>
-                        </a:solidFill>
-                      </a:endParaRPr>
-                    </a:p>
-                  </a:txBody>
-                  <a:tcPr anchor="ctr">
-                    <a:lnL w="12700" cap="flat" cmpd="sng" algn="ctr">
-                      <a:solidFill>
-                        <a:schemeClr val="tx1"/>
-                      </a:solidFill>
-                      <a:prstDash val="solid"/>
-                      <a:round/>
-                      <a:headEnd type="none" w="med" len="med"/>
-                      <a:tailEnd type="none" w="med" len="med"/>
-                    </a:lnL>
-                    <a:lnR w="12700" cap="flat" cmpd="sng" algn="ctr">
-                      <a:solidFill>
-                        <a:schemeClr val="tx1"/>
-                      </a:solidFill>
-                      <a:prstDash val="solid"/>
-                      <a:round/>
-                      <a:headEnd type="none" w="med" len="med"/>
-                      <a:tailEnd type="none" w="med" len="med"/>
-                    </a:lnR>
-                    <a:lnT w="12700" cap="flat" cmpd="sng" algn="ctr">
-                      <a:solidFill>
-                        <a:schemeClr val="tx1"/>
-                      </a:solidFill>
-                      <a:prstDash val="solid"/>
-                      <a:round/>
-                      <a:headEnd type="none" w="med" len="med"/>
-                      <a:tailEnd type="none" w="med" len="med"/>
-                    </a:lnT>
-                    <a:lnB w="12700" cap="flat" cmpd="sng" algn="ctr">
-                      <a:solidFill>
-                        <a:schemeClr val="tx1"/>
-                      </a:solidFill>
-                      <a:prstDash val="solid"/>
-                      <a:round/>
-                      <a:headEnd type="none" w="med" len="med"/>
-                      <a:tailEnd type="none" w="med" len="med"/>
-                    </a:lnB>
-                    <a:noFill/>
-                  </a:tcPr>
-                </a:tc>
-                <a:tc>
-                  <a:txBody>
-                    <a:bodyPr/>
-                    <a:lstStyle/>
-                    <a:p>
-                      <a:pPr algn="ctr" latinLnBrk="1"/>
-                      <a:r>
-                        <a:rPr kumimoji="0" lang="en-US" altLang="ko-KR" sz="1800" b="0" i="0" u="none" strike="noStrike" kern="1200" cap="none" spc="0" normalizeH="0" baseline="0" noProof="0">
+                        <a:rPr kumimoji="0" lang="en-US" altLang="ko-KR" sz="1300" b="0" i="0" u="none" strike="noStrike" kern="1200" cap="none" spc="0" normalizeH="0" baseline="0" noProof="0">
                           <a:ln>
                             <a:noFill/>
                           </a:ln>
@@ -7837,14 +8611,14 @@
                         </a:rPr>
                         <a:t>O</a:t>
                       </a:r>
-                      <a:endParaRPr lang="ko-KR" altLang="en-US">
-                        <a:solidFill>
-                          <a:schemeClr val="tx1"/>
-                        </a:solidFill>
-                      </a:endParaRPr>
-                    </a:p>
-                  </a:txBody>
-                  <a:tcPr anchor="ctr">
+                      <a:endParaRPr lang="ko-KR" altLang="en-US" sz="1300">
+                        <a:solidFill>
+                          <a:schemeClr val="tx1"/>
+                        </a:solidFill>
+                      </a:endParaRPr>
+                    </a:p>
+                  </a:txBody>
+                  <a:tcPr marL="67659" marR="67659" marT="33829" marB="33829" anchor="ctr">
                     <a:lnL w="12700" cap="flat" cmpd="sng" algn="ctr">
                       <a:solidFill>
                         <a:schemeClr val="tx1"/>
@@ -7891,7 +8665,7 @@
                     <a:p>
                       <a:pPr algn="ctr" latinLnBrk="1"/>
                       <a:r>
-                        <a:rPr kumimoji="0" lang="en-US" altLang="ko-KR" sz="1800" b="0" i="0" u="none" strike="noStrike" kern="1200" cap="none" spc="0" normalizeH="0" baseline="0" noProof="0">
+                        <a:rPr kumimoji="0" lang="en-US" altLang="ko-KR" sz="1300" b="0" i="0" u="none" strike="noStrike" kern="1200" cap="none" spc="0" normalizeH="0" baseline="0" noProof="0">
                           <a:ln>
                             <a:noFill/>
                           </a:ln>
@@ -7907,14 +8681,14 @@
                         </a:rPr>
                         <a:t>O</a:t>
                       </a:r>
-                      <a:endParaRPr lang="ko-KR" altLang="en-US">
-                        <a:solidFill>
-                          <a:schemeClr val="tx1"/>
-                        </a:solidFill>
-                      </a:endParaRPr>
-                    </a:p>
-                  </a:txBody>
-                  <a:tcPr anchor="ctr">
+                      <a:endParaRPr lang="ko-KR" altLang="en-US" sz="1300" dirty="0">
+                        <a:solidFill>
+                          <a:schemeClr val="tx1"/>
+                        </a:solidFill>
+                      </a:endParaRPr>
+                    </a:p>
+                  </a:txBody>
+                  <a:tcPr marL="67659" marR="67659" marT="33829" marB="33829" anchor="ctr">
                     <a:lnL w="12700" cap="flat" cmpd="sng" algn="ctr">
                       <a:solidFill>
                         <a:schemeClr val="tx1"/>
@@ -7954,6 +8728,13 @@
                     <a:noFill/>
                   </a:tcPr>
                 </a:tc>
+                <a:extLst>
+                  <a:ext uri="{0D108BD9-81ED-4DB2-BD59-A6C34878D82A}">
+                    <a16:rowId xmlns:a16="http://schemas.microsoft.com/office/drawing/2014/main" val="4191867081"/>
+                  </a:ext>
+                </a:extLst>
+              </a:tr>
+              <a:tr h="523636">
                 <a:tc>
                   <a:txBody>
                     <a:bodyPr/>
@@ -7961,7 +8742,68 @@
                     <a:p>
                       <a:pPr algn="ctr" latinLnBrk="1"/>
                       <a:r>
-                        <a:rPr kumimoji="0" lang="en-US" altLang="ko-KR" sz="1800" b="0" i="0" u="none" strike="noStrike" kern="1200" cap="none" spc="0" normalizeH="0" baseline="0" noProof="0">
+                        <a:rPr lang="en-US" altLang="ko-KR" sz="1300" dirty="0">
+                          <a:solidFill>
+                            <a:schemeClr val="tx1"/>
+                          </a:solidFill>
+                        </a:rPr>
+                        <a:t>6</a:t>
+                      </a:r>
+                      <a:endParaRPr lang="ko-KR" altLang="en-US" sz="1300" dirty="0">
+                        <a:solidFill>
+                          <a:schemeClr val="tx1"/>
+                        </a:solidFill>
+                      </a:endParaRPr>
+                    </a:p>
+                  </a:txBody>
+                  <a:tcPr marL="67659" marR="67659" marT="33829" marB="33829" anchor="ctr">
+                    <a:lnL w="12700" cap="flat" cmpd="sng" algn="ctr">
+                      <a:solidFill>
+                        <a:schemeClr val="tx1"/>
+                      </a:solidFill>
+                      <a:prstDash val="solid"/>
+                      <a:round/>
+                      <a:headEnd type="none" w="med" len="med"/>
+                      <a:tailEnd type="none" w="med" len="med"/>
+                    </a:lnL>
+                    <a:lnR w="12700" cap="flat" cmpd="sng" algn="ctr">
+                      <a:solidFill>
+                        <a:schemeClr val="tx1"/>
+                      </a:solidFill>
+                      <a:prstDash val="solid"/>
+                      <a:round/>
+                      <a:headEnd type="none" w="med" len="med"/>
+                      <a:tailEnd type="none" w="med" len="med"/>
+                    </a:lnR>
+                    <a:lnT w="12700" cap="flat" cmpd="sng" algn="ctr">
+                      <a:solidFill>
+                        <a:schemeClr val="tx1"/>
+                      </a:solidFill>
+                      <a:prstDash val="solid"/>
+                      <a:round/>
+                      <a:headEnd type="none" w="med" len="med"/>
+                      <a:tailEnd type="none" w="med" len="med"/>
+                    </a:lnT>
+                    <a:lnB w="12700" cap="flat" cmpd="sng" algn="ctr">
+                      <a:solidFill>
+                        <a:schemeClr val="tx1"/>
+                      </a:solidFill>
+                      <a:prstDash val="solid"/>
+                      <a:round/>
+                      <a:headEnd type="none" w="med" len="med"/>
+                      <a:tailEnd type="none" w="med" len="med"/>
+                    </a:lnB>
+                    <a:noFill/>
+                  </a:tcPr>
+                </a:tc>
+                <a:tc>
+                  <a:txBody>
+                    <a:bodyPr/>
+                    <a:lstStyle/>
+                    <a:p>
+                      <a:pPr algn="ctr" latinLnBrk="1"/>
+                      <a:r>
+                        <a:rPr kumimoji="0" lang="en-US" altLang="ko-KR" sz="1300" b="0" i="0" u="none" strike="noStrike" kern="1200" cap="none" spc="0" normalizeH="0" baseline="0" noProof="0">
                           <a:ln>
                             <a:noFill/>
                           </a:ln>
@@ -7977,14 +8819,14 @@
                         </a:rPr>
                         <a:t>O</a:t>
                       </a:r>
-                      <a:endParaRPr lang="ko-KR" altLang="en-US">
-                        <a:solidFill>
-                          <a:schemeClr val="tx1"/>
-                        </a:solidFill>
-                      </a:endParaRPr>
-                    </a:p>
-                  </a:txBody>
-                  <a:tcPr anchor="ctr">
+                      <a:endParaRPr lang="ko-KR" altLang="en-US" sz="1300">
+                        <a:solidFill>
+                          <a:schemeClr val="tx1"/>
+                        </a:solidFill>
+                      </a:endParaRPr>
+                    </a:p>
+                  </a:txBody>
+                  <a:tcPr marL="67659" marR="67659" marT="33829" marB="33829" anchor="ctr">
                     <a:lnL w="12700" cap="flat" cmpd="sng" algn="ctr">
                       <a:solidFill>
                         <a:schemeClr val="tx1"/>
@@ -8031,7 +8873,7 @@
                     <a:p>
                       <a:pPr algn="ctr" latinLnBrk="1"/>
                       <a:r>
-                        <a:rPr kumimoji="0" lang="en-US" altLang="ko-KR" sz="1800" b="0" i="0" u="none" strike="noStrike" kern="1200" cap="none" spc="0" normalizeH="0" baseline="0" noProof="0">
+                        <a:rPr kumimoji="0" lang="en-US" altLang="ko-KR" sz="1300" b="0" i="0" u="none" strike="noStrike" kern="1200" cap="none" spc="0" normalizeH="0" baseline="0" noProof="0">
                           <a:ln>
                             <a:noFill/>
                           </a:ln>
@@ -8047,14 +8889,14 @@
                         </a:rPr>
                         <a:t>O</a:t>
                       </a:r>
-                      <a:endParaRPr lang="ko-KR" altLang="en-US">
-                        <a:solidFill>
-                          <a:schemeClr val="tx1"/>
-                        </a:solidFill>
-                      </a:endParaRPr>
-                    </a:p>
-                  </a:txBody>
-                  <a:tcPr anchor="ctr">
+                      <a:endParaRPr lang="ko-KR" altLang="en-US" sz="1300">
+                        <a:solidFill>
+                          <a:schemeClr val="tx1"/>
+                        </a:solidFill>
+                      </a:endParaRPr>
+                    </a:p>
+                  </a:txBody>
+                  <a:tcPr marL="67659" marR="67659" marT="33829" marB="33829" anchor="ctr">
                     <a:lnL w="12700" cap="flat" cmpd="sng" algn="ctr">
                       <a:solidFill>
                         <a:schemeClr val="tx1"/>
@@ -8101,7 +8943,7 @@
                     <a:p>
                       <a:pPr algn="ctr" latinLnBrk="1"/>
                       <a:r>
-                        <a:rPr kumimoji="0" lang="en-US" altLang="ko-KR" sz="1800" b="0" i="0" u="none" strike="noStrike" kern="1200" cap="none" spc="0" normalizeH="0" baseline="0" noProof="0">
+                        <a:rPr kumimoji="0" lang="en-US" altLang="ko-KR" sz="1300" b="0" i="0" u="none" strike="noStrike" kern="1200" cap="none" spc="0" normalizeH="0" baseline="0" noProof="0">
                           <a:ln>
                             <a:noFill/>
                           </a:ln>
@@ -8117,14 +8959,14 @@
                         </a:rPr>
                         <a:t>O</a:t>
                       </a:r>
-                      <a:endParaRPr lang="ko-KR" altLang="en-US">
-                        <a:solidFill>
-                          <a:schemeClr val="tx1"/>
-                        </a:solidFill>
-                      </a:endParaRPr>
-                    </a:p>
-                  </a:txBody>
-                  <a:tcPr anchor="ctr">
+                      <a:endParaRPr lang="ko-KR" altLang="en-US" sz="1300">
+                        <a:solidFill>
+                          <a:schemeClr val="tx1"/>
+                        </a:solidFill>
+                      </a:endParaRPr>
+                    </a:p>
+                  </a:txBody>
+                  <a:tcPr marL="67659" marR="67659" marT="33829" marB="33829" anchor="ctr">
                     <a:lnL w="12700" cap="flat" cmpd="sng" algn="ctr">
                       <a:solidFill>
                         <a:schemeClr val="tx1"/>
@@ -8171,7 +9013,7 @@
                     <a:p>
                       <a:pPr algn="ctr" latinLnBrk="1"/>
                       <a:r>
-                        <a:rPr kumimoji="0" lang="en-US" altLang="ko-KR" sz="1800" b="0" i="0" u="none" strike="noStrike" kern="1200" cap="none" spc="0" normalizeH="0" baseline="0" noProof="0">
+                        <a:rPr kumimoji="0" lang="en-US" altLang="ko-KR" sz="1300" b="0" i="0" u="none" strike="noStrike" kern="1200" cap="none" spc="0" normalizeH="0" baseline="0" noProof="0">
                           <a:ln>
                             <a:noFill/>
                           </a:ln>
@@ -8187,14 +9029,14 @@
                         </a:rPr>
                         <a:t>O</a:t>
                       </a:r>
-                      <a:endParaRPr lang="ko-KR" altLang="en-US">
-                        <a:solidFill>
-                          <a:schemeClr val="tx1"/>
-                        </a:solidFill>
-                      </a:endParaRPr>
-                    </a:p>
-                  </a:txBody>
-                  <a:tcPr anchor="ctr">
+                      <a:endParaRPr lang="ko-KR" altLang="en-US" sz="1300">
+                        <a:solidFill>
+                          <a:schemeClr val="tx1"/>
+                        </a:solidFill>
+                      </a:endParaRPr>
+                    </a:p>
+                  </a:txBody>
+                  <a:tcPr marL="67659" marR="67659" marT="33829" marB="33829" anchor="ctr">
                     <a:lnL w="12700" cap="flat" cmpd="sng" algn="ctr">
                       <a:solidFill>
                         <a:schemeClr val="tx1"/>
@@ -8241,7 +9083,147 @@
                     <a:p>
                       <a:pPr algn="ctr" latinLnBrk="1"/>
                       <a:r>
-                        <a:rPr kumimoji="0" lang="en-US" altLang="ko-KR" sz="1800" b="0" i="0" u="none" strike="noStrike" kern="1200" cap="none" spc="0" normalizeH="0" baseline="0" noProof="0" dirty="0">
+                        <a:rPr kumimoji="0" lang="en-US" altLang="ko-KR" sz="1300" b="0" i="0" u="none" strike="noStrike" kern="1200" cap="none" spc="0" normalizeH="0" baseline="0" noProof="0">
+                          <a:ln>
+                            <a:noFill/>
+                          </a:ln>
+                          <a:solidFill>
+                            <a:prstClr val="black"/>
+                          </a:solidFill>
+                          <a:effectLst/>
+                          <a:uLnTx/>
+                          <a:uFillTx/>
+                          <a:latin typeface="맑은 고딕" panose="020F0502020204030204"/>
+                          <a:ea typeface="맑은 고딕" panose="020B0503020000020004" pitchFamily="50" charset="-127"/>
+                          <a:cs typeface="+mn-cs"/>
+                        </a:rPr>
+                        <a:t>O</a:t>
+                      </a:r>
+                      <a:endParaRPr lang="ko-KR" altLang="en-US" sz="1300">
+                        <a:solidFill>
+                          <a:schemeClr val="tx1"/>
+                        </a:solidFill>
+                      </a:endParaRPr>
+                    </a:p>
+                  </a:txBody>
+                  <a:tcPr marL="67659" marR="67659" marT="33829" marB="33829" anchor="ctr">
+                    <a:lnL w="12700" cap="flat" cmpd="sng" algn="ctr">
+                      <a:solidFill>
+                        <a:schemeClr val="tx1"/>
+                      </a:solidFill>
+                      <a:prstDash val="solid"/>
+                      <a:round/>
+                      <a:headEnd type="none" w="med" len="med"/>
+                      <a:tailEnd type="none" w="med" len="med"/>
+                    </a:lnL>
+                    <a:lnR w="12700" cap="flat" cmpd="sng" algn="ctr">
+                      <a:solidFill>
+                        <a:schemeClr val="tx1"/>
+                      </a:solidFill>
+                      <a:prstDash val="solid"/>
+                      <a:round/>
+                      <a:headEnd type="none" w="med" len="med"/>
+                      <a:tailEnd type="none" w="med" len="med"/>
+                    </a:lnR>
+                    <a:lnT w="12700" cap="flat" cmpd="sng" algn="ctr">
+                      <a:solidFill>
+                        <a:schemeClr val="tx1"/>
+                      </a:solidFill>
+                      <a:prstDash val="solid"/>
+                      <a:round/>
+                      <a:headEnd type="none" w="med" len="med"/>
+                      <a:tailEnd type="none" w="med" len="med"/>
+                    </a:lnT>
+                    <a:lnB w="12700" cap="flat" cmpd="sng" algn="ctr">
+                      <a:solidFill>
+                        <a:schemeClr val="tx1"/>
+                      </a:solidFill>
+                      <a:prstDash val="solid"/>
+                      <a:round/>
+                      <a:headEnd type="none" w="med" len="med"/>
+                      <a:tailEnd type="none" w="med" len="med"/>
+                    </a:lnB>
+                    <a:noFill/>
+                  </a:tcPr>
+                </a:tc>
+                <a:tc>
+                  <a:txBody>
+                    <a:bodyPr/>
+                    <a:lstStyle/>
+                    <a:p>
+                      <a:pPr algn="ctr" latinLnBrk="1"/>
+                      <a:r>
+                        <a:rPr kumimoji="0" lang="en-US" altLang="ko-KR" sz="1300" b="0" i="0" u="none" strike="noStrike" kern="1200" cap="none" spc="0" normalizeH="0" baseline="0" noProof="0">
+                          <a:ln>
+                            <a:noFill/>
+                          </a:ln>
+                          <a:solidFill>
+                            <a:prstClr val="black"/>
+                          </a:solidFill>
+                          <a:effectLst/>
+                          <a:uLnTx/>
+                          <a:uFillTx/>
+                          <a:latin typeface="맑은 고딕" panose="020F0502020204030204"/>
+                          <a:ea typeface="맑은 고딕" panose="020B0503020000020004" pitchFamily="50" charset="-127"/>
+                          <a:cs typeface="+mn-cs"/>
+                        </a:rPr>
+                        <a:t>O</a:t>
+                      </a:r>
+                      <a:endParaRPr lang="ko-KR" altLang="en-US" sz="1300">
+                        <a:solidFill>
+                          <a:schemeClr val="tx1"/>
+                        </a:solidFill>
+                      </a:endParaRPr>
+                    </a:p>
+                  </a:txBody>
+                  <a:tcPr marL="67659" marR="67659" marT="33829" marB="33829" anchor="ctr">
+                    <a:lnL w="12700" cap="flat" cmpd="sng" algn="ctr">
+                      <a:solidFill>
+                        <a:schemeClr val="tx1"/>
+                      </a:solidFill>
+                      <a:prstDash val="solid"/>
+                      <a:round/>
+                      <a:headEnd type="none" w="med" len="med"/>
+                      <a:tailEnd type="none" w="med" len="med"/>
+                    </a:lnL>
+                    <a:lnR w="12700" cap="flat" cmpd="sng" algn="ctr">
+                      <a:solidFill>
+                        <a:schemeClr val="tx1"/>
+                      </a:solidFill>
+                      <a:prstDash val="solid"/>
+                      <a:round/>
+                      <a:headEnd type="none" w="med" len="med"/>
+                      <a:tailEnd type="none" w="med" len="med"/>
+                    </a:lnR>
+                    <a:lnT w="12700" cap="flat" cmpd="sng" algn="ctr">
+                      <a:solidFill>
+                        <a:schemeClr val="tx1"/>
+                      </a:solidFill>
+                      <a:prstDash val="solid"/>
+                      <a:round/>
+                      <a:headEnd type="none" w="med" len="med"/>
+                      <a:tailEnd type="none" w="med" len="med"/>
+                    </a:lnT>
+                    <a:lnB w="12700" cap="flat" cmpd="sng" algn="ctr">
+                      <a:solidFill>
+                        <a:schemeClr val="tx1"/>
+                      </a:solidFill>
+                      <a:prstDash val="solid"/>
+                      <a:round/>
+                      <a:headEnd type="none" w="med" len="med"/>
+                      <a:tailEnd type="none" w="med" len="med"/>
+                    </a:lnB>
+                    <a:noFill/>
+                  </a:tcPr>
+                </a:tc>
+                <a:tc>
+                  <a:txBody>
+                    <a:bodyPr/>
+                    <a:lstStyle/>
+                    <a:p>
+                      <a:pPr algn="ctr" latinLnBrk="1"/>
+                      <a:r>
+                        <a:rPr kumimoji="0" lang="en-US" altLang="ko-KR" sz="1300" b="0" i="0" u="none" strike="noStrike" kern="1200" cap="none" spc="0" normalizeH="0" baseline="0" noProof="0" dirty="0">
                           <a:ln>
                             <a:noFill/>
                           </a:ln>
@@ -8257,14 +9239,14 @@
                         </a:rPr>
                         <a:t>X</a:t>
                       </a:r>
-                      <a:endParaRPr lang="ko-KR" altLang="en-US" dirty="0">
-                        <a:solidFill>
-                          <a:schemeClr val="tx1"/>
-                        </a:solidFill>
-                      </a:endParaRPr>
-                    </a:p>
-                  </a:txBody>
-                  <a:tcPr anchor="ctr">
+                      <a:endParaRPr lang="ko-KR" altLang="en-US" sz="1300" dirty="0">
+                        <a:solidFill>
+                          <a:schemeClr val="tx1"/>
+                        </a:solidFill>
+                      </a:endParaRPr>
+                    </a:p>
+                  </a:txBody>
+                  <a:tcPr marL="67659" marR="67659" marT="33829" marB="33829" anchor="ctr">
                     <a:lnL w="12700" cap="flat" cmpd="sng" algn="ctr">
                       <a:solidFill>
                         <a:schemeClr val="tx1"/>
@@ -8313,7 +9295,7 @@
                     <a:p>
                       <a:pPr algn="ctr" latinLnBrk="1"/>
                       <a:r>
-                        <a:rPr kumimoji="0" lang="en-US" altLang="ko-KR" sz="1800" b="0" i="0" u="none" strike="noStrike" kern="1200" cap="none" spc="0" normalizeH="0" baseline="0" noProof="0">
+                        <a:rPr kumimoji="0" lang="en-US" altLang="ko-KR" sz="1300" b="0" i="0" u="none" strike="noStrike" kern="1200" cap="none" spc="0" normalizeH="0" baseline="0" noProof="0">
                           <a:ln>
                             <a:noFill/>
                           </a:ln>
@@ -8329,14 +9311,14 @@
                         </a:rPr>
                         <a:t>O</a:t>
                       </a:r>
-                      <a:endParaRPr lang="ko-KR" altLang="en-US">
-                        <a:solidFill>
-                          <a:schemeClr val="tx1"/>
-                        </a:solidFill>
-                      </a:endParaRPr>
-                    </a:p>
-                  </a:txBody>
-                  <a:tcPr anchor="ctr">
+                      <a:endParaRPr lang="ko-KR" altLang="en-US" sz="1300">
+                        <a:solidFill>
+                          <a:schemeClr val="tx1"/>
+                        </a:solidFill>
+                      </a:endParaRPr>
+                    </a:p>
+                  </a:txBody>
+                  <a:tcPr marL="67659" marR="67659" marT="33829" marB="33829" anchor="ctr">
                     <a:lnL w="12700" cap="flat" cmpd="sng" algn="ctr">
                       <a:solidFill>
                         <a:schemeClr val="tx1"/>
@@ -8376,13 +9358,6 @@
                     <a:noFill/>
                   </a:tcPr>
                 </a:tc>
-                <a:extLst>
-                  <a:ext uri="{0D108BD9-81ED-4DB2-BD59-A6C34878D82A}">
-                    <a16:rowId xmlns:a16="http://schemas.microsoft.com/office/drawing/2014/main" val="321750896"/>
-                  </a:ext>
-                </a:extLst>
-              </a:tr>
-              <a:tr h="706747">
                 <a:tc>
                   <a:txBody>
                     <a:bodyPr/>
@@ -8390,68 +9365,7 @@
                     <a:p>
                       <a:pPr algn="ctr" latinLnBrk="1"/>
                       <a:r>
-                        <a:rPr lang="en-US" altLang="ko-KR" dirty="0">
-                          <a:solidFill>
-                            <a:schemeClr val="tx1"/>
-                          </a:solidFill>
-                        </a:rPr>
-                        <a:t>7</a:t>
-                      </a:r>
-                      <a:endParaRPr lang="ko-KR" altLang="en-US" dirty="0">
-                        <a:solidFill>
-                          <a:schemeClr val="tx1"/>
-                        </a:solidFill>
-                      </a:endParaRPr>
-                    </a:p>
-                  </a:txBody>
-                  <a:tcPr anchor="ctr">
-                    <a:lnL w="12700" cap="flat" cmpd="sng" algn="ctr">
-                      <a:solidFill>
-                        <a:schemeClr val="tx1"/>
-                      </a:solidFill>
-                      <a:prstDash val="solid"/>
-                      <a:round/>
-                      <a:headEnd type="none" w="med" len="med"/>
-                      <a:tailEnd type="none" w="med" len="med"/>
-                    </a:lnL>
-                    <a:lnR w="12700" cap="flat" cmpd="sng" algn="ctr">
-                      <a:solidFill>
-                        <a:schemeClr val="tx1"/>
-                      </a:solidFill>
-                      <a:prstDash val="solid"/>
-                      <a:round/>
-                      <a:headEnd type="none" w="med" len="med"/>
-                      <a:tailEnd type="none" w="med" len="med"/>
-                    </a:lnR>
-                    <a:lnT w="12700" cap="flat" cmpd="sng" algn="ctr">
-                      <a:solidFill>
-                        <a:schemeClr val="tx1"/>
-                      </a:solidFill>
-                      <a:prstDash val="solid"/>
-                      <a:round/>
-                      <a:headEnd type="none" w="med" len="med"/>
-                      <a:tailEnd type="none" w="med" len="med"/>
-                    </a:lnT>
-                    <a:lnB w="12700" cap="flat" cmpd="sng" algn="ctr">
-                      <a:solidFill>
-                        <a:schemeClr val="tx1"/>
-                      </a:solidFill>
-                      <a:prstDash val="solid"/>
-                      <a:round/>
-                      <a:headEnd type="none" w="med" len="med"/>
-                      <a:tailEnd type="none" w="med" len="med"/>
-                    </a:lnB>
-                    <a:noFill/>
-                  </a:tcPr>
-                </a:tc>
-                <a:tc>
-                  <a:txBody>
-                    <a:bodyPr/>
-                    <a:lstStyle/>
-                    <a:p>
-                      <a:pPr algn="ctr" latinLnBrk="1"/>
-                      <a:r>
-                        <a:rPr kumimoji="0" lang="en-US" altLang="ko-KR" sz="1800" b="0" i="0" u="none" strike="noStrike" kern="1200" cap="none" spc="0" normalizeH="0" baseline="0" noProof="0">
+                        <a:rPr kumimoji="0" lang="en-US" altLang="ko-KR" sz="1300" b="0" i="0" u="none" strike="noStrike" kern="1200" cap="none" spc="0" normalizeH="0" baseline="0" noProof="0">
                           <a:ln>
                             <a:noFill/>
                           </a:ln>
@@ -8467,14 +9381,14 @@
                         </a:rPr>
                         <a:t>O</a:t>
                       </a:r>
-                      <a:endParaRPr lang="ko-KR" altLang="en-US">
-                        <a:solidFill>
-                          <a:schemeClr val="tx1"/>
-                        </a:solidFill>
-                      </a:endParaRPr>
-                    </a:p>
-                  </a:txBody>
-                  <a:tcPr anchor="ctr">
+                      <a:endParaRPr lang="ko-KR" altLang="en-US" sz="1300">
+                        <a:solidFill>
+                          <a:schemeClr val="tx1"/>
+                        </a:solidFill>
+                      </a:endParaRPr>
+                    </a:p>
+                  </a:txBody>
+                  <a:tcPr marL="67659" marR="67659" marT="33829" marB="33829" anchor="ctr">
                     <a:lnL w="12700" cap="flat" cmpd="sng" algn="ctr">
                       <a:solidFill>
                         <a:schemeClr val="tx1"/>
@@ -8521,7 +9435,7 @@
                     <a:p>
                       <a:pPr algn="ctr" latinLnBrk="1"/>
                       <a:r>
-                        <a:rPr kumimoji="0" lang="en-US" altLang="ko-KR" sz="1800" b="0" i="0" u="none" strike="noStrike" kern="1200" cap="none" spc="0" normalizeH="0" baseline="0" noProof="0">
+                        <a:rPr kumimoji="0" lang="en-US" altLang="ko-KR" sz="1300" b="0" i="0" u="none" strike="noStrike" kern="1200" cap="none" spc="0" normalizeH="0" baseline="0" noProof="0" dirty="0">
                           <a:ln>
                             <a:noFill/>
                           </a:ln>
@@ -8537,14 +9451,84 @@
                         </a:rPr>
                         <a:t>O</a:t>
                       </a:r>
-                      <a:endParaRPr lang="ko-KR" altLang="en-US">
-                        <a:solidFill>
-                          <a:schemeClr val="tx1"/>
-                        </a:solidFill>
-                      </a:endParaRPr>
-                    </a:p>
-                  </a:txBody>
-                  <a:tcPr anchor="ctr">
+                      <a:endParaRPr lang="ko-KR" altLang="en-US" sz="1300" dirty="0">
+                        <a:solidFill>
+                          <a:schemeClr val="tx1"/>
+                        </a:solidFill>
+                      </a:endParaRPr>
+                    </a:p>
+                  </a:txBody>
+                  <a:tcPr marL="67659" marR="67659" marT="33829" marB="33829" anchor="ctr">
+                    <a:lnL w="12700" cap="flat" cmpd="sng" algn="ctr">
+                      <a:solidFill>
+                        <a:schemeClr val="tx1"/>
+                      </a:solidFill>
+                      <a:prstDash val="solid"/>
+                      <a:round/>
+                      <a:headEnd type="none" w="med" len="med"/>
+                      <a:tailEnd type="none" w="med" len="med"/>
+                    </a:lnL>
+                    <a:lnR w="12700" cap="flat" cmpd="sng" algn="ctr">
+                      <a:solidFill>
+                        <a:schemeClr val="tx1"/>
+                      </a:solidFill>
+                      <a:prstDash val="solid"/>
+                      <a:round/>
+                      <a:headEnd type="none" w="med" len="med"/>
+                      <a:tailEnd type="none" w="med" len="med"/>
+                    </a:lnR>
+                    <a:lnT w="12700" cap="flat" cmpd="sng" algn="ctr">
+                      <a:solidFill>
+                        <a:schemeClr val="tx1"/>
+                      </a:solidFill>
+                      <a:prstDash val="solid"/>
+                      <a:round/>
+                      <a:headEnd type="none" w="med" len="med"/>
+                      <a:tailEnd type="none" w="med" len="med"/>
+                    </a:lnT>
+                    <a:lnB w="12700" cap="flat" cmpd="sng" algn="ctr">
+                      <a:solidFill>
+                        <a:schemeClr val="tx1"/>
+                      </a:solidFill>
+                      <a:prstDash val="solid"/>
+                      <a:round/>
+                      <a:headEnd type="none" w="med" len="med"/>
+                      <a:tailEnd type="none" w="med" len="med"/>
+                    </a:lnB>
+                    <a:solidFill>
+                      <a:srgbClr val="FFFF00"/>
+                    </a:solidFill>
+                  </a:tcPr>
+                </a:tc>
+                <a:extLst>
+                  <a:ext uri="{0D108BD9-81ED-4DB2-BD59-A6C34878D82A}">
+                    <a16:rowId xmlns:a16="http://schemas.microsoft.com/office/drawing/2014/main" val="321750896"/>
+                  </a:ext>
+                </a:extLst>
+              </a:tr>
+              <a:tr h="523636">
+                <a:tc>
+                  <a:txBody>
+                    <a:bodyPr/>
+                    <a:lstStyle/>
+                    <a:p>
+                      <a:pPr algn="ctr" latinLnBrk="1"/>
+                      <a:r>
+                        <a:rPr lang="en-US" altLang="ko-KR" sz="1300" dirty="0">
+                          <a:solidFill>
+                            <a:schemeClr val="tx1"/>
+                          </a:solidFill>
+                        </a:rPr>
+                        <a:t>7</a:t>
+                      </a:r>
+                      <a:endParaRPr lang="ko-KR" altLang="en-US" sz="1300" dirty="0">
+                        <a:solidFill>
+                          <a:schemeClr val="tx1"/>
+                        </a:solidFill>
+                      </a:endParaRPr>
+                    </a:p>
+                  </a:txBody>
+                  <a:tcPr marL="67659" marR="67659" marT="33829" marB="33829" anchor="ctr">
                     <a:lnL w="12700" cap="flat" cmpd="sng" algn="ctr">
                       <a:solidFill>
                         <a:schemeClr val="tx1"/>
@@ -8591,7 +9575,147 @@
                     <a:p>
                       <a:pPr algn="ctr" latinLnBrk="1"/>
                       <a:r>
-                        <a:rPr kumimoji="0" lang="en-US" altLang="ko-KR" sz="1800" b="0" i="0" u="none" strike="noStrike" kern="1200" cap="none" spc="0" normalizeH="0" baseline="0" noProof="0" dirty="0">
+                        <a:rPr kumimoji="0" lang="en-US" altLang="ko-KR" sz="1300" b="0" i="0" u="none" strike="noStrike" kern="1200" cap="none" spc="0" normalizeH="0" baseline="0" noProof="0">
+                          <a:ln>
+                            <a:noFill/>
+                          </a:ln>
+                          <a:solidFill>
+                            <a:prstClr val="black"/>
+                          </a:solidFill>
+                          <a:effectLst/>
+                          <a:uLnTx/>
+                          <a:uFillTx/>
+                          <a:latin typeface="맑은 고딕" panose="020F0502020204030204"/>
+                          <a:ea typeface="맑은 고딕" panose="020B0503020000020004" pitchFamily="50" charset="-127"/>
+                          <a:cs typeface="+mn-cs"/>
+                        </a:rPr>
+                        <a:t>O</a:t>
+                      </a:r>
+                      <a:endParaRPr lang="ko-KR" altLang="en-US" sz="1300">
+                        <a:solidFill>
+                          <a:schemeClr val="tx1"/>
+                        </a:solidFill>
+                      </a:endParaRPr>
+                    </a:p>
+                  </a:txBody>
+                  <a:tcPr marL="67659" marR="67659" marT="33829" marB="33829" anchor="ctr">
+                    <a:lnL w="12700" cap="flat" cmpd="sng" algn="ctr">
+                      <a:solidFill>
+                        <a:schemeClr val="tx1"/>
+                      </a:solidFill>
+                      <a:prstDash val="solid"/>
+                      <a:round/>
+                      <a:headEnd type="none" w="med" len="med"/>
+                      <a:tailEnd type="none" w="med" len="med"/>
+                    </a:lnL>
+                    <a:lnR w="12700" cap="flat" cmpd="sng" algn="ctr">
+                      <a:solidFill>
+                        <a:schemeClr val="tx1"/>
+                      </a:solidFill>
+                      <a:prstDash val="solid"/>
+                      <a:round/>
+                      <a:headEnd type="none" w="med" len="med"/>
+                      <a:tailEnd type="none" w="med" len="med"/>
+                    </a:lnR>
+                    <a:lnT w="12700" cap="flat" cmpd="sng" algn="ctr">
+                      <a:solidFill>
+                        <a:schemeClr val="tx1"/>
+                      </a:solidFill>
+                      <a:prstDash val="solid"/>
+                      <a:round/>
+                      <a:headEnd type="none" w="med" len="med"/>
+                      <a:tailEnd type="none" w="med" len="med"/>
+                    </a:lnT>
+                    <a:lnB w="12700" cap="flat" cmpd="sng" algn="ctr">
+                      <a:solidFill>
+                        <a:schemeClr val="tx1"/>
+                      </a:solidFill>
+                      <a:prstDash val="solid"/>
+                      <a:round/>
+                      <a:headEnd type="none" w="med" len="med"/>
+                      <a:tailEnd type="none" w="med" len="med"/>
+                    </a:lnB>
+                    <a:noFill/>
+                  </a:tcPr>
+                </a:tc>
+                <a:tc>
+                  <a:txBody>
+                    <a:bodyPr/>
+                    <a:lstStyle/>
+                    <a:p>
+                      <a:pPr algn="ctr" latinLnBrk="1"/>
+                      <a:r>
+                        <a:rPr kumimoji="0" lang="en-US" altLang="ko-KR" sz="1300" b="0" i="0" u="none" strike="noStrike" kern="1200" cap="none" spc="0" normalizeH="0" baseline="0" noProof="0">
+                          <a:ln>
+                            <a:noFill/>
+                          </a:ln>
+                          <a:solidFill>
+                            <a:prstClr val="black"/>
+                          </a:solidFill>
+                          <a:effectLst/>
+                          <a:uLnTx/>
+                          <a:uFillTx/>
+                          <a:latin typeface="맑은 고딕" panose="020F0502020204030204"/>
+                          <a:ea typeface="맑은 고딕" panose="020B0503020000020004" pitchFamily="50" charset="-127"/>
+                          <a:cs typeface="+mn-cs"/>
+                        </a:rPr>
+                        <a:t>O</a:t>
+                      </a:r>
+                      <a:endParaRPr lang="ko-KR" altLang="en-US" sz="1300">
+                        <a:solidFill>
+                          <a:schemeClr val="tx1"/>
+                        </a:solidFill>
+                      </a:endParaRPr>
+                    </a:p>
+                  </a:txBody>
+                  <a:tcPr marL="67659" marR="67659" marT="33829" marB="33829" anchor="ctr">
+                    <a:lnL w="12700" cap="flat" cmpd="sng" algn="ctr">
+                      <a:solidFill>
+                        <a:schemeClr val="tx1"/>
+                      </a:solidFill>
+                      <a:prstDash val="solid"/>
+                      <a:round/>
+                      <a:headEnd type="none" w="med" len="med"/>
+                      <a:tailEnd type="none" w="med" len="med"/>
+                    </a:lnL>
+                    <a:lnR w="12700" cap="flat" cmpd="sng" algn="ctr">
+                      <a:solidFill>
+                        <a:schemeClr val="tx1"/>
+                      </a:solidFill>
+                      <a:prstDash val="solid"/>
+                      <a:round/>
+                      <a:headEnd type="none" w="med" len="med"/>
+                      <a:tailEnd type="none" w="med" len="med"/>
+                    </a:lnR>
+                    <a:lnT w="12700" cap="flat" cmpd="sng" algn="ctr">
+                      <a:solidFill>
+                        <a:schemeClr val="tx1"/>
+                      </a:solidFill>
+                      <a:prstDash val="solid"/>
+                      <a:round/>
+                      <a:headEnd type="none" w="med" len="med"/>
+                      <a:tailEnd type="none" w="med" len="med"/>
+                    </a:lnT>
+                    <a:lnB w="12700" cap="flat" cmpd="sng" algn="ctr">
+                      <a:solidFill>
+                        <a:schemeClr val="tx1"/>
+                      </a:solidFill>
+                      <a:prstDash val="solid"/>
+                      <a:round/>
+                      <a:headEnd type="none" w="med" len="med"/>
+                      <a:tailEnd type="none" w="med" len="med"/>
+                    </a:lnB>
+                    <a:noFill/>
+                  </a:tcPr>
+                </a:tc>
+                <a:tc>
+                  <a:txBody>
+                    <a:bodyPr/>
+                    <a:lstStyle/>
+                    <a:p>
+                      <a:pPr algn="ctr" latinLnBrk="1"/>
+                      <a:r>
+                        <a:rPr kumimoji="0" lang="en-US" altLang="ko-KR" sz="1300" b="0" i="0" u="none" strike="noStrike" kern="1200" cap="none" spc="0" normalizeH="0" baseline="0" noProof="0" dirty="0">
                           <a:ln>
                             <a:noFill/>
                           </a:ln>
@@ -8607,14 +9731,14 @@
                         </a:rPr>
                         <a:t>X</a:t>
                       </a:r>
-                      <a:endParaRPr lang="ko-KR" altLang="en-US" dirty="0">
-                        <a:solidFill>
-                          <a:schemeClr val="tx1"/>
-                        </a:solidFill>
-                      </a:endParaRPr>
-                    </a:p>
-                  </a:txBody>
-                  <a:tcPr anchor="ctr">
+                      <a:endParaRPr lang="ko-KR" altLang="en-US" sz="1300" dirty="0">
+                        <a:solidFill>
+                          <a:schemeClr val="tx1"/>
+                        </a:solidFill>
+                      </a:endParaRPr>
+                    </a:p>
+                  </a:txBody>
+                  <a:tcPr marL="67659" marR="67659" marT="33829" marB="33829" anchor="ctr">
                     <a:lnL w="12700" cap="flat" cmpd="sng" algn="ctr">
                       <a:solidFill>
                         <a:schemeClr val="tx1"/>
@@ -8663,7 +9787,7 @@
                     <a:p>
                       <a:pPr algn="ctr" latinLnBrk="1"/>
                       <a:r>
-                        <a:rPr kumimoji="0" lang="en-US" altLang="ko-KR" sz="1800" b="0" i="0" u="none" strike="noStrike" kern="1200" cap="none" spc="0" normalizeH="0" baseline="0" noProof="0">
+                        <a:rPr kumimoji="0" lang="en-US" altLang="ko-KR" sz="1300" b="0" i="0" u="none" strike="noStrike" kern="1200" cap="none" spc="0" normalizeH="0" baseline="0" noProof="0">
                           <a:ln>
                             <a:noFill/>
                           </a:ln>
@@ -8679,14 +9803,14 @@
                         </a:rPr>
                         <a:t>O</a:t>
                       </a:r>
-                      <a:endParaRPr lang="ko-KR" altLang="en-US">
-                        <a:solidFill>
-                          <a:schemeClr val="tx1"/>
-                        </a:solidFill>
-                      </a:endParaRPr>
-                    </a:p>
-                  </a:txBody>
-                  <a:tcPr anchor="ctr">
+                      <a:endParaRPr lang="ko-KR" altLang="en-US" sz="1300">
+                        <a:solidFill>
+                          <a:schemeClr val="tx1"/>
+                        </a:solidFill>
+                      </a:endParaRPr>
+                    </a:p>
+                  </a:txBody>
+                  <a:tcPr marL="67659" marR="67659" marT="33829" marB="33829" anchor="ctr">
                     <a:lnL w="12700" cap="flat" cmpd="sng" algn="ctr">
                       <a:solidFill>
                         <a:schemeClr val="tx1"/>
@@ -8733,7 +9857,7 @@
                     <a:p>
                       <a:pPr algn="ctr" latinLnBrk="1"/>
                       <a:r>
-                        <a:rPr kumimoji="0" lang="en-US" altLang="ko-KR" sz="1800" b="0" i="0" u="none" strike="noStrike" kern="1200" cap="none" spc="0" normalizeH="0" baseline="0" noProof="0" dirty="0">
+                        <a:rPr kumimoji="0" lang="en-US" altLang="ko-KR" sz="1300" b="0" i="0" u="none" strike="noStrike" kern="1200" cap="none" spc="0" normalizeH="0" baseline="0" noProof="0" dirty="0">
                           <a:ln>
                             <a:noFill/>
                           </a:ln>
@@ -8749,14 +9873,14 @@
                         </a:rPr>
                         <a:t>X</a:t>
                       </a:r>
-                      <a:endParaRPr lang="ko-KR" altLang="en-US" dirty="0">
-                        <a:solidFill>
-                          <a:schemeClr val="tx1"/>
-                        </a:solidFill>
-                      </a:endParaRPr>
-                    </a:p>
-                  </a:txBody>
-                  <a:tcPr anchor="ctr">
+                      <a:endParaRPr lang="ko-KR" altLang="en-US" sz="1300" dirty="0">
+                        <a:solidFill>
+                          <a:schemeClr val="tx1"/>
+                        </a:solidFill>
+                      </a:endParaRPr>
+                    </a:p>
+                  </a:txBody>
+                  <a:tcPr marL="67659" marR="67659" marT="33829" marB="33829" anchor="ctr">
                     <a:lnL w="12700" cap="flat" cmpd="sng" algn="ctr">
                       <a:solidFill>
                         <a:schemeClr val="tx1"/>
@@ -8805,7 +9929,7 @@
                     <a:p>
                       <a:pPr algn="ctr" latinLnBrk="1"/>
                       <a:r>
-                        <a:rPr kumimoji="0" lang="en-US" altLang="ko-KR" sz="1800" b="0" i="0" u="none" strike="noStrike" kern="1200" cap="none" spc="0" normalizeH="0" baseline="0" noProof="0">
+                        <a:rPr kumimoji="0" lang="en-US" altLang="ko-KR" sz="1300" b="0" i="0" u="none" strike="noStrike" kern="1200" cap="none" spc="0" normalizeH="0" baseline="0" noProof="0">
                           <a:ln>
                             <a:noFill/>
                           </a:ln>
@@ -8821,14 +9945,14 @@
                         </a:rPr>
                         <a:t>O</a:t>
                       </a:r>
-                      <a:endParaRPr lang="ko-KR" altLang="en-US">
-                        <a:solidFill>
-                          <a:schemeClr val="tx1"/>
-                        </a:solidFill>
-                      </a:endParaRPr>
-                    </a:p>
-                  </a:txBody>
-                  <a:tcPr anchor="ctr">
+                      <a:endParaRPr lang="ko-KR" altLang="en-US" sz="1300">
+                        <a:solidFill>
+                          <a:schemeClr val="tx1"/>
+                        </a:solidFill>
+                      </a:endParaRPr>
+                    </a:p>
+                  </a:txBody>
+                  <a:tcPr marL="67659" marR="67659" marT="33829" marB="33829" anchor="ctr">
                     <a:lnL w="12700" cap="flat" cmpd="sng" algn="ctr">
                       <a:solidFill>
                         <a:schemeClr val="tx1"/>
@@ -8875,7 +9999,7 @@
                     <a:p>
                       <a:pPr algn="ctr" latinLnBrk="1"/>
                       <a:r>
-                        <a:rPr kumimoji="0" lang="en-US" altLang="ko-KR" sz="1800" b="0" i="0" u="none" strike="noStrike" kern="1200" cap="none" spc="0" normalizeH="0" baseline="0" noProof="0">
+                        <a:rPr kumimoji="0" lang="en-US" altLang="ko-KR" sz="1300" b="0" i="0" u="none" strike="noStrike" kern="1200" cap="none" spc="0" normalizeH="0" baseline="0" noProof="0">
                           <a:ln>
                             <a:noFill/>
                           </a:ln>
@@ -8891,14 +10015,14 @@
                         </a:rPr>
                         <a:t>O</a:t>
                       </a:r>
-                      <a:endParaRPr lang="ko-KR" altLang="en-US" dirty="0">
-                        <a:solidFill>
-                          <a:schemeClr val="tx1"/>
-                        </a:solidFill>
-                      </a:endParaRPr>
-                    </a:p>
-                  </a:txBody>
-                  <a:tcPr anchor="ctr">
+                      <a:endParaRPr lang="ko-KR" altLang="en-US" sz="1300" dirty="0">
+                        <a:solidFill>
+                          <a:schemeClr val="tx1"/>
+                        </a:solidFill>
+                      </a:endParaRPr>
+                    </a:p>
+                  </a:txBody>
+                  <a:tcPr marL="67659" marR="67659" marT="33829" marB="33829" anchor="ctr">
                     <a:lnL w="12700" cap="flat" cmpd="sng" algn="ctr">
                       <a:solidFill>
                         <a:schemeClr val="tx1"/>
@@ -8945,7 +10069,70 @@
                     <a:p>
                       <a:pPr algn="ctr" latinLnBrk="1"/>
                       <a:r>
-                        <a:rPr kumimoji="0" lang="en-US" altLang="ko-KR" sz="1800" b="0" i="0" u="none" strike="noStrike" kern="1200" cap="none" spc="0" normalizeH="0" baseline="0" noProof="0" dirty="0">
+                        <a:rPr lang="en-US" altLang="ko-KR" sz="1300" dirty="0">
+                          <a:solidFill>
+                            <a:schemeClr val="tx1"/>
+                          </a:solidFill>
+                        </a:rPr>
+                        <a:t>O</a:t>
+                      </a:r>
+                      <a:endParaRPr lang="ko-KR" altLang="en-US" sz="1300" dirty="0">
+                        <a:solidFill>
+                          <a:schemeClr val="tx1"/>
+                        </a:solidFill>
+                      </a:endParaRPr>
+                    </a:p>
+                  </a:txBody>
+                  <a:tcPr marL="67659" marR="67659" marT="33829" marB="33829" anchor="ctr">
+                    <a:lnL w="12700" cap="flat" cmpd="sng" algn="ctr">
+                      <a:solidFill>
+                        <a:schemeClr val="tx1"/>
+                      </a:solidFill>
+                      <a:prstDash val="solid"/>
+                      <a:round/>
+                      <a:headEnd type="none" w="med" len="med"/>
+                      <a:tailEnd type="none" w="med" len="med"/>
+                    </a:lnL>
+                    <a:lnR w="12700" cap="flat" cmpd="sng" algn="ctr">
+                      <a:solidFill>
+                        <a:schemeClr val="tx1"/>
+                      </a:solidFill>
+                      <a:prstDash val="solid"/>
+                      <a:round/>
+                      <a:headEnd type="none" w="med" len="med"/>
+                      <a:tailEnd type="none" w="med" len="med"/>
+                    </a:lnR>
+                    <a:lnT w="12700" cap="flat" cmpd="sng" algn="ctr">
+                      <a:solidFill>
+                        <a:schemeClr val="tx1"/>
+                      </a:solidFill>
+                      <a:prstDash val="solid"/>
+                      <a:round/>
+                      <a:headEnd type="none" w="med" len="med"/>
+                      <a:tailEnd type="none" w="med" len="med"/>
+                    </a:lnT>
+                    <a:lnB w="12700" cap="flat" cmpd="sng" algn="ctr">
+                      <a:solidFill>
+                        <a:schemeClr val="tx1"/>
+                      </a:solidFill>
+                      <a:prstDash val="solid"/>
+                      <a:round/>
+                      <a:headEnd type="none" w="med" len="med"/>
+                      <a:tailEnd type="none" w="med" len="med"/>
+                    </a:lnB>
+                    <a:solidFill>
+                      <a:srgbClr val="FFFF00"/>
+                    </a:solidFill>
+                  </a:tcPr>
+                </a:tc>
+                <a:tc>
+                  <a:txBody>
+                    <a:bodyPr/>
+                    <a:lstStyle/>
+                    <a:p>
+                      <a:pPr algn="ctr" latinLnBrk="1"/>
+                      <a:r>
+                        <a:rPr kumimoji="0" lang="en-US" altLang="ko-KR" sz="1300" b="0" i="0" u="none" strike="noStrike" kern="1200" cap="none" spc="0" normalizeH="0" baseline="0" noProof="0">
                           <a:ln>
                             <a:noFill/>
                           </a:ln>
@@ -8959,60 +10146,1665 @@
                           <a:ea typeface="맑은 고딕" panose="020B0503020000020004" pitchFamily="50" charset="-127"/>
                           <a:cs typeface="+mn-cs"/>
                         </a:rPr>
-                        <a:t>G</a:t>
+                        <a:t>O</a:t>
                       </a:r>
-                      <a:endParaRPr lang="ko-KR" altLang="en-US" dirty="0">
-                        <a:solidFill>
-                          <a:schemeClr val="tx1"/>
-                        </a:solidFill>
-                      </a:endParaRPr>
-                    </a:p>
-                  </a:txBody>
-                  <a:tcPr anchor="ctr">
-                    <a:lnL w="12700" cap="flat" cmpd="sng" algn="ctr">
-                      <a:solidFill>
-                        <a:schemeClr val="tx1"/>
-                      </a:solidFill>
-                      <a:prstDash val="solid"/>
-                      <a:round/>
-                      <a:headEnd type="none" w="med" len="med"/>
-                      <a:tailEnd type="none" w="med" len="med"/>
-                    </a:lnL>
-                    <a:lnR w="12700" cap="flat" cmpd="sng" algn="ctr">
-                      <a:solidFill>
-                        <a:schemeClr val="tx1"/>
-                      </a:solidFill>
-                      <a:prstDash val="solid"/>
-                      <a:round/>
-                      <a:headEnd type="none" w="med" len="med"/>
-                      <a:tailEnd type="none" w="med" len="med"/>
-                    </a:lnR>
-                    <a:lnT w="12700" cap="flat" cmpd="sng" algn="ctr">
-                      <a:solidFill>
-                        <a:schemeClr val="tx1"/>
-                      </a:solidFill>
-                      <a:prstDash val="solid"/>
-                      <a:round/>
-                      <a:headEnd type="none" w="med" len="med"/>
-                      <a:tailEnd type="none" w="med" len="med"/>
-                    </a:lnT>
-                    <a:lnB w="12700" cap="flat" cmpd="sng" algn="ctr">
-                      <a:solidFill>
-                        <a:schemeClr val="tx1"/>
-                      </a:solidFill>
-                      <a:prstDash val="solid"/>
-                      <a:round/>
-                      <a:headEnd type="none" w="med" len="med"/>
-                      <a:tailEnd type="none" w="med" len="med"/>
-                    </a:lnB>
-                    <a:solidFill>
-                      <a:schemeClr val="accent6"/>
-                    </a:solidFill>
+                      <a:endParaRPr lang="ko-KR" altLang="en-US" sz="1300" dirty="0">
+                        <a:solidFill>
+                          <a:schemeClr val="tx1"/>
+                        </a:solidFill>
+                      </a:endParaRPr>
+                    </a:p>
+                  </a:txBody>
+                  <a:tcPr marL="67659" marR="67659" marT="33829" marB="33829" anchor="ctr">
+                    <a:lnL w="12700" cap="flat" cmpd="sng" algn="ctr">
+                      <a:solidFill>
+                        <a:schemeClr val="tx1"/>
+                      </a:solidFill>
+                      <a:prstDash val="solid"/>
+                      <a:round/>
+                      <a:headEnd type="none" w="med" len="med"/>
+                      <a:tailEnd type="none" w="med" len="med"/>
+                    </a:lnL>
+                    <a:lnR w="12700" cap="flat" cmpd="sng" algn="ctr">
+                      <a:solidFill>
+                        <a:schemeClr val="tx1"/>
+                      </a:solidFill>
+                      <a:prstDash val="solid"/>
+                      <a:round/>
+                      <a:headEnd type="none" w="med" len="med"/>
+                      <a:tailEnd type="none" w="med" len="med"/>
+                    </a:lnR>
+                    <a:lnT w="12700" cap="flat" cmpd="sng" algn="ctr">
+                      <a:solidFill>
+                        <a:schemeClr val="tx1"/>
+                      </a:solidFill>
+                      <a:prstDash val="solid"/>
+                      <a:round/>
+                      <a:headEnd type="none" w="med" len="med"/>
+                      <a:tailEnd type="none" w="med" len="med"/>
+                    </a:lnT>
+                    <a:lnB w="12700" cap="flat" cmpd="sng" algn="ctr">
+                      <a:solidFill>
+                        <a:schemeClr val="tx1"/>
+                      </a:solidFill>
+                      <a:prstDash val="solid"/>
+                      <a:round/>
+                      <a:headEnd type="none" w="med" len="med"/>
+                      <a:tailEnd type="none" w="med" len="med"/>
+                    </a:lnB>
+                    <a:noFill/>
+                  </a:tcPr>
+                </a:tc>
+                <a:tc>
+                  <a:txBody>
+                    <a:bodyPr/>
+                    <a:lstStyle/>
+                    <a:p>
+                      <a:pPr algn="ctr" latinLnBrk="1"/>
+                      <a:r>
+                        <a:rPr kumimoji="0" lang="en-US" altLang="ko-KR" sz="1300" b="0" i="0" u="none" strike="noStrike" kern="1200" cap="none" spc="0" normalizeH="0" baseline="0" noProof="0">
+                          <a:ln>
+                            <a:noFill/>
+                          </a:ln>
+                          <a:solidFill>
+                            <a:prstClr val="black"/>
+                          </a:solidFill>
+                          <a:effectLst/>
+                          <a:uLnTx/>
+                          <a:uFillTx/>
+                          <a:latin typeface="맑은 고딕" panose="020F0502020204030204"/>
+                          <a:ea typeface="맑은 고딕" panose="020B0503020000020004" pitchFamily="50" charset="-127"/>
+                          <a:cs typeface="+mn-cs"/>
+                        </a:rPr>
+                        <a:t>O</a:t>
+                      </a:r>
+                      <a:endParaRPr lang="ko-KR" altLang="en-US" sz="1300" dirty="0">
+                        <a:solidFill>
+                          <a:schemeClr val="tx1"/>
+                        </a:solidFill>
+                      </a:endParaRPr>
+                    </a:p>
+                  </a:txBody>
+                  <a:tcPr marL="67659" marR="67659" marT="33829" marB="33829" anchor="ctr">
+                    <a:lnL w="12700" cap="flat" cmpd="sng" algn="ctr">
+                      <a:solidFill>
+                        <a:schemeClr val="tx1"/>
+                      </a:solidFill>
+                      <a:prstDash val="solid"/>
+                      <a:round/>
+                      <a:headEnd type="none" w="med" len="med"/>
+                      <a:tailEnd type="none" w="med" len="med"/>
+                    </a:lnL>
+                    <a:lnR w="12700" cap="flat" cmpd="sng" algn="ctr">
+                      <a:solidFill>
+                        <a:schemeClr val="tx1"/>
+                      </a:solidFill>
+                      <a:prstDash val="solid"/>
+                      <a:round/>
+                      <a:headEnd type="none" w="med" len="med"/>
+                      <a:tailEnd type="none" w="med" len="med"/>
+                    </a:lnR>
+                    <a:lnT w="12700" cap="flat" cmpd="sng" algn="ctr">
+                      <a:solidFill>
+                        <a:schemeClr val="tx1"/>
+                      </a:solidFill>
+                      <a:prstDash val="solid"/>
+                      <a:round/>
+                      <a:headEnd type="none" w="med" len="med"/>
+                      <a:tailEnd type="none" w="med" len="med"/>
+                    </a:lnT>
+                    <a:lnB w="12700" cap="flat" cmpd="sng" algn="ctr">
+                      <a:solidFill>
+                        <a:schemeClr val="tx1"/>
+                      </a:solidFill>
+                      <a:prstDash val="solid"/>
+                      <a:round/>
+                      <a:headEnd type="none" w="med" len="med"/>
+                      <a:tailEnd type="none" w="med" len="med"/>
+                    </a:lnB>
+                    <a:noFill/>
                   </a:tcPr>
                 </a:tc>
                 <a:extLst>
                   <a:ext uri="{0D108BD9-81ED-4DB2-BD59-A6C34878D82A}">
                     <a16:rowId xmlns:a16="http://schemas.microsoft.com/office/drawing/2014/main" val="1555937636"/>
+                  </a:ext>
+                </a:extLst>
+              </a:tr>
+              <a:tr h="523636">
+                <a:tc>
+                  <a:txBody>
+                    <a:bodyPr/>
+                    <a:lstStyle/>
+                    <a:p>
+                      <a:pPr algn="ctr" latinLnBrk="1"/>
+                      <a:r>
+                        <a:rPr lang="en-US" altLang="ko-KR" sz="1300" dirty="0">
+                          <a:solidFill>
+                            <a:schemeClr val="tx1"/>
+                          </a:solidFill>
+                        </a:rPr>
+                        <a:t>8</a:t>
+                      </a:r>
+                      <a:endParaRPr lang="ko-KR" altLang="en-US" sz="1300" dirty="0">
+                        <a:solidFill>
+                          <a:schemeClr val="tx1"/>
+                        </a:solidFill>
+                      </a:endParaRPr>
+                    </a:p>
+                  </a:txBody>
+                  <a:tcPr marL="67659" marR="67659" marT="33829" marB="33829" anchor="ctr">
+                    <a:lnL w="12700" cap="flat" cmpd="sng" algn="ctr">
+                      <a:solidFill>
+                        <a:schemeClr val="tx1"/>
+                      </a:solidFill>
+                      <a:prstDash val="solid"/>
+                      <a:round/>
+                      <a:headEnd type="none" w="med" len="med"/>
+                      <a:tailEnd type="none" w="med" len="med"/>
+                    </a:lnL>
+                    <a:lnR w="12700" cap="flat" cmpd="sng" algn="ctr">
+                      <a:solidFill>
+                        <a:schemeClr val="tx1"/>
+                      </a:solidFill>
+                      <a:prstDash val="solid"/>
+                      <a:round/>
+                      <a:headEnd type="none" w="med" len="med"/>
+                      <a:tailEnd type="none" w="med" len="med"/>
+                    </a:lnR>
+                    <a:lnT w="12700" cap="flat" cmpd="sng" algn="ctr">
+                      <a:solidFill>
+                        <a:schemeClr val="tx1"/>
+                      </a:solidFill>
+                      <a:prstDash val="solid"/>
+                      <a:round/>
+                      <a:headEnd type="none" w="med" len="med"/>
+                      <a:tailEnd type="none" w="med" len="med"/>
+                    </a:lnT>
+                    <a:lnB w="12700" cap="flat" cmpd="sng" algn="ctr">
+                      <a:solidFill>
+                        <a:schemeClr val="tx1"/>
+                      </a:solidFill>
+                      <a:prstDash val="solid"/>
+                      <a:round/>
+                      <a:headEnd type="none" w="med" len="med"/>
+                      <a:tailEnd type="none" w="med" len="med"/>
+                    </a:lnB>
+                    <a:noFill/>
+                  </a:tcPr>
+                </a:tc>
+                <a:tc>
+                  <a:txBody>
+                    <a:bodyPr/>
+                    <a:lstStyle/>
+                    <a:p>
+                      <a:pPr algn="ctr" latinLnBrk="1"/>
+                      <a:r>
+                        <a:rPr kumimoji="0" lang="en-US" altLang="ko-KR" sz="1300" b="0" i="0" u="none" strike="noStrike" kern="1200" cap="none" spc="0" normalizeH="0" baseline="0" noProof="0">
+                          <a:ln>
+                            <a:noFill/>
+                          </a:ln>
+                          <a:solidFill>
+                            <a:prstClr val="black"/>
+                          </a:solidFill>
+                          <a:effectLst/>
+                          <a:uLnTx/>
+                          <a:uFillTx/>
+                          <a:latin typeface="맑은 고딕" panose="020F0502020204030204"/>
+                          <a:ea typeface="맑은 고딕" panose="020B0503020000020004" pitchFamily="50" charset="-127"/>
+                          <a:cs typeface="+mn-cs"/>
+                        </a:rPr>
+                        <a:t>O</a:t>
+                      </a:r>
+                      <a:endParaRPr lang="ko-KR" altLang="en-US" sz="1300" dirty="0">
+                        <a:solidFill>
+                          <a:schemeClr val="tx1"/>
+                        </a:solidFill>
+                      </a:endParaRPr>
+                    </a:p>
+                  </a:txBody>
+                  <a:tcPr marL="67659" marR="67659" marT="33829" marB="33829" anchor="ctr">
+                    <a:lnL w="12700" cap="flat" cmpd="sng" algn="ctr">
+                      <a:solidFill>
+                        <a:schemeClr val="tx1"/>
+                      </a:solidFill>
+                      <a:prstDash val="solid"/>
+                      <a:round/>
+                      <a:headEnd type="none" w="med" len="med"/>
+                      <a:tailEnd type="none" w="med" len="med"/>
+                    </a:lnL>
+                    <a:lnR w="12700" cap="flat" cmpd="sng" algn="ctr">
+                      <a:solidFill>
+                        <a:schemeClr val="tx1"/>
+                      </a:solidFill>
+                      <a:prstDash val="solid"/>
+                      <a:round/>
+                      <a:headEnd type="none" w="med" len="med"/>
+                      <a:tailEnd type="none" w="med" len="med"/>
+                    </a:lnR>
+                    <a:lnT w="12700" cap="flat" cmpd="sng" algn="ctr">
+                      <a:solidFill>
+                        <a:schemeClr val="tx1"/>
+                      </a:solidFill>
+                      <a:prstDash val="solid"/>
+                      <a:round/>
+                      <a:headEnd type="none" w="med" len="med"/>
+                      <a:tailEnd type="none" w="med" len="med"/>
+                    </a:lnT>
+                    <a:lnB w="12700" cap="flat" cmpd="sng" algn="ctr">
+                      <a:solidFill>
+                        <a:schemeClr val="tx1"/>
+                      </a:solidFill>
+                      <a:prstDash val="solid"/>
+                      <a:round/>
+                      <a:headEnd type="none" w="med" len="med"/>
+                      <a:tailEnd type="none" w="med" len="med"/>
+                    </a:lnB>
+                    <a:noFill/>
+                  </a:tcPr>
+                </a:tc>
+                <a:tc>
+                  <a:txBody>
+                    <a:bodyPr/>
+                    <a:lstStyle/>
+                    <a:p>
+                      <a:pPr algn="ctr" latinLnBrk="1"/>
+                      <a:r>
+                        <a:rPr kumimoji="0" lang="en-US" altLang="ko-KR" sz="1300" b="0" i="0" u="none" strike="noStrike" kern="1200" cap="none" spc="0" normalizeH="0" baseline="0" noProof="0" dirty="0">
+                          <a:ln>
+                            <a:noFill/>
+                          </a:ln>
+                          <a:solidFill>
+                            <a:prstClr val="black"/>
+                          </a:solidFill>
+                          <a:effectLst/>
+                          <a:uLnTx/>
+                          <a:uFillTx/>
+                          <a:latin typeface="맑은 고딕" panose="020F0502020204030204"/>
+                          <a:ea typeface="맑은 고딕" panose="020B0503020000020004" pitchFamily="50" charset="-127"/>
+                          <a:cs typeface="+mn-cs"/>
+                        </a:rPr>
+                        <a:t>O</a:t>
+                      </a:r>
+                      <a:endParaRPr lang="ko-KR" altLang="en-US" sz="1300" dirty="0">
+                        <a:solidFill>
+                          <a:schemeClr val="tx1"/>
+                        </a:solidFill>
+                      </a:endParaRPr>
+                    </a:p>
+                  </a:txBody>
+                  <a:tcPr marL="67659" marR="67659" marT="33829" marB="33829" anchor="ctr">
+                    <a:lnL w="12700" cap="flat" cmpd="sng" algn="ctr">
+                      <a:solidFill>
+                        <a:schemeClr val="tx1"/>
+                      </a:solidFill>
+                      <a:prstDash val="solid"/>
+                      <a:round/>
+                      <a:headEnd type="none" w="med" len="med"/>
+                      <a:tailEnd type="none" w="med" len="med"/>
+                    </a:lnL>
+                    <a:lnR w="12700" cap="flat" cmpd="sng" algn="ctr">
+                      <a:solidFill>
+                        <a:schemeClr val="tx1"/>
+                      </a:solidFill>
+                      <a:prstDash val="solid"/>
+                      <a:round/>
+                      <a:headEnd type="none" w="med" len="med"/>
+                      <a:tailEnd type="none" w="med" len="med"/>
+                    </a:lnR>
+                    <a:lnT w="12700" cap="flat" cmpd="sng" algn="ctr">
+                      <a:solidFill>
+                        <a:schemeClr val="tx1"/>
+                      </a:solidFill>
+                      <a:prstDash val="solid"/>
+                      <a:round/>
+                      <a:headEnd type="none" w="med" len="med"/>
+                      <a:tailEnd type="none" w="med" len="med"/>
+                    </a:lnT>
+                    <a:lnB w="12700" cap="flat" cmpd="sng" algn="ctr">
+                      <a:solidFill>
+                        <a:schemeClr val="tx1"/>
+                      </a:solidFill>
+                      <a:prstDash val="solid"/>
+                      <a:round/>
+                      <a:headEnd type="none" w="med" len="med"/>
+                      <a:tailEnd type="none" w="med" len="med"/>
+                    </a:lnB>
+                    <a:solidFill>
+                      <a:srgbClr val="FFFF00"/>
+                    </a:solidFill>
+                  </a:tcPr>
+                </a:tc>
+                <a:tc>
+                  <a:txBody>
+                    <a:bodyPr/>
+                    <a:lstStyle/>
+                    <a:p>
+                      <a:pPr algn="ctr" latinLnBrk="1"/>
+                      <a:r>
+                        <a:rPr kumimoji="0" lang="en-US" altLang="ko-KR" sz="1300" b="0" i="0" u="none" strike="noStrike" kern="1200" cap="none" spc="0" normalizeH="0" baseline="0" noProof="0">
+                          <a:ln>
+                            <a:noFill/>
+                          </a:ln>
+                          <a:solidFill>
+                            <a:prstClr val="black"/>
+                          </a:solidFill>
+                          <a:effectLst/>
+                          <a:uLnTx/>
+                          <a:uFillTx/>
+                          <a:latin typeface="맑은 고딕" panose="020F0502020204030204"/>
+                          <a:ea typeface="맑은 고딕" panose="020B0503020000020004" pitchFamily="50" charset="-127"/>
+                          <a:cs typeface="+mn-cs"/>
+                        </a:rPr>
+                        <a:t>O</a:t>
+                      </a:r>
+                      <a:endParaRPr lang="ko-KR" altLang="en-US" sz="1300" dirty="0">
+                        <a:solidFill>
+                          <a:schemeClr val="tx1"/>
+                        </a:solidFill>
+                      </a:endParaRPr>
+                    </a:p>
+                  </a:txBody>
+                  <a:tcPr marL="67659" marR="67659" marT="33829" marB="33829" anchor="ctr">
+                    <a:lnL w="12700" cap="flat" cmpd="sng" algn="ctr">
+                      <a:solidFill>
+                        <a:schemeClr val="tx1"/>
+                      </a:solidFill>
+                      <a:prstDash val="solid"/>
+                      <a:round/>
+                      <a:headEnd type="none" w="med" len="med"/>
+                      <a:tailEnd type="none" w="med" len="med"/>
+                    </a:lnL>
+                    <a:lnR w="12700" cap="flat" cmpd="sng" algn="ctr">
+                      <a:solidFill>
+                        <a:schemeClr val="tx1"/>
+                      </a:solidFill>
+                      <a:prstDash val="solid"/>
+                      <a:round/>
+                      <a:headEnd type="none" w="med" len="med"/>
+                      <a:tailEnd type="none" w="med" len="med"/>
+                    </a:lnR>
+                    <a:lnT w="12700" cap="flat" cmpd="sng" algn="ctr">
+                      <a:solidFill>
+                        <a:schemeClr val="tx1"/>
+                      </a:solidFill>
+                      <a:prstDash val="solid"/>
+                      <a:round/>
+                      <a:headEnd type="none" w="med" len="med"/>
+                      <a:tailEnd type="none" w="med" len="med"/>
+                    </a:lnT>
+                    <a:lnB w="12700" cap="flat" cmpd="sng" algn="ctr">
+                      <a:solidFill>
+                        <a:schemeClr val="tx1"/>
+                      </a:solidFill>
+                      <a:prstDash val="solid"/>
+                      <a:round/>
+                      <a:headEnd type="none" w="med" len="med"/>
+                      <a:tailEnd type="none" w="med" len="med"/>
+                    </a:lnB>
+                    <a:noFill/>
+                  </a:tcPr>
+                </a:tc>
+                <a:tc>
+                  <a:txBody>
+                    <a:bodyPr/>
+                    <a:lstStyle/>
+                    <a:p>
+                      <a:pPr algn="ctr" latinLnBrk="1"/>
+                      <a:r>
+                        <a:rPr kumimoji="0" lang="en-US" altLang="ko-KR" sz="1300" b="0" i="0" u="none" strike="noStrike" kern="1200" cap="none" spc="0" normalizeH="0" baseline="0" noProof="0" dirty="0">
+                          <a:ln>
+                            <a:noFill/>
+                          </a:ln>
+                          <a:solidFill>
+                            <a:prstClr val="black"/>
+                          </a:solidFill>
+                          <a:effectLst/>
+                          <a:uLnTx/>
+                          <a:uFillTx/>
+                          <a:latin typeface="맑은 고딕" panose="020F0502020204030204"/>
+                          <a:ea typeface="맑은 고딕" panose="020B0503020000020004" pitchFamily="50" charset="-127"/>
+                          <a:cs typeface="+mn-cs"/>
+                        </a:rPr>
+                        <a:t>O</a:t>
+                      </a:r>
+                      <a:endParaRPr lang="ko-KR" altLang="en-US" sz="1300" dirty="0">
+                        <a:solidFill>
+                          <a:schemeClr val="tx1"/>
+                        </a:solidFill>
+                      </a:endParaRPr>
+                    </a:p>
+                  </a:txBody>
+                  <a:tcPr marL="67659" marR="67659" marT="33829" marB="33829" anchor="ctr">
+                    <a:lnL w="12700" cap="flat" cmpd="sng" algn="ctr">
+                      <a:solidFill>
+                        <a:schemeClr val="tx1"/>
+                      </a:solidFill>
+                      <a:prstDash val="solid"/>
+                      <a:round/>
+                      <a:headEnd type="none" w="med" len="med"/>
+                      <a:tailEnd type="none" w="med" len="med"/>
+                    </a:lnL>
+                    <a:lnR w="12700" cap="flat" cmpd="sng" algn="ctr">
+                      <a:solidFill>
+                        <a:schemeClr val="tx1"/>
+                      </a:solidFill>
+                      <a:prstDash val="solid"/>
+                      <a:round/>
+                      <a:headEnd type="none" w="med" len="med"/>
+                      <a:tailEnd type="none" w="med" len="med"/>
+                    </a:lnR>
+                    <a:lnT w="12700" cap="flat" cmpd="sng" algn="ctr">
+                      <a:solidFill>
+                        <a:schemeClr val="tx1"/>
+                      </a:solidFill>
+                      <a:prstDash val="solid"/>
+                      <a:round/>
+                      <a:headEnd type="none" w="med" len="med"/>
+                      <a:tailEnd type="none" w="med" len="med"/>
+                    </a:lnT>
+                    <a:lnB w="12700" cap="flat" cmpd="sng" algn="ctr">
+                      <a:solidFill>
+                        <a:schemeClr val="tx1"/>
+                      </a:solidFill>
+                      <a:prstDash val="solid"/>
+                      <a:round/>
+                      <a:headEnd type="none" w="med" len="med"/>
+                      <a:tailEnd type="none" w="med" len="med"/>
+                    </a:lnB>
+                    <a:solidFill>
+                      <a:srgbClr val="FFFF00"/>
+                    </a:solidFill>
+                  </a:tcPr>
+                </a:tc>
+                <a:tc>
+                  <a:txBody>
+                    <a:bodyPr/>
+                    <a:lstStyle/>
+                    <a:p>
+                      <a:pPr algn="ctr" latinLnBrk="1"/>
+                      <a:r>
+                        <a:rPr kumimoji="0" lang="en-US" altLang="ko-KR" sz="1300" b="0" i="0" u="none" strike="noStrike" kern="1200" cap="none" spc="0" normalizeH="0" baseline="0" noProof="0">
+                          <a:ln>
+                            <a:noFill/>
+                          </a:ln>
+                          <a:solidFill>
+                            <a:prstClr val="black"/>
+                          </a:solidFill>
+                          <a:effectLst/>
+                          <a:uLnTx/>
+                          <a:uFillTx/>
+                          <a:latin typeface="맑은 고딕" panose="020F0502020204030204"/>
+                          <a:ea typeface="맑은 고딕" panose="020B0503020000020004" pitchFamily="50" charset="-127"/>
+                          <a:cs typeface="+mn-cs"/>
+                        </a:rPr>
+                        <a:t>O</a:t>
+                      </a:r>
+                      <a:endParaRPr lang="ko-KR" altLang="en-US" sz="1300" dirty="0">
+                        <a:solidFill>
+                          <a:schemeClr val="tx1"/>
+                        </a:solidFill>
+                      </a:endParaRPr>
+                    </a:p>
+                  </a:txBody>
+                  <a:tcPr marL="67659" marR="67659" marT="33829" marB="33829" anchor="ctr">
+                    <a:lnL w="12700" cap="flat" cmpd="sng" algn="ctr">
+                      <a:solidFill>
+                        <a:schemeClr val="tx1"/>
+                      </a:solidFill>
+                      <a:prstDash val="solid"/>
+                      <a:round/>
+                      <a:headEnd type="none" w="med" len="med"/>
+                      <a:tailEnd type="none" w="med" len="med"/>
+                    </a:lnL>
+                    <a:lnR w="12700" cap="flat" cmpd="sng" algn="ctr">
+                      <a:solidFill>
+                        <a:schemeClr val="tx1"/>
+                      </a:solidFill>
+                      <a:prstDash val="solid"/>
+                      <a:round/>
+                      <a:headEnd type="none" w="med" len="med"/>
+                      <a:tailEnd type="none" w="med" len="med"/>
+                    </a:lnR>
+                    <a:lnT w="12700" cap="flat" cmpd="sng" algn="ctr">
+                      <a:solidFill>
+                        <a:schemeClr val="tx1"/>
+                      </a:solidFill>
+                      <a:prstDash val="solid"/>
+                      <a:round/>
+                      <a:headEnd type="none" w="med" len="med"/>
+                      <a:tailEnd type="none" w="med" len="med"/>
+                    </a:lnT>
+                    <a:lnB w="12700" cap="flat" cmpd="sng" algn="ctr">
+                      <a:solidFill>
+                        <a:schemeClr val="tx1"/>
+                      </a:solidFill>
+                      <a:prstDash val="solid"/>
+                      <a:round/>
+                      <a:headEnd type="none" w="med" len="med"/>
+                      <a:tailEnd type="none" w="med" len="med"/>
+                    </a:lnB>
+                    <a:noFill/>
+                  </a:tcPr>
+                </a:tc>
+                <a:tc>
+                  <a:txBody>
+                    <a:bodyPr/>
+                    <a:lstStyle/>
+                    <a:p>
+                      <a:pPr algn="ctr" latinLnBrk="1"/>
+                      <a:r>
+                        <a:rPr kumimoji="0" lang="en-US" altLang="ko-KR" sz="1300" b="0" i="0" u="none" strike="noStrike" kern="1200" cap="none" spc="0" normalizeH="0" baseline="0" noProof="0">
+                          <a:ln>
+                            <a:noFill/>
+                          </a:ln>
+                          <a:solidFill>
+                            <a:prstClr val="black"/>
+                          </a:solidFill>
+                          <a:effectLst/>
+                          <a:uLnTx/>
+                          <a:uFillTx/>
+                          <a:latin typeface="맑은 고딕" panose="020F0502020204030204"/>
+                          <a:ea typeface="맑은 고딕" panose="020B0503020000020004" pitchFamily="50" charset="-127"/>
+                          <a:cs typeface="+mn-cs"/>
+                        </a:rPr>
+                        <a:t>O</a:t>
+                      </a:r>
+                      <a:endParaRPr lang="ko-KR" altLang="en-US" sz="1300">
+                        <a:solidFill>
+                          <a:schemeClr val="tx1"/>
+                        </a:solidFill>
+                      </a:endParaRPr>
+                    </a:p>
+                  </a:txBody>
+                  <a:tcPr marL="67659" marR="67659" marT="33829" marB="33829" anchor="ctr">
+                    <a:lnL w="12700" cap="flat" cmpd="sng" algn="ctr">
+                      <a:solidFill>
+                        <a:schemeClr val="tx1"/>
+                      </a:solidFill>
+                      <a:prstDash val="solid"/>
+                      <a:round/>
+                      <a:headEnd type="none" w="med" len="med"/>
+                      <a:tailEnd type="none" w="med" len="med"/>
+                    </a:lnL>
+                    <a:lnR w="12700" cap="flat" cmpd="sng" algn="ctr">
+                      <a:solidFill>
+                        <a:schemeClr val="tx1"/>
+                      </a:solidFill>
+                      <a:prstDash val="solid"/>
+                      <a:round/>
+                      <a:headEnd type="none" w="med" len="med"/>
+                      <a:tailEnd type="none" w="med" len="med"/>
+                    </a:lnR>
+                    <a:lnT w="12700" cap="flat" cmpd="sng" algn="ctr">
+                      <a:solidFill>
+                        <a:schemeClr val="tx1"/>
+                      </a:solidFill>
+                      <a:prstDash val="solid"/>
+                      <a:round/>
+                      <a:headEnd type="none" w="med" len="med"/>
+                      <a:tailEnd type="none" w="med" len="med"/>
+                    </a:lnT>
+                    <a:lnB w="12700" cap="flat" cmpd="sng" algn="ctr">
+                      <a:solidFill>
+                        <a:schemeClr val="tx1"/>
+                      </a:solidFill>
+                      <a:prstDash val="solid"/>
+                      <a:round/>
+                      <a:headEnd type="none" w="med" len="med"/>
+                      <a:tailEnd type="none" w="med" len="med"/>
+                    </a:lnB>
+                    <a:noFill/>
+                  </a:tcPr>
+                </a:tc>
+                <a:tc>
+                  <a:txBody>
+                    <a:bodyPr/>
+                    <a:lstStyle/>
+                    <a:p>
+                      <a:pPr algn="ctr" latinLnBrk="1"/>
+                      <a:r>
+                        <a:rPr kumimoji="0" lang="en-US" altLang="ko-KR" sz="1300" b="0" i="0" u="none" strike="noStrike" kern="1200" cap="none" spc="0" normalizeH="0" baseline="0" noProof="0">
+                          <a:ln>
+                            <a:noFill/>
+                          </a:ln>
+                          <a:solidFill>
+                            <a:prstClr val="black"/>
+                          </a:solidFill>
+                          <a:effectLst/>
+                          <a:uLnTx/>
+                          <a:uFillTx/>
+                          <a:latin typeface="맑은 고딕" panose="020F0502020204030204"/>
+                          <a:ea typeface="맑은 고딕" panose="020B0503020000020004" pitchFamily="50" charset="-127"/>
+                          <a:cs typeface="+mn-cs"/>
+                        </a:rPr>
+                        <a:t>O</a:t>
+                      </a:r>
+                      <a:endParaRPr lang="ko-KR" altLang="en-US" sz="1300" dirty="0">
+                        <a:solidFill>
+                          <a:schemeClr val="tx1"/>
+                        </a:solidFill>
+                      </a:endParaRPr>
+                    </a:p>
+                  </a:txBody>
+                  <a:tcPr marL="67659" marR="67659" marT="33829" marB="33829" anchor="ctr">
+                    <a:lnL w="12700" cap="flat" cmpd="sng" algn="ctr">
+                      <a:solidFill>
+                        <a:schemeClr val="tx1"/>
+                      </a:solidFill>
+                      <a:prstDash val="solid"/>
+                      <a:round/>
+                      <a:headEnd type="none" w="med" len="med"/>
+                      <a:tailEnd type="none" w="med" len="med"/>
+                    </a:lnL>
+                    <a:lnR w="12700" cap="flat" cmpd="sng" algn="ctr">
+                      <a:solidFill>
+                        <a:schemeClr val="tx1"/>
+                      </a:solidFill>
+                      <a:prstDash val="solid"/>
+                      <a:round/>
+                      <a:headEnd type="none" w="med" len="med"/>
+                      <a:tailEnd type="none" w="med" len="med"/>
+                    </a:lnR>
+                    <a:lnT w="12700" cap="flat" cmpd="sng" algn="ctr">
+                      <a:solidFill>
+                        <a:schemeClr val="tx1"/>
+                      </a:solidFill>
+                      <a:prstDash val="solid"/>
+                      <a:round/>
+                      <a:headEnd type="none" w="med" len="med"/>
+                      <a:tailEnd type="none" w="med" len="med"/>
+                    </a:lnT>
+                    <a:lnB w="12700" cap="flat" cmpd="sng" algn="ctr">
+                      <a:solidFill>
+                        <a:schemeClr val="tx1"/>
+                      </a:solidFill>
+                      <a:prstDash val="solid"/>
+                      <a:round/>
+                      <a:headEnd type="none" w="med" len="med"/>
+                      <a:tailEnd type="none" w="med" len="med"/>
+                    </a:lnB>
+                    <a:noFill/>
+                  </a:tcPr>
+                </a:tc>
+                <a:tc>
+                  <a:txBody>
+                    <a:bodyPr/>
+                    <a:lstStyle/>
+                    <a:p>
+                      <a:pPr algn="ctr" latinLnBrk="1"/>
+                      <a:r>
+                        <a:rPr kumimoji="0" lang="en-US" altLang="ko-KR" sz="1300" b="0" i="0" u="none" strike="noStrike" kern="1200" cap="none" spc="0" normalizeH="0" baseline="0" noProof="0">
+                          <a:ln>
+                            <a:noFill/>
+                          </a:ln>
+                          <a:solidFill>
+                            <a:prstClr val="black"/>
+                          </a:solidFill>
+                          <a:effectLst/>
+                          <a:uLnTx/>
+                          <a:uFillTx/>
+                          <a:latin typeface="맑은 고딕" panose="020F0502020204030204"/>
+                          <a:ea typeface="맑은 고딕" panose="020B0503020000020004" pitchFamily="50" charset="-127"/>
+                          <a:cs typeface="+mn-cs"/>
+                        </a:rPr>
+                        <a:t>O</a:t>
+                      </a:r>
+                      <a:endParaRPr lang="ko-KR" altLang="en-US" sz="1300" dirty="0">
+                        <a:solidFill>
+                          <a:schemeClr val="tx1"/>
+                        </a:solidFill>
+                      </a:endParaRPr>
+                    </a:p>
+                  </a:txBody>
+                  <a:tcPr marL="67659" marR="67659" marT="33829" marB="33829" anchor="ctr">
+                    <a:lnL w="12700" cap="flat" cmpd="sng" algn="ctr">
+                      <a:solidFill>
+                        <a:schemeClr val="tx1"/>
+                      </a:solidFill>
+                      <a:prstDash val="solid"/>
+                      <a:round/>
+                      <a:headEnd type="none" w="med" len="med"/>
+                      <a:tailEnd type="none" w="med" len="med"/>
+                    </a:lnL>
+                    <a:lnR w="12700" cap="flat" cmpd="sng" algn="ctr">
+                      <a:solidFill>
+                        <a:schemeClr val="tx1"/>
+                      </a:solidFill>
+                      <a:prstDash val="solid"/>
+                      <a:round/>
+                      <a:headEnd type="none" w="med" len="med"/>
+                      <a:tailEnd type="none" w="med" len="med"/>
+                    </a:lnR>
+                    <a:lnT w="12700" cap="flat" cmpd="sng" algn="ctr">
+                      <a:solidFill>
+                        <a:schemeClr val="tx1"/>
+                      </a:solidFill>
+                      <a:prstDash val="solid"/>
+                      <a:round/>
+                      <a:headEnd type="none" w="med" len="med"/>
+                      <a:tailEnd type="none" w="med" len="med"/>
+                    </a:lnT>
+                    <a:lnB w="12700" cap="flat" cmpd="sng" algn="ctr">
+                      <a:solidFill>
+                        <a:schemeClr val="tx1"/>
+                      </a:solidFill>
+                      <a:prstDash val="solid"/>
+                      <a:round/>
+                      <a:headEnd type="none" w="med" len="med"/>
+                      <a:tailEnd type="none" w="med" len="med"/>
+                    </a:lnB>
+                    <a:noFill/>
+                  </a:tcPr>
+                </a:tc>
+                <a:tc>
+                  <a:txBody>
+                    <a:bodyPr/>
+                    <a:lstStyle/>
+                    <a:p>
+                      <a:pPr algn="ctr" latinLnBrk="1"/>
+                      <a:r>
+                        <a:rPr kumimoji="0" lang="en-US" altLang="ko-KR" sz="1300" b="0" i="0" u="none" strike="noStrike" kern="1200" cap="none" spc="0" normalizeH="0" baseline="0" noProof="0">
+                          <a:ln>
+                            <a:noFill/>
+                          </a:ln>
+                          <a:solidFill>
+                            <a:prstClr val="black"/>
+                          </a:solidFill>
+                          <a:effectLst/>
+                          <a:uLnTx/>
+                          <a:uFillTx/>
+                          <a:latin typeface="맑은 고딕" panose="020F0502020204030204"/>
+                          <a:ea typeface="맑은 고딕" panose="020B0503020000020004" pitchFamily="50" charset="-127"/>
+                          <a:cs typeface="+mn-cs"/>
+                        </a:rPr>
+                        <a:t>O</a:t>
+                      </a:r>
+                      <a:endParaRPr lang="ko-KR" altLang="en-US" sz="1300" dirty="0">
+                        <a:solidFill>
+                          <a:schemeClr val="tx1"/>
+                        </a:solidFill>
+                      </a:endParaRPr>
+                    </a:p>
+                  </a:txBody>
+                  <a:tcPr marL="67659" marR="67659" marT="33829" marB="33829" anchor="ctr">
+                    <a:lnL w="12700" cap="flat" cmpd="sng" algn="ctr">
+                      <a:solidFill>
+                        <a:schemeClr val="tx1"/>
+                      </a:solidFill>
+                      <a:prstDash val="solid"/>
+                      <a:round/>
+                      <a:headEnd type="none" w="med" len="med"/>
+                      <a:tailEnd type="none" w="med" len="med"/>
+                    </a:lnL>
+                    <a:lnR w="12700" cap="flat" cmpd="sng" algn="ctr">
+                      <a:solidFill>
+                        <a:schemeClr val="tx1"/>
+                      </a:solidFill>
+                      <a:prstDash val="solid"/>
+                      <a:round/>
+                      <a:headEnd type="none" w="med" len="med"/>
+                      <a:tailEnd type="none" w="med" len="med"/>
+                    </a:lnR>
+                    <a:lnT w="12700" cap="flat" cmpd="sng" algn="ctr">
+                      <a:solidFill>
+                        <a:schemeClr val="tx1"/>
+                      </a:solidFill>
+                      <a:prstDash val="solid"/>
+                      <a:round/>
+                      <a:headEnd type="none" w="med" len="med"/>
+                      <a:tailEnd type="none" w="med" len="med"/>
+                    </a:lnT>
+                    <a:lnB w="12700" cap="flat" cmpd="sng" algn="ctr">
+                      <a:solidFill>
+                        <a:schemeClr val="tx1"/>
+                      </a:solidFill>
+                      <a:prstDash val="solid"/>
+                      <a:round/>
+                      <a:headEnd type="none" w="med" len="med"/>
+                      <a:tailEnd type="none" w="med" len="med"/>
+                    </a:lnB>
+                    <a:noFill/>
+                  </a:tcPr>
+                </a:tc>
+                <a:tc>
+                  <a:txBody>
+                    <a:bodyPr/>
+                    <a:lstStyle/>
+                    <a:p>
+                      <a:pPr algn="ctr" latinLnBrk="1"/>
+                      <a:r>
+                        <a:rPr kumimoji="0" lang="en-US" altLang="ko-KR" sz="1300" b="0" i="0" u="none" strike="noStrike" kern="1200" cap="none" spc="0" normalizeH="0" baseline="0" noProof="0" dirty="0">
+                          <a:ln>
+                            <a:noFill/>
+                          </a:ln>
+                          <a:solidFill>
+                            <a:prstClr val="black"/>
+                          </a:solidFill>
+                          <a:effectLst/>
+                          <a:uLnTx/>
+                          <a:uFillTx/>
+                          <a:latin typeface="맑은 고딕" panose="020F0502020204030204"/>
+                          <a:ea typeface="맑은 고딕" panose="020B0503020000020004" pitchFamily="50" charset="-127"/>
+                          <a:cs typeface="+mn-cs"/>
+                        </a:rPr>
+                        <a:t>O</a:t>
+                      </a:r>
+                      <a:endParaRPr lang="ko-KR" altLang="en-US" sz="1300" dirty="0">
+                        <a:solidFill>
+                          <a:schemeClr val="tx1"/>
+                        </a:solidFill>
+                      </a:endParaRPr>
+                    </a:p>
+                  </a:txBody>
+                  <a:tcPr marL="67659" marR="67659" marT="33829" marB="33829" anchor="ctr">
+                    <a:lnL w="12700" cap="flat" cmpd="sng" algn="ctr">
+                      <a:solidFill>
+                        <a:schemeClr val="tx1"/>
+                      </a:solidFill>
+                      <a:prstDash val="solid"/>
+                      <a:round/>
+                      <a:headEnd type="none" w="med" len="med"/>
+                      <a:tailEnd type="none" w="med" len="med"/>
+                    </a:lnL>
+                    <a:lnR w="12700" cap="flat" cmpd="sng" algn="ctr">
+                      <a:solidFill>
+                        <a:schemeClr val="tx1"/>
+                      </a:solidFill>
+                      <a:prstDash val="solid"/>
+                      <a:round/>
+                      <a:headEnd type="none" w="med" len="med"/>
+                      <a:tailEnd type="none" w="med" len="med"/>
+                    </a:lnR>
+                    <a:lnT w="12700" cap="flat" cmpd="sng" algn="ctr">
+                      <a:solidFill>
+                        <a:schemeClr val="tx1"/>
+                      </a:solidFill>
+                      <a:prstDash val="solid"/>
+                      <a:round/>
+                      <a:headEnd type="none" w="med" len="med"/>
+                      <a:tailEnd type="none" w="med" len="med"/>
+                    </a:lnT>
+                    <a:lnB w="12700" cap="flat" cmpd="sng" algn="ctr">
+                      <a:solidFill>
+                        <a:schemeClr val="tx1"/>
+                      </a:solidFill>
+                      <a:prstDash val="solid"/>
+                      <a:round/>
+                      <a:headEnd type="none" w="med" len="med"/>
+                      <a:tailEnd type="none" w="med" len="med"/>
+                    </a:lnB>
+                    <a:noFill/>
+                  </a:tcPr>
+                </a:tc>
+                <a:extLst>
+                  <a:ext uri="{0D108BD9-81ED-4DB2-BD59-A6C34878D82A}">
+                    <a16:rowId xmlns:a16="http://schemas.microsoft.com/office/drawing/2014/main" val="3458068652"/>
+                  </a:ext>
+                </a:extLst>
+              </a:tr>
+              <a:tr h="523636">
+                <a:tc>
+                  <a:txBody>
+                    <a:bodyPr/>
+                    <a:lstStyle/>
+                    <a:p>
+                      <a:pPr algn="ctr" latinLnBrk="1"/>
+                      <a:r>
+                        <a:rPr lang="en-US" altLang="ko-KR" sz="1300" dirty="0">
+                          <a:solidFill>
+                            <a:schemeClr val="tx1"/>
+                          </a:solidFill>
+                        </a:rPr>
+                        <a:t>9</a:t>
+                      </a:r>
+                      <a:endParaRPr lang="ko-KR" altLang="en-US" sz="1300" dirty="0">
+                        <a:solidFill>
+                          <a:schemeClr val="tx1"/>
+                        </a:solidFill>
+                      </a:endParaRPr>
+                    </a:p>
+                  </a:txBody>
+                  <a:tcPr marL="67659" marR="67659" marT="33829" marB="33829" anchor="ctr">
+                    <a:lnL w="12700" cap="flat" cmpd="sng" algn="ctr">
+                      <a:solidFill>
+                        <a:schemeClr val="tx1"/>
+                      </a:solidFill>
+                      <a:prstDash val="solid"/>
+                      <a:round/>
+                      <a:headEnd type="none" w="med" len="med"/>
+                      <a:tailEnd type="none" w="med" len="med"/>
+                    </a:lnL>
+                    <a:lnR w="12700" cap="flat" cmpd="sng" algn="ctr">
+                      <a:solidFill>
+                        <a:schemeClr val="tx1"/>
+                      </a:solidFill>
+                      <a:prstDash val="solid"/>
+                      <a:round/>
+                      <a:headEnd type="none" w="med" len="med"/>
+                      <a:tailEnd type="none" w="med" len="med"/>
+                    </a:lnR>
+                    <a:lnT w="12700" cap="flat" cmpd="sng" algn="ctr">
+                      <a:solidFill>
+                        <a:schemeClr val="tx1"/>
+                      </a:solidFill>
+                      <a:prstDash val="solid"/>
+                      <a:round/>
+                      <a:headEnd type="none" w="med" len="med"/>
+                      <a:tailEnd type="none" w="med" len="med"/>
+                    </a:lnT>
+                    <a:lnB w="12700" cap="flat" cmpd="sng" algn="ctr">
+                      <a:solidFill>
+                        <a:schemeClr val="tx1"/>
+                      </a:solidFill>
+                      <a:prstDash val="solid"/>
+                      <a:round/>
+                      <a:headEnd type="none" w="med" len="med"/>
+                      <a:tailEnd type="none" w="med" len="med"/>
+                    </a:lnB>
+                    <a:noFill/>
+                  </a:tcPr>
+                </a:tc>
+                <a:tc>
+                  <a:txBody>
+                    <a:bodyPr/>
+                    <a:lstStyle/>
+                    <a:p>
+                      <a:pPr algn="ctr" latinLnBrk="1"/>
+                      <a:r>
+                        <a:rPr kumimoji="0" lang="en-US" altLang="ko-KR" sz="1300" b="0" i="0" u="none" strike="noStrike" kern="1200" cap="none" spc="0" normalizeH="0" baseline="0" noProof="0">
+                          <a:ln>
+                            <a:noFill/>
+                          </a:ln>
+                          <a:solidFill>
+                            <a:prstClr val="black"/>
+                          </a:solidFill>
+                          <a:effectLst/>
+                          <a:uLnTx/>
+                          <a:uFillTx/>
+                          <a:latin typeface="맑은 고딕" panose="020F0502020204030204"/>
+                          <a:ea typeface="맑은 고딕" panose="020B0503020000020004" pitchFamily="50" charset="-127"/>
+                          <a:cs typeface="+mn-cs"/>
+                        </a:rPr>
+                        <a:t>O</a:t>
+                      </a:r>
+                      <a:endParaRPr lang="ko-KR" altLang="en-US" sz="1300">
+                        <a:solidFill>
+                          <a:schemeClr val="tx1"/>
+                        </a:solidFill>
+                      </a:endParaRPr>
+                    </a:p>
+                  </a:txBody>
+                  <a:tcPr marL="67659" marR="67659" marT="33829" marB="33829" anchor="ctr">
+                    <a:lnL w="12700" cap="flat" cmpd="sng" algn="ctr">
+                      <a:solidFill>
+                        <a:schemeClr val="tx1"/>
+                      </a:solidFill>
+                      <a:prstDash val="solid"/>
+                      <a:round/>
+                      <a:headEnd type="none" w="med" len="med"/>
+                      <a:tailEnd type="none" w="med" len="med"/>
+                    </a:lnL>
+                    <a:lnR w="12700" cap="flat" cmpd="sng" algn="ctr">
+                      <a:solidFill>
+                        <a:schemeClr val="tx1"/>
+                      </a:solidFill>
+                      <a:prstDash val="solid"/>
+                      <a:round/>
+                      <a:headEnd type="none" w="med" len="med"/>
+                      <a:tailEnd type="none" w="med" len="med"/>
+                    </a:lnR>
+                    <a:lnT w="12700" cap="flat" cmpd="sng" algn="ctr">
+                      <a:solidFill>
+                        <a:schemeClr val="tx1"/>
+                      </a:solidFill>
+                      <a:prstDash val="solid"/>
+                      <a:round/>
+                      <a:headEnd type="none" w="med" len="med"/>
+                      <a:tailEnd type="none" w="med" len="med"/>
+                    </a:lnT>
+                    <a:lnB w="12700" cap="flat" cmpd="sng" algn="ctr">
+                      <a:solidFill>
+                        <a:schemeClr val="tx1"/>
+                      </a:solidFill>
+                      <a:prstDash val="solid"/>
+                      <a:round/>
+                      <a:headEnd type="none" w="med" len="med"/>
+                      <a:tailEnd type="none" w="med" len="med"/>
+                    </a:lnB>
+                    <a:noFill/>
+                  </a:tcPr>
+                </a:tc>
+                <a:tc>
+                  <a:txBody>
+                    <a:bodyPr/>
+                    <a:lstStyle/>
+                    <a:p>
+                      <a:pPr algn="ctr" latinLnBrk="1"/>
+                      <a:r>
+                        <a:rPr kumimoji="0" lang="en-US" altLang="ko-KR" sz="1300" b="0" i="0" u="none" strike="noStrike" kern="1200" cap="none" spc="0" normalizeH="0" baseline="0" noProof="0">
+                          <a:ln>
+                            <a:noFill/>
+                          </a:ln>
+                          <a:solidFill>
+                            <a:prstClr val="black"/>
+                          </a:solidFill>
+                          <a:effectLst/>
+                          <a:uLnTx/>
+                          <a:uFillTx/>
+                          <a:latin typeface="맑은 고딕" panose="020F0502020204030204"/>
+                          <a:ea typeface="맑은 고딕" panose="020B0503020000020004" pitchFamily="50" charset="-127"/>
+                          <a:cs typeface="+mn-cs"/>
+                        </a:rPr>
+                        <a:t>O</a:t>
+                      </a:r>
+                      <a:endParaRPr lang="ko-KR" altLang="en-US" sz="1300">
+                        <a:solidFill>
+                          <a:schemeClr val="tx1"/>
+                        </a:solidFill>
+                      </a:endParaRPr>
+                    </a:p>
+                  </a:txBody>
+                  <a:tcPr marL="67659" marR="67659" marT="33829" marB="33829" anchor="ctr">
+                    <a:lnL w="12700" cap="flat" cmpd="sng" algn="ctr">
+                      <a:solidFill>
+                        <a:schemeClr val="tx1"/>
+                      </a:solidFill>
+                      <a:prstDash val="solid"/>
+                      <a:round/>
+                      <a:headEnd type="none" w="med" len="med"/>
+                      <a:tailEnd type="none" w="med" len="med"/>
+                    </a:lnL>
+                    <a:lnR w="12700" cap="flat" cmpd="sng" algn="ctr">
+                      <a:solidFill>
+                        <a:schemeClr val="tx1"/>
+                      </a:solidFill>
+                      <a:prstDash val="solid"/>
+                      <a:round/>
+                      <a:headEnd type="none" w="med" len="med"/>
+                      <a:tailEnd type="none" w="med" len="med"/>
+                    </a:lnR>
+                    <a:lnT w="12700" cap="flat" cmpd="sng" algn="ctr">
+                      <a:solidFill>
+                        <a:schemeClr val="tx1"/>
+                      </a:solidFill>
+                      <a:prstDash val="solid"/>
+                      <a:round/>
+                      <a:headEnd type="none" w="med" len="med"/>
+                      <a:tailEnd type="none" w="med" len="med"/>
+                    </a:lnT>
+                    <a:lnB w="12700" cap="flat" cmpd="sng" algn="ctr">
+                      <a:solidFill>
+                        <a:schemeClr val="tx1"/>
+                      </a:solidFill>
+                      <a:prstDash val="solid"/>
+                      <a:round/>
+                      <a:headEnd type="none" w="med" len="med"/>
+                      <a:tailEnd type="none" w="med" len="med"/>
+                    </a:lnB>
+                    <a:noFill/>
+                  </a:tcPr>
+                </a:tc>
+                <a:tc>
+                  <a:txBody>
+                    <a:bodyPr/>
+                    <a:lstStyle/>
+                    <a:p>
+                      <a:pPr algn="ctr" latinLnBrk="1"/>
+                      <a:r>
+                        <a:rPr kumimoji="0" lang="en-US" altLang="ko-KR" sz="1300" b="0" i="0" u="none" strike="noStrike" kern="1200" cap="none" spc="0" normalizeH="0" baseline="0" noProof="0" dirty="0">
+                          <a:ln>
+                            <a:noFill/>
+                          </a:ln>
+                          <a:solidFill>
+                            <a:prstClr val="black"/>
+                          </a:solidFill>
+                          <a:effectLst/>
+                          <a:uLnTx/>
+                          <a:uFillTx/>
+                          <a:latin typeface="맑은 고딕" panose="020F0502020204030204"/>
+                          <a:ea typeface="맑은 고딕" panose="020B0503020000020004" pitchFamily="50" charset="-127"/>
+                          <a:cs typeface="+mn-cs"/>
+                        </a:rPr>
+                        <a:t>O</a:t>
+                      </a:r>
+                      <a:endParaRPr lang="ko-KR" altLang="en-US" sz="1300" dirty="0">
+                        <a:solidFill>
+                          <a:schemeClr val="tx1"/>
+                        </a:solidFill>
+                      </a:endParaRPr>
+                    </a:p>
+                  </a:txBody>
+                  <a:tcPr marL="67659" marR="67659" marT="33829" marB="33829" anchor="ctr">
+                    <a:lnL w="12700" cap="flat" cmpd="sng" algn="ctr">
+                      <a:solidFill>
+                        <a:schemeClr val="tx1"/>
+                      </a:solidFill>
+                      <a:prstDash val="solid"/>
+                      <a:round/>
+                      <a:headEnd type="none" w="med" len="med"/>
+                      <a:tailEnd type="none" w="med" len="med"/>
+                    </a:lnL>
+                    <a:lnR w="12700" cap="flat" cmpd="sng" algn="ctr">
+                      <a:solidFill>
+                        <a:schemeClr val="tx1"/>
+                      </a:solidFill>
+                      <a:prstDash val="solid"/>
+                      <a:round/>
+                      <a:headEnd type="none" w="med" len="med"/>
+                      <a:tailEnd type="none" w="med" len="med"/>
+                    </a:lnR>
+                    <a:lnT w="12700" cap="flat" cmpd="sng" algn="ctr">
+                      <a:solidFill>
+                        <a:schemeClr val="tx1"/>
+                      </a:solidFill>
+                      <a:prstDash val="solid"/>
+                      <a:round/>
+                      <a:headEnd type="none" w="med" len="med"/>
+                      <a:tailEnd type="none" w="med" len="med"/>
+                    </a:lnT>
+                    <a:lnB w="12700" cap="flat" cmpd="sng" algn="ctr">
+                      <a:solidFill>
+                        <a:schemeClr val="tx1"/>
+                      </a:solidFill>
+                      <a:prstDash val="solid"/>
+                      <a:round/>
+                      <a:headEnd type="none" w="med" len="med"/>
+                      <a:tailEnd type="none" w="med" len="med"/>
+                    </a:lnB>
+                    <a:solidFill>
+                      <a:srgbClr val="FFFF00"/>
+                    </a:solidFill>
+                  </a:tcPr>
+                </a:tc>
+                <a:tc>
+                  <a:txBody>
+                    <a:bodyPr/>
+                    <a:lstStyle/>
+                    <a:p>
+                      <a:pPr algn="ctr" latinLnBrk="1"/>
+                      <a:r>
+                        <a:rPr kumimoji="0" lang="en-US" altLang="ko-KR" sz="1300" b="0" i="0" u="none" strike="noStrike" kern="1200" cap="none" spc="0" normalizeH="0" baseline="0" noProof="0">
+                          <a:ln>
+                            <a:noFill/>
+                          </a:ln>
+                          <a:solidFill>
+                            <a:prstClr val="black"/>
+                          </a:solidFill>
+                          <a:effectLst/>
+                          <a:uLnTx/>
+                          <a:uFillTx/>
+                          <a:latin typeface="맑은 고딕" panose="020F0502020204030204"/>
+                          <a:ea typeface="맑은 고딕" panose="020B0503020000020004" pitchFamily="50" charset="-127"/>
+                          <a:cs typeface="+mn-cs"/>
+                        </a:rPr>
+                        <a:t>O</a:t>
+                      </a:r>
+                      <a:endParaRPr lang="ko-KR" altLang="en-US" sz="1300">
+                        <a:solidFill>
+                          <a:schemeClr val="tx1"/>
+                        </a:solidFill>
+                      </a:endParaRPr>
+                    </a:p>
+                  </a:txBody>
+                  <a:tcPr marL="67659" marR="67659" marT="33829" marB="33829" anchor="ctr">
+                    <a:lnL w="12700" cap="flat" cmpd="sng" algn="ctr">
+                      <a:solidFill>
+                        <a:schemeClr val="tx1"/>
+                      </a:solidFill>
+                      <a:prstDash val="solid"/>
+                      <a:round/>
+                      <a:headEnd type="none" w="med" len="med"/>
+                      <a:tailEnd type="none" w="med" len="med"/>
+                    </a:lnL>
+                    <a:lnR w="12700" cap="flat" cmpd="sng" algn="ctr">
+                      <a:solidFill>
+                        <a:schemeClr val="tx1"/>
+                      </a:solidFill>
+                      <a:prstDash val="solid"/>
+                      <a:round/>
+                      <a:headEnd type="none" w="med" len="med"/>
+                      <a:tailEnd type="none" w="med" len="med"/>
+                    </a:lnR>
+                    <a:lnT w="12700" cap="flat" cmpd="sng" algn="ctr">
+                      <a:solidFill>
+                        <a:schemeClr val="tx1"/>
+                      </a:solidFill>
+                      <a:prstDash val="solid"/>
+                      <a:round/>
+                      <a:headEnd type="none" w="med" len="med"/>
+                      <a:tailEnd type="none" w="med" len="med"/>
+                    </a:lnT>
+                    <a:lnB w="12700" cap="flat" cmpd="sng" algn="ctr">
+                      <a:solidFill>
+                        <a:schemeClr val="tx1"/>
+                      </a:solidFill>
+                      <a:prstDash val="solid"/>
+                      <a:round/>
+                      <a:headEnd type="none" w="med" len="med"/>
+                      <a:tailEnd type="none" w="med" len="med"/>
+                    </a:lnB>
+                    <a:noFill/>
+                  </a:tcPr>
+                </a:tc>
+                <a:tc>
+                  <a:txBody>
+                    <a:bodyPr/>
+                    <a:lstStyle/>
+                    <a:p>
+                      <a:pPr algn="ctr" latinLnBrk="1"/>
+                      <a:r>
+                        <a:rPr kumimoji="0" lang="en-US" altLang="ko-KR" sz="1300" b="0" i="0" u="none" strike="noStrike" kern="1200" cap="none" spc="0" normalizeH="0" baseline="0" noProof="0">
+                          <a:ln>
+                            <a:noFill/>
+                          </a:ln>
+                          <a:solidFill>
+                            <a:prstClr val="black"/>
+                          </a:solidFill>
+                          <a:effectLst/>
+                          <a:uLnTx/>
+                          <a:uFillTx/>
+                          <a:latin typeface="맑은 고딕" panose="020F0502020204030204"/>
+                          <a:ea typeface="맑은 고딕" panose="020B0503020000020004" pitchFamily="50" charset="-127"/>
+                          <a:cs typeface="+mn-cs"/>
+                        </a:rPr>
+                        <a:t>O</a:t>
+                      </a:r>
+                      <a:endParaRPr lang="ko-KR" altLang="en-US" sz="1300" dirty="0">
+                        <a:solidFill>
+                          <a:schemeClr val="tx1"/>
+                        </a:solidFill>
+                      </a:endParaRPr>
+                    </a:p>
+                  </a:txBody>
+                  <a:tcPr marL="67659" marR="67659" marT="33829" marB="33829" anchor="ctr">
+                    <a:lnL w="12700" cap="flat" cmpd="sng" algn="ctr">
+                      <a:solidFill>
+                        <a:schemeClr val="tx1"/>
+                      </a:solidFill>
+                      <a:prstDash val="solid"/>
+                      <a:round/>
+                      <a:headEnd type="none" w="med" len="med"/>
+                      <a:tailEnd type="none" w="med" len="med"/>
+                    </a:lnL>
+                    <a:lnR w="12700" cap="flat" cmpd="sng" algn="ctr">
+                      <a:solidFill>
+                        <a:schemeClr val="tx1"/>
+                      </a:solidFill>
+                      <a:prstDash val="solid"/>
+                      <a:round/>
+                      <a:headEnd type="none" w="med" len="med"/>
+                      <a:tailEnd type="none" w="med" len="med"/>
+                    </a:lnR>
+                    <a:lnT w="12700" cap="flat" cmpd="sng" algn="ctr">
+                      <a:solidFill>
+                        <a:schemeClr val="tx1"/>
+                      </a:solidFill>
+                      <a:prstDash val="solid"/>
+                      <a:round/>
+                      <a:headEnd type="none" w="med" len="med"/>
+                      <a:tailEnd type="none" w="med" len="med"/>
+                    </a:lnT>
+                    <a:lnB w="12700" cap="flat" cmpd="sng" algn="ctr">
+                      <a:solidFill>
+                        <a:schemeClr val="tx1"/>
+                      </a:solidFill>
+                      <a:prstDash val="solid"/>
+                      <a:round/>
+                      <a:headEnd type="none" w="med" len="med"/>
+                      <a:tailEnd type="none" w="med" len="med"/>
+                    </a:lnB>
+                    <a:noFill/>
+                  </a:tcPr>
+                </a:tc>
+                <a:tc>
+                  <a:txBody>
+                    <a:bodyPr/>
+                    <a:lstStyle/>
+                    <a:p>
+                      <a:pPr algn="ctr" latinLnBrk="1"/>
+                      <a:r>
+                        <a:rPr kumimoji="0" lang="en-US" altLang="ko-KR" sz="1300" b="0" i="0" u="none" strike="noStrike" kern="1200" cap="none" spc="0" normalizeH="0" baseline="0" noProof="0">
+                          <a:ln>
+                            <a:noFill/>
+                          </a:ln>
+                          <a:solidFill>
+                            <a:prstClr val="black"/>
+                          </a:solidFill>
+                          <a:effectLst/>
+                          <a:uLnTx/>
+                          <a:uFillTx/>
+                          <a:latin typeface="맑은 고딕" panose="020F0502020204030204"/>
+                          <a:ea typeface="맑은 고딕" panose="020B0503020000020004" pitchFamily="50" charset="-127"/>
+                          <a:cs typeface="+mn-cs"/>
+                        </a:rPr>
+                        <a:t>O</a:t>
+                      </a:r>
+                      <a:endParaRPr lang="ko-KR" altLang="en-US" sz="1300">
+                        <a:solidFill>
+                          <a:schemeClr val="tx1"/>
+                        </a:solidFill>
+                      </a:endParaRPr>
+                    </a:p>
+                  </a:txBody>
+                  <a:tcPr marL="67659" marR="67659" marT="33829" marB="33829" anchor="ctr">
+                    <a:lnL w="12700" cap="flat" cmpd="sng" algn="ctr">
+                      <a:solidFill>
+                        <a:schemeClr val="tx1"/>
+                      </a:solidFill>
+                      <a:prstDash val="solid"/>
+                      <a:round/>
+                      <a:headEnd type="none" w="med" len="med"/>
+                      <a:tailEnd type="none" w="med" len="med"/>
+                    </a:lnL>
+                    <a:lnR w="12700" cap="flat" cmpd="sng" algn="ctr">
+                      <a:solidFill>
+                        <a:schemeClr val="tx1"/>
+                      </a:solidFill>
+                      <a:prstDash val="solid"/>
+                      <a:round/>
+                      <a:headEnd type="none" w="med" len="med"/>
+                      <a:tailEnd type="none" w="med" len="med"/>
+                    </a:lnR>
+                    <a:lnT w="12700" cap="flat" cmpd="sng" algn="ctr">
+                      <a:solidFill>
+                        <a:schemeClr val="tx1"/>
+                      </a:solidFill>
+                      <a:prstDash val="solid"/>
+                      <a:round/>
+                      <a:headEnd type="none" w="med" len="med"/>
+                      <a:tailEnd type="none" w="med" len="med"/>
+                    </a:lnT>
+                    <a:lnB w="12700" cap="flat" cmpd="sng" algn="ctr">
+                      <a:solidFill>
+                        <a:schemeClr val="tx1"/>
+                      </a:solidFill>
+                      <a:prstDash val="solid"/>
+                      <a:round/>
+                      <a:headEnd type="none" w="med" len="med"/>
+                      <a:tailEnd type="none" w="med" len="med"/>
+                    </a:lnB>
+                    <a:noFill/>
+                  </a:tcPr>
+                </a:tc>
+                <a:tc>
+                  <a:txBody>
+                    <a:bodyPr/>
+                    <a:lstStyle/>
+                    <a:p>
+                      <a:pPr algn="ctr" latinLnBrk="1"/>
+                      <a:r>
+                        <a:rPr kumimoji="0" lang="en-US" altLang="ko-KR" sz="1300" b="0" i="0" u="none" strike="noStrike" kern="1200" cap="none" spc="0" normalizeH="0" baseline="0" noProof="0" dirty="0">
+                          <a:ln>
+                            <a:noFill/>
+                          </a:ln>
+                          <a:solidFill>
+                            <a:prstClr val="black"/>
+                          </a:solidFill>
+                          <a:effectLst/>
+                          <a:uLnTx/>
+                          <a:uFillTx/>
+                          <a:latin typeface="맑은 고딕" panose="020F0502020204030204"/>
+                          <a:ea typeface="맑은 고딕" panose="020B0503020000020004" pitchFamily="50" charset="-127"/>
+                          <a:cs typeface="+mn-cs"/>
+                        </a:rPr>
+                        <a:t>O</a:t>
+                      </a:r>
+                      <a:endParaRPr lang="ko-KR" altLang="en-US" sz="1300" dirty="0">
+                        <a:solidFill>
+                          <a:schemeClr val="tx1"/>
+                        </a:solidFill>
+                      </a:endParaRPr>
+                    </a:p>
+                  </a:txBody>
+                  <a:tcPr marL="67659" marR="67659" marT="33829" marB="33829" anchor="ctr">
+                    <a:lnL w="12700" cap="flat" cmpd="sng" algn="ctr">
+                      <a:solidFill>
+                        <a:schemeClr val="tx1"/>
+                      </a:solidFill>
+                      <a:prstDash val="solid"/>
+                      <a:round/>
+                      <a:headEnd type="none" w="med" len="med"/>
+                      <a:tailEnd type="none" w="med" len="med"/>
+                    </a:lnL>
+                    <a:lnR w="12700" cap="flat" cmpd="sng" algn="ctr">
+                      <a:solidFill>
+                        <a:schemeClr val="tx1"/>
+                      </a:solidFill>
+                      <a:prstDash val="solid"/>
+                      <a:round/>
+                      <a:headEnd type="none" w="med" len="med"/>
+                      <a:tailEnd type="none" w="med" len="med"/>
+                    </a:lnR>
+                    <a:lnT w="12700" cap="flat" cmpd="sng" algn="ctr">
+                      <a:solidFill>
+                        <a:schemeClr val="tx1"/>
+                      </a:solidFill>
+                      <a:prstDash val="solid"/>
+                      <a:round/>
+                      <a:headEnd type="none" w="med" len="med"/>
+                      <a:tailEnd type="none" w="med" len="med"/>
+                    </a:lnT>
+                    <a:lnB w="12700" cap="flat" cmpd="sng" algn="ctr">
+                      <a:solidFill>
+                        <a:schemeClr val="tx1"/>
+                      </a:solidFill>
+                      <a:prstDash val="solid"/>
+                      <a:round/>
+                      <a:headEnd type="none" w="med" len="med"/>
+                      <a:tailEnd type="none" w="med" len="med"/>
+                    </a:lnB>
+                    <a:solidFill>
+                      <a:srgbClr val="FFFF00"/>
+                    </a:solidFill>
+                  </a:tcPr>
+                </a:tc>
+                <a:tc>
+                  <a:txBody>
+                    <a:bodyPr/>
+                    <a:lstStyle/>
+                    <a:p>
+                      <a:pPr algn="ctr" latinLnBrk="1"/>
+                      <a:r>
+                        <a:rPr kumimoji="0" lang="en-US" altLang="ko-KR" sz="1300" b="0" i="0" u="none" strike="noStrike" kern="1200" cap="none" spc="0" normalizeH="0" baseline="0" noProof="0">
+                          <a:ln>
+                            <a:noFill/>
+                          </a:ln>
+                          <a:solidFill>
+                            <a:prstClr val="black"/>
+                          </a:solidFill>
+                          <a:effectLst/>
+                          <a:uLnTx/>
+                          <a:uFillTx/>
+                          <a:latin typeface="맑은 고딕" panose="020F0502020204030204"/>
+                          <a:ea typeface="맑은 고딕" panose="020B0503020000020004" pitchFamily="50" charset="-127"/>
+                          <a:cs typeface="+mn-cs"/>
+                        </a:rPr>
+                        <a:t>O</a:t>
+                      </a:r>
+                      <a:endParaRPr lang="ko-KR" altLang="en-US" sz="1300" dirty="0">
+                        <a:solidFill>
+                          <a:schemeClr val="tx1"/>
+                        </a:solidFill>
+                      </a:endParaRPr>
+                    </a:p>
+                  </a:txBody>
+                  <a:tcPr marL="67659" marR="67659" marT="33829" marB="33829" anchor="ctr">
+                    <a:lnL w="12700" cap="flat" cmpd="sng" algn="ctr">
+                      <a:solidFill>
+                        <a:schemeClr val="tx1"/>
+                      </a:solidFill>
+                      <a:prstDash val="solid"/>
+                      <a:round/>
+                      <a:headEnd type="none" w="med" len="med"/>
+                      <a:tailEnd type="none" w="med" len="med"/>
+                    </a:lnL>
+                    <a:lnR w="12700" cap="flat" cmpd="sng" algn="ctr">
+                      <a:solidFill>
+                        <a:schemeClr val="tx1"/>
+                      </a:solidFill>
+                      <a:prstDash val="solid"/>
+                      <a:round/>
+                      <a:headEnd type="none" w="med" len="med"/>
+                      <a:tailEnd type="none" w="med" len="med"/>
+                    </a:lnR>
+                    <a:lnT w="12700" cap="flat" cmpd="sng" algn="ctr">
+                      <a:solidFill>
+                        <a:schemeClr val="tx1"/>
+                      </a:solidFill>
+                      <a:prstDash val="solid"/>
+                      <a:round/>
+                      <a:headEnd type="none" w="med" len="med"/>
+                      <a:tailEnd type="none" w="med" len="med"/>
+                    </a:lnT>
+                    <a:lnB w="12700" cap="flat" cmpd="sng" algn="ctr">
+                      <a:solidFill>
+                        <a:schemeClr val="tx1"/>
+                      </a:solidFill>
+                      <a:prstDash val="solid"/>
+                      <a:round/>
+                      <a:headEnd type="none" w="med" len="med"/>
+                      <a:tailEnd type="none" w="med" len="med"/>
+                    </a:lnB>
+                    <a:noFill/>
+                  </a:tcPr>
+                </a:tc>
+                <a:tc>
+                  <a:txBody>
+                    <a:bodyPr/>
+                    <a:lstStyle/>
+                    <a:p>
+                      <a:pPr algn="ctr" latinLnBrk="1"/>
+                      <a:r>
+                        <a:rPr kumimoji="0" lang="en-US" altLang="ko-KR" sz="1300" b="0" i="0" u="none" strike="noStrike" kern="1200" cap="none" spc="0" normalizeH="0" baseline="0" noProof="0" dirty="0">
+                          <a:ln>
+                            <a:noFill/>
+                          </a:ln>
+                          <a:solidFill>
+                            <a:prstClr val="black"/>
+                          </a:solidFill>
+                          <a:effectLst/>
+                          <a:uLnTx/>
+                          <a:uFillTx/>
+                          <a:latin typeface="맑은 고딕" panose="020F0502020204030204"/>
+                          <a:ea typeface="맑은 고딕" panose="020B0503020000020004" pitchFamily="50" charset="-127"/>
+                          <a:cs typeface="+mn-cs"/>
+                        </a:rPr>
+                        <a:t>O</a:t>
+                      </a:r>
+                      <a:endParaRPr lang="ko-KR" altLang="en-US" sz="1300" dirty="0">
+                        <a:solidFill>
+                          <a:schemeClr val="tx1"/>
+                        </a:solidFill>
+                      </a:endParaRPr>
+                    </a:p>
+                  </a:txBody>
+                  <a:tcPr marL="67659" marR="67659" marT="33829" marB="33829" anchor="ctr">
+                    <a:lnL w="12700" cap="flat" cmpd="sng" algn="ctr">
+                      <a:solidFill>
+                        <a:schemeClr val="tx1"/>
+                      </a:solidFill>
+                      <a:prstDash val="solid"/>
+                      <a:round/>
+                      <a:headEnd type="none" w="med" len="med"/>
+                      <a:tailEnd type="none" w="med" len="med"/>
+                    </a:lnL>
+                    <a:lnR w="12700" cap="flat" cmpd="sng" algn="ctr">
+                      <a:solidFill>
+                        <a:schemeClr val="tx1"/>
+                      </a:solidFill>
+                      <a:prstDash val="solid"/>
+                      <a:round/>
+                      <a:headEnd type="none" w="med" len="med"/>
+                      <a:tailEnd type="none" w="med" len="med"/>
+                    </a:lnR>
+                    <a:lnT w="12700" cap="flat" cmpd="sng" algn="ctr">
+                      <a:solidFill>
+                        <a:schemeClr val="tx1"/>
+                      </a:solidFill>
+                      <a:prstDash val="solid"/>
+                      <a:round/>
+                      <a:headEnd type="none" w="med" len="med"/>
+                      <a:tailEnd type="none" w="med" len="med"/>
+                    </a:lnT>
+                    <a:lnB w="12700" cap="flat" cmpd="sng" algn="ctr">
+                      <a:solidFill>
+                        <a:schemeClr val="tx1"/>
+                      </a:solidFill>
+                      <a:prstDash val="solid"/>
+                      <a:round/>
+                      <a:headEnd type="none" w="med" len="med"/>
+                      <a:tailEnd type="none" w="med" len="med"/>
+                    </a:lnB>
+                    <a:noFill/>
+                  </a:tcPr>
+                </a:tc>
+                <a:tc>
+                  <a:txBody>
+                    <a:bodyPr/>
+                    <a:lstStyle/>
+                    <a:p>
+                      <a:pPr algn="ctr" latinLnBrk="1"/>
+                      <a:r>
+                        <a:rPr lang="en-US" altLang="ko-KR" sz="1300" dirty="0">
+                          <a:solidFill>
+                            <a:schemeClr val="tx1"/>
+                          </a:solidFill>
+                        </a:rPr>
+                        <a:t>G</a:t>
+                      </a:r>
+                      <a:endParaRPr lang="ko-KR" altLang="en-US" sz="1300" dirty="0">
+                        <a:solidFill>
+                          <a:schemeClr val="tx1"/>
+                        </a:solidFill>
+                      </a:endParaRPr>
+                    </a:p>
+                  </a:txBody>
+                  <a:tcPr marL="67659" marR="67659" marT="33829" marB="33829" anchor="ctr">
+                    <a:lnL w="12700" cap="flat" cmpd="sng" algn="ctr">
+                      <a:solidFill>
+                        <a:schemeClr val="tx1"/>
+                      </a:solidFill>
+                      <a:prstDash val="solid"/>
+                      <a:round/>
+                      <a:headEnd type="none" w="med" len="med"/>
+                      <a:tailEnd type="none" w="med" len="med"/>
+                    </a:lnL>
+                    <a:lnR w="12700" cap="flat" cmpd="sng" algn="ctr">
+                      <a:solidFill>
+                        <a:schemeClr val="tx1"/>
+                      </a:solidFill>
+                      <a:prstDash val="solid"/>
+                      <a:round/>
+                      <a:headEnd type="none" w="med" len="med"/>
+                      <a:tailEnd type="none" w="med" len="med"/>
+                    </a:lnR>
+                    <a:lnT w="12700" cap="flat" cmpd="sng" algn="ctr">
+                      <a:solidFill>
+                        <a:schemeClr val="tx1"/>
+                      </a:solidFill>
+                      <a:prstDash val="solid"/>
+                      <a:round/>
+                      <a:headEnd type="none" w="med" len="med"/>
+                      <a:tailEnd type="none" w="med" len="med"/>
+                    </a:lnT>
+                    <a:lnB w="12700" cap="flat" cmpd="sng" algn="ctr">
+                      <a:solidFill>
+                        <a:schemeClr val="tx1"/>
+                      </a:solidFill>
+                      <a:prstDash val="solid"/>
+                      <a:round/>
+                      <a:headEnd type="none" w="med" len="med"/>
+                      <a:tailEnd type="none" w="med" len="med"/>
+                    </a:lnB>
+                    <a:solidFill>
+                      <a:srgbClr val="70AD47"/>
+                    </a:solidFill>
+                  </a:tcPr>
+                </a:tc>
+                <a:extLst>
+                  <a:ext uri="{0D108BD9-81ED-4DB2-BD59-A6C34878D82A}">
+                    <a16:rowId xmlns:a16="http://schemas.microsoft.com/office/drawing/2014/main" val="2853918238"/>
                   </a:ext>
                 </a:extLst>
               </a:tr>

--- a/Q_Learning/grid.pptx
+++ b/Q_Learning/grid.pptx
@@ -11857,7 +11857,7 @@
           <p:nvPr>
             <p:extLst>
               <p:ext uri="{D42A27DB-BD31-4B8C-83A1-F6EECF244321}">
-                <p14:modId xmlns:p14="http://schemas.microsoft.com/office/powerpoint/2010/main" val="3913593913"/>
+                <p14:modId xmlns:p14="http://schemas.microsoft.com/office/powerpoint/2010/main" val="1631562131"/>
               </p:ext>
             </p:extLst>
           </p:nvPr>
@@ -12415,59 +12415,6 @@
                     <a:lstStyle/>
                     <a:p>
                       <a:pPr algn="ctr" latinLnBrk="1"/>
-                      <a:endParaRPr lang="ko-KR" altLang="en-US" sz="2200" dirty="0">
-                        <a:solidFill>
-                          <a:schemeClr val="tx1"/>
-                        </a:solidFill>
-                      </a:endParaRPr>
-                    </a:p>
-                  </a:txBody>
-                  <a:tcPr marL="114325" marR="114325" marT="57163" marB="57163" anchor="ctr">
-                    <a:lnL w="12700" cap="flat" cmpd="sng" algn="ctr">
-                      <a:solidFill>
-                        <a:schemeClr val="tx1"/>
-                      </a:solidFill>
-                      <a:prstDash val="solid"/>
-                      <a:round/>
-                      <a:headEnd type="none" w="med" len="med"/>
-                      <a:tailEnd type="none" w="med" len="med"/>
-                    </a:lnL>
-                    <a:lnR w="12700" cap="flat" cmpd="sng" algn="ctr">
-                      <a:solidFill>
-                        <a:schemeClr val="tx1"/>
-                      </a:solidFill>
-                      <a:prstDash val="solid"/>
-                      <a:round/>
-                      <a:headEnd type="none" w="med" len="med"/>
-                      <a:tailEnd type="none" w="med" len="med"/>
-                    </a:lnR>
-                    <a:lnT w="12700" cap="flat" cmpd="sng" algn="ctr">
-                      <a:solidFill>
-                        <a:schemeClr val="tx1"/>
-                      </a:solidFill>
-                      <a:prstDash val="solid"/>
-                      <a:round/>
-                      <a:headEnd type="none" w="med" len="med"/>
-                      <a:tailEnd type="none" w="med" len="med"/>
-                    </a:lnT>
-                    <a:lnB w="12700" cap="flat" cmpd="sng" algn="ctr">
-                      <a:solidFill>
-                        <a:schemeClr val="tx1"/>
-                      </a:solidFill>
-                      <a:prstDash val="solid"/>
-                      <a:round/>
-                      <a:headEnd type="none" w="med" len="med"/>
-                      <a:tailEnd type="none" w="med" len="med"/>
-                    </a:lnB>
-                    <a:noFill/>
-                  </a:tcPr>
-                </a:tc>
-                <a:tc>
-                  <a:txBody>
-                    <a:bodyPr/>
-                    <a:lstStyle/>
-                    <a:p>
-                      <a:pPr algn="ctr" latinLnBrk="1"/>
                       <a:r>
                         <a:rPr lang="en-US" altLang="ko-KR" sz="2200" dirty="0">
                           <a:solidFill>
@@ -12581,11 +12528,114 @@
                     <a:bodyPr/>
                     <a:lstStyle/>
                     <a:p>
-                      <a:pPr algn="ctr" latinLnBrk="1"/>
-                      <a:endParaRPr lang="ko-KR" altLang="en-US" sz="2200" dirty="0">
-                        <a:solidFill>
-                          <a:schemeClr val="tx1"/>
-                        </a:solidFill>
+                      <a:pPr marL="0" marR="0" lvl="0" indent="0" algn="ctr" defTabSz="914400" rtl="0" eaLnBrk="1" fontAlgn="auto" latinLnBrk="1" hangingPunct="1">
+                        <a:lnSpc>
+                          <a:spcPct val="100000"/>
+                        </a:lnSpc>
+                        <a:spcBef>
+                          <a:spcPts val="0"/>
+                        </a:spcBef>
+                        <a:spcAft>
+                          <a:spcPts val="0"/>
+                        </a:spcAft>
+                        <a:buClrTx/>
+                        <a:buSzTx/>
+                        <a:buFontTx/>
+                        <a:buNone/>
+                        <a:tabLst/>
+                        <a:defRPr/>
+                      </a:pPr>
+                      <a:endParaRPr kumimoji="0" lang="ko-KR" altLang="en-US" sz="2200" b="0" i="0" u="none" strike="noStrike" kern="1200" cap="none" spc="0" normalizeH="0" baseline="0" noProof="0" dirty="0">
+                        <a:ln>
+                          <a:noFill/>
+                        </a:ln>
+                        <a:solidFill>
+                          <a:prstClr val="black"/>
+                        </a:solidFill>
+                        <a:effectLst/>
+                        <a:uLnTx/>
+                        <a:uFillTx/>
+                        <a:latin typeface="맑은 고딕" panose="020F0502020204030204"/>
+                        <a:ea typeface="맑은 고딕" panose="020B0503020000020004" pitchFamily="50" charset="-127"/>
+                        <a:cs typeface="+mn-cs"/>
+                      </a:endParaRPr>
+                    </a:p>
+                  </a:txBody>
+                  <a:tcPr marL="114325" marR="114325" marT="57163" marB="57163" anchor="ctr">
+                    <a:lnL w="12700" cap="flat" cmpd="sng" algn="ctr">
+                      <a:solidFill>
+                        <a:schemeClr val="tx1"/>
+                      </a:solidFill>
+                      <a:prstDash val="solid"/>
+                      <a:round/>
+                      <a:headEnd type="none" w="med" len="med"/>
+                      <a:tailEnd type="none" w="med" len="med"/>
+                    </a:lnL>
+                    <a:lnR w="12700" cap="flat" cmpd="sng" algn="ctr">
+                      <a:solidFill>
+                        <a:schemeClr val="tx1"/>
+                      </a:solidFill>
+                      <a:prstDash val="solid"/>
+                      <a:round/>
+                      <a:headEnd type="none" w="med" len="med"/>
+                      <a:tailEnd type="none" w="med" len="med"/>
+                    </a:lnR>
+                    <a:lnT w="12700" cap="flat" cmpd="sng" algn="ctr">
+                      <a:solidFill>
+                        <a:schemeClr val="tx1"/>
+                      </a:solidFill>
+                      <a:prstDash val="solid"/>
+                      <a:round/>
+                      <a:headEnd type="none" w="med" len="med"/>
+                      <a:tailEnd type="none" w="med" len="med"/>
+                    </a:lnT>
+                    <a:lnB w="12700" cap="flat" cmpd="sng" algn="ctr">
+                      <a:solidFill>
+                        <a:schemeClr val="tx1"/>
+                      </a:solidFill>
+                      <a:prstDash val="solid"/>
+                      <a:round/>
+                      <a:headEnd type="none" w="med" len="med"/>
+                      <a:tailEnd type="none" w="med" len="med"/>
+                    </a:lnB>
+                    <a:noFill/>
+                  </a:tcPr>
+                </a:tc>
+                <a:tc>
+                  <a:txBody>
+                    <a:bodyPr/>
+                    <a:lstStyle/>
+                    <a:p>
+                      <a:pPr marL="0" marR="0" lvl="0" indent="0" algn="ctr" defTabSz="914400" rtl="0" eaLnBrk="1" fontAlgn="auto" latinLnBrk="1" hangingPunct="1">
+                        <a:lnSpc>
+                          <a:spcPct val="100000"/>
+                        </a:lnSpc>
+                        <a:spcBef>
+                          <a:spcPts val="0"/>
+                        </a:spcBef>
+                        <a:spcAft>
+                          <a:spcPts val="0"/>
+                        </a:spcAft>
+                        <a:buClrTx/>
+                        <a:buSzTx/>
+                        <a:buFontTx/>
+                        <a:buNone/>
+                        <a:tabLst/>
+                        <a:defRPr/>
+                      </a:pPr>
+                      <a:endParaRPr kumimoji="0" lang="ko-KR" altLang="en-US" sz="2200" b="0" i="0" u="none" strike="noStrike" kern="1200" cap="none" spc="0" normalizeH="0" baseline="0" noProof="0" dirty="0">
+                        <a:ln>
+                          <a:noFill/>
+                        </a:ln>
+                        <a:solidFill>
+                          <a:prstClr val="black"/>
+                        </a:solidFill>
+                        <a:effectLst/>
+                        <a:uLnTx/>
+                        <a:uFillTx/>
+                        <a:latin typeface="맑은 고딕" panose="020F0502020204030204"/>
+                        <a:ea typeface="맑은 고딕" panose="020B0503020000020004" pitchFamily="50" charset="-127"/>
+                        <a:cs typeface="+mn-cs"/>
                       </a:endParaRPr>
                     </a:p>
                   </a:txBody>
@@ -12703,6 +12753,632 @@
                     <a:lstStyle/>
                     <a:p>
                       <a:pPr algn="ctr" latinLnBrk="1"/>
+                      <a:endParaRPr lang="ko-KR" altLang="en-US" sz="2200" dirty="0">
+                        <a:solidFill>
+                          <a:schemeClr val="tx1"/>
+                        </a:solidFill>
+                      </a:endParaRPr>
+                    </a:p>
+                  </a:txBody>
+                  <a:tcPr marL="114325" marR="114325" marT="57163" marB="57163" anchor="ctr">
+                    <a:lnL w="12700" cap="flat" cmpd="sng" algn="ctr">
+                      <a:solidFill>
+                        <a:schemeClr val="tx1"/>
+                      </a:solidFill>
+                      <a:prstDash val="solid"/>
+                      <a:round/>
+                      <a:headEnd type="none" w="med" len="med"/>
+                      <a:tailEnd type="none" w="med" len="med"/>
+                    </a:lnL>
+                    <a:lnR w="12700" cap="flat" cmpd="sng" algn="ctr">
+                      <a:solidFill>
+                        <a:schemeClr val="tx1"/>
+                      </a:solidFill>
+                      <a:prstDash val="solid"/>
+                      <a:round/>
+                      <a:headEnd type="none" w="med" len="med"/>
+                      <a:tailEnd type="none" w="med" len="med"/>
+                    </a:lnR>
+                    <a:lnT w="12700" cap="flat" cmpd="sng" algn="ctr">
+                      <a:solidFill>
+                        <a:schemeClr val="tx1"/>
+                      </a:solidFill>
+                      <a:prstDash val="solid"/>
+                      <a:round/>
+                      <a:headEnd type="none" w="med" len="med"/>
+                      <a:tailEnd type="none" w="med" len="med"/>
+                    </a:lnT>
+                    <a:lnB w="12700" cap="flat" cmpd="sng" algn="ctr">
+                      <a:solidFill>
+                        <a:schemeClr val="tx1"/>
+                      </a:solidFill>
+                      <a:prstDash val="solid"/>
+                      <a:round/>
+                      <a:headEnd type="none" w="med" len="med"/>
+                      <a:tailEnd type="none" w="med" len="med"/>
+                    </a:lnB>
+                    <a:noFill/>
+                  </a:tcPr>
+                </a:tc>
+                <a:tc>
+                  <a:txBody>
+                    <a:bodyPr/>
+                    <a:lstStyle/>
+                    <a:p>
+                      <a:pPr marL="0" marR="0" lvl="0" indent="0" algn="ctr" defTabSz="914400" rtl="0" eaLnBrk="1" fontAlgn="auto" latinLnBrk="1" hangingPunct="1">
+                        <a:lnSpc>
+                          <a:spcPct val="100000"/>
+                        </a:lnSpc>
+                        <a:spcBef>
+                          <a:spcPts val="0"/>
+                        </a:spcBef>
+                        <a:spcAft>
+                          <a:spcPts val="0"/>
+                        </a:spcAft>
+                        <a:buClrTx/>
+                        <a:buSzTx/>
+                        <a:buFontTx/>
+                        <a:buNone/>
+                        <a:tabLst/>
+                        <a:defRPr/>
+                      </a:pPr>
+                      <a:r>
+                        <a:rPr kumimoji="0" lang="en-US" altLang="ko-KR" sz="2200" b="0" i="0" u="none" strike="noStrike" kern="1200" cap="none" spc="0" normalizeH="0" baseline="0" noProof="0">
+                          <a:ln>
+                            <a:noFill/>
+                          </a:ln>
+                          <a:solidFill>
+                            <a:prstClr val="black"/>
+                          </a:solidFill>
+                          <a:effectLst/>
+                          <a:uLnTx/>
+                          <a:uFillTx/>
+                          <a:latin typeface="맑은 고딕" panose="020F0502020204030204"/>
+                          <a:ea typeface="맑은 고딕" panose="020B0503020000020004" pitchFamily="50" charset="-127"/>
+                          <a:cs typeface="+mn-cs"/>
+                        </a:rPr>
+                        <a:t>x</a:t>
+                      </a:r>
+                      <a:endParaRPr kumimoji="0" lang="ko-KR" altLang="en-US" sz="2200" b="0" i="0" u="none" strike="noStrike" kern="1200" cap="none" spc="0" normalizeH="0" baseline="0" noProof="0" dirty="0">
+                        <a:ln>
+                          <a:noFill/>
+                        </a:ln>
+                        <a:solidFill>
+                          <a:prstClr val="black"/>
+                        </a:solidFill>
+                        <a:effectLst/>
+                        <a:uLnTx/>
+                        <a:uFillTx/>
+                        <a:latin typeface="맑은 고딕" panose="020F0502020204030204"/>
+                        <a:ea typeface="맑은 고딕" panose="020B0503020000020004" pitchFamily="50" charset="-127"/>
+                        <a:cs typeface="+mn-cs"/>
+                      </a:endParaRPr>
+                    </a:p>
+                  </a:txBody>
+                  <a:tcPr marL="114325" marR="114325" marT="57163" marB="57163" anchor="ctr">
+                    <a:lnL w="12700" cap="flat" cmpd="sng" algn="ctr">
+                      <a:solidFill>
+                        <a:schemeClr val="tx1"/>
+                      </a:solidFill>
+                      <a:prstDash val="solid"/>
+                      <a:round/>
+                      <a:headEnd type="none" w="med" len="med"/>
+                      <a:tailEnd type="none" w="med" len="med"/>
+                    </a:lnL>
+                    <a:lnR w="12700" cap="flat" cmpd="sng" algn="ctr">
+                      <a:solidFill>
+                        <a:schemeClr val="tx1"/>
+                      </a:solidFill>
+                      <a:prstDash val="solid"/>
+                      <a:round/>
+                      <a:headEnd type="none" w="med" len="med"/>
+                      <a:tailEnd type="none" w="med" len="med"/>
+                    </a:lnR>
+                    <a:lnT w="12700" cap="flat" cmpd="sng" algn="ctr">
+                      <a:solidFill>
+                        <a:schemeClr val="tx1"/>
+                      </a:solidFill>
+                      <a:prstDash val="solid"/>
+                      <a:round/>
+                      <a:headEnd type="none" w="med" len="med"/>
+                      <a:tailEnd type="none" w="med" len="med"/>
+                    </a:lnT>
+                    <a:lnB w="12700" cap="flat" cmpd="sng" algn="ctr">
+                      <a:solidFill>
+                        <a:schemeClr val="tx1"/>
+                      </a:solidFill>
+                      <a:prstDash val="solid"/>
+                      <a:round/>
+                      <a:headEnd type="none" w="med" len="med"/>
+                      <a:tailEnd type="none" w="med" len="med"/>
+                    </a:lnB>
+                    <a:noFill/>
+                  </a:tcPr>
+                </a:tc>
+                <a:tc>
+                  <a:txBody>
+                    <a:bodyPr/>
+                    <a:lstStyle/>
+                    <a:p>
+                      <a:pPr marL="0" marR="0" lvl="0" indent="0" algn="ctr" defTabSz="914400" rtl="0" eaLnBrk="1" fontAlgn="auto" latinLnBrk="1" hangingPunct="1">
+                        <a:lnSpc>
+                          <a:spcPct val="100000"/>
+                        </a:lnSpc>
+                        <a:spcBef>
+                          <a:spcPts val="0"/>
+                        </a:spcBef>
+                        <a:spcAft>
+                          <a:spcPts val="0"/>
+                        </a:spcAft>
+                        <a:buClrTx/>
+                        <a:buSzTx/>
+                        <a:buFontTx/>
+                        <a:buNone/>
+                        <a:tabLst/>
+                        <a:defRPr/>
+                      </a:pPr>
+                      <a:endParaRPr kumimoji="0" lang="ko-KR" altLang="en-US" sz="2200" b="0" i="0" u="none" strike="noStrike" kern="1200" cap="none" spc="0" normalizeH="0" baseline="0" noProof="0" dirty="0">
+                        <a:ln>
+                          <a:noFill/>
+                        </a:ln>
+                        <a:solidFill>
+                          <a:prstClr val="black"/>
+                        </a:solidFill>
+                        <a:effectLst/>
+                        <a:uLnTx/>
+                        <a:uFillTx/>
+                        <a:latin typeface="맑은 고딕" panose="020F0502020204030204"/>
+                        <a:ea typeface="맑은 고딕" panose="020B0503020000020004" pitchFamily="50" charset="-127"/>
+                        <a:cs typeface="+mn-cs"/>
+                      </a:endParaRPr>
+                    </a:p>
+                  </a:txBody>
+                  <a:tcPr marL="114325" marR="114325" marT="57163" marB="57163" anchor="ctr">
+                    <a:lnL w="12700" cap="flat" cmpd="sng" algn="ctr">
+                      <a:solidFill>
+                        <a:schemeClr val="tx1"/>
+                      </a:solidFill>
+                      <a:prstDash val="solid"/>
+                      <a:round/>
+                      <a:headEnd type="none" w="med" len="med"/>
+                      <a:tailEnd type="none" w="med" len="med"/>
+                    </a:lnL>
+                    <a:lnR w="12700" cap="flat" cmpd="sng" algn="ctr">
+                      <a:solidFill>
+                        <a:schemeClr val="tx1"/>
+                      </a:solidFill>
+                      <a:prstDash val="solid"/>
+                      <a:round/>
+                      <a:headEnd type="none" w="med" len="med"/>
+                      <a:tailEnd type="none" w="med" len="med"/>
+                    </a:lnR>
+                    <a:lnT w="12700" cap="flat" cmpd="sng" algn="ctr">
+                      <a:solidFill>
+                        <a:schemeClr val="tx1"/>
+                      </a:solidFill>
+                      <a:prstDash val="solid"/>
+                      <a:round/>
+                      <a:headEnd type="none" w="med" len="med"/>
+                      <a:tailEnd type="none" w="med" len="med"/>
+                    </a:lnT>
+                    <a:lnB w="12700" cap="flat" cmpd="sng" algn="ctr">
+                      <a:solidFill>
+                        <a:schemeClr val="tx1"/>
+                      </a:solidFill>
+                      <a:prstDash val="solid"/>
+                      <a:round/>
+                      <a:headEnd type="none" w="med" len="med"/>
+                      <a:tailEnd type="none" w="med" len="med"/>
+                    </a:lnB>
+                    <a:noFill/>
+                  </a:tcPr>
+                </a:tc>
+                <a:tc>
+                  <a:txBody>
+                    <a:bodyPr/>
+                    <a:lstStyle/>
+                    <a:p>
+                      <a:pPr marL="0" marR="0" lvl="0" indent="0" algn="ctr" defTabSz="914400" rtl="0" eaLnBrk="1" fontAlgn="auto" latinLnBrk="1" hangingPunct="1">
+                        <a:lnSpc>
+                          <a:spcPct val="100000"/>
+                        </a:lnSpc>
+                        <a:spcBef>
+                          <a:spcPts val="0"/>
+                        </a:spcBef>
+                        <a:spcAft>
+                          <a:spcPts val="0"/>
+                        </a:spcAft>
+                        <a:buClrTx/>
+                        <a:buSzTx/>
+                        <a:buFontTx/>
+                        <a:buNone/>
+                        <a:tabLst/>
+                        <a:defRPr/>
+                      </a:pPr>
+                      <a:r>
+                        <a:rPr kumimoji="0" lang="en-US" altLang="ko-KR" sz="2200" b="0" i="0" u="none" strike="noStrike" kern="1200" cap="none" spc="0" normalizeH="0" baseline="0" noProof="0">
+                          <a:ln>
+                            <a:noFill/>
+                          </a:ln>
+                          <a:solidFill>
+                            <a:prstClr val="black"/>
+                          </a:solidFill>
+                          <a:effectLst/>
+                          <a:uLnTx/>
+                          <a:uFillTx/>
+                          <a:latin typeface="맑은 고딕" panose="020F0502020204030204"/>
+                          <a:ea typeface="맑은 고딕" panose="020B0503020000020004" pitchFamily="50" charset="-127"/>
+                          <a:cs typeface="+mn-cs"/>
+                        </a:rPr>
+                        <a:t>x</a:t>
+                      </a:r>
+                      <a:endParaRPr kumimoji="0" lang="ko-KR" altLang="en-US" sz="2200" b="0" i="0" u="none" strike="noStrike" kern="1200" cap="none" spc="0" normalizeH="0" baseline="0" noProof="0" dirty="0">
+                        <a:ln>
+                          <a:noFill/>
+                        </a:ln>
+                        <a:solidFill>
+                          <a:prstClr val="black"/>
+                        </a:solidFill>
+                        <a:effectLst/>
+                        <a:uLnTx/>
+                        <a:uFillTx/>
+                        <a:latin typeface="맑은 고딕" panose="020F0502020204030204"/>
+                        <a:ea typeface="맑은 고딕" panose="020B0503020000020004" pitchFamily="50" charset="-127"/>
+                        <a:cs typeface="+mn-cs"/>
+                      </a:endParaRPr>
+                    </a:p>
+                  </a:txBody>
+                  <a:tcPr marL="114325" marR="114325" marT="57163" marB="57163" anchor="ctr">
+                    <a:lnL w="12700" cap="flat" cmpd="sng" algn="ctr">
+                      <a:solidFill>
+                        <a:schemeClr val="tx1"/>
+                      </a:solidFill>
+                      <a:prstDash val="solid"/>
+                      <a:round/>
+                      <a:headEnd type="none" w="med" len="med"/>
+                      <a:tailEnd type="none" w="med" len="med"/>
+                    </a:lnL>
+                    <a:lnR w="12700" cap="flat" cmpd="sng" algn="ctr">
+                      <a:solidFill>
+                        <a:schemeClr val="tx1"/>
+                      </a:solidFill>
+                      <a:prstDash val="solid"/>
+                      <a:round/>
+                      <a:headEnd type="none" w="med" len="med"/>
+                      <a:tailEnd type="none" w="med" len="med"/>
+                    </a:lnR>
+                    <a:lnT w="12700" cap="flat" cmpd="sng" algn="ctr">
+                      <a:solidFill>
+                        <a:schemeClr val="tx1"/>
+                      </a:solidFill>
+                      <a:prstDash val="solid"/>
+                      <a:round/>
+                      <a:headEnd type="none" w="med" len="med"/>
+                      <a:tailEnd type="none" w="med" len="med"/>
+                    </a:lnT>
+                    <a:lnB w="12700" cap="flat" cmpd="sng" algn="ctr">
+                      <a:solidFill>
+                        <a:schemeClr val="tx1"/>
+                      </a:solidFill>
+                      <a:prstDash val="solid"/>
+                      <a:round/>
+                      <a:headEnd type="none" w="med" len="med"/>
+                      <a:tailEnd type="none" w="med" len="med"/>
+                    </a:lnB>
+                    <a:noFill/>
+                  </a:tcPr>
+                </a:tc>
+                <a:tc>
+                  <a:txBody>
+                    <a:bodyPr/>
+                    <a:lstStyle/>
+                    <a:p>
+                      <a:pPr marL="0" marR="0" lvl="0" indent="0" algn="ctr" defTabSz="914400" rtl="0" eaLnBrk="1" fontAlgn="auto" latinLnBrk="1" hangingPunct="1">
+                        <a:lnSpc>
+                          <a:spcPct val="100000"/>
+                        </a:lnSpc>
+                        <a:spcBef>
+                          <a:spcPts val="0"/>
+                        </a:spcBef>
+                        <a:spcAft>
+                          <a:spcPts val="0"/>
+                        </a:spcAft>
+                        <a:buClrTx/>
+                        <a:buSzTx/>
+                        <a:buFontTx/>
+                        <a:buNone/>
+                        <a:tabLst/>
+                        <a:defRPr/>
+                      </a:pPr>
+                      <a:endParaRPr kumimoji="0" lang="ko-KR" altLang="en-US" sz="2200" b="0" i="0" u="none" strike="noStrike" kern="1200" cap="none" spc="0" normalizeH="0" baseline="0" noProof="0" dirty="0">
+                        <a:ln>
+                          <a:noFill/>
+                        </a:ln>
+                        <a:solidFill>
+                          <a:prstClr val="black"/>
+                        </a:solidFill>
+                        <a:effectLst/>
+                        <a:uLnTx/>
+                        <a:uFillTx/>
+                        <a:latin typeface="맑은 고딕" panose="020F0502020204030204"/>
+                        <a:ea typeface="맑은 고딕" panose="020B0503020000020004" pitchFamily="50" charset="-127"/>
+                        <a:cs typeface="+mn-cs"/>
+                      </a:endParaRPr>
+                    </a:p>
+                  </a:txBody>
+                  <a:tcPr marL="114325" marR="114325" marT="57163" marB="57163" anchor="ctr">
+                    <a:lnL w="12700" cap="flat" cmpd="sng" algn="ctr">
+                      <a:solidFill>
+                        <a:schemeClr val="tx1"/>
+                      </a:solidFill>
+                      <a:prstDash val="solid"/>
+                      <a:round/>
+                      <a:headEnd type="none" w="med" len="med"/>
+                      <a:tailEnd type="none" w="med" len="med"/>
+                    </a:lnL>
+                    <a:lnR w="12700" cap="flat" cmpd="sng" algn="ctr">
+                      <a:solidFill>
+                        <a:schemeClr val="tx1"/>
+                      </a:solidFill>
+                      <a:prstDash val="solid"/>
+                      <a:round/>
+                      <a:headEnd type="none" w="med" len="med"/>
+                      <a:tailEnd type="none" w="med" len="med"/>
+                    </a:lnR>
+                    <a:lnT w="12700" cap="flat" cmpd="sng" algn="ctr">
+                      <a:solidFill>
+                        <a:schemeClr val="tx1"/>
+                      </a:solidFill>
+                      <a:prstDash val="solid"/>
+                      <a:round/>
+                      <a:headEnd type="none" w="med" len="med"/>
+                      <a:tailEnd type="none" w="med" len="med"/>
+                    </a:lnT>
+                    <a:lnB w="12700" cap="flat" cmpd="sng" algn="ctr">
+                      <a:solidFill>
+                        <a:schemeClr val="tx1"/>
+                      </a:solidFill>
+                      <a:prstDash val="solid"/>
+                      <a:round/>
+                      <a:headEnd type="none" w="med" len="med"/>
+                      <a:tailEnd type="none" w="med" len="med"/>
+                    </a:lnB>
+                    <a:noFill/>
+                  </a:tcPr>
+                </a:tc>
+                <a:extLst>
+                  <a:ext uri="{0D108BD9-81ED-4DB2-BD59-A6C34878D82A}">
+                    <a16:rowId xmlns:a16="http://schemas.microsoft.com/office/drawing/2014/main" val="3577350407"/>
+                  </a:ext>
+                </a:extLst>
+              </a:tr>
+              <a:tr h="948541">
+                <a:tc>
+                  <a:txBody>
+                    <a:bodyPr/>
+                    <a:lstStyle/>
+                    <a:p>
+                      <a:pPr algn="ctr" latinLnBrk="1"/>
+                      <a:r>
+                        <a:rPr lang="en-US" altLang="ko-KR" sz="2200" dirty="0">
+                          <a:solidFill>
+                            <a:schemeClr val="tx1"/>
+                          </a:solidFill>
+                        </a:rPr>
+                        <a:t>2</a:t>
+                      </a:r>
+                      <a:endParaRPr lang="ko-KR" altLang="en-US" sz="2200" dirty="0">
+                        <a:solidFill>
+                          <a:schemeClr val="tx1"/>
+                        </a:solidFill>
+                      </a:endParaRPr>
+                    </a:p>
+                  </a:txBody>
+                  <a:tcPr marL="114325" marR="114325" marT="57163" marB="57163" anchor="ctr">
+                    <a:lnL w="12700" cap="flat" cmpd="sng" algn="ctr">
+                      <a:solidFill>
+                        <a:schemeClr val="tx1"/>
+                      </a:solidFill>
+                      <a:prstDash val="solid"/>
+                      <a:round/>
+                      <a:headEnd type="none" w="med" len="med"/>
+                      <a:tailEnd type="none" w="med" len="med"/>
+                    </a:lnL>
+                    <a:lnR w="12700" cap="flat" cmpd="sng" algn="ctr">
+                      <a:solidFill>
+                        <a:schemeClr val="tx1"/>
+                      </a:solidFill>
+                      <a:prstDash val="solid"/>
+                      <a:round/>
+                      <a:headEnd type="none" w="med" len="med"/>
+                      <a:tailEnd type="none" w="med" len="med"/>
+                    </a:lnR>
+                    <a:lnT w="12700" cap="flat" cmpd="sng" algn="ctr">
+                      <a:solidFill>
+                        <a:schemeClr val="tx1"/>
+                      </a:solidFill>
+                      <a:prstDash val="solid"/>
+                      <a:round/>
+                      <a:headEnd type="none" w="med" len="med"/>
+                      <a:tailEnd type="none" w="med" len="med"/>
+                    </a:lnT>
+                    <a:lnB w="12700" cap="flat" cmpd="sng" algn="ctr">
+                      <a:solidFill>
+                        <a:schemeClr val="tx1"/>
+                      </a:solidFill>
+                      <a:prstDash val="solid"/>
+                      <a:round/>
+                      <a:headEnd type="none" w="med" len="med"/>
+                      <a:tailEnd type="none" w="med" len="med"/>
+                    </a:lnB>
+                    <a:noFill/>
+                  </a:tcPr>
+                </a:tc>
+                <a:tc>
+                  <a:txBody>
+                    <a:bodyPr/>
+                    <a:lstStyle/>
+                    <a:p>
+                      <a:pPr algn="ctr" latinLnBrk="1"/>
+                      <a:endParaRPr lang="ko-KR" altLang="en-US" sz="2200" dirty="0">
+                        <a:solidFill>
+                          <a:schemeClr val="tx1"/>
+                        </a:solidFill>
+                      </a:endParaRPr>
+                    </a:p>
+                  </a:txBody>
+                  <a:tcPr marL="114325" marR="114325" marT="57163" marB="57163" anchor="ctr">
+                    <a:lnL w="12700" cap="flat" cmpd="sng" algn="ctr">
+                      <a:solidFill>
+                        <a:schemeClr val="tx1"/>
+                      </a:solidFill>
+                      <a:prstDash val="solid"/>
+                      <a:round/>
+                      <a:headEnd type="none" w="med" len="med"/>
+                      <a:tailEnd type="none" w="med" len="med"/>
+                    </a:lnL>
+                    <a:lnR w="12700" cap="flat" cmpd="sng" algn="ctr">
+                      <a:solidFill>
+                        <a:schemeClr val="tx1"/>
+                      </a:solidFill>
+                      <a:prstDash val="solid"/>
+                      <a:round/>
+                      <a:headEnd type="none" w="med" len="med"/>
+                      <a:tailEnd type="none" w="med" len="med"/>
+                    </a:lnR>
+                    <a:lnT w="12700" cap="flat" cmpd="sng" algn="ctr">
+                      <a:solidFill>
+                        <a:schemeClr val="tx1"/>
+                      </a:solidFill>
+                      <a:prstDash val="solid"/>
+                      <a:round/>
+                      <a:headEnd type="none" w="med" len="med"/>
+                      <a:tailEnd type="none" w="med" len="med"/>
+                    </a:lnT>
+                    <a:lnB w="12700" cap="flat" cmpd="sng" algn="ctr">
+                      <a:solidFill>
+                        <a:schemeClr val="tx1"/>
+                      </a:solidFill>
+                      <a:prstDash val="solid"/>
+                      <a:round/>
+                      <a:headEnd type="none" w="med" len="med"/>
+                      <a:tailEnd type="none" w="med" len="med"/>
+                    </a:lnB>
+                    <a:noFill/>
+                  </a:tcPr>
+                </a:tc>
+                <a:tc>
+                  <a:txBody>
+                    <a:bodyPr/>
+                    <a:lstStyle/>
+                    <a:p>
+                      <a:pPr algn="ctr" latinLnBrk="1"/>
+                      <a:endParaRPr lang="ko-KR" altLang="en-US" sz="2200" dirty="0">
+                        <a:solidFill>
+                          <a:schemeClr val="tx1"/>
+                        </a:solidFill>
+                      </a:endParaRPr>
+                    </a:p>
+                  </a:txBody>
+                  <a:tcPr marL="114325" marR="114325" marT="57163" marB="57163" anchor="ctr">
+                    <a:lnL w="12700" cap="flat" cmpd="sng" algn="ctr">
+                      <a:solidFill>
+                        <a:schemeClr val="tx1"/>
+                      </a:solidFill>
+                      <a:prstDash val="solid"/>
+                      <a:round/>
+                      <a:headEnd type="none" w="med" len="med"/>
+                      <a:tailEnd type="none" w="med" len="med"/>
+                    </a:lnL>
+                    <a:lnR w="12700" cap="flat" cmpd="sng" algn="ctr">
+                      <a:solidFill>
+                        <a:schemeClr val="tx1"/>
+                      </a:solidFill>
+                      <a:prstDash val="solid"/>
+                      <a:round/>
+                      <a:headEnd type="none" w="med" len="med"/>
+                      <a:tailEnd type="none" w="med" len="med"/>
+                    </a:lnR>
+                    <a:lnT w="12700" cap="flat" cmpd="sng" algn="ctr">
+                      <a:solidFill>
+                        <a:schemeClr val="tx1"/>
+                      </a:solidFill>
+                      <a:prstDash val="solid"/>
+                      <a:round/>
+                      <a:headEnd type="none" w="med" len="med"/>
+                      <a:tailEnd type="none" w="med" len="med"/>
+                    </a:lnT>
+                    <a:lnB w="12700" cap="flat" cmpd="sng" algn="ctr">
+                      <a:solidFill>
+                        <a:schemeClr val="tx1"/>
+                      </a:solidFill>
+                      <a:prstDash val="solid"/>
+                      <a:round/>
+                      <a:headEnd type="none" w="med" len="med"/>
+                      <a:tailEnd type="none" w="med" len="med"/>
+                    </a:lnB>
+                    <a:noFill/>
+                  </a:tcPr>
+                </a:tc>
+                <a:tc>
+                  <a:txBody>
+                    <a:bodyPr/>
+                    <a:lstStyle/>
+                    <a:p>
+                      <a:pPr algn="ctr" latinLnBrk="1"/>
+                      <a:endParaRPr lang="ko-KR" altLang="en-US" sz="2200" dirty="0">
+                        <a:solidFill>
+                          <a:schemeClr val="tx1"/>
+                        </a:solidFill>
+                      </a:endParaRPr>
+                    </a:p>
+                  </a:txBody>
+                  <a:tcPr marL="114325" marR="114325" marT="57163" marB="57163" anchor="ctr">
+                    <a:lnL w="12700" cap="flat" cmpd="sng" algn="ctr">
+                      <a:solidFill>
+                        <a:schemeClr val="tx1"/>
+                      </a:solidFill>
+                      <a:prstDash val="solid"/>
+                      <a:round/>
+                      <a:headEnd type="none" w="med" len="med"/>
+                      <a:tailEnd type="none" w="med" len="med"/>
+                    </a:lnL>
+                    <a:lnR w="12700" cap="flat" cmpd="sng" algn="ctr">
+                      <a:solidFill>
+                        <a:schemeClr val="tx1"/>
+                      </a:solidFill>
+                      <a:prstDash val="solid"/>
+                      <a:round/>
+                      <a:headEnd type="none" w="med" len="med"/>
+                      <a:tailEnd type="none" w="med" len="med"/>
+                    </a:lnR>
+                    <a:lnT w="12700" cap="flat" cmpd="sng" algn="ctr">
+                      <a:solidFill>
+                        <a:schemeClr val="tx1"/>
+                      </a:solidFill>
+                      <a:prstDash val="solid"/>
+                      <a:round/>
+                      <a:headEnd type="none" w="med" len="med"/>
+                      <a:tailEnd type="none" w="med" len="med"/>
+                    </a:lnT>
+                    <a:lnB w="12700" cap="flat" cmpd="sng" algn="ctr">
+                      <a:solidFill>
+                        <a:schemeClr val="tx1"/>
+                      </a:solidFill>
+                      <a:prstDash val="solid"/>
+                      <a:round/>
+                      <a:headEnd type="none" w="med" len="med"/>
+                      <a:tailEnd type="none" w="med" len="med"/>
+                    </a:lnB>
+                    <a:noFill/>
+                  </a:tcPr>
+                </a:tc>
+                <a:tc>
+                  <a:txBody>
+                    <a:bodyPr/>
+                    <a:lstStyle/>
+                    <a:p>
+                      <a:pPr algn="ctr" latinLnBrk="1"/>
                       <a:r>
                         <a:rPr lang="en-US" altLang="ko-KR" sz="2200" dirty="0">
                           <a:solidFill>
@@ -12811,498 +13487,6 @@
                     <a:noFill/>
                   </a:tcPr>
                 </a:tc>
-                <a:tc>
-                  <a:txBody>
-                    <a:bodyPr/>
-                    <a:lstStyle/>
-                    <a:p>
-                      <a:pPr algn="ctr" latinLnBrk="1"/>
-                      <a:endParaRPr lang="ko-KR" altLang="en-US" sz="2200" dirty="0">
-                        <a:solidFill>
-                          <a:schemeClr val="tx1"/>
-                        </a:solidFill>
-                      </a:endParaRPr>
-                    </a:p>
-                  </a:txBody>
-                  <a:tcPr marL="114325" marR="114325" marT="57163" marB="57163" anchor="ctr">
-                    <a:lnL w="12700" cap="flat" cmpd="sng" algn="ctr">
-                      <a:solidFill>
-                        <a:schemeClr val="tx1"/>
-                      </a:solidFill>
-                      <a:prstDash val="solid"/>
-                      <a:round/>
-                      <a:headEnd type="none" w="med" len="med"/>
-                      <a:tailEnd type="none" w="med" len="med"/>
-                    </a:lnL>
-                    <a:lnR w="12700" cap="flat" cmpd="sng" algn="ctr">
-                      <a:solidFill>
-                        <a:schemeClr val="tx1"/>
-                      </a:solidFill>
-                      <a:prstDash val="solid"/>
-                      <a:round/>
-                      <a:headEnd type="none" w="med" len="med"/>
-                      <a:tailEnd type="none" w="med" len="med"/>
-                    </a:lnR>
-                    <a:lnT w="12700" cap="flat" cmpd="sng" algn="ctr">
-                      <a:solidFill>
-                        <a:schemeClr val="tx1"/>
-                      </a:solidFill>
-                      <a:prstDash val="solid"/>
-                      <a:round/>
-                      <a:headEnd type="none" w="med" len="med"/>
-                      <a:tailEnd type="none" w="med" len="med"/>
-                    </a:lnT>
-                    <a:lnB w="12700" cap="flat" cmpd="sng" algn="ctr">
-                      <a:solidFill>
-                        <a:schemeClr val="tx1"/>
-                      </a:solidFill>
-                      <a:prstDash val="solid"/>
-                      <a:round/>
-                      <a:headEnd type="none" w="med" len="med"/>
-                      <a:tailEnd type="none" w="med" len="med"/>
-                    </a:lnB>
-                    <a:noFill/>
-                  </a:tcPr>
-                </a:tc>
-                <a:tc>
-                  <a:txBody>
-                    <a:bodyPr/>
-                    <a:lstStyle/>
-                    <a:p>
-                      <a:pPr algn="ctr" latinLnBrk="1"/>
-                      <a:endParaRPr lang="ko-KR" altLang="en-US" sz="2200" dirty="0">
-                        <a:solidFill>
-                          <a:schemeClr val="tx1"/>
-                        </a:solidFill>
-                      </a:endParaRPr>
-                    </a:p>
-                  </a:txBody>
-                  <a:tcPr marL="114325" marR="114325" marT="57163" marB="57163" anchor="ctr">
-                    <a:lnL w="12700" cap="flat" cmpd="sng" algn="ctr">
-                      <a:solidFill>
-                        <a:schemeClr val="tx1"/>
-                      </a:solidFill>
-                      <a:prstDash val="solid"/>
-                      <a:round/>
-                      <a:headEnd type="none" w="med" len="med"/>
-                      <a:tailEnd type="none" w="med" len="med"/>
-                    </a:lnL>
-                    <a:lnR w="12700" cap="flat" cmpd="sng" algn="ctr">
-                      <a:solidFill>
-                        <a:schemeClr val="tx1"/>
-                      </a:solidFill>
-                      <a:prstDash val="solid"/>
-                      <a:round/>
-                      <a:headEnd type="none" w="med" len="med"/>
-                      <a:tailEnd type="none" w="med" len="med"/>
-                    </a:lnR>
-                    <a:lnT w="12700" cap="flat" cmpd="sng" algn="ctr">
-                      <a:solidFill>
-                        <a:schemeClr val="tx1"/>
-                      </a:solidFill>
-                      <a:prstDash val="solid"/>
-                      <a:round/>
-                      <a:headEnd type="none" w="med" len="med"/>
-                      <a:tailEnd type="none" w="med" len="med"/>
-                    </a:lnT>
-                    <a:lnB w="12700" cap="flat" cmpd="sng" algn="ctr">
-                      <a:solidFill>
-                        <a:schemeClr val="tx1"/>
-                      </a:solidFill>
-                      <a:prstDash val="solid"/>
-                      <a:round/>
-                      <a:headEnd type="none" w="med" len="med"/>
-                      <a:tailEnd type="none" w="med" len="med"/>
-                    </a:lnB>
-                    <a:noFill/>
-                  </a:tcPr>
-                </a:tc>
-                <a:tc>
-                  <a:txBody>
-                    <a:bodyPr/>
-                    <a:lstStyle/>
-                    <a:p>
-                      <a:pPr algn="ctr" latinLnBrk="1"/>
-                      <a:endParaRPr lang="ko-KR" altLang="en-US" sz="2200" dirty="0">
-                        <a:solidFill>
-                          <a:schemeClr val="tx1"/>
-                        </a:solidFill>
-                      </a:endParaRPr>
-                    </a:p>
-                  </a:txBody>
-                  <a:tcPr marL="114325" marR="114325" marT="57163" marB="57163" anchor="ctr">
-                    <a:lnL w="12700" cap="flat" cmpd="sng" algn="ctr">
-                      <a:solidFill>
-                        <a:schemeClr val="tx1"/>
-                      </a:solidFill>
-                      <a:prstDash val="solid"/>
-                      <a:round/>
-                      <a:headEnd type="none" w="med" len="med"/>
-                      <a:tailEnd type="none" w="med" len="med"/>
-                    </a:lnL>
-                    <a:lnR w="12700" cap="flat" cmpd="sng" algn="ctr">
-                      <a:solidFill>
-                        <a:schemeClr val="tx1"/>
-                      </a:solidFill>
-                      <a:prstDash val="solid"/>
-                      <a:round/>
-                      <a:headEnd type="none" w="med" len="med"/>
-                      <a:tailEnd type="none" w="med" len="med"/>
-                    </a:lnR>
-                    <a:lnT w="12700" cap="flat" cmpd="sng" algn="ctr">
-                      <a:solidFill>
-                        <a:schemeClr val="tx1"/>
-                      </a:solidFill>
-                      <a:prstDash val="solid"/>
-                      <a:round/>
-                      <a:headEnd type="none" w="med" len="med"/>
-                      <a:tailEnd type="none" w="med" len="med"/>
-                    </a:lnT>
-                    <a:lnB w="12700" cap="flat" cmpd="sng" algn="ctr">
-                      <a:solidFill>
-                        <a:schemeClr val="tx1"/>
-                      </a:solidFill>
-                      <a:prstDash val="solid"/>
-                      <a:round/>
-                      <a:headEnd type="none" w="med" len="med"/>
-                      <a:tailEnd type="none" w="med" len="med"/>
-                    </a:lnB>
-                    <a:noFill/>
-                  </a:tcPr>
-                </a:tc>
-                <a:extLst>
-                  <a:ext uri="{0D108BD9-81ED-4DB2-BD59-A6C34878D82A}">
-                    <a16:rowId xmlns:a16="http://schemas.microsoft.com/office/drawing/2014/main" val="3577350407"/>
-                  </a:ext>
-                </a:extLst>
-              </a:tr>
-              <a:tr h="948541">
-                <a:tc>
-                  <a:txBody>
-                    <a:bodyPr/>
-                    <a:lstStyle/>
-                    <a:p>
-                      <a:pPr algn="ctr" latinLnBrk="1"/>
-                      <a:r>
-                        <a:rPr lang="en-US" altLang="ko-KR" sz="2200" dirty="0">
-                          <a:solidFill>
-                            <a:schemeClr val="tx1"/>
-                          </a:solidFill>
-                        </a:rPr>
-                        <a:t>2</a:t>
-                      </a:r>
-                      <a:endParaRPr lang="ko-KR" altLang="en-US" sz="2200" dirty="0">
-                        <a:solidFill>
-                          <a:schemeClr val="tx1"/>
-                        </a:solidFill>
-                      </a:endParaRPr>
-                    </a:p>
-                  </a:txBody>
-                  <a:tcPr marL="114325" marR="114325" marT="57163" marB="57163" anchor="ctr">
-                    <a:lnL w="12700" cap="flat" cmpd="sng" algn="ctr">
-                      <a:solidFill>
-                        <a:schemeClr val="tx1"/>
-                      </a:solidFill>
-                      <a:prstDash val="solid"/>
-                      <a:round/>
-                      <a:headEnd type="none" w="med" len="med"/>
-                      <a:tailEnd type="none" w="med" len="med"/>
-                    </a:lnL>
-                    <a:lnR w="12700" cap="flat" cmpd="sng" algn="ctr">
-                      <a:solidFill>
-                        <a:schemeClr val="tx1"/>
-                      </a:solidFill>
-                      <a:prstDash val="solid"/>
-                      <a:round/>
-                      <a:headEnd type="none" w="med" len="med"/>
-                      <a:tailEnd type="none" w="med" len="med"/>
-                    </a:lnR>
-                    <a:lnT w="12700" cap="flat" cmpd="sng" algn="ctr">
-                      <a:solidFill>
-                        <a:schemeClr val="tx1"/>
-                      </a:solidFill>
-                      <a:prstDash val="solid"/>
-                      <a:round/>
-                      <a:headEnd type="none" w="med" len="med"/>
-                      <a:tailEnd type="none" w="med" len="med"/>
-                    </a:lnT>
-                    <a:lnB w="12700" cap="flat" cmpd="sng" algn="ctr">
-                      <a:solidFill>
-                        <a:schemeClr val="tx1"/>
-                      </a:solidFill>
-                      <a:prstDash val="solid"/>
-                      <a:round/>
-                      <a:headEnd type="none" w="med" len="med"/>
-                      <a:tailEnd type="none" w="med" len="med"/>
-                    </a:lnB>
-                    <a:noFill/>
-                  </a:tcPr>
-                </a:tc>
-                <a:tc>
-                  <a:txBody>
-                    <a:bodyPr/>
-                    <a:lstStyle/>
-                    <a:p>
-                      <a:pPr algn="ctr" latinLnBrk="1"/>
-                      <a:endParaRPr lang="ko-KR" altLang="en-US" sz="2200" dirty="0">
-                        <a:solidFill>
-                          <a:schemeClr val="tx1"/>
-                        </a:solidFill>
-                      </a:endParaRPr>
-                    </a:p>
-                  </a:txBody>
-                  <a:tcPr marL="114325" marR="114325" marT="57163" marB="57163" anchor="ctr">
-                    <a:lnL w="12700" cap="flat" cmpd="sng" algn="ctr">
-                      <a:solidFill>
-                        <a:schemeClr val="tx1"/>
-                      </a:solidFill>
-                      <a:prstDash val="solid"/>
-                      <a:round/>
-                      <a:headEnd type="none" w="med" len="med"/>
-                      <a:tailEnd type="none" w="med" len="med"/>
-                    </a:lnL>
-                    <a:lnR w="12700" cap="flat" cmpd="sng" algn="ctr">
-                      <a:solidFill>
-                        <a:schemeClr val="tx1"/>
-                      </a:solidFill>
-                      <a:prstDash val="solid"/>
-                      <a:round/>
-                      <a:headEnd type="none" w="med" len="med"/>
-                      <a:tailEnd type="none" w="med" len="med"/>
-                    </a:lnR>
-                    <a:lnT w="12700" cap="flat" cmpd="sng" algn="ctr">
-                      <a:solidFill>
-                        <a:schemeClr val="tx1"/>
-                      </a:solidFill>
-                      <a:prstDash val="solid"/>
-                      <a:round/>
-                      <a:headEnd type="none" w="med" len="med"/>
-                      <a:tailEnd type="none" w="med" len="med"/>
-                    </a:lnT>
-                    <a:lnB w="12700" cap="flat" cmpd="sng" algn="ctr">
-                      <a:solidFill>
-                        <a:schemeClr val="tx1"/>
-                      </a:solidFill>
-                      <a:prstDash val="solid"/>
-                      <a:round/>
-                      <a:headEnd type="none" w="med" len="med"/>
-                      <a:tailEnd type="none" w="med" len="med"/>
-                    </a:lnB>
-                    <a:noFill/>
-                  </a:tcPr>
-                </a:tc>
-                <a:tc>
-                  <a:txBody>
-                    <a:bodyPr/>
-                    <a:lstStyle/>
-                    <a:p>
-                      <a:pPr algn="ctr" latinLnBrk="1"/>
-                      <a:endParaRPr lang="ko-KR" altLang="en-US" sz="2200" dirty="0">
-                        <a:solidFill>
-                          <a:schemeClr val="tx1"/>
-                        </a:solidFill>
-                      </a:endParaRPr>
-                    </a:p>
-                  </a:txBody>
-                  <a:tcPr marL="114325" marR="114325" marT="57163" marB="57163" anchor="ctr">
-                    <a:lnL w="12700" cap="flat" cmpd="sng" algn="ctr">
-                      <a:solidFill>
-                        <a:schemeClr val="tx1"/>
-                      </a:solidFill>
-                      <a:prstDash val="solid"/>
-                      <a:round/>
-                      <a:headEnd type="none" w="med" len="med"/>
-                      <a:tailEnd type="none" w="med" len="med"/>
-                    </a:lnL>
-                    <a:lnR w="12700" cap="flat" cmpd="sng" algn="ctr">
-                      <a:solidFill>
-                        <a:schemeClr val="tx1"/>
-                      </a:solidFill>
-                      <a:prstDash val="solid"/>
-                      <a:round/>
-                      <a:headEnd type="none" w="med" len="med"/>
-                      <a:tailEnd type="none" w="med" len="med"/>
-                    </a:lnR>
-                    <a:lnT w="12700" cap="flat" cmpd="sng" algn="ctr">
-                      <a:solidFill>
-                        <a:schemeClr val="tx1"/>
-                      </a:solidFill>
-                      <a:prstDash val="solid"/>
-                      <a:round/>
-                      <a:headEnd type="none" w="med" len="med"/>
-                      <a:tailEnd type="none" w="med" len="med"/>
-                    </a:lnT>
-                    <a:lnB w="12700" cap="flat" cmpd="sng" algn="ctr">
-                      <a:solidFill>
-                        <a:schemeClr val="tx1"/>
-                      </a:solidFill>
-                      <a:prstDash val="solid"/>
-                      <a:round/>
-                      <a:headEnd type="none" w="med" len="med"/>
-                      <a:tailEnd type="none" w="med" len="med"/>
-                    </a:lnB>
-                    <a:noFill/>
-                  </a:tcPr>
-                </a:tc>
-                <a:tc>
-                  <a:txBody>
-                    <a:bodyPr/>
-                    <a:lstStyle/>
-                    <a:p>
-                      <a:pPr algn="ctr" latinLnBrk="1"/>
-                      <a:endParaRPr lang="ko-KR" altLang="en-US" sz="2200" dirty="0">
-                        <a:solidFill>
-                          <a:schemeClr val="tx1"/>
-                        </a:solidFill>
-                      </a:endParaRPr>
-                    </a:p>
-                  </a:txBody>
-                  <a:tcPr marL="114325" marR="114325" marT="57163" marB="57163" anchor="ctr">
-                    <a:lnL w="12700" cap="flat" cmpd="sng" algn="ctr">
-                      <a:solidFill>
-                        <a:schemeClr val="tx1"/>
-                      </a:solidFill>
-                      <a:prstDash val="solid"/>
-                      <a:round/>
-                      <a:headEnd type="none" w="med" len="med"/>
-                      <a:tailEnd type="none" w="med" len="med"/>
-                    </a:lnL>
-                    <a:lnR w="12700" cap="flat" cmpd="sng" algn="ctr">
-                      <a:solidFill>
-                        <a:schemeClr val="tx1"/>
-                      </a:solidFill>
-                      <a:prstDash val="solid"/>
-                      <a:round/>
-                      <a:headEnd type="none" w="med" len="med"/>
-                      <a:tailEnd type="none" w="med" len="med"/>
-                    </a:lnR>
-                    <a:lnT w="12700" cap="flat" cmpd="sng" algn="ctr">
-                      <a:solidFill>
-                        <a:schemeClr val="tx1"/>
-                      </a:solidFill>
-                      <a:prstDash val="solid"/>
-                      <a:round/>
-                      <a:headEnd type="none" w="med" len="med"/>
-                      <a:tailEnd type="none" w="med" len="med"/>
-                    </a:lnT>
-                    <a:lnB w="12700" cap="flat" cmpd="sng" algn="ctr">
-                      <a:solidFill>
-                        <a:schemeClr val="tx1"/>
-                      </a:solidFill>
-                      <a:prstDash val="solid"/>
-                      <a:round/>
-                      <a:headEnd type="none" w="med" len="med"/>
-                      <a:tailEnd type="none" w="med" len="med"/>
-                    </a:lnB>
-                    <a:noFill/>
-                  </a:tcPr>
-                </a:tc>
-                <a:tc>
-                  <a:txBody>
-                    <a:bodyPr/>
-                    <a:lstStyle/>
-                    <a:p>
-                      <a:pPr algn="ctr" latinLnBrk="1"/>
-                      <a:endParaRPr lang="ko-KR" altLang="en-US" sz="2200" dirty="0">
-                        <a:solidFill>
-                          <a:schemeClr val="tx1"/>
-                        </a:solidFill>
-                      </a:endParaRPr>
-                    </a:p>
-                  </a:txBody>
-                  <a:tcPr marL="114325" marR="114325" marT="57163" marB="57163" anchor="ctr">
-                    <a:lnL w="12700" cap="flat" cmpd="sng" algn="ctr">
-                      <a:solidFill>
-                        <a:schemeClr val="tx1"/>
-                      </a:solidFill>
-                      <a:prstDash val="solid"/>
-                      <a:round/>
-                      <a:headEnd type="none" w="med" len="med"/>
-                      <a:tailEnd type="none" w="med" len="med"/>
-                    </a:lnL>
-                    <a:lnR w="12700" cap="flat" cmpd="sng" algn="ctr">
-                      <a:solidFill>
-                        <a:schemeClr val="tx1"/>
-                      </a:solidFill>
-                      <a:prstDash val="solid"/>
-                      <a:round/>
-                      <a:headEnd type="none" w="med" len="med"/>
-                      <a:tailEnd type="none" w="med" len="med"/>
-                    </a:lnR>
-                    <a:lnT w="12700" cap="flat" cmpd="sng" algn="ctr">
-                      <a:solidFill>
-                        <a:schemeClr val="tx1"/>
-                      </a:solidFill>
-                      <a:prstDash val="solid"/>
-                      <a:round/>
-                      <a:headEnd type="none" w="med" len="med"/>
-                      <a:tailEnd type="none" w="med" len="med"/>
-                    </a:lnT>
-                    <a:lnB w="12700" cap="flat" cmpd="sng" algn="ctr">
-                      <a:solidFill>
-                        <a:schemeClr val="tx1"/>
-                      </a:solidFill>
-                      <a:prstDash val="solid"/>
-                      <a:round/>
-                      <a:headEnd type="none" w="med" len="med"/>
-                      <a:tailEnd type="none" w="med" len="med"/>
-                    </a:lnB>
-                    <a:noFill/>
-                  </a:tcPr>
-                </a:tc>
-                <a:tc>
-                  <a:txBody>
-                    <a:bodyPr/>
-                    <a:lstStyle/>
-                    <a:p>
-                      <a:pPr algn="ctr" latinLnBrk="1"/>
-                      <a:endParaRPr lang="ko-KR" altLang="en-US" sz="2200" dirty="0">
-                        <a:solidFill>
-                          <a:schemeClr val="tx1"/>
-                        </a:solidFill>
-                      </a:endParaRPr>
-                    </a:p>
-                  </a:txBody>
-                  <a:tcPr marL="114325" marR="114325" marT="57163" marB="57163" anchor="ctr">
-                    <a:lnL w="12700" cap="flat" cmpd="sng" algn="ctr">
-                      <a:solidFill>
-                        <a:schemeClr val="tx1"/>
-                      </a:solidFill>
-                      <a:prstDash val="solid"/>
-                      <a:round/>
-                      <a:headEnd type="none" w="med" len="med"/>
-                      <a:tailEnd type="none" w="med" len="med"/>
-                    </a:lnL>
-                    <a:lnR w="12700" cap="flat" cmpd="sng" algn="ctr">
-                      <a:solidFill>
-                        <a:schemeClr val="tx1"/>
-                      </a:solidFill>
-                      <a:prstDash val="solid"/>
-                      <a:round/>
-                      <a:headEnd type="none" w="med" len="med"/>
-                      <a:tailEnd type="none" w="med" len="med"/>
-                    </a:lnR>
-                    <a:lnT w="12700" cap="flat" cmpd="sng" algn="ctr">
-                      <a:solidFill>
-                        <a:schemeClr val="tx1"/>
-                      </a:solidFill>
-                      <a:prstDash val="solid"/>
-                      <a:round/>
-                      <a:headEnd type="none" w="med" len="med"/>
-                      <a:tailEnd type="none" w="med" len="med"/>
-                    </a:lnT>
-                    <a:lnB w="12700" cap="flat" cmpd="sng" algn="ctr">
-                      <a:solidFill>
-                        <a:schemeClr val="tx1"/>
-                      </a:solidFill>
-                      <a:prstDash val="solid"/>
-                      <a:round/>
-                      <a:headEnd type="none" w="med" len="med"/>
-                      <a:tailEnd type="none" w="med" len="med"/>
-                    </a:lnB>
-                    <a:noFill/>
-                  </a:tcPr>
-                </a:tc>
                 <a:extLst>
                   <a:ext uri="{0D108BD9-81ED-4DB2-BD59-A6C34878D82A}">
                     <a16:rowId xmlns:a16="http://schemas.microsoft.com/office/drawing/2014/main" val="752207682"/>
@@ -13376,11 +13560,53 @@
                     <a:bodyPr/>
                     <a:lstStyle/>
                     <a:p>
-                      <a:pPr algn="ctr" latinLnBrk="1"/>
-                      <a:endParaRPr lang="ko-KR" altLang="en-US" sz="2200" dirty="0">
-                        <a:solidFill>
-                          <a:schemeClr val="tx1"/>
-                        </a:solidFill>
+                      <a:pPr marL="0" marR="0" lvl="0" indent="0" algn="ctr" defTabSz="914400" rtl="0" eaLnBrk="1" fontAlgn="auto" latinLnBrk="1" hangingPunct="1">
+                        <a:lnSpc>
+                          <a:spcPct val="100000"/>
+                        </a:lnSpc>
+                        <a:spcBef>
+                          <a:spcPts val="0"/>
+                        </a:spcBef>
+                        <a:spcAft>
+                          <a:spcPts val="0"/>
+                        </a:spcAft>
+                        <a:buClrTx/>
+                        <a:buSzTx/>
+                        <a:buFontTx/>
+                        <a:buNone/>
+                        <a:tabLst/>
+                        <a:defRPr/>
+                      </a:pPr>
+                      <a:r>
+                        <a:rPr kumimoji="0" lang="en-US" altLang="ko-KR" sz="2200" b="0" i="0" u="none" strike="noStrike" kern="1200" cap="none" spc="0" normalizeH="0" baseline="0" noProof="0">
+                          <a:ln>
+                            <a:noFill/>
+                          </a:ln>
+                          <a:solidFill>
+                            <a:prstClr val="black"/>
+                          </a:solidFill>
+                          <a:effectLst/>
+                          <a:uLnTx/>
+                          <a:uFillTx/>
+                          <a:latin typeface="맑은 고딕" panose="020F0502020204030204"/>
+                          <a:ea typeface="맑은 고딕" panose="020B0503020000020004" pitchFamily="50" charset="-127"/>
+                          <a:cs typeface="+mn-cs"/>
+                        </a:rPr>
+                        <a:t>x</a:t>
+                      </a:r>
+                      <a:endParaRPr kumimoji="0" lang="ko-KR" altLang="en-US" sz="2200" b="0" i="0" u="none" strike="noStrike" kern="1200" cap="none" spc="0" normalizeH="0" baseline="0" noProof="0" dirty="0">
+                        <a:ln>
+                          <a:noFill/>
+                        </a:ln>
+                        <a:solidFill>
+                          <a:prstClr val="black"/>
+                        </a:solidFill>
+                        <a:effectLst/>
+                        <a:uLnTx/>
+                        <a:uFillTx/>
+                        <a:latin typeface="맑은 고딕" panose="020F0502020204030204"/>
+                        <a:ea typeface="맑은 고딕" panose="020B0503020000020004" pitchFamily="50" charset="-127"/>
+                        <a:cs typeface="+mn-cs"/>
                       </a:endParaRPr>
                     </a:p>
                   </a:txBody>
@@ -13429,11 +13655,53 @@
                     <a:bodyPr/>
                     <a:lstStyle/>
                     <a:p>
-                      <a:pPr algn="ctr" latinLnBrk="1"/>
-                      <a:endParaRPr lang="ko-KR" altLang="en-US" sz="2200" dirty="0">
-                        <a:solidFill>
-                          <a:schemeClr val="tx1"/>
-                        </a:solidFill>
+                      <a:pPr marL="0" marR="0" lvl="0" indent="0" algn="ctr" defTabSz="914400" rtl="0" eaLnBrk="1" fontAlgn="auto" latinLnBrk="1" hangingPunct="1">
+                        <a:lnSpc>
+                          <a:spcPct val="100000"/>
+                        </a:lnSpc>
+                        <a:spcBef>
+                          <a:spcPts val="0"/>
+                        </a:spcBef>
+                        <a:spcAft>
+                          <a:spcPts val="0"/>
+                        </a:spcAft>
+                        <a:buClrTx/>
+                        <a:buSzTx/>
+                        <a:buFontTx/>
+                        <a:buNone/>
+                        <a:tabLst/>
+                        <a:defRPr/>
+                      </a:pPr>
+                      <a:r>
+                        <a:rPr kumimoji="0" lang="en-US" altLang="ko-KR" sz="2200" b="0" i="0" u="none" strike="noStrike" kern="1200" cap="none" spc="0" normalizeH="0" baseline="0" noProof="0">
+                          <a:ln>
+                            <a:noFill/>
+                          </a:ln>
+                          <a:solidFill>
+                            <a:prstClr val="black"/>
+                          </a:solidFill>
+                          <a:effectLst/>
+                          <a:uLnTx/>
+                          <a:uFillTx/>
+                          <a:latin typeface="맑은 고딕" panose="020F0502020204030204"/>
+                          <a:ea typeface="맑은 고딕" panose="020B0503020000020004" pitchFamily="50" charset="-127"/>
+                          <a:cs typeface="+mn-cs"/>
+                        </a:rPr>
+                        <a:t>x</a:t>
+                      </a:r>
+                      <a:endParaRPr kumimoji="0" lang="ko-KR" altLang="en-US" sz="2200" b="0" i="0" u="none" strike="noStrike" kern="1200" cap="none" spc="0" normalizeH="0" baseline="0" noProof="0" dirty="0">
+                        <a:ln>
+                          <a:noFill/>
+                        </a:ln>
+                        <a:solidFill>
+                          <a:prstClr val="black"/>
+                        </a:solidFill>
+                        <a:effectLst/>
+                        <a:uLnTx/>
+                        <a:uFillTx/>
+                        <a:latin typeface="맑은 고딕" panose="020F0502020204030204"/>
+                        <a:ea typeface="맑은 고딕" panose="020B0503020000020004" pitchFamily="50" charset="-127"/>
+                        <a:cs typeface="+mn-cs"/>
                       </a:endParaRPr>
                     </a:p>
                   </a:txBody>
@@ -13482,11 +13750,53 @@
                     <a:bodyPr/>
                     <a:lstStyle/>
                     <a:p>
-                      <a:pPr algn="ctr" latinLnBrk="1"/>
-                      <a:endParaRPr lang="ko-KR" altLang="en-US" sz="2200" dirty="0">
-                        <a:solidFill>
-                          <a:schemeClr val="tx1"/>
-                        </a:solidFill>
+                      <a:pPr marL="0" marR="0" lvl="0" indent="0" algn="ctr" defTabSz="914400" rtl="0" eaLnBrk="1" fontAlgn="auto" latinLnBrk="1" hangingPunct="1">
+                        <a:lnSpc>
+                          <a:spcPct val="100000"/>
+                        </a:lnSpc>
+                        <a:spcBef>
+                          <a:spcPts val="0"/>
+                        </a:spcBef>
+                        <a:spcAft>
+                          <a:spcPts val="0"/>
+                        </a:spcAft>
+                        <a:buClrTx/>
+                        <a:buSzTx/>
+                        <a:buFontTx/>
+                        <a:buNone/>
+                        <a:tabLst/>
+                        <a:defRPr/>
+                      </a:pPr>
+                      <a:r>
+                        <a:rPr kumimoji="0" lang="en-US" altLang="ko-KR" sz="2200" b="0" i="0" u="none" strike="noStrike" kern="1200" cap="none" spc="0" normalizeH="0" baseline="0" noProof="0" dirty="0">
+                          <a:ln>
+                            <a:noFill/>
+                          </a:ln>
+                          <a:solidFill>
+                            <a:prstClr val="black"/>
+                          </a:solidFill>
+                          <a:effectLst/>
+                          <a:uLnTx/>
+                          <a:uFillTx/>
+                          <a:latin typeface="맑은 고딕" panose="020F0502020204030204"/>
+                          <a:ea typeface="맑은 고딕" panose="020B0503020000020004" pitchFamily="50" charset="-127"/>
+                          <a:cs typeface="+mn-cs"/>
+                        </a:rPr>
+                        <a:t>x</a:t>
+                      </a:r>
+                      <a:endParaRPr kumimoji="0" lang="ko-KR" altLang="en-US" sz="2200" b="0" i="0" u="none" strike="noStrike" kern="1200" cap="none" spc="0" normalizeH="0" baseline="0" noProof="0" dirty="0">
+                        <a:ln>
+                          <a:noFill/>
+                        </a:ln>
+                        <a:solidFill>
+                          <a:prstClr val="black"/>
+                        </a:solidFill>
+                        <a:effectLst/>
+                        <a:uLnTx/>
+                        <a:uFillTx/>
+                        <a:latin typeface="맑은 고딕" panose="020F0502020204030204"/>
+                        <a:ea typeface="맑은 고딕" panose="020B0503020000020004" pitchFamily="50" charset="-127"/>
+                        <a:cs typeface="+mn-cs"/>
                       </a:endParaRPr>
                     </a:p>
                   </a:txBody>
